--- a/웹프레임워크1(B)_10팀_NONE-ERROR 최종발표.pptx
+++ b/웹프레임워크1(B)_10팀_NONE-ERROR 최종발표.pptx
@@ -1,39 +1,481 @@
 
 <file path=ppt/presentation.xml><?xml version="1.0" encoding="utf-8"?>
-<p:presentation xmlns:a="http://schemas.openxmlformats.org/drawingml/2006/main" xmlns:p="http://schemas.openxmlformats.org/presentationml/2006/main" xmlns:r="http://schemas.openxmlformats.org/officeDocument/2006/relationships" xmlns:p14="http://schemas.microsoft.com/office/powerpoint/2010/main" xmlns:p15="http://schemas.microsoft.com/office/powerpoint/2012/main" xmlns:mc="http://schemas.openxmlformats.org/markup-compatibility/2006">
+<p:presentation xmlns:a="http://schemas.openxmlformats.org/drawingml/2006/main" xmlns:r="http://schemas.openxmlformats.org/officeDocument/2006/relationships" xmlns:p="http://schemas.openxmlformats.org/presentationml/2006/main">
   <p:sldMasterIdLst>
-    <p:sldMasterId id="2147483648" r:id="rId2"/>
-    <p:sldMasterId id="2147483661" r:id="rId3"/>
+    <p:sldMasterId id="2147483648" r:id="rId1"/>
+    <p:sldMasterId id="2147483661" r:id="rId2"/>
   </p:sldMasterIdLst>
   <p:notesMasterIdLst>
-    <p:notesMasterId r:id="rId4"/>
+    <p:notesMasterId r:id="rId20"/>
   </p:notesMasterIdLst>
   <p:sldIdLst>
-    <p:sldId id="256" r:id="rId5"/>
-    <p:sldId id="257" r:id="rId6"/>
-    <p:sldId id="258" r:id="rId7"/>
-    <p:sldId id="259" r:id="rId8"/>
-    <p:sldId id="260" r:id="rId9"/>
-    <p:sldId id="261" r:id="rId10"/>
-    <p:sldId id="262" r:id="rId11"/>
-    <p:sldId id="263" r:id="rId12"/>
-    <p:sldId id="264" r:id="rId13"/>
-    <p:sldId id="265" r:id="rId14"/>
-    <p:sldId id="266" r:id="rId15"/>
-    <p:sldId id="267" r:id="rId16"/>
-    <p:sldId id="268" r:id="rId17"/>
-    <p:sldId id="269" r:id="rId18"/>
-    <p:sldId id="270" r:id="rId19"/>
-    <p:sldId id="271" r:id="rId20"/>
-    <p:sldId id="272" r:id="rId21"/>
+    <p:sldId id="256" r:id="rId3"/>
+    <p:sldId id="257" r:id="rId4"/>
+    <p:sldId id="258" r:id="rId5"/>
+    <p:sldId id="259" r:id="rId6"/>
+    <p:sldId id="260" r:id="rId7"/>
+    <p:sldId id="261" r:id="rId8"/>
+    <p:sldId id="262" r:id="rId9"/>
+    <p:sldId id="263" r:id="rId10"/>
+    <p:sldId id="264" r:id="rId11"/>
+    <p:sldId id="265" r:id="rId12"/>
+    <p:sldId id="266" r:id="rId13"/>
+    <p:sldId id="267" r:id="rId14"/>
+    <p:sldId id="268" r:id="rId15"/>
+    <p:sldId id="269" r:id="rId16"/>
+    <p:sldId id="270" r:id="rId17"/>
+    <p:sldId id="271" r:id="rId18"/>
+    <p:sldId id="272" r:id="rId19"/>
   </p:sldIdLst>
-  <p:sldSz cx="9906000" cy="6858000"/>
+  <p:sldSz cx="9906000" cy="6858000" type="A4"/>
   <p:notesSz cx="6858000" cy="9144000"/>
+  <p:defaultTextStyle>
+    <a:defPPr>
+      <a:defRPr lang="ko-KR"/>
+    </a:defPPr>
+    <a:lvl1pPr marL="0" algn="l" defTabSz="914400" rtl="0" eaLnBrk="1" latinLnBrk="1" hangingPunct="1">
+      <a:defRPr sz="1800" kern="1200">
+        <a:solidFill>
+          <a:schemeClr val="tx1"/>
+        </a:solidFill>
+        <a:latin typeface="+mn-lt"/>
+        <a:ea typeface="+mn-ea"/>
+        <a:cs typeface="+mn-cs"/>
+      </a:defRPr>
+    </a:lvl1pPr>
+    <a:lvl2pPr marL="457200" algn="l" defTabSz="914400" rtl="0" eaLnBrk="1" latinLnBrk="1" hangingPunct="1">
+      <a:defRPr sz="1800" kern="1200">
+        <a:solidFill>
+          <a:schemeClr val="tx1"/>
+        </a:solidFill>
+        <a:latin typeface="+mn-lt"/>
+        <a:ea typeface="+mn-ea"/>
+        <a:cs typeface="+mn-cs"/>
+      </a:defRPr>
+    </a:lvl2pPr>
+    <a:lvl3pPr marL="914400" algn="l" defTabSz="914400" rtl="0" eaLnBrk="1" latinLnBrk="1" hangingPunct="1">
+      <a:defRPr sz="1800" kern="1200">
+        <a:solidFill>
+          <a:schemeClr val="tx1"/>
+        </a:solidFill>
+        <a:latin typeface="+mn-lt"/>
+        <a:ea typeface="+mn-ea"/>
+        <a:cs typeface="+mn-cs"/>
+      </a:defRPr>
+    </a:lvl3pPr>
+    <a:lvl4pPr marL="1371600" algn="l" defTabSz="914400" rtl="0" eaLnBrk="1" latinLnBrk="1" hangingPunct="1">
+      <a:defRPr sz="1800" kern="1200">
+        <a:solidFill>
+          <a:schemeClr val="tx1"/>
+        </a:solidFill>
+        <a:latin typeface="+mn-lt"/>
+        <a:ea typeface="+mn-ea"/>
+        <a:cs typeface="+mn-cs"/>
+      </a:defRPr>
+    </a:lvl4pPr>
+    <a:lvl5pPr marL="1828800" algn="l" defTabSz="914400" rtl="0" eaLnBrk="1" latinLnBrk="1" hangingPunct="1">
+      <a:defRPr sz="1800" kern="1200">
+        <a:solidFill>
+          <a:schemeClr val="tx1"/>
+        </a:solidFill>
+        <a:latin typeface="+mn-lt"/>
+        <a:ea typeface="+mn-ea"/>
+        <a:cs typeface="+mn-cs"/>
+      </a:defRPr>
+    </a:lvl5pPr>
+    <a:lvl6pPr marL="2286000" algn="l" defTabSz="914400" rtl="0" eaLnBrk="1" latinLnBrk="1" hangingPunct="1">
+      <a:defRPr sz="1800" kern="1200">
+        <a:solidFill>
+          <a:schemeClr val="tx1"/>
+        </a:solidFill>
+        <a:latin typeface="+mn-lt"/>
+        <a:ea typeface="+mn-ea"/>
+        <a:cs typeface="+mn-cs"/>
+      </a:defRPr>
+    </a:lvl6pPr>
+    <a:lvl7pPr marL="2743200" algn="l" defTabSz="914400" rtl="0" eaLnBrk="1" latinLnBrk="1" hangingPunct="1">
+      <a:defRPr sz="1800" kern="1200">
+        <a:solidFill>
+          <a:schemeClr val="tx1"/>
+        </a:solidFill>
+        <a:latin typeface="+mn-lt"/>
+        <a:ea typeface="+mn-ea"/>
+        <a:cs typeface="+mn-cs"/>
+      </a:defRPr>
+    </a:lvl7pPr>
+    <a:lvl8pPr marL="3200400" algn="l" defTabSz="914400" rtl="0" eaLnBrk="1" latinLnBrk="1" hangingPunct="1">
+      <a:defRPr sz="1800" kern="1200">
+        <a:solidFill>
+          <a:schemeClr val="tx1"/>
+        </a:solidFill>
+        <a:latin typeface="+mn-lt"/>
+        <a:ea typeface="+mn-ea"/>
+        <a:cs typeface="+mn-cs"/>
+      </a:defRPr>
+    </a:lvl8pPr>
+    <a:lvl9pPr marL="3657600" algn="l" defTabSz="914400" rtl="0" eaLnBrk="1" latinLnBrk="1" hangingPunct="1">
+      <a:defRPr sz="1800" kern="1200">
+        <a:solidFill>
+          <a:schemeClr val="tx1"/>
+        </a:solidFill>
+        <a:latin typeface="+mn-lt"/>
+        <a:ea typeface="+mn-ea"/>
+        <a:cs typeface="+mn-cs"/>
+      </a:defRPr>
+    </a:lvl9pPr>
+  </p:defaultTextStyle>
 </p:presentation>
 </file>
 
 <file path=ppt/notesMasters/notesMaster1.xml><?xml version="1.0" encoding="utf-8"?>
-<p:notesMaster xmlns:a="http://schemas.openxmlformats.org/drawingml/2006/main" xmlns:p="http://schemas.openxmlformats.org/presentationml/2006/main" xmlns:r="http://schemas.openxmlformats.org/officeDocument/2006/relationships" xmlns:p14="http://schemas.microsoft.com/office/powerpoint/2010/main" xmlns:p15="http://schemas.microsoft.com/office/powerpoint/2012/main" xmlns:mc="http://schemas.openxmlformats.org/markup-compatibility/2006">
+<p:notesMaster xmlns:a="http://schemas.openxmlformats.org/drawingml/2006/main" xmlns:r="http://schemas.openxmlformats.org/officeDocument/2006/relationships" xmlns:p="http://schemas.openxmlformats.org/presentationml/2006/main">
+  <p:cSld>
+    <p:bg>
+      <p:bgRef idx="1001">
+        <a:schemeClr val="bg1"/>
+      </p:bgRef>
+    </p:bg>
+    <p:spTree>
+      <p:nvGrpSpPr>
+        <p:cNvPr id="1" name=""/>
+        <p:cNvGrpSpPr/>
+        <p:nvPr/>
+      </p:nvGrpSpPr>
+      <p:grpSpPr>
+        <a:xfrm>
+          <a:off x="0" y="0"/>
+          <a:ext cx="0" cy="0"/>
+          <a:chOff x="0" y="0"/>
+          <a:chExt cx="0" cy="0"/>
+        </a:xfrm>
+      </p:grpSpPr>
+      <p:sp>
+        <p:nvSpPr>
+          <p:cNvPr id="82" name="PlaceHolder 1"/>
+          <p:cNvSpPr>
+            <a:spLocks noGrp="1" noRot="1" noChangeAspect="1"/>
+          </p:cNvSpPr>
+          <p:nvPr>
+            <p:ph type="sldImg"/>
+          </p:nvPr>
+        </p:nvSpPr>
+        <p:spPr>
+          <a:xfrm>
+            <a:off x="216000" y="812520"/>
+            <a:ext cx="7127280" cy="4008960"/>
+          </a:xfrm>
+          <a:prstGeom prst="rect">
+            <a:avLst/>
+          </a:prstGeom>
+        </p:spPr>
+        <p:txBody>
+          <a:bodyPr lIns="0" tIns="0" rIns="0" bIns="0" anchor="ctr">
+            <a:noAutofit/>
+          </a:bodyPr>
+          <a:lstStyle/>
+          <a:p>
+            <a:r>
+              <a:rPr lang="ko-KR" sz="1800" b="0" strike="noStrike" spc="-1">
+                <a:solidFill>
+                  <a:srgbClr val="000000"/>
+                </a:solidFill>
+                <a:latin typeface="맑은 고딕"/>
+              </a:rPr>
+              <a:t>슬라이드를 이동하려면 클릭하십시오</a:t>
+            </a:r>
+            <a:r>
+              <a:rPr lang="en-US" sz="1800" b="0" strike="noStrike" spc="-1">
+                <a:solidFill>
+                  <a:srgbClr val="000000"/>
+                </a:solidFill>
+                <a:latin typeface="맑은 고딕"/>
+              </a:rPr>
+              <a:t>.</a:t>
+            </a:r>
+          </a:p>
+        </p:txBody>
+      </p:sp>
+      <p:sp>
+        <p:nvSpPr>
+          <p:cNvPr id="83" name="PlaceHolder 2"/>
+          <p:cNvSpPr>
+            <a:spLocks noGrp="1"/>
+          </p:cNvSpPr>
+          <p:nvPr>
+            <p:ph type="body"/>
+          </p:nvPr>
+        </p:nvSpPr>
+        <p:spPr>
+          <a:xfrm>
+            <a:off x="756000" y="5078520"/>
+            <a:ext cx="6047640" cy="4811040"/>
+          </a:xfrm>
+          <a:prstGeom prst="rect">
+            <a:avLst/>
+          </a:prstGeom>
+        </p:spPr>
+        <p:txBody>
+          <a:bodyPr lIns="0" tIns="0" rIns="0" bIns="0">
+            <a:noAutofit/>
+          </a:bodyPr>
+          <a:lstStyle/>
+          <a:p>
+            <a:r>
+              <a:rPr lang="ko-KR" sz="2000" b="0" strike="noStrike" spc="-1">
+                <a:latin typeface="Noto Sans CJK KR"/>
+              </a:rPr>
+              <a:t>메모 서식을 편집하려면 클릭하십시오</a:t>
+            </a:r>
+            <a:r>
+              <a:rPr lang="en-US" sz="2000" b="0" strike="noStrike" spc="-1">
+                <a:latin typeface="Noto Sans CJK KR"/>
+              </a:rPr>
+              <a:t>.</a:t>
+            </a:r>
+          </a:p>
+        </p:txBody>
+      </p:sp>
+      <p:sp>
+        <p:nvSpPr>
+          <p:cNvPr id="84" name="PlaceHolder 3"/>
+          <p:cNvSpPr>
+            <a:spLocks noGrp="1"/>
+          </p:cNvSpPr>
+          <p:nvPr>
+            <p:ph type="hdr"/>
+          </p:nvPr>
+        </p:nvSpPr>
+        <p:spPr>
+          <a:xfrm>
+            <a:off x="0" y="0"/>
+            <a:ext cx="3280680" cy="534240"/>
+          </a:xfrm>
+          <a:prstGeom prst="rect">
+            <a:avLst/>
+          </a:prstGeom>
+        </p:spPr>
+        <p:txBody>
+          <a:bodyPr lIns="0" tIns="0" rIns="0" bIns="0">
+            <a:noAutofit/>
+          </a:bodyPr>
+          <a:lstStyle/>
+          <a:p>
+            <a:r>
+              <a:rPr lang="en-US" sz="1400" b="0" strike="noStrike" spc="-1">
+                <a:latin typeface="Noto Serif CJK KR"/>
+              </a:rPr>
+              <a:t>&lt;머리글&gt;</a:t>
+            </a:r>
+          </a:p>
+        </p:txBody>
+      </p:sp>
+      <p:sp>
+        <p:nvSpPr>
+          <p:cNvPr id="85" name="PlaceHolder 4"/>
+          <p:cNvSpPr>
+            <a:spLocks noGrp="1"/>
+          </p:cNvSpPr>
+          <p:nvPr>
+            <p:ph type="dt"/>
+          </p:nvPr>
+        </p:nvSpPr>
+        <p:spPr>
+          <a:xfrm>
+            <a:off x="4278960" y="0"/>
+            <a:ext cx="3280680" cy="534240"/>
+          </a:xfrm>
+          <a:prstGeom prst="rect">
+            <a:avLst/>
+          </a:prstGeom>
+        </p:spPr>
+        <p:txBody>
+          <a:bodyPr lIns="0" tIns="0" rIns="0" bIns="0">
+            <a:noAutofit/>
+          </a:bodyPr>
+          <a:lstStyle/>
+          <a:p>
+            <a:pPr algn="r"/>
+            <a:r>
+              <a:rPr lang="en-US" sz="1400" b="0" strike="noStrike" spc="-1">
+                <a:latin typeface="Noto Serif CJK KR"/>
+              </a:rPr>
+              <a:t>&lt;날짜/시간&gt;</a:t>
+            </a:r>
+          </a:p>
+        </p:txBody>
+      </p:sp>
+      <p:sp>
+        <p:nvSpPr>
+          <p:cNvPr id="86" name="PlaceHolder 5"/>
+          <p:cNvSpPr>
+            <a:spLocks noGrp="1"/>
+          </p:cNvSpPr>
+          <p:nvPr>
+            <p:ph type="ftr"/>
+          </p:nvPr>
+        </p:nvSpPr>
+        <p:spPr>
+          <a:xfrm>
+            <a:off x="0" y="10157400"/>
+            <a:ext cx="3280680" cy="534240"/>
+          </a:xfrm>
+          <a:prstGeom prst="rect">
+            <a:avLst/>
+          </a:prstGeom>
+        </p:spPr>
+        <p:txBody>
+          <a:bodyPr lIns="0" tIns="0" rIns="0" bIns="0" anchor="b">
+            <a:noAutofit/>
+          </a:bodyPr>
+          <a:lstStyle/>
+          <a:p>
+            <a:r>
+              <a:rPr lang="en-US" sz="1400" b="0" strike="noStrike" spc="-1">
+                <a:latin typeface="Noto Serif CJK KR"/>
+              </a:rPr>
+              <a:t>&lt;바닥글&gt;</a:t>
+            </a:r>
+          </a:p>
+        </p:txBody>
+      </p:sp>
+      <p:sp>
+        <p:nvSpPr>
+          <p:cNvPr id="87" name="PlaceHolder 6"/>
+          <p:cNvSpPr>
+            <a:spLocks noGrp="1"/>
+          </p:cNvSpPr>
+          <p:nvPr>
+            <p:ph type="sldNum"/>
+          </p:nvPr>
+        </p:nvSpPr>
+        <p:spPr>
+          <a:xfrm>
+            <a:off x="4278960" y="10157400"/>
+            <a:ext cx="3280680" cy="534240"/>
+          </a:xfrm>
+          <a:prstGeom prst="rect">
+            <a:avLst/>
+          </a:prstGeom>
+        </p:spPr>
+        <p:txBody>
+          <a:bodyPr lIns="0" tIns="0" rIns="0" bIns="0" anchor="b">
+            <a:noAutofit/>
+          </a:bodyPr>
+          <a:lstStyle/>
+          <a:p>
+            <a:pPr algn="r"/>
+            <a:fld id="{9D978976-3C7D-441D-A21E-D68E056552F9}" type="slidenum">
+              <a:rPr lang="en-US" sz="1400" b="0" strike="noStrike" spc="-1">
+                <a:latin typeface="Noto Serif CJK KR"/>
+              </a:rPr>
+              <a:t>‹#›</a:t>
+            </a:fld>
+            <a:endParaRPr lang="en-US" sz="1400" b="0" strike="noStrike" spc="-1">
+              <a:latin typeface="Noto Serif CJK KR"/>
+            </a:endParaRPr>
+          </a:p>
+        </p:txBody>
+      </p:sp>
+    </p:spTree>
+  </p:cSld>
+  <p:clrMap bg1="lt1" tx1="dk1" bg2="lt2" tx2="dk2" accent1="accent1" accent2="accent2" accent3="accent3" accent4="accent4" accent5="accent5" accent6="accent6" hlink="hlink" folHlink="folHlink"/>
+  <p:notesStyle>
+    <a:lvl1pPr marL="0" algn="l" defTabSz="914400" rtl="0" eaLnBrk="1" latinLnBrk="1" hangingPunct="1">
+      <a:defRPr sz="1200" kern="1200">
+        <a:solidFill>
+          <a:schemeClr val="tx1"/>
+        </a:solidFill>
+        <a:latin typeface="+mn-lt"/>
+        <a:ea typeface="+mn-ea"/>
+        <a:cs typeface="+mn-cs"/>
+      </a:defRPr>
+    </a:lvl1pPr>
+    <a:lvl2pPr marL="457200" algn="l" defTabSz="914400" rtl="0" eaLnBrk="1" latinLnBrk="1" hangingPunct="1">
+      <a:defRPr sz="1200" kern="1200">
+        <a:solidFill>
+          <a:schemeClr val="tx1"/>
+        </a:solidFill>
+        <a:latin typeface="+mn-lt"/>
+        <a:ea typeface="+mn-ea"/>
+        <a:cs typeface="+mn-cs"/>
+      </a:defRPr>
+    </a:lvl2pPr>
+    <a:lvl3pPr marL="914400" algn="l" defTabSz="914400" rtl="0" eaLnBrk="1" latinLnBrk="1" hangingPunct="1">
+      <a:defRPr sz="1200" kern="1200">
+        <a:solidFill>
+          <a:schemeClr val="tx1"/>
+        </a:solidFill>
+        <a:latin typeface="+mn-lt"/>
+        <a:ea typeface="+mn-ea"/>
+        <a:cs typeface="+mn-cs"/>
+      </a:defRPr>
+    </a:lvl3pPr>
+    <a:lvl4pPr marL="1371600" algn="l" defTabSz="914400" rtl="0" eaLnBrk="1" latinLnBrk="1" hangingPunct="1">
+      <a:defRPr sz="1200" kern="1200">
+        <a:solidFill>
+          <a:schemeClr val="tx1"/>
+        </a:solidFill>
+        <a:latin typeface="+mn-lt"/>
+        <a:ea typeface="+mn-ea"/>
+        <a:cs typeface="+mn-cs"/>
+      </a:defRPr>
+    </a:lvl4pPr>
+    <a:lvl5pPr marL="1828800" algn="l" defTabSz="914400" rtl="0" eaLnBrk="1" latinLnBrk="1" hangingPunct="1">
+      <a:defRPr sz="1200" kern="1200">
+        <a:solidFill>
+          <a:schemeClr val="tx1"/>
+        </a:solidFill>
+        <a:latin typeface="+mn-lt"/>
+        <a:ea typeface="+mn-ea"/>
+        <a:cs typeface="+mn-cs"/>
+      </a:defRPr>
+    </a:lvl5pPr>
+    <a:lvl6pPr marL="2286000" algn="l" defTabSz="914400" rtl="0" eaLnBrk="1" latinLnBrk="1" hangingPunct="1">
+      <a:defRPr sz="1200" kern="1200">
+        <a:solidFill>
+          <a:schemeClr val="tx1"/>
+        </a:solidFill>
+        <a:latin typeface="+mn-lt"/>
+        <a:ea typeface="+mn-ea"/>
+        <a:cs typeface="+mn-cs"/>
+      </a:defRPr>
+    </a:lvl6pPr>
+    <a:lvl7pPr marL="2743200" algn="l" defTabSz="914400" rtl="0" eaLnBrk="1" latinLnBrk="1" hangingPunct="1">
+      <a:defRPr sz="1200" kern="1200">
+        <a:solidFill>
+          <a:schemeClr val="tx1"/>
+        </a:solidFill>
+        <a:latin typeface="+mn-lt"/>
+        <a:ea typeface="+mn-ea"/>
+        <a:cs typeface="+mn-cs"/>
+      </a:defRPr>
+    </a:lvl7pPr>
+    <a:lvl8pPr marL="3200400" algn="l" defTabSz="914400" rtl="0" eaLnBrk="1" latinLnBrk="1" hangingPunct="1">
+      <a:defRPr sz="1200" kern="1200">
+        <a:solidFill>
+          <a:schemeClr val="tx1"/>
+        </a:solidFill>
+        <a:latin typeface="+mn-lt"/>
+        <a:ea typeface="+mn-ea"/>
+        <a:cs typeface="+mn-cs"/>
+      </a:defRPr>
+    </a:lvl8pPr>
+    <a:lvl9pPr marL="3657600" algn="l" defTabSz="914400" rtl="0" eaLnBrk="1" latinLnBrk="1" hangingPunct="1">
+      <a:defRPr sz="1200" kern="1200">
+        <a:solidFill>
+          <a:schemeClr val="tx1"/>
+        </a:solidFill>
+        <a:latin typeface="+mn-lt"/>
+        <a:ea typeface="+mn-ea"/>
+        <a:cs typeface="+mn-cs"/>
+      </a:defRPr>
+    </a:lvl9pPr>
+  </p:notesStyle>
+</p:notesMaster>
+</file>
+
+<file path=ppt/notesSlides/notesSlide1.xml><?xml version="1.0" encoding="utf-8"?>
+<p:notes xmlns:a="http://schemas.openxmlformats.org/drawingml/2006/main" xmlns:r="http://schemas.openxmlformats.org/officeDocument/2006/relationships" xmlns:p="http://schemas.openxmlformats.org/presentationml/2006/main">
   <p:cSld>
     <p:spTree>
       <p:nvGrpSpPr>
@@ -51,9 +493,9 @@
       </p:grpSpPr>
       <p:sp>
         <p:nvSpPr>
-          <p:cNvPr id="82" name="PlaceHolder 1"/>
+          <p:cNvPr id="234" name="PlaceHolder 1"/>
           <p:cNvSpPr>
-            <a:spLocks noGrp="1"/>
+            <a:spLocks noGrp="1" noRot="1" noChangeAspect="1"/>
           </p:cNvSpPr>
           <p:nvPr>
             <p:ph type="sldImg"/>
@@ -61,270 +503,8 @@
         </p:nvSpPr>
         <p:spPr>
           <a:xfrm>
-            <a:off x="216000" y="812520"/>
-            <a:ext cx="7127280" cy="4008960"/>
-          </a:xfrm>
-          <a:prstGeom prst="rect">
-            <a:avLst/>
-          </a:prstGeom>
-        </p:spPr>
-        <p:txBody>
-          <a:bodyPr lIns="0" rIns="0" tIns="0" bIns="0" anchor="ctr">
-            <a:noAutofit/>
-          </a:bodyPr>
-          <a:p>
-            <a:r>
-              <a:rPr b="0" lang="ko-KR" sz="1800" spc="-1" strike="noStrike">
-                <a:solidFill>
-                  <a:srgbClr val="000000"/>
-                </a:solidFill>
-                <a:latin typeface="맑은 고딕"/>
-              </a:rPr>
-              <a:t>슬라이드를 이동하려면 클릭하십시오</a:t>
-            </a:r>
-            <a:r>
-              <a:rPr b="0" lang="en-US" sz="1800" spc="-1" strike="noStrike">
-                <a:solidFill>
-                  <a:srgbClr val="000000"/>
-                </a:solidFill>
-                <a:latin typeface="맑은 고딕"/>
-              </a:rPr>
-              <a:t>.</a:t>
-            </a:r>
-            <a:endParaRPr b="0" lang="en-US" sz="1800" spc="-1" strike="noStrike">
-              <a:solidFill>
-                <a:srgbClr val="000000"/>
-              </a:solidFill>
-              <a:latin typeface="맑은 고딕"/>
-            </a:endParaRPr>
-          </a:p>
-        </p:txBody>
-      </p:sp>
-      <p:sp>
-        <p:nvSpPr>
-          <p:cNvPr id="83" name="PlaceHolder 2"/>
-          <p:cNvSpPr>
-            <a:spLocks noGrp="1"/>
-          </p:cNvSpPr>
-          <p:nvPr>
-            <p:ph type="body"/>
-          </p:nvPr>
-        </p:nvSpPr>
-        <p:spPr>
-          <a:xfrm>
-            <a:off x="756000" y="5078520"/>
-            <a:ext cx="6047640" cy="4811040"/>
-          </a:xfrm>
-          <a:prstGeom prst="rect">
-            <a:avLst/>
-          </a:prstGeom>
-        </p:spPr>
-        <p:txBody>
-          <a:bodyPr lIns="0" rIns="0" tIns="0" bIns="0">
-            <a:noAutofit/>
-          </a:bodyPr>
-          <a:p>
-            <a:r>
-              <a:rPr b="0" lang="ko-KR" sz="2000" spc="-1" strike="noStrike">
-                <a:latin typeface="Noto Sans CJK KR"/>
-              </a:rPr>
-              <a:t>메모 서식을 편집하려면 클릭하십시오</a:t>
-            </a:r>
-            <a:r>
-              <a:rPr b="0" lang="en-US" sz="2000" spc="-1" strike="noStrike">
-                <a:latin typeface="Noto Sans CJK KR"/>
-              </a:rPr>
-              <a:t>.</a:t>
-            </a:r>
-            <a:endParaRPr b="0" lang="en-US" sz="2000" spc="-1" strike="noStrike">
-              <a:latin typeface="Noto Sans CJK KR"/>
-            </a:endParaRPr>
-          </a:p>
-        </p:txBody>
-      </p:sp>
-      <p:sp>
-        <p:nvSpPr>
-          <p:cNvPr id="84" name="PlaceHolder 3"/>
-          <p:cNvSpPr>
-            <a:spLocks noGrp="1"/>
-          </p:cNvSpPr>
-          <p:nvPr>
-            <p:ph type="hdr"/>
-          </p:nvPr>
-        </p:nvSpPr>
-        <p:spPr>
-          <a:xfrm>
-            <a:off x="0" y="0"/>
-            <a:ext cx="3280680" cy="534240"/>
-          </a:xfrm>
-          <a:prstGeom prst="rect">
-            <a:avLst/>
-          </a:prstGeom>
-        </p:spPr>
-        <p:txBody>
-          <a:bodyPr lIns="0" rIns="0" tIns="0" bIns="0">
-            <a:noAutofit/>
-          </a:bodyPr>
-          <a:p>
-            <a:r>
-              <a:rPr b="0" lang="en-US" sz="1400" spc="-1" strike="noStrike">
-                <a:latin typeface="Noto Serif CJK KR"/>
-              </a:rPr>
-              <a:t>&lt;머리글&gt;</a:t>
-            </a:r>
-            <a:endParaRPr b="0" lang="en-US" sz="1400" spc="-1" strike="noStrike">
-              <a:latin typeface="Noto Serif CJK KR"/>
-            </a:endParaRPr>
-          </a:p>
-        </p:txBody>
-      </p:sp>
-      <p:sp>
-        <p:nvSpPr>
-          <p:cNvPr id="85" name="PlaceHolder 4"/>
-          <p:cNvSpPr>
-            <a:spLocks noGrp="1"/>
-          </p:cNvSpPr>
-          <p:nvPr>
-            <p:ph type="dt"/>
-          </p:nvPr>
-        </p:nvSpPr>
-        <p:spPr>
-          <a:xfrm>
-            <a:off x="4278960" y="0"/>
-            <a:ext cx="3280680" cy="534240"/>
-          </a:xfrm>
-          <a:prstGeom prst="rect">
-            <a:avLst/>
-          </a:prstGeom>
-        </p:spPr>
-        <p:txBody>
-          <a:bodyPr lIns="0" rIns="0" tIns="0" bIns="0">
-            <a:noAutofit/>
-          </a:bodyPr>
-          <a:p>
-            <a:pPr algn="r"/>
-            <a:r>
-              <a:rPr b="0" lang="en-US" sz="1400" spc="-1" strike="noStrike">
-                <a:latin typeface="Noto Serif CJK KR"/>
-              </a:rPr>
-              <a:t>&lt;날짜/시간&gt;</a:t>
-            </a:r>
-            <a:endParaRPr b="0" lang="en-US" sz="1400" spc="-1" strike="noStrike">
-              <a:latin typeface="Noto Serif CJK KR"/>
-            </a:endParaRPr>
-          </a:p>
-        </p:txBody>
-      </p:sp>
-      <p:sp>
-        <p:nvSpPr>
-          <p:cNvPr id="86" name="PlaceHolder 5"/>
-          <p:cNvSpPr>
-            <a:spLocks noGrp="1"/>
-          </p:cNvSpPr>
-          <p:nvPr>
-            <p:ph type="ftr"/>
-          </p:nvPr>
-        </p:nvSpPr>
-        <p:spPr>
-          <a:xfrm>
-            <a:off x="0" y="10157400"/>
-            <a:ext cx="3280680" cy="534240"/>
-          </a:xfrm>
-          <a:prstGeom prst="rect">
-            <a:avLst/>
-          </a:prstGeom>
-        </p:spPr>
-        <p:txBody>
-          <a:bodyPr lIns="0" rIns="0" tIns="0" bIns="0" anchor="b">
-            <a:noAutofit/>
-          </a:bodyPr>
-          <a:p>
-            <a:r>
-              <a:rPr b="0" lang="en-US" sz="1400" spc="-1" strike="noStrike">
-                <a:latin typeface="Noto Serif CJK KR"/>
-              </a:rPr>
-              <a:t>&lt;바닥글&gt;</a:t>
-            </a:r>
-            <a:endParaRPr b="0" lang="en-US" sz="1400" spc="-1" strike="noStrike">
-              <a:latin typeface="Noto Serif CJK KR"/>
-            </a:endParaRPr>
-          </a:p>
-        </p:txBody>
-      </p:sp>
-      <p:sp>
-        <p:nvSpPr>
-          <p:cNvPr id="87" name="PlaceHolder 6"/>
-          <p:cNvSpPr>
-            <a:spLocks noGrp="1"/>
-          </p:cNvSpPr>
-          <p:nvPr>
-            <p:ph type="sldNum"/>
-          </p:nvPr>
-        </p:nvSpPr>
-        <p:spPr>
-          <a:xfrm>
-            <a:off x="4278960" y="10157400"/>
-            <a:ext cx="3280680" cy="534240"/>
-          </a:xfrm>
-          <a:prstGeom prst="rect">
-            <a:avLst/>
-          </a:prstGeom>
-        </p:spPr>
-        <p:txBody>
-          <a:bodyPr lIns="0" rIns="0" tIns="0" bIns="0" anchor="b">
-            <a:noAutofit/>
-          </a:bodyPr>
-          <a:p>
-            <a:pPr algn="r"/>
-            <a:fld id="{9D978976-3C7D-441D-A21E-D68E056552F9}" type="slidenum">
-              <a:rPr b="0" lang="en-US" sz="1400" spc="-1" strike="noStrike">
-                <a:latin typeface="Noto Serif CJK KR"/>
-              </a:rPr>
-              <a:t>&lt;숫자&gt;</a:t>
-            </a:fld>
-            <a:endParaRPr b="0" lang="en-US" sz="1400" spc="-1" strike="noStrike">
-              <a:latin typeface="Noto Serif CJK KR"/>
-            </a:endParaRPr>
-          </a:p>
-        </p:txBody>
-      </p:sp>
-    </p:spTree>
-  </p:cSld>
-  <p:clrMap bg1="lt1" bg2="lt2" tx1="dk1" tx2="dk2" accent1="accent1" accent2="accent2" accent3="accent3" accent4="accent4" accent5="accent5" accent6="accent6" hlink="hlink" folHlink="folHlink"/>
-</p:notesMaster>
-</file>
-
-<file path=ppt/notesSlides/notesSlide15.xml><?xml version="1.0" encoding="utf-8"?>
-<p:notes xmlns:a="http://schemas.openxmlformats.org/drawingml/2006/main" xmlns:p="http://schemas.openxmlformats.org/presentationml/2006/main" xmlns:r="http://schemas.openxmlformats.org/officeDocument/2006/relationships" xmlns:p14="http://schemas.microsoft.com/office/powerpoint/2010/main" xmlns:p15="http://schemas.microsoft.com/office/powerpoint/2012/main" xmlns:mc="http://schemas.openxmlformats.org/markup-compatibility/2006">
-  <p:cSld>
-    <p:spTree>
-      <p:nvGrpSpPr>
-        <p:cNvPr id="1" name=""/>
-        <p:cNvGrpSpPr/>
-        <p:nvPr/>
-      </p:nvGrpSpPr>
-      <p:grpSpPr>
-        <a:xfrm>
-          <a:off x="0" y="0"/>
-          <a:ext cx="0" cy="0"/>
-          <a:chOff x="0" y="0"/>
-          <a:chExt cx="0" cy="0"/>
-        </a:xfrm>
-      </p:grpSpPr>
-      <p:sp>
-        <p:nvSpPr>
-          <p:cNvPr id="234" name="PlaceHolder 1"/>
-          <p:cNvSpPr>
-            <a:spLocks noGrp="1"/>
-          </p:cNvSpPr>
-          <p:nvPr>
-            <p:ph type="sldImg"/>
-          </p:nvPr>
-        </p:nvSpPr>
-        <p:spPr>
-          <a:xfrm>
-            <a:off x="1200240" y="1143000"/>
-            <a:ext cx="4457520" cy="3085920"/>
+            <a:off x="1200150" y="1143000"/>
+            <a:ext cx="4457700" cy="3086100"/>
           </a:xfrm>
           <a:prstGeom prst="rect">
             <a:avLst/>
@@ -354,8 +534,9 @@
           <a:bodyPr>
             <a:noAutofit/>
           </a:bodyPr>
-          <a:p>
-            <a:endParaRPr b="0" lang="en-US" sz="2000" spc="-1" strike="noStrike">
+          <a:lstStyle/>
+          <a:p>
+            <a:endParaRPr lang="en-US" sz="2000" b="0" strike="noStrike" spc="-1">
               <a:latin typeface="Noto Sans CJK KR"/>
             </a:endParaRPr>
           </a:p>
@@ -384,6 +565,7 @@
           <a:bodyPr anchor="b">
             <a:noAutofit/>
           </a:bodyPr>
+          <a:lstStyle/>
           <a:p>
             <a:pPr algn="r">
               <a:lnSpc>
@@ -391,12 +573,12 @@
               </a:lnSpc>
             </a:pPr>
             <a:fld id="{316DF669-E534-4449-9A90-D4C101AAF277}" type="slidenum">
-              <a:rPr b="0" lang="en-US" sz="1200" spc="-1" strike="noStrike">
+              <a:rPr lang="en-US" sz="1200" b="0" strike="noStrike" spc="-1">
                 <a:latin typeface="Noto Serif CJK KR"/>
               </a:rPr>
-              <a:t>&lt;숫자&gt;</a:t>
+              <a:t>15</a:t>
             </a:fld>
-            <a:endParaRPr b="0" lang="en-US" sz="1200" spc="-1" strike="noStrike">
+            <a:endParaRPr lang="en-US" sz="1200" b="0" strike="noStrike" spc="-1">
               <a:latin typeface="Noto Serif CJK KR"/>
             </a:endParaRPr>
           </a:p>
@@ -404,11 +586,14 @@
       </p:sp>
     </p:spTree>
   </p:cSld>
+  <p:clrMapOvr>
+    <a:masterClrMapping/>
+  </p:clrMapOvr>
 </p:notes>
 </file>
 
 <file path=ppt/slideLayouts/slideLayout1.xml><?xml version="1.0" encoding="utf-8"?>
-<p:sldLayout xmlns:a="http://schemas.openxmlformats.org/drawingml/2006/main" xmlns:p="http://schemas.openxmlformats.org/presentationml/2006/main" xmlns:r="http://schemas.openxmlformats.org/officeDocument/2006/relationships" xmlns:p14="http://schemas.microsoft.com/office/powerpoint/2010/main" xmlns:p15="http://schemas.microsoft.com/office/powerpoint/2012/main" xmlns:mc="http://schemas.openxmlformats.org/markup-compatibility/2006" type="blank" preserve="1">
+<p:sldLayout xmlns:a="http://schemas.openxmlformats.org/drawingml/2006/main" xmlns:r="http://schemas.openxmlformats.org/officeDocument/2006/relationships" xmlns:p="http://schemas.openxmlformats.org/presentationml/2006/main" type="blank" preserve="1">
   <p:cSld name="Blank Slide">
     <p:spTree>
       <p:nvGrpSpPr>
@@ -426,11 +611,14 @@
       </p:grpSpPr>
     </p:spTree>
   </p:cSld>
+  <p:clrMapOvr>
+    <a:masterClrMapping/>
+  </p:clrMapOvr>
 </p:sldLayout>
 </file>
 
 <file path=ppt/slideLayouts/slideLayout10.xml><?xml version="1.0" encoding="utf-8"?>
-<p:sldLayout xmlns:a="http://schemas.openxmlformats.org/drawingml/2006/main" xmlns:p="http://schemas.openxmlformats.org/presentationml/2006/main" xmlns:r="http://schemas.openxmlformats.org/officeDocument/2006/relationships" xmlns:p14="http://schemas.microsoft.com/office/powerpoint/2010/main" xmlns:p15="http://schemas.microsoft.com/office/powerpoint/2012/main" xmlns:mc="http://schemas.openxmlformats.org/markup-compatibility/2006" type="objOverTx" preserve="1">
+<p:sldLayout xmlns:a="http://schemas.openxmlformats.org/drawingml/2006/main" xmlns:r="http://schemas.openxmlformats.org/officeDocument/2006/relationships" xmlns:p="http://schemas.openxmlformats.org/presentationml/2006/main" type="objOverTx" preserve="1">
   <p:cSld name="Title, Content over Content">
     <p:spTree>
       <p:nvGrpSpPr>
@@ -466,11 +654,12 @@
           </a:prstGeom>
         </p:spPr>
         <p:txBody>
-          <a:bodyPr lIns="0" rIns="0" tIns="0" bIns="0" anchor="ctr">
+          <a:bodyPr lIns="0" tIns="0" rIns="0" bIns="0" anchor="ctr">
             <a:noAutofit/>
           </a:bodyPr>
-          <a:p>
-            <a:endParaRPr b="0" lang="en-US" sz="1800" spc="-1" strike="noStrike">
+          <a:lstStyle/>
+          <a:p>
+            <a:endParaRPr lang="en-US" sz="1800" b="0" strike="noStrike" spc="-1">
               <a:solidFill>
                 <a:srgbClr val="000000"/>
               </a:solidFill>
@@ -499,11 +688,12 @@
           </a:prstGeom>
         </p:spPr>
         <p:txBody>
-          <a:bodyPr lIns="0" rIns="0" tIns="0" bIns="0">
+          <a:bodyPr lIns="0" tIns="0" rIns="0" bIns="0">
             <a:normAutofit/>
           </a:bodyPr>
-          <a:p>
-            <a:endParaRPr b="0" lang="en-US" sz="3200" spc="-1" strike="noStrike">
+          <a:lstStyle/>
+          <a:p>
+            <a:endParaRPr lang="en-US" sz="3200" b="0" strike="noStrike" spc="-1">
               <a:solidFill>
                 <a:srgbClr val="000000"/>
               </a:solidFill>
@@ -532,11 +722,12 @@
           </a:prstGeom>
         </p:spPr>
         <p:txBody>
-          <a:bodyPr lIns="0" rIns="0" tIns="0" bIns="0">
+          <a:bodyPr lIns="0" tIns="0" rIns="0" bIns="0">
             <a:normAutofit/>
           </a:bodyPr>
-          <a:p>
-            <a:endParaRPr b="0" lang="en-US" sz="3200" spc="-1" strike="noStrike">
+          <a:lstStyle/>
+          <a:p>
+            <a:endParaRPr lang="en-US" sz="3200" b="0" strike="noStrike" spc="-1">
               <a:solidFill>
                 <a:srgbClr val="000000"/>
               </a:solidFill>
@@ -547,11 +738,14 @@
       </p:sp>
     </p:spTree>
   </p:cSld>
+  <p:clrMapOvr>
+    <a:masterClrMapping/>
+  </p:clrMapOvr>
 </p:sldLayout>
 </file>
 
 <file path=ppt/slideLayouts/slideLayout11.xml><?xml version="1.0" encoding="utf-8"?>
-<p:sldLayout xmlns:a="http://schemas.openxmlformats.org/drawingml/2006/main" xmlns:p="http://schemas.openxmlformats.org/presentationml/2006/main" xmlns:r="http://schemas.openxmlformats.org/officeDocument/2006/relationships" xmlns:p14="http://schemas.microsoft.com/office/powerpoint/2010/main" xmlns:p15="http://schemas.microsoft.com/office/powerpoint/2012/main" xmlns:mc="http://schemas.openxmlformats.org/markup-compatibility/2006" type="fourObj" preserve="1">
+<p:sldLayout xmlns:a="http://schemas.openxmlformats.org/drawingml/2006/main" xmlns:r="http://schemas.openxmlformats.org/officeDocument/2006/relationships" xmlns:p="http://schemas.openxmlformats.org/presentationml/2006/main" type="fourObj" preserve="1">
   <p:cSld name="Title, 4 Content">
     <p:spTree>
       <p:nvGrpSpPr>
@@ -587,11 +781,12 @@
           </a:prstGeom>
         </p:spPr>
         <p:txBody>
-          <a:bodyPr lIns="0" rIns="0" tIns="0" bIns="0" anchor="ctr">
+          <a:bodyPr lIns="0" tIns="0" rIns="0" bIns="0" anchor="ctr">
             <a:noAutofit/>
           </a:bodyPr>
-          <a:p>
-            <a:endParaRPr b="0" lang="en-US" sz="1800" spc="-1" strike="noStrike">
+          <a:lstStyle/>
+          <a:p>
+            <a:endParaRPr lang="en-US" sz="1800" b="0" strike="noStrike" spc="-1">
               <a:solidFill>
                 <a:srgbClr val="000000"/>
               </a:solidFill>
@@ -620,11 +815,12 @@
           </a:prstGeom>
         </p:spPr>
         <p:txBody>
-          <a:bodyPr lIns="0" rIns="0" tIns="0" bIns="0">
+          <a:bodyPr lIns="0" tIns="0" rIns="0" bIns="0">
             <a:normAutofit/>
           </a:bodyPr>
-          <a:p>
-            <a:endParaRPr b="0" lang="en-US" sz="3200" spc="-1" strike="noStrike">
+          <a:lstStyle/>
+          <a:p>
+            <a:endParaRPr lang="en-US" sz="3200" b="0" strike="noStrike" spc="-1">
               <a:solidFill>
                 <a:srgbClr val="000000"/>
               </a:solidFill>
@@ -653,11 +849,12 @@
           </a:prstGeom>
         </p:spPr>
         <p:txBody>
-          <a:bodyPr lIns="0" rIns="0" tIns="0" bIns="0">
+          <a:bodyPr lIns="0" tIns="0" rIns="0" bIns="0">
             <a:normAutofit/>
           </a:bodyPr>
-          <a:p>
-            <a:endParaRPr b="0" lang="en-US" sz="3200" spc="-1" strike="noStrike">
+          <a:lstStyle/>
+          <a:p>
+            <a:endParaRPr lang="en-US" sz="3200" b="0" strike="noStrike" spc="-1">
               <a:solidFill>
                 <a:srgbClr val="000000"/>
               </a:solidFill>
@@ -686,11 +883,12 @@
           </a:prstGeom>
         </p:spPr>
         <p:txBody>
-          <a:bodyPr lIns="0" rIns="0" tIns="0" bIns="0">
+          <a:bodyPr lIns="0" tIns="0" rIns="0" bIns="0">
             <a:normAutofit/>
           </a:bodyPr>
-          <a:p>
-            <a:endParaRPr b="0" lang="en-US" sz="3200" spc="-1" strike="noStrike">
+          <a:lstStyle/>
+          <a:p>
+            <a:endParaRPr lang="en-US" sz="3200" b="0" strike="noStrike" spc="-1">
               <a:solidFill>
                 <a:srgbClr val="000000"/>
               </a:solidFill>
@@ -719,11 +917,12 @@
           </a:prstGeom>
         </p:spPr>
         <p:txBody>
-          <a:bodyPr lIns="0" rIns="0" tIns="0" bIns="0">
+          <a:bodyPr lIns="0" tIns="0" rIns="0" bIns="0">
             <a:normAutofit/>
           </a:bodyPr>
-          <a:p>
-            <a:endParaRPr b="0" lang="en-US" sz="3200" spc="-1" strike="noStrike">
+          <a:lstStyle/>
+          <a:p>
+            <a:endParaRPr lang="en-US" sz="3200" b="0" strike="noStrike" spc="-1">
               <a:solidFill>
                 <a:srgbClr val="000000"/>
               </a:solidFill>
@@ -734,11 +933,14 @@
       </p:sp>
     </p:spTree>
   </p:cSld>
+  <p:clrMapOvr>
+    <a:masterClrMapping/>
+  </p:clrMapOvr>
 </p:sldLayout>
 </file>
 
 <file path=ppt/slideLayouts/slideLayout12.xml><?xml version="1.0" encoding="utf-8"?>
-<p:sldLayout xmlns:a="http://schemas.openxmlformats.org/drawingml/2006/main" xmlns:p="http://schemas.openxmlformats.org/presentationml/2006/main" xmlns:r="http://schemas.openxmlformats.org/officeDocument/2006/relationships" xmlns:p14="http://schemas.microsoft.com/office/powerpoint/2010/main" xmlns:p15="http://schemas.microsoft.com/office/powerpoint/2012/main" xmlns:mc="http://schemas.openxmlformats.org/markup-compatibility/2006" type="blank" preserve="1">
+<p:sldLayout xmlns:a="http://schemas.openxmlformats.org/drawingml/2006/main" xmlns:r="http://schemas.openxmlformats.org/officeDocument/2006/relationships" xmlns:p="http://schemas.openxmlformats.org/presentationml/2006/main" type="blank" preserve="1">
   <p:cSld name="Title, 6 Content">
     <p:spTree>
       <p:nvGrpSpPr>
@@ -774,11 +976,12 @@
           </a:prstGeom>
         </p:spPr>
         <p:txBody>
-          <a:bodyPr lIns="0" rIns="0" tIns="0" bIns="0" anchor="ctr">
+          <a:bodyPr lIns="0" tIns="0" rIns="0" bIns="0" anchor="ctr">
             <a:noAutofit/>
           </a:bodyPr>
-          <a:p>
-            <a:endParaRPr b="0" lang="en-US" sz="1800" spc="-1" strike="noStrike">
+          <a:lstStyle/>
+          <a:p>
+            <a:endParaRPr lang="en-US" sz="1800" b="0" strike="noStrike" spc="-1">
               <a:solidFill>
                 <a:srgbClr val="000000"/>
               </a:solidFill>
@@ -807,11 +1010,12 @@
           </a:prstGeom>
         </p:spPr>
         <p:txBody>
-          <a:bodyPr lIns="0" rIns="0" tIns="0" bIns="0">
+          <a:bodyPr lIns="0" tIns="0" rIns="0" bIns="0">
             <a:normAutofit/>
           </a:bodyPr>
-          <a:p>
-            <a:endParaRPr b="0" lang="en-US" sz="3200" spc="-1" strike="noStrike">
+          <a:lstStyle/>
+          <a:p>
+            <a:endParaRPr lang="en-US" sz="3200" b="0" strike="noStrike" spc="-1">
               <a:solidFill>
                 <a:srgbClr val="000000"/>
               </a:solidFill>
@@ -840,11 +1044,12 @@
           </a:prstGeom>
         </p:spPr>
         <p:txBody>
-          <a:bodyPr lIns="0" rIns="0" tIns="0" bIns="0">
+          <a:bodyPr lIns="0" tIns="0" rIns="0" bIns="0">
             <a:normAutofit/>
           </a:bodyPr>
-          <a:p>
-            <a:endParaRPr b="0" lang="en-US" sz="3200" spc="-1" strike="noStrike">
+          <a:lstStyle/>
+          <a:p>
+            <a:endParaRPr lang="en-US" sz="3200" b="0" strike="noStrike" spc="-1">
               <a:solidFill>
                 <a:srgbClr val="000000"/>
               </a:solidFill>
@@ -873,11 +1078,12 @@
           </a:prstGeom>
         </p:spPr>
         <p:txBody>
-          <a:bodyPr lIns="0" rIns="0" tIns="0" bIns="0">
+          <a:bodyPr lIns="0" tIns="0" rIns="0" bIns="0">
             <a:normAutofit/>
           </a:bodyPr>
-          <a:p>
-            <a:endParaRPr b="0" lang="en-US" sz="3200" spc="-1" strike="noStrike">
+          <a:lstStyle/>
+          <a:p>
+            <a:endParaRPr lang="en-US" sz="3200" b="0" strike="noStrike" spc="-1">
               <a:solidFill>
                 <a:srgbClr val="000000"/>
               </a:solidFill>
@@ -906,11 +1112,12 @@
           </a:prstGeom>
         </p:spPr>
         <p:txBody>
-          <a:bodyPr lIns="0" rIns="0" tIns="0" bIns="0">
+          <a:bodyPr lIns="0" tIns="0" rIns="0" bIns="0">
             <a:normAutofit/>
           </a:bodyPr>
-          <a:p>
-            <a:endParaRPr b="0" lang="en-US" sz="3200" spc="-1" strike="noStrike">
+          <a:lstStyle/>
+          <a:p>
+            <a:endParaRPr lang="en-US" sz="3200" b="0" strike="noStrike" spc="-1">
               <a:solidFill>
                 <a:srgbClr val="000000"/>
               </a:solidFill>
@@ -939,11 +1146,12 @@
           </a:prstGeom>
         </p:spPr>
         <p:txBody>
-          <a:bodyPr lIns="0" rIns="0" tIns="0" bIns="0">
+          <a:bodyPr lIns="0" tIns="0" rIns="0" bIns="0">
             <a:normAutofit/>
           </a:bodyPr>
-          <a:p>
-            <a:endParaRPr b="0" lang="en-US" sz="3200" spc="-1" strike="noStrike">
+          <a:lstStyle/>
+          <a:p>
+            <a:endParaRPr lang="en-US" sz="3200" b="0" strike="noStrike" spc="-1">
               <a:solidFill>
                 <a:srgbClr val="000000"/>
               </a:solidFill>
@@ -972,11 +1180,12 @@
           </a:prstGeom>
         </p:spPr>
         <p:txBody>
-          <a:bodyPr lIns="0" rIns="0" tIns="0" bIns="0">
+          <a:bodyPr lIns="0" tIns="0" rIns="0" bIns="0">
             <a:normAutofit/>
           </a:bodyPr>
-          <a:p>
-            <a:endParaRPr b="0" lang="en-US" sz="3200" spc="-1" strike="noStrike">
+          <a:lstStyle/>
+          <a:p>
+            <a:endParaRPr lang="en-US" sz="3200" b="0" strike="noStrike" spc="-1">
               <a:solidFill>
                 <a:srgbClr val="000000"/>
               </a:solidFill>
@@ -987,11 +1196,14 @@
       </p:sp>
     </p:spTree>
   </p:cSld>
+  <p:clrMapOvr>
+    <a:masterClrMapping/>
+  </p:clrMapOvr>
 </p:sldLayout>
 </file>
 
 <file path=ppt/slideLayouts/slideLayout13.xml><?xml version="1.0" encoding="utf-8"?>
-<p:sldLayout xmlns:a="http://schemas.openxmlformats.org/drawingml/2006/main" xmlns:p="http://schemas.openxmlformats.org/presentationml/2006/main" xmlns:r="http://schemas.openxmlformats.org/officeDocument/2006/relationships" xmlns:p14="http://schemas.microsoft.com/office/powerpoint/2010/main" xmlns:p15="http://schemas.microsoft.com/office/powerpoint/2012/main" xmlns:mc="http://schemas.openxmlformats.org/markup-compatibility/2006" type="blank" preserve="1">
+<p:sldLayout xmlns:a="http://schemas.openxmlformats.org/drawingml/2006/main" xmlns:r="http://schemas.openxmlformats.org/officeDocument/2006/relationships" xmlns:p="http://schemas.openxmlformats.org/presentationml/2006/main" type="blank" preserve="1">
   <p:cSld name="Blank Slide">
     <p:spTree>
       <p:nvGrpSpPr>
@@ -1009,11 +1221,14 @@
       </p:grpSpPr>
     </p:spTree>
   </p:cSld>
+  <p:clrMapOvr>
+    <a:masterClrMapping/>
+  </p:clrMapOvr>
 </p:sldLayout>
 </file>
 
 <file path=ppt/slideLayouts/slideLayout14.xml><?xml version="1.0" encoding="utf-8"?>
-<p:sldLayout xmlns:a="http://schemas.openxmlformats.org/drawingml/2006/main" xmlns:p="http://schemas.openxmlformats.org/presentationml/2006/main" xmlns:r="http://schemas.openxmlformats.org/officeDocument/2006/relationships" xmlns:p14="http://schemas.microsoft.com/office/powerpoint/2010/main" xmlns:p15="http://schemas.microsoft.com/office/powerpoint/2012/main" xmlns:mc="http://schemas.openxmlformats.org/markup-compatibility/2006" type="tx" preserve="1">
+<p:sldLayout xmlns:a="http://schemas.openxmlformats.org/drawingml/2006/main" xmlns:r="http://schemas.openxmlformats.org/officeDocument/2006/relationships" xmlns:p="http://schemas.openxmlformats.org/presentationml/2006/main" type="tx" preserve="1">
   <p:cSld name="Title Slide">
     <p:spTree>
       <p:nvGrpSpPr>
@@ -1049,11 +1264,12 @@
           </a:prstGeom>
         </p:spPr>
         <p:txBody>
-          <a:bodyPr lIns="0" rIns="0" tIns="0" bIns="0" anchor="ctr">
+          <a:bodyPr lIns="0" tIns="0" rIns="0" bIns="0" anchor="ctr">
             <a:noAutofit/>
           </a:bodyPr>
-          <a:p>
-            <a:endParaRPr b="0" lang="en-US" sz="1800" spc="-1" strike="noStrike">
+          <a:lstStyle/>
+          <a:p>
+            <a:endParaRPr lang="en-US" sz="1800" b="0" strike="noStrike" spc="-1">
               <a:solidFill>
                 <a:srgbClr val="000000"/>
               </a:solidFill>
@@ -1082,12 +1298,13 @@
           </a:prstGeom>
         </p:spPr>
         <p:txBody>
-          <a:bodyPr lIns="0" rIns="0" tIns="0" bIns="0" anchor="ctr">
+          <a:bodyPr lIns="0" tIns="0" rIns="0" bIns="0" anchor="ctr">
             <a:noAutofit/>
           </a:bodyPr>
+          <a:lstStyle/>
           <a:p>
             <a:pPr algn="ctr"/>
-            <a:endParaRPr b="0" lang="en-US" sz="3200" spc="-1" strike="noStrike">
+            <a:endParaRPr lang="en-US" sz="3200" b="0" strike="noStrike" spc="-1">
               <a:latin typeface="Noto Sans CJK KR"/>
             </a:endParaRPr>
           </a:p>
@@ -1095,11 +1312,14 @@
       </p:sp>
     </p:spTree>
   </p:cSld>
+  <p:clrMapOvr>
+    <a:masterClrMapping/>
+  </p:clrMapOvr>
 </p:sldLayout>
 </file>
 
 <file path=ppt/slideLayouts/slideLayout15.xml><?xml version="1.0" encoding="utf-8"?>
-<p:sldLayout xmlns:a="http://schemas.openxmlformats.org/drawingml/2006/main" xmlns:p="http://schemas.openxmlformats.org/presentationml/2006/main" xmlns:r="http://schemas.openxmlformats.org/officeDocument/2006/relationships" xmlns:p14="http://schemas.microsoft.com/office/powerpoint/2010/main" xmlns:p15="http://schemas.microsoft.com/office/powerpoint/2012/main" xmlns:mc="http://schemas.openxmlformats.org/markup-compatibility/2006" type="obj" preserve="1">
+<p:sldLayout xmlns:a="http://schemas.openxmlformats.org/drawingml/2006/main" xmlns:r="http://schemas.openxmlformats.org/officeDocument/2006/relationships" xmlns:p="http://schemas.openxmlformats.org/presentationml/2006/main" type="obj" preserve="1">
   <p:cSld name="Title, Content">
     <p:spTree>
       <p:nvGrpSpPr>
@@ -1135,11 +1355,12 @@
           </a:prstGeom>
         </p:spPr>
         <p:txBody>
-          <a:bodyPr lIns="0" rIns="0" tIns="0" bIns="0" anchor="ctr">
+          <a:bodyPr lIns="0" tIns="0" rIns="0" bIns="0" anchor="ctr">
             <a:noAutofit/>
           </a:bodyPr>
-          <a:p>
-            <a:endParaRPr b="0" lang="en-US" sz="1800" spc="-1" strike="noStrike">
+          <a:lstStyle/>
+          <a:p>
+            <a:endParaRPr lang="en-US" sz="1800" b="0" strike="noStrike" spc="-1">
               <a:solidFill>
                 <a:srgbClr val="000000"/>
               </a:solidFill>
@@ -1168,11 +1389,12 @@
           </a:prstGeom>
         </p:spPr>
         <p:txBody>
-          <a:bodyPr lIns="0" rIns="0" tIns="0" bIns="0">
+          <a:bodyPr lIns="0" tIns="0" rIns="0" bIns="0">
             <a:normAutofit/>
           </a:bodyPr>
-          <a:p>
-            <a:endParaRPr b="0" lang="en-US" sz="3200" spc="-1" strike="noStrike">
+          <a:lstStyle/>
+          <a:p>
+            <a:endParaRPr lang="en-US" sz="3200" b="0" strike="noStrike" spc="-1">
               <a:solidFill>
                 <a:srgbClr val="000000"/>
               </a:solidFill>
@@ -1183,11 +1405,14 @@
       </p:sp>
     </p:spTree>
   </p:cSld>
+  <p:clrMapOvr>
+    <a:masterClrMapping/>
+  </p:clrMapOvr>
 </p:sldLayout>
 </file>
 
 <file path=ppt/slideLayouts/slideLayout16.xml><?xml version="1.0" encoding="utf-8"?>
-<p:sldLayout xmlns:a="http://schemas.openxmlformats.org/drawingml/2006/main" xmlns:p="http://schemas.openxmlformats.org/presentationml/2006/main" xmlns:r="http://schemas.openxmlformats.org/officeDocument/2006/relationships" xmlns:p14="http://schemas.microsoft.com/office/powerpoint/2010/main" xmlns:p15="http://schemas.microsoft.com/office/powerpoint/2012/main" xmlns:mc="http://schemas.openxmlformats.org/markup-compatibility/2006" type="twoObj" preserve="1">
+<p:sldLayout xmlns:a="http://schemas.openxmlformats.org/drawingml/2006/main" xmlns:r="http://schemas.openxmlformats.org/officeDocument/2006/relationships" xmlns:p="http://schemas.openxmlformats.org/presentationml/2006/main" type="twoObj" preserve="1">
   <p:cSld name="Title, 2 Content">
     <p:spTree>
       <p:nvGrpSpPr>
@@ -1223,11 +1448,12 @@
           </a:prstGeom>
         </p:spPr>
         <p:txBody>
-          <a:bodyPr lIns="0" rIns="0" tIns="0" bIns="0" anchor="ctr">
+          <a:bodyPr lIns="0" tIns="0" rIns="0" bIns="0" anchor="ctr">
             <a:noAutofit/>
           </a:bodyPr>
-          <a:p>
-            <a:endParaRPr b="0" lang="en-US" sz="1800" spc="-1" strike="noStrike">
+          <a:lstStyle/>
+          <a:p>
+            <a:endParaRPr lang="en-US" sz="1800" b="0" strike="noStrike" spc="-1">
               <a:solidFill>
                 <a:srgbClr val="000000"/>
               </a:solidFill>
@@ -1256,11 +1482,12 @@
           </a:prstGeom>
         </p:spPr>
         <p:txBody>
-          <a:bodyPr lIns="0" rIns="0" tIns="0" bIns="0">
+          <a:bodyPr lIns="0" tIns="0" rIns="0" bIns="0">
             <a:normAutofit/>
           </a:bodyPr>
-          <a:p>
-            <a:endParaRPr b="0" lang="en-US" sz="3200" spc="-1" strike="noStrike">
+          <a:lstStyle/>
+          <a:p>
+            <a:endParaRPr lang="en-US" sz="3200" b="0" strike="noStrike" spc="-1">
               <a:solidFill>
                 <a:srgbClr val="000000"/>
               </a:solidFill>
@@ -1289,11 +1516,12 @@
           </a:prstGeom>
         </p:spPr>
         <p:txBody>
-          <a:bodyPr lIns="0" rIns="0" tIns="0" bIns="0">
+          <a:bodyPr lIns="0" tIns="0" rIns="0" bIns="0">
             <a:normAutofit/>
           </a:bodyPr>
-          <a:p>
-            <a:endParaRPr b="0" lang="en-US" sz="3200" spc="-1" strike="noStrike">
+          <a:lstStyle/>
+          <a:p>
+            <a:endParaRPr lang="en-US" sz="3200" b="0" strike="noStrike" spc="-1">
               <a:solidFill>
                 <a:srgbClr val="000000"/>
               </a:solidFill>
@@ -1304,11 +1532,14 @@
       </p:sp>
     </p:spTree>
   </p:cSld>
+  <p:clrMapOvr>
+    <a:masterClrMapping/>
+  </p:clrMapOvr>
 </p:sldLayout>
 </file>
 
 <file path=ppt/slideLayouts/slideLayout17.xml><?xml version="1.0" encoding="utf-8"?>
-<p:sldLayout xmlns:a="http://schemas.openxmlformats.org/drawingml/2006/main" xmlns:p="http://schemas.openxmlformats.org/presentationml/2006/main" xmlns:r="http://schemas.openxmlformats.org/officeDocument/2006/relationships" xmlns:p14="http://schemas.microsoft.com/office/powerpoint/2010/main" xmlns:p15="http://schemas.microsoft.com/office/powerpoint/2012/main" xmlns:mc="http://schemas.openxmlformats.org/markup-compatibility/2006" type="titleOnly" preserve="1">
+<p:sldLayout xmlns:a="http://schemas.openxmlformats.org/drawingml/2006/main" xmlns:r="http://schemas.openxmlformats.org/officeDocument/2006/relationships" xmlns:p="http://schemas.openxmlformats.org/presentationml/2006/main" type="titleOnly" preserve="1">
   <p:cSld name="Title Only">
     <p:spTree>
       <p:nvGrpSpPr>
@@ -1344,11 +1575,12 @@
           </a:prstGeom>
         </p:spPr>
         <p:txBody>
-          <a:bodyPr lIns="0" rIns="0" tIns="0" bIns="0" anchor="ctr">
+          <a:bodyPr lIns="0" tIns="0" rIns="0" bIns="0" anchor="ctr">
             <a:noAutofit/>
           </a:bodyPr>
-          <a:p>
-            <a:endParaRPr b="0" lang="en-US" sz="1800" spc="-1" strike="noStrike">
+          <a:lstStyle/>
+          <a:p>
+            <a:endParaRPr lang="en-US" sz="1800" b="0" strike="noStrike" spc="-1">
               <a:solidFill>
                 <a:srgbClr val="000000"/>
               </a:solidFill>
@@ -1359,11 +1591,14 @@
       </p:sp>
     </p:spTree>
   </p:cSld>
+  <p:clrMapOvr>
+    <a:masterClrMapping/>
+  </p:clrMapOvr>
 </p:sldLayout>
 </file>
 
 <file path=ppt/slideLayouts/slideLayout18.xml><?xml version="1.0" encoding="utf-8"?>
-<p:sldLayout xmlns:a="http://schemas.openxmlformats.org/drawingml/2006/main" xmlns:p="http://schemas.openxmlformats.org/presentationml/2006/main" xmlns:r="http://schemas.openxmlformats.org/officeDocument/2006/relationships" xmlns:p14="http://schemas.microsoft.com/office/powerpoint/2010/main" xmlns:p15="http://schemas.microsoft.com/office/powerpoint/2012/main" xmlns:mc="http://schemas.openxmlformats.org/markup-compatibility/2006" type="objOnly" preserve="1">
+<p:sldLayout xmlns:a="http://schemas.openxmlformats.org/drawingml/2006/main" xmlns:r="http://schemas.openxmlformats.org/officeDocument/2006/relationships" xmlns:p="http://schemas.openxmlformats.org/presentationml/2006/main" type="objOnly" preserve="1">
   <p:cSld name="Centered Text">
     <p:spTree>
       <p:nvGrpSpPr>
@@ -1399,12 +1634,13 @@
           </a:prstGeom>
         </p:spPr>
         <p:txBody>
-          <a:bodyPr lIns="0" rIns="0" tIns="0" bIns="0" anchor="ctr">
+          <a:bodyPr lIns="0" tIns="0" rIns="0" bIns="0" anchor="ctr">
             <a:noAutofit/>
           </a:bodyPr>
+          <a:lstStyle/>
           <a:p>
             <a:pPr algn="ctr"/>
-            <a:endParaRPr b="0" lang="en-US" sz="3200" spc="-1" strike="noStrike">
+            <a:endParaRPr lang="en-US" sz="3200" b="0" strike="noStrike" spc="-1">
               <a:latin typeface="Noto Sans CJK KR"/>
             </a:endParaRPr>
           </a:p>
@@ -1412,11 +1648,14 @@
       </p:sp>
     </p:spTree>
   </p:cSld>
+  <p:clrMapOvr>
+    <a:masterClrMapping/>
+  </p:clrMapOvr>
 </p:sldLayout>
 </file>
 
 <file path=ppt/slideLayouts/slideLayout19.xml><?xml version="1.0" encoding="utf-8"?>
-<p:sldLayout xmlns:a="http://schemas.openxmlformats.org/drawingml/2006/main" xmlns:p="http://schemas.openxmlformats.org/presentationml/2006/main" xmlns:r="http://schemas.openxmlformats.org/officeDocument/2006/relationships" xmlns:p14="http://schemas.microsoft.com/office/powerpoint/2010/main" xmlns:p15="http://schemas.microsoft.com/office/powerpoint/2012/main" xmlns:mc="http://schemas.openxmlformats.org/markup-compatibility/2006" type="twoObjAndObj" preserve="1">
+<p:sldLayout xmlns:a="http://schemas.openxmlformats.org/drawingml/2006/main" xmlns:r="http://schemas.openxmlformats.org/officeDocument/2006/relationships" xmlns:p="http://schemas.openxmlformats.org/presentationml/2006/main" type="twoObjAndObj" preserve="1">
   <p:cSld name="Title, 2 Content and Content">
     <p:spTree>
       <p:nvGrpSpPr>
@@ -1452,11 +1691,12 @@
           </a:prstGeom>
         </p:spPr>
         <p:txBody>
-          <a:bodyPr lIns="0" rIns="0" tIns="0" bIns="0" anchor="ctr">
+          <a:bodyPr lIns="0" tIns="0" rIns="0" bIns="0" anchor="ctr">
             <a:noAutofit/>
           </a:bodyPr>
-          <a:p>
-            <a:endParaRPr b="0" lang="en-US" sz="1800" spc="-1" strike="noStrike">
+          <a:lstStyle/>
+          <a:p>
+            <a:endParaRPr lang="en-US" sz="1800" b="0" strike="noStrike" spc="-1">
               <a:solidFill>
                 <a:srgbClr val="000000"/>
               </a:solidFill>
@@ -1485,11 +1725,12 @@
           </a:prstGeom>
         </p:spPr>
         <p:txBody>
-          <a:bodyPr lIns="0" rIns="0" tIns="0" bIns="0">
+          <a:bodyPr lIns="0" tIns="0" rIns="0" bIns="0">
             <a:normAutofit/>
           </a:bodyPr>
-          <a:p>
-            <a:endParaRPr b="0" lang="en-US" sz="3200" spc="-1" strike="noStrike">
+          <a:lstStyle/>
+          <a:p>
+            <a:endParaRPr lang="en-US" sz="3200" b="0" strike="noStrike" spc="-1">
               <a:solidFill>
                 <a:srgbClr val="000000"/>
               </a:solidFill>
@@ -1518,11 +1759,12 @@
           </a:prstGeom>
         </p:spPr>
         <p:txBody>
-          <a:bodyPr lIns="0" rIns="0" tIns="0" bIns="0">
+          <a:bodyPr lIns="0" tIns="0" rIns="0" bIns="0">
             <a:normAutofit/>
           </a:bodyPr>
-          <a:p>
-            <a:endParaRPr b="0" lang="en-US" sz="3200" spc="-1" strike="noStrike">
+          <a:lstStyle/>
+          <a:p>
+            <a:endParaRPr lang="en-US" sz="3200" b="0" strike="noStrike" spc="-1">
               <a:solidFill>
                 <a:srgbClr val="000000"/>
               </a:solidFill>
@@ -1551,11 +1793,12 @@
           </a:prstGeom>
         </p:spPr>
         <p:txBody>
-          <a:bodyPr lIns="0" rIns="0" tIns="0" bIns="0">
+          <a:bodyPr lIns="0" tIns="0" rIns="0" bIns="0">
             <a:normAutofit/>
           </a:bodyPr>
-          <a:p>
-            <a:endParaRPr b="0" lang="en-US" sz="3200" spc="-1" strike="noStrike">
+          <a:lstStyle/>
+          <a:p>
+            <a:endParaRPr lang="en-US" sz="3200" b="0" strike="noStrike" spc="-1">
               <a:solidFill>
                 <a:srgbClr val="000000"/>
               </a:solidFill>
@@ -1566,11 +1809,14 @@
       </p:sp>
     </p:spTree>
   </p:cSld>
+  <p:clrMapOvr>
+    <a:masterClrMapping/>
+  </p:clrMapOvr>
 </p:sldLayout>
 </file>
 
 <file path=ppt/slideLayouts/slideLayout2.xml><?xml version="1.0" encoding="utf-8"?>
-<p:sldLayout xmlns:a="http://schemas.openxmlformats.org/drawingml/2006/main" xmlns:p="http://schemas.openxmlformats.org/presentationml/2006/main" xmlns:r="http://schemas.openxmlformats.org/officeDocument/2006/relationships" xmlns:p14="http://schemas.microsoft.com/office/powerpoint/2010/main" xmlns:p15="http://schemas.microsoft.com/office/powerpoint/2012/main" xmlns:mc="http://schemas.openxmlformats.org/markup-compatibility/2006" type="tx" preserve="1">
+<p:sldLayout xmlns:a="http://schemas.openxmlformats.org/drawingml/2006/main" xmlns:r="http://schemas.openxmlformats.org/officeDocument/2006/relationships" xmlns:p="http://schemas.openxmlformats.org/presentationml/2006/main" type="tx" preserve="1">
   <p:cSld name="Title Slide">
     <p:spTree>
       <p:nvGrpSpPr>
@@ -1606,11 +1852,12 @@
           </a:prstGeom>
         </p:spPr>
         <p:txBody>
-          <a:bodyPr lIns="0" rIns="0" tIns="0" bIns="0" anchor="ctr">
+          <a:bodyPr lIns="0" tIns="0" rIns="0" bIns="0" anchor="ctr">
             <a:noAutofit/>
           </a:bodyPr>
-          <a:p>
-            <a:endParaRPr b="0" lang="en-US" sz="1800" spc="-1" strike="noStrike">
+          <a:lstStyle/>
+          <a:p>
+            <a:endParaRPr lang="en-US" sz="1800" b="0" strike="noStrike" spc="-1">
               <a:solidFill>
                 <a:srgbClr val="000000"/>
               </a:solidFill>
@@ -1639,12 +1886,13 @@
           </a:prstGeom>
         </p:spPr>
         <p:txBody>
-          <a:bodyPr lIns="0" rIns="0" tIns="0" bIns="0" anchor="ctr">
+          <a:bodyPr lIns="0" tIns="0" rIns="0" bIns="0" anchor="ctr">
             <a:noAutofit/>
           </a:bodyPr>
+          <a:lstStyle/>
           <a:p>
             <a:pPr algn="ctr"/>
-            <a:endParaRPr b="0" lang="en-US" sz="3200" spc="-1" strike="noStrike">
+            <a:endParaRPr lang="en-US" sz="3200" b="0" strike="noStrike" spc="-1">
               <a:latin typeface="Noto Sans CJK KR"/>
             </a:endParaRPr>
           </a:p>
@@ -1652,11 +1900,14 @@
       </p:sp>
     </p:spTree>
   </p:cSld>
+  <p:clrMapOvr>
+    <a:masterClrMapping/>
+  </p:clrMapOvr>
 </p:sldLayout>
 </file>
 
 <file path=ppt/slideLayouts/slideLayout20.xml><?xml version="1.0" encoding="utf-8"?>
-<p:sldLayout xmlns:a="http://schemas.openxmlformats.org/drawingml/2006/main" xmlns:p="http://schemas.openxmlformats.org/presentationml/2006/main" xmlns:r="http://schemas.openxmlformats.org/officeDocument/2006/relationships" xmlns:p14="http://schemas.microsoft.com/office/powerpoint/2010/main" xmlns:p15="http://schemas.microsoft.com/office/powerpoint/2012/main" xmlns:mc="http://schemas.openxmlformats.org/markup-compatibility/2006" type="objAndTwoObj" preserve="1">
+<p:sldLayout xmlns:a="http://schemas.openxmlformats.org/drawingml/2006/main" xmlns:r="http://schemas.openxmlformats.org/officeDocument/2006/relationships" xmlns:p="http://schemas.openxmlformats.org/presentationml/2006/main" type="objAndTwoObj" preserve="1">
   <p:cSld name="Title Content and 2 Content">
     <p:spTree>
       <p:nvGrpSpPr>
@@ -1692,11 +1943,12 @@
           </a:prstGeom>
         </p:spPr>
         <p:txBody>
-          <a:bodyPr lIns="0" rIns="0" tIns="0" bIns="0" anchor="ctr">
+          <a:bodyPr lIns="0" tIns="0" rIns="0" bIns="0" anchor="ctr">
             <a:noAutofit/>
           </a:bodyPr>
-          <a:p>
-            <a:endParaRPr b="0" lang="en-US" sz="1800" spc="-1" strike="noStrike">
+          <a:lstStyle/>
+          <a:p>
+            <a:endParaRPr lang="en-US" sz="1800" b="0" strike="noStrike" spc="-1">
               <a:solidFill>
                 <a:srgbClr val="000000"/>
               </a:solidFill>
@@ -1725,11 +1977,12 @@
           </a:prstGeom>
         </p:spPr>
         <p:txBody>
-          <a:bodyPr lIns="0" rIns="0" tIns="0" bIns="0">
+          <a:bodyPr lIns="0" tIns="0" rIns="0" bIns="0">
             <a:normAutofit/>
           </a:bodyPr>
-          <a:p>
-            <a:endParaRPr b="0" lang="en-US" sz="3200" spc="-1" strike="noStrike">
+          <a:lstStyle/>
+          <a:p>
+            <a:endParaRPr lang="en-US" sz="3200" b="0" strike="noStrike" spc="-1">
               <a:solidFill>
                 <a:srgbClr val="000000"/>
               </a:solidFill>
@@ -1758,11 +2011,12 @@
           </a:prstGeom>
         </p:spPr>
         <p:txBody>
-          <a:bodyPr lIns="0" rIns="0" tIns="0" bIns="0">
+          <a:bodyPr lIns="0" tIns="0" rIns="0" bIns="0">
             <a:normAutofit/>
           </a:bodyPr>
-          <a:p>
-            <a:endParaRPr b="0" lang="en-US" sz="3200" spc="-1" strike="noStrike">
+          <a:lstStyle/>
+          <a:p>
+            <a:endParaRPr lang="en-US" sz="3200" b="0" strike="noStrike" spc="-1">
               <a:solidFill>
                 <a:srgbClr val="000000"/>
               </a:solidFill>
@@ -1791,11 +2045,12 @@
           </a:prstGeom>
         </p:spPr>
         <p:txBody>
-          <a:bodyPr lIns="0" rIns="0" tIns="0" bIns="0">
+          <a:bodyPr lIns="0" tIns="0" rIns="0" bIns="0">
             <a:normAutofit/>
           </a:bodyPr>
-          <a:p>
-            <a:endParaRPr b="0" lang="en-US" sz="3200" spc="-1" strike="noStrike">
+          <a:lstStyle/>
+          <a:p>
+            <a:endParaRPr lang="en-US" sz="3200" b="0" strike="noStrike" spc="-1">
               <a:solidFill>
                 <a:srgbClr val="000000"/>
               </a:solidFill>
@@ -1806,11 +2061,14 @@
       </p:sp>
     </p:spTree>
   </p:cSld>
+  <p:clrMapOvr>
+    <a:masterClrMapping/>
+  </p:clrMapOvr>
 </p:sldLayout>
 </file>
 
 <file path=ppt/slideLayouts/slideLayout21.xml><?xml version="1.0" encoding="utf-8"?>
-<p:sldLayout xmlns:a="http://schemas.openxmlformats.org/drawingml/2006/main" xmlns:p="http://schemas.openxmlformats.org/presentationml/2006/main" xmlns:r="http://schemas.openxmlformats.org/officeDocument/2006/relationships" xmlns:p14="http://schemas.microsoft.com/office/powerpoint/2010/main" xmlns:p15="http://schemas.microsoft.com/office/powerpoint/2012/main" xmlns:mc="http://schemas.openxmlformats.org/markup-compatibility/2006" type="twoObjOverTx" preserve="1">
+<p:sldLayout xmlns:a="http://schemas.openxmlformats.org/drawingml/2006/main" xmlns:r="http://schemas.openxmlformats.org/officeDocument/2006/relationships" xmlns:p="http://schemas.openxmlformats.org/presentationml/2006/main" type="twoObjOverTx" preserve="1">
   <p:cSld name="Title, 2 Content over Content">
     <p:spTree>
       <p:nvGrpSpPr>
@@ -1846,11 +2104,12 @@
           </a:prstGeom>
         </p:spPr>
         <p:txBody>
-          <a:bodyPr lIns="0" rIns="0" tIns="0" bIns="0" anchor="ctr">
+          <a:bodyPr lIns="0" tIns="0" rIns="0" bIns="0" anchor="ctr">
             <a:noAutofit/>
           </a:bodyPr>
-          <a:p>
-            <a:endParaRPr b="0" lang="en-US" sz="1800" spc="-1" strike="noStrike">
+          <a:lstStyle/>
+          <a:p>
+            <a:endParaRPr lang="en-US" sz="1800" b="0" strike="noStrike" spc="-1">
               <a:solidFill>
                 <a:srgbClr val="000000"/>
               </a:solidFill>
@@ -1879,11 +2138,12 @@
           </a:prstGeom>
         </p:spPr>
         <p:txBody>
-          <a:bodyPr lIns="0" rIns="0" tIns="0" bIns="0">
+          <a:bodyPr lIns="0" tIns="0" rIns="0" bIns="0">
             <a:normAutofit/>
           </a:bodyPr>
-          <a:p>
-            <a:endParaRPr b="0" lang="en-US" sz="3200" spc="-1" strike="noStrike">
+          <a:lstStyle/>
+          <a:p>
+            <a:endParaRPr lang="en-US" sz="3200" b="0" strike="noStrike" spc="-1">
               <a:solidFill>
                 <a:srgbClr val="000000"/>
               </a:solidFill>
@@ -1912,11 +2172,12 @@
           </a:prstGeom>
         </p:spPr>
         <p:txBody>
-          <a:bodyPr lIns="0" rIns="0" tIns="0" bIns="0">
+          <a:bodyPr lIns="0" tIns="0" rIns="0" bIns="0">
             <a:normAutofit/>
           </a:bodyPr>
-          <a:p>
-            <a:endParaRPr b="0" lang="en-US" sz="3200" spc="-1" strike="noStrike">
+          <a:lstStyle/>
+          <a:p>
+            <a:endParaRPr lang="en-US" sz="3200" b="0" strike="noStrike" spc="-1">
               <a:solidFill>
                 <a:srgbClr val="000000"/>
               </a:solidFill>
@@ -1945,11 +2206,12 @@
           </a:prstGeom>
         </p:spPr>
         <p:txBody>
-          <a:bodyPr lIns="0" rIns="0" tIns="0" bIns="0">
+          <a:bodyPr lIns="0" tIns="0" rIns="0" bIns="0">
             <a:normAutofit/>
           </a:bodyPr>
-          <a:p>
-            <a:endParaRPr b="0" lang="en-US" sz="3200" spc="-1" strike="noStrike">
+          <a:lstStyle/>
+          <a:p>
+            <a:endParaRPr lang="en-US" sz="3200" b="0" strike="noStrike" spc="-1">
               <a:solidFill>
                 <a:srgbClr val="000000"/>
               </a:solidFill>
@@ -1960,11 +2222,14 @@
       </p:sp>
     </p:spTree>
   </p:cSld>
+  <p:clrMapOvr>
+    <a:masterClrMapping/>
+  </p:clrMapOvr>
 </p:sldLayout>
 </file>
 
 <file path=ppt/slideLayouts/slideLayout22.xml><?xml version="1.0" encoding="utf-8"?>
-<p:sldLayout xmlns:a="http://schemas.openxmlformats.org/drawingml/2006/main" xmlns:p="http://schemas.openxmlformats.org/presentationml/2006/main" xmlns:r="http://schemas.openxmlformats.org/officeDocument/2006/relationships" xmlns:p14="http://schemas.microsoft.com/office/powerpoint/2010/main" xmlns:p15="http://schemas.microsoft.com/office/powerpoint/2012/main" xmlns:mc="http://schemas.openxmlformats.org/markup-compatibility/2006" type="objOverTx" preserve="1">
+<p:sldLayout xmlns:a="http://schemas.openxmlformats.org/drawingml/2006/main" xmlns:r="http://schemas.openxmlformats.org/officeDocument/2006/relationships" xmlns:p="http://schemas.openxmlformats.org/presentationml/2006/main" type="objOverTx" preserve="1">
   <p:cSld name="Title, Content over Content">
     <p:spTree>
       <p:nvGrpSpPr>
@@ -2000,11 +2265,12 @@
           </a:prstGeom>
         </p:spPr>
         <p:txBody>
-          <a:bodyPr lIns="0" rIns="0" tIns="0" bIns="0" anchor="ctr">
+          <a:bodyPr lIns="0" tIns="0" rIns="0" bIns="0" anchor="ctr">
             <a:noAutofit/>
           </a:bodyPr>
-          <a:p>
-            <a:endParaRPr b="0" lang="en-US" sz="1800" spc="-1" strike="noStrike">
+          <a:lstStyle/>
+          <a:p>
+            <a:endParaRPr lang="en-US" sz="1800" b="0" strike="noStrike" spc="-1">
               <a:solidFill>
                 <a:srgbClr val="000000"/>
               </a:solidFill>
@@ -2033,11 +2299,12 @@
           </a:prstGeom>
         </p:spPr>
         <p:txBody>
-          <a:bodyPr lIns="0" rIns="0" tIns="0" bIns="0">
+          <a:bodyPr lIns="0" tIns="0" rIns="0" bIns="0">
             <a:normAutofit/>
           </a:bodyPr>
-          <a:p>
-            <a:endParaRPr b="0" lang="en-US" sz="3200" spc="-1" strike="noStrike">
+          <a:lstStyle/>
+          <a:p>
+            <a:endParaRPr lang="en-US" sz="3200" b="0" strike="noStrike" spc="-1">
               <a:solidFill>
                 <a:srgbClr val="000000"/>
               </a:solidFill>
@@ -2066,11 +2333,12 @@
           </a:prstGeom>
         </p:spPr>
         <p:txBody>
-          <a:bodyPr lIns="0" rIns="0" tIns="0" bIns="0">
+          <a:bodyPr lIns="0" tIns="0" rIns="0" bIns="0">
             <a:normAutofit/>
           </a:bodyPr>
-          <a:p>
-            <a:endParaRPr b="0" lang="en-US" sz="3200" spc="-1" strike="noStrike">
+          <a:lstStyle/>
+          <a:p>
+            <a:endParaRPr lang="en-US" sz="3200" b="0" strike="noStrike" spc="-1">
               <a:solidFill>
                 <a:srgbClr val="000000"/>
               </a:solidFill>
@@ -2081,11 +2349,14 @@
       </p:sp>
     </p:spTree>
   </p:cSld>
+  <p:clrMapOvr>
+    <a:masterClrMapping/>
+  </p:clrMapOvr>
 </p:sldLayout>
 </file>
 
 <file path=ppt/slideLayouts/slideLayout23.xml><?xml version="1.0" encoding="utf-8"?>
-<p:sldLayout xmlns:a="http://schemas.openxmlformats.org/drawingml/2006/main" xmlns:p="http://schemas.openxmlformats.org/presentationml/2006/main" xmlns:r="http://schemas.openxmlformats.org/officeDocument/2006/relationships" xmlns:p14="http://schemas.microsoft.com/office/powerpoint/2010/main" xmlns:p15="http://schemas.microsoft.com/office/powerpoint/2012/main" xmlns:mc="http://schemas.openxmlformats.org/markup-compatibility/2006" type="fourObj" preserve="1">
+<p:sldLayout xmlns:a="http://schemas.openxmlformats.org/drawingml/2006/main" xmlns:r="http://schemas.openxmlformats.org/officeDocument/2006/relationships" xmlns:p="http://schemas.openxmlformats.org/presentationml/2006/main" type="fourObj" preserve="1">
   <p:cSld name="Title, 4 Content">
     <p:spTree>
       <p:nvGrpSpPr>
@@ -2121,11 +2392,12 @@
           </a:prstGeom>
         </p:spPr>
         <p:txBody>
-          <a:bodyPr lIns="0" rIns="0" tIns="0" bIns="0" anchor="ctr">
+          <a:bodyPr lIns="0" tIns="0" rIns="0" bIns="0" anchor="ctr">
             <a:noAutofit/>
           </a:bodyPr>
-          <a:p>
-            <a:endParaRPr b="0" lang="en-US" sz="1800" spc="-1" strike="noStrike">
+          <a:lstStyle/>
+          <a:p>
+            <a:endParaRPr lang="en-US" sz="1800" b="0" strike="noStrike" spc="-1">
               <a:solidFill>
                 <a:srgbClr val="000000"/>
               </a:solidFill>
@@ -2154,11 +2426,12 @@
           </a:prstGeom>
         </p:spPr>
         <p:txBody>
-          <a:bodyPr lIns="0" rIns="0" tIns="0" bIns="0">
+          <a:bodyPr lIns="0" tIns="0" rIns="0" bIns="0">
             <a:normAutofit/>
           </a:bodyPr>
-          <a:p>
-            <a:endParaRPr b="0" lang="en-US" sz="3200" spc="-1" strike="noStrike">
+          <a:lstStyle/>
+          <a:p>
+            <a:endParaRPr lang="en-US" sz="3200" b="0" strike="noStrike" spc="-1">
               <a:solidFill>
                 <a:srgbClr val="000000"/>
               </a:solidFill>
@@ -2187,11 +2460,12 @@
           </a:prstGeom>
         </p:spPr>
         <p:txBody>
-          <a:bodyPr lIns="0" rIns="0" tIns="0" bIns="0">
+          <a:bodyPr lIns="0" tIns="0" rIns="0" bIns="0">
             <a:normAutofit/>
           </a:bodyPr>
-          <a:p>
-            <a:endParaRPr b="0" lang="en-US" sz="3200" spc="-1" strike="noStrike">
+          <a:lstStyle/>
+          <a:p>
+            <a:endParaRPr lang="en-US" sz="3200" b="0" strike="noStrike" spc="-1">
               <a:solidFill>
                 <a:srgbClr val="000000"/>
               </a:solidFill>
@@ -2220,11 +2494,12 @@
           </a:prstGeom>
         </p:spPr>
         <p:txBody>
-          <a:bodyPr lIns="0" rIns="0" tIns="0" bIns="0">
+          <a:bodyPr lIns="0" tIns="0" rIns="0" bIns="0">
             <a:normAutofit/>
           </a:bodyPr>
-          <a:p>
-            <a:endParaRPr b="0" lang="en-US" sz="3200" spc="-1" strike="noStrike">
+          <a:lstStyle/>
+          <a:p>
+            <a:endParaRPr lang="en-US" sz="3200" b="0" strike="noStrike" spc="-1">
               <a:solidFill>
                 <a:srgbClr val="000000"/>
               </a:solidFill>
@@ -2253,11 +2528,12 @@
           </a:prstGeom>
         </p:spPr>
         <p:txBody>
-          <a:bodyPr lIns="0" rIns="0" tIns="0" bIns="0">
+          <a:bodyPr lIns="0" tIns="0" rIns="0" bIns="0">
             <a:normAutofit/>
           </a:bodyPr>
-          <a:p>
-            <a:endParaRPr b="0" lang="en-US" sz="3200" spc="-1" strike="noStrike">
+          <a:lstStyle/>
+          <a:p>
+            <a:endParaRPr lang="en-US" sz="3200" b="0" strike="noStrike" spc="-1">
               <a:solidFill>
                 <a:srgbClr val="000000"/>
               </a:solidFill>
@@ -2268,11 +2544,14 @@
       </p:sp>
     </p:spTree>
   </p:cSld>
+  <p:clrMapOvr>
+    <a:masterClrMapping/>
+  </p:clrMapOvr>
 </p:sldLayout>
 </file>
 
 <file path=ppt/slideLayouts/slideLayout24.xml><?xml version="1.0" encoding="utf-8"?>
-<p:sldLayout xmlns:a="http://schemas.openxmlformats.org/drawingml/2006/main" xmlns:p="http://schemas.openxmlformats.org/presentationml/2006/main" xmlns:r="http://schemas.openxmlformats.org/officeDocument/2006/relationships" xmlns:p14="http://schemas.microsoft.com/office/powerpoint/2010/main" xmlns:p15="http://schemas.microsoft.com/office/powerpoint/2012/main" xmlns:mc="http://schemas.openxmlformats.org/markup-compatibility/2006" type="blank" preserve="1">
+<p:sldLayout xmlns:a="http://schemas.openxmlformats.org/drawingml/2006/main" xmlns:r="http://schemas.openxmlformats.org/officeDocument/2006/relationships" xmlns:p="http://schemas.openxmlformats.org/presentationml/2006/main" type="blank" preserve="1">
   <p:cSld name="Title, 6 Content">
     <p:spTree>
       <p:nvGrpSpPr>
@@ -2308,11 +2587,12 @@
           </a:prstGeom>
         </p:spPr>
         <p:txBody>
-          <a:bodyPr lIns="0" rIns="0" tIns="0" bIns="0" anchor="ctr">
+          <a:bodyPr lIns="0" tIns="0" rIns="0" bIns="0" anchor="ctr">
             <a:noAutofit/>
           </a:bodyPr>
-          <a:p>
-            <a:endParaRPr b="0" lang="en-US" sz="1800" spc="-1" strike="noStrike">
+          <a:lstStyle/>
+          <a:p>
+            <a:endParaRPr lang="en-US" sz="1800" b="0" strike="noStrike" spc="-1">
               <a:solidFill>
                 <a:srgbClr val="000000"/>
               </a:solidFill>
@@ -2341,11 +2621,12 @@
           </a:prstGeom>
         </p:spPr>
         <p:txBody>
-          <a:bodyPr lIns="0" rIns="0" tIns="0" bIns="0">
+          <a:bodyPr lIns="0" tIns="0" rIns="0" bIns="0">
             <a:normAutofit/>
           </a:bodyPr>
-          <a:p>
-            <a:endParaRPr b="0" lang="en-US" sz="3200" spc="-1" strike="noStrike">
+          <a:lstStyle/>
+          <a:p>
+            <a:endParaRPr lang="en-US" sz="3200" b="0" strike="noStrike" spc="-1">
               <a:solidFill>
                 <a:srgbClr val="000000"/>
               </a:solidFill>
@@ -2374,11 +2655,12 @@
           </a:prstGeom>
         </p:spPr>
         <p:txBody>
-          <a:bodyPr lIns="0" rIns="0" tIns="0" bIns="0">
+          <a:bodyPr lIns="0" tIns="0" rIns="0" bIns="0">
             <a:normAutofit/>
           </a:bodyPr>
-          <a:p>
-            <a:endParaRPr b="0" lang="en-US" sz="3200" spc="-1" strike="noStrike">
+          <a:lstStyle/>
+          <a:p>
+            <a:endParaRPr lang="en-US" sz="3200" b="0" strike="noStrike" spc="-1">
               <a:solidFill>
                 <a:srgbClr val="000000"/>
               </a:solidFill>
@@ -2407,11 +2689,12 @@
           </a:prstGeom>
         </p:spPr>
         <p:txBody>
-          <a:bodyPr lIns="0" rIns="0" tIns="0" bIns="0">
+          <a:bodyPr lIns="0" tIns="0" rIns="0" bIns="0">
             <a:normAutofit/>
           </a:bodyPr>
-          <a:p>
-            <a:endParaRPr b="0" lang="en-US" sz="3200" spc="-1" strike="noStrike">
+          <a:lstStyle/>
+          <a:p>
+            <a:endParaRPr lang="en-US" sz="3200" b="0" strike="noStrike" spc="-1">
               <a:solidFill>
                 <a:srgbClr val="000000"/>
               </a:solidFill>
@@ -2440,11 +2723,12 @@
           </a:prstGeom>
         </p:spPr>
         <p:txBody>
-          <a:bodyPr lIns="0" rIns="0" tIns="0" bIns="0">
+          <a:bodyPr lIns="0" tIns="0" rIns="0" bIns="0">
             <a:normAutofit/>
           </a:bodyPr>
-          <a:p>
-            <a:endParaRPr b="0" lang="en-US" sz="3200" spc="-1" strike="noStrike">
+          <a:lstStyle/>
+          <a:p>
+            <a:endParaRPr lang="en-US" sz="3200" b="0" strike="noStrike" spc="-1">
               <a:solidFill>
                 <a:srgbClr val="000000"/>
               </a:solidFill>
@@ -2473,11 +2757,12 @@
           </a:prstGeom>
         </p:spPr>
         <p:txBody>
-          <a:bodyPr lIns="0" rIns="0" tIns="0" bIns="0">
+          <a:bodyPr lIns="0" tIns="0" rIns="0" bIns="0">
             <a:normAutofit/>
           </a:bodyPr>
-          <a:p>
-            <a:endParaRPr b="0" lang="en-US" sz="3200" spc="-1" strike="noStrike">
+          <a:lstStyle/>
+          <a:p>
+            <a:endParaRPr lang="en-US" sz="3200" b="0" strike="noStrike" spc="-1">
               <a:solidFill>
                 <a:srgbClr val="000000"/>
               </a:solidFill>
@@ -2506,11 +2791,12 @@
           </a:prstGeom>
         </p:spPr>
         <p:txBody>
-          <a:bodyPr lIns="0" rIns="0" tIns="0" bIns="0">
+          <a:bodyPr lIns="0" tIns="0" rIns="0" bIns="0">
             <a:normAutofit/>
           </a:bodyPr>
-          <a:p>
-            <a:endParaRPr b="0" lang="en-US" sz="3200" spc="-1" strike="noStrike">
+          <a:lstStyle/>
+          <a:p>
+            <a:endParaRPr lang="en-US" sz="3200" b="0" strike="noStrike" spc="-1">
               <a:solidFill>
                 <a:srgbClr val="000000"/>
               </a:solidFill>
@@ -2521,11 +2807,14 @@
       </p:sp>
     </p:spTree>
   </p:cSld>
+  <p:clrMapOvr>
+    <a:masterClrMapping/>
+  </p:clrMapOvr>
 </p:sldLayout>
 </file>
 
 <file path=ppt/slideLayouts/slideLayout3.xml><?xml version="1.0" encoding="utf-8"?>
-<p:sldLayout xmlns:a="http://schemas.openxmlformats.org/drawingml/2006/main" xmlns:p="http://schemas.openxmlformats.org/presentationml/2006/main" xmlns:r="http://schemas.openxmlformats.org/officeDocument/2006/relationships" xmlns:p14="http://schemas.microsoft.com/office/powerpoint/2010/main" xmlns:p15="http://schemas.microsoft.com/office/powerpoint/2012/main" xmlns:mc="http://schemas.openxmlformats.org/markup-compatibility/2006" type="obj" preserve="1">
+<p:sldLayout xmlns:a="http://schemas.openxmlformats.org/drawingml/2006/main" xmlns:r="http://schemas.openxmlformats.org/officeDocument/2006/relationships" xmlns:p="http://schemas.openxmlformats.org/presentationml/2006/main" type="obj" preserve="1">
   <p:cSld name="Title, Content">
     <p:spTree>
       <p:nvGrpSpPr>
@@ -2561,11 +2850,12 @@
           </a:prstGeom>
         </p:spPr>
         <p:txBody>
-          <a:bodyPr lIns="0" rIns="0" tIns="0" bIns="0" anchor="ctr">
+          <a:bodyPr lIns="0" tIns="0" rIns="0" bIns="0" anchor="ctr">
             <a:noAutofit/>
           </a:bodyPr>
-          <a:p>
-            <a:endParaRPr b="0" lang="en-US" sz="1800" spc="-1" strike="noStrike">
+          <a:lstStyle/>
+          <a:p>
+            <a:endParaRPr lang="en-US" sz="1800" b="0" strike="noStrike" spc="-1">
               <a:solidFill>
                 <a:srgbClr val="000000"/>
               </a:solidFill>
@@ -2594,11 +2884,12 @@
           </a:prstGeom>
         </p:spPr>
         <p:txBody>
-          <a:bodyPr lIns="0" rIns="0" tIns="0" bIns="0">
+          <a:bodyPr lIns="0" tIns="0" rIns="0" bIns="0">
             <a:normAutofit/>
           </a:bodyPr>
-          <a:p>
-            <a:endParaRPr b="0" lang="en-US" sz="3200" spc="-1" strike="noStrike">
+          <a:lstStyle/>
+          <a:p>
+            <a:endParaRPr lang="en-US" sz="3200" b="0" strike="noStrike" spc="-1">
               <a:solidFill>
                 <a:srgbClr val="000000"/>
               </a:solidFill>
@@ -2609,11 +2900,14 @@
       </p:sp>
     </p:spTree>
   </p:cSld>
+  <p:clrMapOvr>
+    <a:masterClrMapping/>
+  </p:clrMapOvr>
 </p:sldLayout>
 </file>
 
 <file path=ppt/slideLayouts/slideLayout4.xml><?xml version="1.0" encoding="utf-8"?>
-<p:sldLayout xmlns:a="http://schemas.openxmlformats.org/drawingml/2006/main" xmlns:p="http://schemas.openxmlformats.org/presentationml/2006/main" xmlns:r="http://schemas.openxmlformats.org/officeDocument/2006/relationships" xmlns:p14="http://schemas.microsoft.com/office/powerpoint/2010/main" xmlns:p15="http://schemas.microsoft.com/office/powerpoint/2012/main" xmlns:mc="http://schemas.openxmlformats.org/markup-compatibility/2006" type="twoObj" preserve="1">
+<p:sldLayout xmlns:a="http://schemas.openxmlformats.org/drawingml/2006/main" xmlns:r="http://schemas.openxmlformats.org/officeDocument/2006/relationships" xmlns:p="http://schemas.openxmlformats.org/presentationml/2006/main" type="twoObj" preserve="1">
   <p:cSld name="Title, 2 Content">
     <p:spTree>
       <p:nvGrpSpPr>
@@ -2649,11 +2943,12 @@
           </a:prstGeom>
         </p:spPr>
         <p:txBody>
-          <a:bodyPr lIns="0" rIns="0" tIns="0" bIns="0" anchor="ctr">
+          <a:bodyPr lIns="0" tIns="0" rIns="0" bIns="0" anchor="ctr">
             <a:noAutofit/>
           </a:bodyPr>
-          <a:p>
-            <a:endParaRPr b="0" lang="en-US" sz="1800" spc="-1" strike="noStrike">
+          <a:lstStyle/>
+          <a:p>
+            <a:endParaRPr lang="en-US" sz="1800" b="0" strike="noStrike" spc="-1">
               <a:solidFill>
                 <a:srgbClr val="000000"/>
               </a:solidFill>
@@ -2682,11 +2977,12 @@
           </a:prstGeom>
         </p:spPr>
         <p:txBody>
-          <a:bodyPr lIns="0" rIns="0" tIns="0" bIns="0">
+          <a:bodyPr lIns="0" tIns="0" rIns="0" bIns="0">
             <a:normAutofit/>
           </a:bodyPr>
-          <a:p>
-            <a:endParaRPr b="0" lang="en-US" sz="3200" spc="-1" strike="noStrike">
+          <a:lstStyle/>
+          <a:p>
+            <a:endParaRPr lang="en-US" sz="3200" b="0" strike="noStrike" spc="-1">
               <a:solidFill>
                 <a:srgbClr val="000000"/>
               </a:solidFill>
@@ -2715,11 +3011,12 @@
           </a:prstGeom>
         </p:spPr>
         <p:txBody>
-          <a:bodyPr lIns="0" rIns="0" tIns="0" bIns="0">
+          <a:bodyPr lIns="0" tIns="0" rIns="0" bIns="0">
             <a:normAutofit/>
           </a:bodyPr>
-          <a:p>
-            <a:endParaRPr b="0" lang="en-US" sz="3200" spc="-1" strike="noStrike">
+          <a:lstStyle/>
+          <a:p>
+            <a:endParaRPr lang="en-US" sz="3200" b="0" strike="noStrike" spc="-1">
               <a:solidFill>
                 <a:srgbClr val="000000"/>
               </a:solidFill>
@@ -2730,11 +3027,14 @@
       </p:sp>
     </p:spTree>
   </p:cSld>
+  <p:clrMapOvr>
+    <a:masterClrMapping/>
+  </p:clrMapOvr>
 </p:sldLayout>
 </file>
 
 <file path=ppt/slideLayouts/slideLayout5.xml><?xml version="1.0" encoding="utf-8"?>
-<p:sldLayout xmlns:a="http://schemas.openxmlformats.org/drawingml/2006/main" xmlns:p="http://schemas.openxmlformats.org/presentationml/2006/main" xmlns:r="http://schemas.openxmlformats.org/officeDocument/2006/relationships" xmlns:p14="http://schemas.microsoft.com/office/powerpoint/2010/main" xmlns:p15="http://schemas.microsoft.com/office/powerpoint/2012/main" xmlns:mc="http://schemas.openxmlformats.org/markup-compatibility/2006" type="titleOnly" preserve="1">
+<p:sldLayout xmlns:a="http://schemas.openxmlformats.org/drawingml/2006/main" xmlns:r="http://schemas.openxmlformats.org/officeDocument/2006/relationships" xmlns:p="http://schemas.openxmlformats.org/presentationml/2006/main" type="titleOnly" preserve="1">
   <p:cSld name="Title Only">
     <p:spTree>
       <p:nvGrpSpPr>
@@ -2770,11 +3070,12 @@
           </a:prstGeom>
         </p:spPr>
         <p:txBody>
-          <a:bodyPr lIns="0" rIns="0" tIns="0" bIns="0" anchor="ctr">
+          <a:bodyPr lIns="0" tIns="0" rIns="0" bIns="0" anchor="ctr">
             <a:noAutofit/>
           </a:bodyPr>
-          <a:p>
-            <a:endParaRPr b="0" lang="en-US" sz="1800" spc="-1" strike="noStrike">
+          <a:lstStyle/>
+          <a:p>
+            <a:endParaRPr lang="en-US" sz="1800" b="0" strike="noStrike" spc="-1">
               <a:solidFill>
                 <a:srgbClr val="000000"/>
               </a:solidFill>
@@ -2785,11 +3086,14 @@
       </p:sp>
     </p:spTree>
   </p:cSld>
+  <p:clrMapOvr>
+    <a:masterClrMapping/>
+  </p:clrMapOvr>
 </p:sldLayout>
 </file>
 
 <file path=ppt/slideLayouts/slideLayout6.xml><?xml version="1.0" encoding="utf-8"?>
-<p:sldLayout xmlns:a="http://schemas.openxmlformats.org/drawingml/2006/main" xmlns:p="http://schemas.openxmlformats.org/presentationml/2006/main" xmlns:r="http://schemas.openxmlformats.org/officeDocument/2006/relationships" xmlns:p14="http://schemas.microsoft.com/office/powerpoint/2010/main" xmlns:p15="http://schemas.microsoft.com/office/powerpoint/2012/main" xmlns:mc="http://schemas.openxmlformats.org/markup-compatibility/2006" type="objOnly" preserve="1">
+<p:sldLayout xmlns:a="http://schemas.openxmlformats.org/drawingml/2006/main" xmlns:r="http://schemas.openxmlformats.org/officeDocument/2006/relationships" xmlns:p="http://schemas.openxmlformats.org/presentationml/2006/main" type="objOnly" preserve="1">
   <p:cSld name="Centered Text">
     <p:spTree>
       <p:nvGrpSpPr>
@@ -2825,12 +3129,13 @@
           </a:prstGeom>
         </p:spPr>
         <p:txBody>
-          <a:bodyPr lIns="0" rIns="0" tIns="0" bIns="0" anchor="ctr">
+          <a:bodyPr lIns="0" tIns="0" rIns="0" bIns="0" anchor="ctr">
             <a:noAutofit/>
           </a:bodyPr>
+          <a:lstStyle/>
           <a:p>
             <a:pPr algn="ctr"/>
-            <a:endParaRPr b="0" lang="en-US" sz="3200" spc="-1" strike="noStrike">
+            <a:endParaRPr lang="en-US" sz="3200" b="0" strike="noStrike" spc="-1">
               <a:latin typeface="Noto Sans CJK KR"/>
             </a:endParaRPr>
           </a:p>
@@ -2838,11 +3143,14 @@
       </p:sp>
     </p:spTree>
   </p:cSld>
+  <p:clrMapOvr>
+    <a:masterClrMapping/>
+  </p:clrMapOvr>
 </p:sldLayout>
 </file>
 
 <file path=ppt/slideLayouts/slideLayout7.xml><?xml version="1.0" encoding="utf-8"?>
-<p:sldLayout xmlns:a="http://schemas.openxmlformats.org/drawingml/2006/main" xmlns:p="http://schemas.openxmlformats.org/presentationml/2006/main" xmlns:r="http://schemas.openxmlformats.org/officeDocument/2006/relationships" xmlns:p14="http://schemas.microsoft.com/office/powerpoint/2010/main" xmlns:p15="http://schemas.microsoft.com/office/powerpoint/2012/main" xmlns:mc="http://schemas.openxmlformats.org/markup-compatibility/2006" type="twoObjAndObj" preserve="1">
+<p:sldLayout xmlns:a="http://schemas.openxmlformats.org/drawingml/2006/main" xmlns:r="http://schemas.openxmlformats.org/officeDocument/2006/relationships" xmlns:p="http://schemas.openxmlformats.org/presentationml/2006/main" type="twoObjAndObj" preserve="1">
   <p:cSld name="Title, 2 Content and Content">
     <p:spTree>
       <p:nvGrpSpPr>
@@ -2878,11 +3186,12 @@
           </a:prstGeom>
         </p:spPr>
         <p:txBody>
-          <a:bodyPr lIns="0" rIns="0" tIns="0" bIns="0" anchor="ctr">
+          <a:bodyPr lIns="0" tIns="0" rIns="0" bIns="0" anchor="ctr">
             <a:noAutofit/>
           </a:bodyPr>
-          <a:p>
-            <a:endParaRPr b="0" lang="en-US" sz="1800" spc="-1" strike="noStrike">
+          <a:lstStyle/>
+          <a:p>
+            <a:endParaRPr lang="en-US" sz="1800" b="0" strike="noStrike" spc="-1">
               <a:solidFill>
                 <a:srgbClr val="000000"/>
               </a:solidFill>
@@ -2911,11 +3220,12 @@
           </a:prstGeom>
         </p:spPr>
         <p:txBody>
-          <a:bodyPr lIns="0" rIns="0" tIns="0" bIns="0">
+          <a:bodyPr lIns="0" tIns="0" rIns="0" bIns="0">
             <a:normAutofit/>
           </a:bodyPr>
-          <a:p>
-            <a:endParaRPr b="0" lang="en-US" sz="3200" spc="-1" strike="noStrike">
+          <a:lstStyle/>
+          <a:p>
+            <a:endParaRPr lang="en-US" sz="3200" b="0" strike="noStrike" spc="-1">
               <a:solidFill>
                 <a:srgbClr val="000000"/>
               </a:solidFill>
@@ -2944,11 +3254,12 @@
           </a:prstGeom>
         </p:spPr>
         <p:txBody>
-          <a:bodyPr lIns="0" rIns="0" tIns="0" bIns="0">
+          <a:bodyPr lIns="0" tIns="0" rIns="0" bIns="0">
             <a:normAutofit/>
           </a:bodyPr>
-          <a:p>
-            <a:endParaRPr b="0" lang="en-US" sz="3200" spc="-1" strike="noStrike">
+          <a:lstStyle/>
+          <a:p>
+            <a:endParaRPr lang="en-US" sz="3200" b="0" strike="noStrike" spc="-1">
               <a:solidFill>
                 <a:srgbClr val="000000"/>
               </a:solidFill>
@@ -2977,11 +3288,12 @@
           </a:prstGeom>
         </p:spPr>
         <p:txBody>
-          <a:bodyPr lIns="0" rIns="0" tIns="0" bIns="0">
+          <a:bodyPr lIns="0" tIns="0" rIns="0" bIns="0">
             <a:normAutofit/>
           </a:bodyPr>
-          <a:p>
-            <a:endParaRPr b="0" lang="en-US" sz="3200" spc="-1" strike="noStrike">
+          <a:lstStyle/>
+          <a:p>
+            <a:endParaRPr lang="en-US" sz="3200" b="0" strike="noStrike" spc="-1">
               <a:solidFill>
                 <a:srgbClr val="000000"/>
               </a:solidFill>
@@ -2992,11 +3304,14 @@
       </p:sp>
     </p:spTree>
   </p:cSld>
+  <p:clrMapOvr>
+    <a:masterClrMapping/>
+  </p:clrMapOvr>
 </p:sldLayout>
 </file>
 
 <file path=ppt/slideLayouts/slideLayout8.xml><?xml version="1.0" encoding="utf-8"?>
-<p:sldLayout xmlns:a="http://schemas.openxmlformats.org/drawingml/2006/main" xmlns:p="http://schemas.openxmlformats.org/presentationml/2006/main" xmlns:r="http://schemas.openxmlformats.org/officeDocument/2006/relationships" xmlns:p14="http://schemas.microsoft.com/office/powerpoint/2010/main" xmlns:p15="http://schemas.microsoft.com/office/powerpoint/2012/main" xmlns:mc="http://schemas.openxmlformats.org/markup-compatibility/2006" type="objAndTwoObj" preserve="1">
+<p:sldLayout xmlns:a="http://schemas.openxmlformats.org/drawingml/2006/main" xmlns:r="http://schemas.openxmlformats.org/officeDocument/2006/relationships" xmlns:p="http://schemas.openxmlformats.org/presentationml/2006/main" type="objAndTwoObj" preserve="1">
   <p:cSld name="Title Content and 2 Content">
     <p:spTree>
       <p:nvGrpSpPr>
@@ -3032,11 +3347,12 @@
           </a:prstGeom>
         </p:spPr>
         <p:txBody>
-          <a:bodyPr lIns="0" rIns="0" tIns="0" bIns="0" anchor="ctr">
+          <a:bodyPr lIns="0" tIns="0" rIns="0" bIns="0" anchor="ctr">
             <a:noAutofit/>
           </a:bodyPr>
-          <a:p>
-            <a:endParaRPr b="0" lang="en-US" sz="1800" spc="-1" strike="noStrike">
+          <a:lstStyle/>
+          <a:p>
+            <a:endParaRPr lang="en-US" sz="1800" b="0" strike="noStrike" spc="-1">
               <a:solidFill>
                 <a:srgbClr val="000000"/>
               </a:solidFill>
@@ -3065,11 +3381,12 @@
           </a:prstGeom>
         </p:spPr>
         <p:txBody>
-          <a:bodyPr lIns="0" rIns="0" tIns="0" bIns="0">
+          <a:bodyPr lIns="0" tIns="0" rIns="0" bIns="0">
             <a:normAutofit/>
           </a:bodyPr>
-          <a:p>
-            <a:endParaRPr b="0" lang="en-US" sz="3200" spc="-1" strike="noStrike">
+          <a:lstStyle/>
+          <a:p>
+            <a:endParaRPr lang="en-US" sz="3200" b="0" strike="noStrike" spc="-1">
               <a:solidFill>
                 <a:srgbClr val="000000"/>
               </a:solidFill>
@@ -3098,11 +3415,12 @@
           </a:prstGeom>
         </p:spPr>
         <p:txBody>
-          <a:bodyPr lIns="0" rIns="0" tIns="0" bIns="0">
+          <a:bodyPr lIns="0" tIns="0" rIns="0" bIns="0">
             <a:normAutofit/>
           </a:bodyPr>
-          <a:p>
-            <a:endParaRPr b="0" lang="en-US" sz="3200" spc="-1" strike="noStrike">
+          <a:lstStyle/>
+          <a:p>
+            <a:endParaRPr lang="en-US" sz="3200" b="0" strike="noStrike" spc="-1">
               <a:solidFill>
                 <a:srgbClr val="000000"/>
               </a:solidFill>
@@ -3131,11 +3449,12 @@
           </a:prstGeom>
         </p:spPr>
         <p:txBody>
-          <a:bodyPr lIns="0" rIns="0" tIns="0" bIns="0">
+          <a:bodyPr lIns="0" tIns="0" rIns="0" bIns="0">
             <a:normAutofit/>
           </a:bodyPr>
-          <a:p>
-            <a:endParaRPr b="0" lang="en-US" sz="3200" spc="-1" strike="noStrike">
+          <a:lstStyle/>
+          <a:p>
+            <a:endParaRPr lang="en-US" sz="3200" b="0" strike="noStrike" spc="-1">
               <a:solidFill>
                 <a:srgbClr val="000000"/>
               </a:solidFill>
@@ -3146,11 +3465,14 @@
       </p:sp>
     </p:spTree>
   </p:cSld>
+  <p:clrMapOvr>
+    <a:masterClrMapping/>
+  </p:clrMapOvr>
 </p:sldLayout>
 </file>
 
 <file path=ppt/slideLayouts/slideLayout9.xml><?xml version="1.0" encoding="utf-8"?>
-<p:sldLayout xmlns:a="http://schemas.openxmlformats.org/drawingml/2006/main" xmlns:p="http://schemas.openxmlformats.org/presentationml/2006/main" xmlns:r="http://schemas.openxmlformats.org/officeDocument/2006/relationships" xmlns:p14="http://schemas.microsoft.com/office/powerpoint/2010/main" xmlns:p15="http://schemas.microsoft.com/office/powerpoint/2012/main" xmlns:mc="http://schemas.openxmlformats.org/markup-compatibility/2006" type="twoObjOverTx" preserve="1">
+<p:sldLayout xmlns:a="http://schemas.openxmlformats.org/drawingml/2006/main" xmlns:r="http://schemas.openxmlformats.org/officeDocument/2006/relationships" xmlns:p="http://schemas.openxmlformats.org/presentationml/2006/main" type="twoObjOverTx" preserve="1">
   <p:cSld name="Title, 2 Content over Content">
     <p:spTree>
       <p:nvGrpSpPr>
@@ -3186,11 +3508,12 @@
           </a:prstGeom>
         </p:spPr>
         <p:txBody>
-          <a:bodyPr lIns="0" rIns="0" tIns="0" bIns="0" anchor="ctr">
+          <a:bodyPr lIns="0" tIns="0" rIns="0" bIns="0" anchor="ctr">
             <a:noAutofit/>
           </a:bodyPr>
-          <a:p>
-            <a:endParaRPr b="0" lang="en-US" sz="1800" spc="-1" strike="noStrike">
+          <a:lstStyle/>
+          <a:p>
+            <a:endParaRPr lang="en-US" sz="1800" b="0" strike="noStrike" spc="-1">
               <a:solidFill>
                 <a:srgbClr val="000000"/>
               </a:solidFill>
@@ -3219,11 +3542,12 @@
           </a:prstGeom>
         </p:spPr>
         <p:txBody>
-          <a:bodyPr lIns="0" rIns="0" tIns="0" bIns="0">
+          <a:bodyPr lIns="0" tIns="0" rIns="0" bIns="0">
             <a:normAutofit/>
           </a:bodyPr>
-          <a:p>
-            <a:endParaRPr b="0" lang="en-US" sz="3200" spc="-1" strike="noStrike">
+          <a:lstStyle/>
+          <a:p>
+            <a:endParaRPr lang="en-US" sz="3200" b="0" strike="noStrike" spc="-1">
               <a:solidFill>
                 <a:srgbClr val="000000"/>
               </a:solidFill>
@@ -3252,11 +3576,12 @@
           </a:prstGeom>
         </p:spPr>
         <p:txBody>
-          <a:bodyPr lIns="0" rIns="0" tIns="0" bIns="0">
+          <a:bodyPr lIns="0" tIns="0" rIns="0" bIns="0">
             <a:normAutofit/>
           </a:bodyPr>
-          <a:p>
-            <a:endParaRPr b="0" lang="en-US" sz="3200" spc="-1" strike="noStrike">
+          <a:lstStyle/>
+          <a:p>
+            <a:endParaRPr lang="en-US" sz="3200" b="0" strike="noStrike" spc="-1">
               <a:solidFill>
                 <a:srgbClr val="000000"/>
               </a:solidFill>
@@ -3285,11 +3610,12 @@
           </a:prstGeom>
         </p:spPr>
         <p:txBody>
-          <a:bodyPr lIns="0" rIns="0" tIns="0" bIns="0">
+          <a:bodyPr lIns="0" tIns="0" rIns="0" bIns="0">
             <a:normAutofit/>
           </a:bodyPr>
-          <a:p>
-            <a:endParaRPr b="0" lang="en-US" sz="3200" spc="-1" strike="noStrike">
+          <a:lstStyle/>
+          <a:p>
+            <a:endParaRPr lang="en-US" sz="3200" b="0" strike="noStrike" spc="-1">
               <a:solidFill>
                 <a:srgbClr val="000000"/>
               </a:solidFill>
@@ -3300,17 +3626,21 @@
       </p:sp>
     </p:spTree>
   </p:cSld>
+  <p:clrMapOvr>
+    <a:masterClrMapping/>
+  </p:clrMapOvr>
 </p:sldLayout>
 </file>
 
 <file path=ppt/slideMasters/slideMaster1.xml><?xml version="1.0" encoding="utf-8"?>
-<p:sldMaster xmlns:a="http://schemas.openxmlformats.org/drawingml/2006/main" xmlns:p="http://schemas.openxmlformats.org/presentationml/2006/main" xmlns:r="http://schemas.openxmlformats.org/officeDocument/2006/relationships" xmlns:p14="http://schemas.microsoft.com/office/powerpoint/2010/main" xmlns:p15="http://schemas.microsoft.com/office/powerpoint/2012/main" xmlns:mc="http://schemas.openxmlformats.org/markup-compatibility/2006">
+<p:sldMaster xmlns:a="http://schemas.openxmlformats.org/drawingml/2006/main" xmlns:r="http://schemas.openxmlformats.org/officeDocument/2006/relationships" xmlns:p="http://schemas.openxmlformats.org/presentationml/2006/main">
   <p:cSld>
     <p:bg>
       <p:bgPr>
         <a:solidFill>
-          <a:srgbClr val="10243e"/>
+          <a:srgbClr val="10243E"/>
         </a:solidFill>
+        <a:effectLst/>
       </p:bgPr>
     </p:bg>
     <p:spTree>
@@ -3329,7 +3659,7 @@
       </p:grpSpPr>
       <p:sp>
         <p:nvSpPr>
-          <p:cNvPr id="0" name="PlaceHolder 1"/>
+          <p:cNvPr id="5" name="PlaceHolder 1"/>
           <p:cNvSpPr>
             <a:spLocks noGrp="1"/>
           </p:cNvSpPr>
@@ -3350,6 +3680,7 @@
           <a:bodyPr anchor="ctr">
             <a:noAutofit/>
           </a:bodyPr>
+          <a:lstStyle/>
           <a:p>
             <a:pPr algn="ctr">
               <a:lnSpc>
@@ -3357,24 +3688,15 @@
               </a:lnSpc>
             </a:pPr>
             <a:r>
-              <a:rPr b="0" lang="ko-KR" sz="4400" spc="-1" strike="noStrike">
+              <a:rPr lang="ko-KR" sz="4400" b="0" strike="noStrike" spc="-1">
                 <a:solidFill>
                   <a:srgbClr val="000000"/>
                 </a:solidFill>
                 <a:latin typeface="맑은 고딕"/>
               </a:rPr>
-              <a:t>마스터 제목 </a:t>
-            </a:r>
-            <a:r>
-              <a:rPr b="0" lang="ko-KR" sz="4400" spc="-1" strike="noStrike">
-                <a:solidFill>
-                  <a:srgbClr val="000000"/>
-                </a:solidFill>
-                <a:latin typeface="맑은 고딕"/>
-              </a:rPr>
-              <a:t>스타일 편집</a:t>
-            </a:r>
-            <a:endParaRPr b="0" lang="en-US" sz="4400" spc="-1" strike="noStrike">
+              <a:t>마스터 제목 스타일 편집</a:t>
+            </a:r>
+            <a:endParaRPr lang="en-US" sz="4400" b="0" strike="noStrike" spc="-1">
               <a:solidFill>
                 <a:srgbClr val="000000"/>
               </a:solidFill>
@@ -3385,7 +3707,7 @@
       </p:sp>
       <p:sp>
         <p:nvSpPr>
-          <p:cNvPr id="1" name="PlaceHolder 2"/>
+          <p:cNvPr id="6" name="PlaceHolder 2"/>
           <p:cNvSpPr>
             <a:spLocks noGrp="1"/>
           </p:cNvSpPr>
@@ -3406,6 +3728,7 @@
           <a:bodyPr anchor="ctr">
             <a:noAutofit/>
           </a:bodyPr>
+          <a:lstStyle/>
           <a:p>
             <a:pPr>
               <a:lnSpc>
@@ -3413,15 +3736,15 @@
               </a:lnSpc>
             </a:pPr>
             <a:fld id="{13550E25-DFFA-4547-A501-94E5196B66D7}" type="datetime">
-              <a:rPr b="0" lang="en-US" sz="1200" spc="-1" strike="noStrike">
-                <a:solidFill>
-                  <a:srgbClr val="8b8b8b"/>
+              <a:rPr lang="en-US" sz="1200" b="0" strike="noStrike" spc="-1">
+                <a:solidFill>
+                  <a:srgbClr val="8B8B8B"/>
                 </a:solidFill>
                 <a:latin typeface="맑은 고딕"/>
               </a:rPr>
-              <a:t>12/4/22</a:t>
+              <a:t>12/4/2022</a:t>
             </a:fld>
-            <a:endParaRPr b="0" lang="en-US" sz="1200" spc="-1" strike="noStrike">
+            <a:endParaRPr lang="en-US" sz="1200" b="0" strike="noStrike" spc="-1">
               <a:latin typeface="Noto Serif CJK KR"/>
             </a:endParaRPr>
           </a:p>
@@ -3450,8 +3773,9 @@
           <a:bodyPr anchor="ctr">
             <a:noAutofit/>
           </a:bodyPr>
-          <a:p>
-            <a:endParaRPr b="0" lang="en-US" sz="2400" spc="-1" strike="noStrike">
+          <a:lstStyle/>
+          <a:p>
+            <a:endParaRPr lang="en-US" sz="2400" b="0" strike="noStrike" spc="-1">
               <a:latin typeface="Noto Serif CJK KR"/>
             </a:endParaRPr>
           </a:p>
@@ -3480,6 +3804,7 @@
           <a:bodyPr anchor="ctr">
             <a:noAutofit/>
           </a:bodyPr>
+          <a:lstStyle/>
           <a:p>
             <a:pPr algn="r">
               <a:lnSpc>
@@ -3487,15 +3812,15 @@
               </a:lnSpc>
             </a:pPr>
             <a:fld id="{52D88350-9A6A-41F6-A4BE-698B0801EBD6}" type="slidenum">
-              <a:rPr b="0" lang="en-US" sz="1200" spc="-1" strike="noStrike">
-                <a:solidFill>
-                  <a:srgbClr val="8b8b8b"/>
+              <a:rPr lang="en-US" sz="1200" b="0" strike="noStrike" spc="-1">
+                <a:solidFill>
+                  <a:srgbClr val="8B8B8B"/>
                 </a:solidFill>
                 <a:latin typeface="맑은 고딕"/>
               </a:rPr>
-              <a:t>&lt;숫자&gt;</a:t>
+              <a:t>‹#›</a:t>
             </a:fld>
-            <a:endParaRPr b="0" lang="en-US" sz="1200" spc="-1" strike="noStrike">
+            <a:endParaRPr lang="en-US" sz="1200" b="0" strike="noStrike" spc="-1">
               <a:latin typeface="Noto Serif CJK KR"/>
             </a:endParaRPr>
           </a:p>
@@ -3521,23 +3846,24 @@
           </a:prstGeom>
         </p:spPr>
         <p:txBody>
-          <a:bodyPr lIns="0" rIns="0" tIns="0" bIns="0">
+          <a:bodyPr lIns="0" tIns="0" rIns="0" bIns="0">
             <a:normAutofit/>
           </a:bodyPr>
+          <a:lstStyle/>
           <a:p>
             <a:pPr marL="432000" indent="-324000">
               <a:spcBef>
                 <a:spcPts val="1417"/>
               </a:spcBef>
               <a:buClr>
-                <a:srgbClr val="ffffff"/>
+                <a:srgbClr val="FFFFFF"/>
               </a:buClr>
               <a:buSzPct val="45000"/>
               <a:buFont typeface="Wingdings" charset="2"/>
               <a:buChar char=""/>
             </a:pPr>
             <a:r>
-              <a:rPr b="0" lang="ko-KR" sz="3200" spc="-1" strike="noStrike">
+              <a:rPr lang="ko-KR" sz="3200" b="0" strike="noStrike" spc="-1">
                 <a:solidFill>
                   <a:srgbClr val="000000"/>
                 </a:solidFill>
@@ -3545,7 +3871,7 @@
               </a:rPr>
               <a:t>개요 텍스트의 서식을 편집하려면 클릭하십시오</a:t>
             </a:r>
-            <a:endParaRPr b="0" lang="en-US" sz="3200" spc="-1" strike="noStrike">
+            <a:endParaRPr lang="en-US" sz="3200" b="0" strike="noStrike" spc="-1">
               <a:solidFill>
                 <a:srgbClr val="000000"/>
               </a:solidFill>
@@ -3553,19 +3879,19 @@
             </a:endParaRPr>
           </a:p>
           <a:p>
-            <a:pPr lvl="1" marL="864000" indent="-324000">
+            <a:pPr marL="864000" lvl="1" indent="-324000">
               <a:spcBef>
                 <a:spcPts val="1134"/>
               </a:spcBef>
               <a:buClr>
-                <a:srgbClr val="ffffff"/>
+                <a:srgbClr val="FFFFFF"/>
               </a:buClr>
               <a:buSzPct val="75000"/>
               <a:buFont typeface="Symbol" charset="2"/>
               <a:buChar char=""/>
             </a:pPr>
             <a:r>
-              <a:rPr b="0" lang="en-US" sz="2400" spc="-1" strike="noStrike">
+              <a:rPr lang="en-US" sz="2400" b="0" strike="noStrike" spc="-1">
                 <a:solidFill>
                   <a:srgbClr val="000000"/>
                 </a:solidFill>
@@ -3574,7 +3900,7 @@
               <a:t>2</a:t>
             </a:r>
             <a:r>
-              <a:rPr b="0" lang="ko-KR" sz="2400" spc="-1" strike="noStrike">
+              <a:rPr lang="ko-KR" sz="2400" b="0" strike="noStrike" spc="-1">
                 <a:solidFill>
                   <a:srgbClr val="000000"/>
                 </a:solidFill>
@@ -3582,7 +3908,7 @@
               </a:rPr>
               <a:t>번째 개요 수준</a:t>
             </a:r>
-            <a:endParaRPr b="0" lang="en-US" sz="2400" spc="-1" strike="noStrike">
+            <a:endParaRPr lang="en-US" sz="2400" b="0" strike="noStrike" spc="-1">
               <a:solidFill>
                 <a:srgbClr val="000000"/>
               </a:solidFill>
@@ -3590,19 +3916,19 @@
             </a:endParaRPr>
           </a:p>
           <a:p>
-            <a:pPr lvl="2" marL="1296000" indent="-288000">
+            <a:pPr marL="1296000" lvl="2" indent="-288000">
               <a:spcBef>
                 <a:spcPts val="850"/>
               </a:spcBef>
               <a:buClr>
-                <a:srgbClr val="ffffff"/>
+                <a:srgbClr val="FFFFFF"/>
               </a:buClr>
               <a:buSzPct val="45000"/>
               <a:buFont typeface="Wingdings" charset="2"/>
               <a:buChar char=""/>
             </a:pPr>
             <a:r>
-              <a:rPr b="0" lang="en-US" sz="2000" spc="-1" strike="noStrike">
+              <a:rPr lang="en-US" sz="2000" b="0" strike="noStrike" spc="-1">
                 <a:solidFill>
                   <a:srgbClr val="000000"/>
                 </a:solidFill>
@@ -3611,7 +3937,7 @@
               <a:t>3</a:t>
             </a:r>
             <a:r>
-              <a:rPr b="0" lang="ko-KR" sz="2000" spc="-1" strike="noStrike">
+              <a:rPr lang="ko-KR" sz="2000" b="0" strike="noStrike" spc="-1">
                 <a:solidFill>
                   <a:srgbClr val="000000"/>
                 </a:solidFill>
@@ -3619,7 +3945,7 @@
               </a:rPr>
               <a:t>번째 개요 수준</a:t>
             </a:r>
-            <a:endParaRPr b="0" lang="en-US" sz="2000" spc="-1" strike="noStrike">
+            <a:endParaRPr lang="en-US" sz="2000" b="0" strike="noStrike" spc="-1">
               <a:solidFill>
                 <a:srgbClr val="000000"/>
               </a:solidFill>
@@ -3627,19 +3953,19 @@
             </a:endParaRPr>
           </a:p>
           <a:p>
-            <a:pPr lvl="3" marL="1728000" indent="-216000">
+            <a:pPr marL="1728000" lvl="3" indent="-216000">
               <a:spcBef>
                 <a:spcPts val="567"/>
               </a:spcBef>
               <a:buClr>
-                <a:srgbClr val="ffffff"/>
+                <a:srgbClr val="FFFFFF"/>
               </a:buClr>
               <a:buSzPct val="75000"/>
               <a:buFont typeface="Symbol" charset="2"/>
               <a:buChar char=""/>
             </a:pPr>
             <a:r>
-              <a:rPr b="0" lang="en-US" sz="2000" spc="-1" strike="noStrike">
+              <a:rPr lang="en-US" sz="2000" b="0" strike="noStrike" spc="-1">
                 <a:solidFill>
                   <a:srgbClr val="000000"/>
                 </a:solidFill>
@@ -3648,7 +3974,7 @@
               <a:t>4</a:t>
             </a:r>
             <a:r>
-              <a:rPr b="0" lang="ko-KR" sz="2000" spc="-1" strike="noStrike">
+              <a:rPr lang="ko-KR" sz="2000" b="0" strike="noStrike" spc="-1">
                 <a:solidFill>
                   <a:srgbClr val="000000"/>
                 </a:solidFill>
@@ -3656,7 +3982,7 @@
               </a:rPr>
               <a:t>번째 개요 수준</a:t>
             </a:r>
-            <a:endParaRPr b="0" lang="en-US" sz="2000" spc="-1" strike="noStrike">
+            <a:endParaRPr lang="en-US" sz="2000" b="0" strike="noStrike" spc="-1">
               <a:solidFill>
                 <a:srgbClr val="000000"/>
               </a:solidFill>
@@ -3664,19 +3990,19 @@
             </a:endParaRPr>
           </a:p>
           <a:p>
-            <a:pPr lvl="4" marL="2160000" indent="-216000">
+            <a:pPr marL="2160000" lvl="4" indent="-216000">
               <a:spcBef>
                 <a:spcPts val="283"/>
               </a:spcBef>
               <a:buClr>
-                <a:srgbClr val="ffffff"/>
+                <a:srgbClr val="FFFFFF"/>
               </a:buClr>
               <a:buSzPct val="45000"/>
               <a:buFont typeface="Wingdings" charset="2"/>
               <a:buChar char=""/>
             </a:pPr>
             <a:r>
-              <a:rPr b="0" lang="en-US" sz="2000" spc="-1" strike="noStrike">
+              <a:rPr lang="en-US" sz="2000" b="0" strike="noStrike" spc="-1">
                 <a:solidFill>
                   <a:srgbClr val="000000"/>
                 </a:solidFill>
@@ -3685,7 +4011,7 @@
               <a:t>5</a:t>
             </a:r>
             <a:r>
-              <a:rPr b="0" lang="ko-KR" sz="2000" spc="-1" strike="noStrike">
+              <a:rPr lang="ko-KR" sz="2000" b="0" strike="noStrike" spc="-1">
                 <a:solidFill>
                   <a:srgbClr val="000000"/>
                 </a:solidFill>
@@ -3693,7 +4019,7 @@
               </a:rPr>
               <a:t>번째 개요 수준</a:t>
             </a:r>
-            <a:endParaRPr b="0" lang="en-US" sz="2000" spc="-1" strike="noStrike">
+            <a:endParaRPr lang="en-US" sz="2000" b="0" strike="noStrike" spc="-1">
               <a:solidFill>
                 <a:srgbClr val="000000"/>
               </a:solidFill>
@@ -3701,19 +4027,19 @@
             </a:endParaRPr>
           </a:p>
           <a:p>
-            <a:pPr lvl="5" marL="2592000" indent="-216000">
+            <a:pPr marL="2592000" lvl="5" indent="-216000">
               <a:spcBef>
                 <a:spcPts val="283"/>
               </a:spcBef>
               <a:buClr>
-                <a:srgbClr val="ffffff"/>
+                <a:srgbClr val="FFFFFF"/>
               </a:buClr>
               <a:buSzPct val="45000"/>
               <a:buFont typeface="Wingdings" charset="2"/>
               <a:buChar char=""/>
             </a:pPr>
             <a:r>
-              <a:rPr b="0" lang="en-US" sz="2000" spc="-1" strike="noStrike">
+              <a:rPr lang="en-US" sz="2000" b="0" strike="noStrike" spc="-1">
                 <a:solidFill>
                   <a:srgbClr val="000000"/>
                 </a:solidFill>
@@ -3722,7 +4048,7 @@
               <a:t>6</a:t>
             </a:r>
             <a:r>
-              <a:rPr b="0" lang="ko-KR" sz="2000" spc="-1" strike="noStrike">
+              <a:rPr lang="ko-KR" sz="2000" b="0" strike="noStrike" spc="-1">
                 <a:solidFill>
                   <a:srgbClr val="000000"/>
                 </a:solidFill>
@@ -3730,7 +4056,7 @@
               </a:rPr>
               <a:t>번째 개요 수준</a:t>
             </a:r>
-            <a:endParaRPr b="0" lang="en-US" sz="2000" spc="-1" strike="noStrike">
+            <a:endParaRPr lang="en-US" sz="2000" b="0" strike="noStrike" spc="-1">
               <a:solidFill>
                 <a:srgbClr val="000000"/>
               </a:solidFill>
@@ -3738,19 +4064,19 @@
             </a:endParaRPr>
           </a:p>
           <a:p>
-            <a:pPr lvl="6" marL="3024000" indent="-216000">
+            <a:pPr marL="3024000" lvl="6" indent="-216000">
               <a:spcBef>
                 <a:spcPts val="283"/>
               </a:spcBef>
               <a:buClr>
-                <a:srgbClr val="ffffff"/>
+                <a:srgbClr val="FFFFFF"/>
               </a:buClr>
               <a:buSzPct val="45000"/>
               <a:buFont typeface="Wingdings" charset="2"/>
               <a:buChar char=""/>
             </a:pPr>
             <a:r>
-              <a:rPr b="0" lang="en-US" sz="2000" spc="-1" strike="noStrike">
+              <a:rPr lang="en-US" sz="2000" b="0" strike="noStrike" spc="-1">
                 <a:solidFill>
                   <a:srgbClr val="000000"/>
                 </a:solidFill>
@@ -3759,7 +4085,7 @@
               <a:t>7</a:t>
             </a:r>
             <a:r>
-              <a:rPr b="0" lang="ko-KR" sz="2000" spc="-1" strike="noStrike">
+              <a:rPr lang="ko-KR" sz="2000" b="0" strike="noStrike" spc="-1">
                 <a:solidFill>
                   <a:srgbClr val="000000"/>
                 </a:solidFill>
@@ -3767,7 +4093,7 @@
               </a:rPr>
               <a:t>번째 개요 수준</a:t>
             </a:r>
-            <a:endParaRPr b="0" lang="en-US" sz="2000" spc="-1" strike="noStrike">
+            <a:endParaRPr lang="en-US" sz="2000" b="0" strike="noStrike" spc="-1">
               <a:solidFill>
                 <a:srgbClr val="000000"/>
               </a:solidFill>
@@ -3778,32 +4104,313 @@
       </p:sp>
     </p:spTree>
   </p:cSld>
-  <p:clrMap bg1="lt1" bg2="lt2" tx1="dk1" tx2="dk2" accent1="accent1" accent2="accent2" accent3="accent3" accent4="accent4" accent5="accent5" accent6="accent6" hlink="hlink" folHlink="folHlink"/>
+  <p:clrMap bg1="lt1" tx1="dk1" bg2="lt2" tx2="dk2" accent1="accent1" accent2="accent2" accent3="accent3" accent4="accent4" accent5="accent5" accent6="accent6" hlink="hlink" folHlink="folHlink"/>
   <p:sldLayoutIdLst>
-    <p:sldLayoutId id="2147483649" r:id="rId2"/>
-    <p:sldLayoutId id="2147483650" r:id="rId3"/>
-    <p:sldLayoutId id="2147483651" r:id="rId4"/>
-    <p:sldLayoutId id="2147483652" r:id="rId5"/>
-    <p:sldLayoutId id="2147483653" r:id="rId6"/>
-    <p:sldLayoutId id="2147483654" r:id="rId7"/>
-    <p:sldLayoutId id="2147483655" r:id="rId8"/>
-    <p:sldLayoutId id="2147483656" r:id="rId9"/>
-    <p:sldLayoutId id="2147483657" r:id="rId10"/>
-    <p:sldLayoutId id="2147483658" r:id="rId11"/>
-    <p:sldLayoutId id="2147483659" r:id="rId12"/>
-    <p:sldLayoutId id="2147483660" r:id="rId13"/>
+    <p:sldLayoutId id="2147483649" r:id="rId1"/>
+    <p:sldLayoutId id="2147483650" r:id="rId2"/>
+    <p:sldLayoutId id="2147483651" r:id="rId3"/>
+    <p:sldLayoutId id="2147483652" r:id="rId4"/>
+    <p:sldLayoutId id="2147483653" r:id="rId5"/>
+    <p:sldLayoutId id="2147483654" r:id="rId6"/>
+    <p:sldLayoutId id="2147483655" r:id="rId7"/>
+    <p:sldLayoutId id="2147483656" r:id="rId8"/>
+    <p:sldLayoutId id="2147483657" r:id="rId9"/>
+    <p:sldLayoutId id="2147483658" r:id="rId10"/>
+    <p:sldLayoutId id="2147483659" r:id="rId11"/>
+    <p:sldLayoutId id="2147483660" r:id="rId12"/>
   </p:sldLayoutIdLst>
+  <p:txStyles>
+    <p:titleStyle>
+      <a:lvl1pPr algn="l" defTabSz="914400" rtl="0" eaLnBrk="1" latinLnBrk="1" hangingPunct="1">
+        <a:lnSpc>
+          <a:spcPct val="90000"/>
+        </a:lnSpc>
+        <a:spcBef>
+          <a:spcPct val="0"/>
+        </a:spcBef>
+        <a:buNone/>
+        <a:defRPr sz="4400" kern="1200">
+          <a:solidFill>
+            <a:schemeClr val="tx1"/>
+          </a:solidFill>
+          <a:latin typeface="+mj-lt"/>
+          <a:ea typeface="+mj-ea"/>
+          <a:cs typeface="+mj-cs"/>
+        </a:defRPr>
+      </a:lvl1pPr>
+    </p:titleStyle>
+    <p:bodyStyle>
+      <a:lvl1pPr marL="228600" indent="-228600" algn="l" defTabSz="914400" rtl="0" eaLnBrk="1" latinLnBrk="1" hangingPunct="1">
+        <a:lnSpc>
+          <a:spcPct val="90000"/>
+        </a:lnSpc>
+        <a:spcBef>
+          <a:spcPts val="1000"/>
+        </a:spcBef>
+        <a:buFont typeface="Arial" panose="020B0604020202020204" pitchFamily="34" charset="0"/>
+        <a:buChar char="•"/>
+        <a:defRPr sz="2800" kern="1200">
+          <a:solidFill>
+            <a:schemeClr val="tx1"/>
+          </a:solidFill>
+          <a:latin typeface="+mn-lt"/>
+          <a:ea typeface="+mn-ea"/>
+          <a:cs typeface="+mn-cs"/>
+        </a:defRPr>
+      </a:lvl1pPr>
+      <a:lvl2pPr marL="685800" indent="-228600" algn="l" defTabSz="914400" rtl="0" eaLnBrk="1" latinLnBrk="1" hangingPunct="1">
+        <a:lnSpc>
+          <a:spcPct val="90000"/>
+        </a:lnSpc>
+        <a:spcBef>
+          <a:spcPts val="500"/>
+        </a:spcBef>
+        <a:buFont typeface="Arial" panose="020B0604020202020204" pitchFamily="34" charset="0"/>
+        <a:buChar char="•"/>
+        <a:defRPr sz="2400" kern="1200">
+          <a:solidFill>
+            <a:schemeClr val="tx1"/>
+          </a:solidFill>
+          <a:latin typeface="+mn-lt"/>
+          <a:ea typeface="+mn-ea"/>
+          <a:cs typeface="+mn-cs"/>
+        </a:defRPr>
+      </a:lvl2pPr>
+      <a:lvl3pPr marL="1143000" indent="-228600" algn="l" defTabSz="914400" rtl="0" eaLnBrk="1" latinLnBrk="1" hangingPunct="1">
+        <a:lnSpc>
+          <a:spcPct val="90000"/>
+        </a:lnSpc>
+        <a:spcBef>
+          <a:spcPts val="500"/>
+        </a:spcBef>
+        <a:buFont typeface="Arial" panose="020B0604020202020204" pitchFamily="34" charset="0"/>
+        <a:buChar char="•"/>
+        <a:defRPr sz="2000" kern="1200">
+          <a:solidFill>
+            <a:schemeClr val="tx1"/>
+          </a:solidFill>
+          <a:latin typeface="+mn-lt"/>
+          <a:ea typeface="+mn-ea"/>
+          <a:cs typeface="+mn-cs"/>
+        </a:defRPr>
+      </a:lvl3pPr>
+      <a:lvl4pPr marL="1600200" indent="-228600" algn="l" defTabSz="914400" rtl="0" eaLnBrk="1" latinLnBrk="1" hangingPunct="1">
+        <a:lnSpc>
+          <a:spcPct val="90000"/>
+        </a:lnSpc>
+        <a:spcBef>
+          <a:spcPts val="500"/>
+        </a:spcBef>
+        <a:buFont typeface="Arial" panose="020B0604020202020204" pitchFamily="34" charset="0"/>
+        <a:buChar char="•"/>
+        <a:defRPr sz="1800" kern="1200">
+          <a:solidFill>
+            <a:schemeClr val="tx1"/>
+          </a:solidFill>
+          <a:latin typeface="+mn-lt"/>
+          <a:ea typeface="+mn-ea"/>
+          <a:cs typeface="+mn-cs"/>
+        </a:defRPr>
+      </a:lvl4pPr>
+      <a:lvl5pPr marL="2057400" indent="-228600" algn="l" defTabSz="914400" rtl="0" eaLnBrk="1" latinLnBrk="1" hangingPunct="1">
+        <a:lnSpc>
+          <a:spcPct val="90000"/>
+        </a:lnSpc>
+        <a:spcBef>
+          <a:spcPts val="500"/>
+        </a:spcBef>
+        <a:buFont typeface="Arial" panose="020B0604020202020204" pitchFamily="34" charset="0"/>
+        <a:buChar char="•"/>
+        <a:defRPr sz="1800" kern="1200">
+          <a:solidFill>
+            <a:schemeClr val="tx1"/>
+          </a:solidFill>
+          <a:latin typeface="+mn-lt"/>
+          <a:ea typeface="+mn-ea"/>
+          <a:cs typeface="+mn-cs"/>
+        </a:defRPr>
+      </a:lvl5pPr>
+      <a:lvl6pPr marL="2514600" indent="-228600" algn="l" defTabSz="914400" rtl="0" eaLnBrk="1" latinLnBrk="1" hangingPunct="1">
+        <a:lnSpc>
+          <a:spcPct val="90000"/>
+        </a:lnSpc>
+        <a:spcBef>
+          <a:spcPts val="500"/>
+        </a:spcBef>
+        <a:buFont typeface="Arial" panose="020B0604020202020204" pitchFamily="34" charset="0"/>
+        <a:buChar char="•"/>
+        <a:defRPr sz="1800" kern="1200">
+          <a:solidFill>
+            <a:schemeClr val="tx1"/>
+          </a:solidFill>
+          <a:latin typeface="+mn-lt"/>
+          <a:ea typeface="+mn-ea"/>
+          <a:cs typeface="+mn-cs"/>
+        </a:defRPr>
+      </a:lvl6pPr>
+      <a:lvl7pPr marL="2971800" indent="-228600" algn="l" defTabSz="914400" rtl="0" eaLnBrk="1" latinLnBrk="1" hangingPunct="1">
+        <a:lnSpc>
+          <a:spcPct val="90000"/>
+        </a:lnSpc>
+        <a:spcBef>
+          <a:spcPts val="500"/>
+        </a:spcBef>
+        <a:buFont typeface="Arial" panose="020B0604020202020204" pitchFamily="34" charset="0"/>
+        <a:buChar char="•"/>
+        <a:defRPr sz="1800" kern="1200">
+          <a:solidFill>
+            <a:schemeClr val="tx1"/>
+          </a:solidFill>
+          <a:latin typeface="+mn-lt"/>
+          <a:ea typeface="+mn-ea"/>
+          <a:cs typeface="+mn-cs"/>
+        </a:defRPr>
+      </a:lvl7pPr>
+      <a:lvl8pPr marL="3429000" indent="-228600" algn="l" defTabSz="914400" rtl="0" eaLnBrk="1" latinLnBrk="1" hangingPunct="1">
+        <a:lnSpc>
+          <a:spcPct val="90000"/>
+        </a:lnSpc>
+        <a:spcBef>
+          <a:spcPts val="500"/>
+        </a:spcBef>
+        <a:buFont typeface="Arial" panose="020B0604020202020204" pitchFamily="34" charset="0"/>
+        <a:buChar char="•"/>
+        <a:defRPr sz="1800" kern="1200">
+          <a:solidFill>
+            <a:schemeClr val="tx1"/>
+          </a:solidFill>
+          <a:latin typeface="+mn-lt"/>
+          <a:ea typeface="+mn-ea"/>
+          <a:cs typeface="+mn-cs"/>
+        </a:defRPr>
+      </a:lvl8pPr>
+      <a:lvl9pPr marL="3886200" indent="-228600" algn="l" defTabSz="914400" rtl="0" eaLnBrk="1" latinLnBrk="1" hangingPunct="1">
+        <a:lnSpc>
+          <a:spcPct val="90000"/>
+        </a:lnSpc>
+        <a:spcBef>
+          <a:spcPts val="500"/>
+        </a:spcBef>
+        <a:buFont typeface="Arial" panose="020B0604020202020204" pitchFamily="34" charset="0"/>
+        <a:buChar char="•"/>
+        <a:defRPr sz="1800" kern="1200">
+          <a:solidFill>
+            <a:schemeClr val="tx1"/>
+          </a:solidFill>
+          <a:latin typeface="+mn-lt"/>
+          <a:ea typeface="+mn-ea"/>
+          <a:cs typeface="+mn-cs"/>
+        </a:defRPr>
+      </a:lvl9pPr>
+    </p:bodyStyle>
+    <p:otherStyle>
+      <a:defPPr>
+        <a:defRPr lang="ko-KR"/>
+      </a:defPPr>
+      <a:lvl1pPr marL="0" algn="l" defTabSz="914400" rtl="0" eaLnBrk="1" latinLnBrk="1" hangingPunct="1">
+        <a:defRPr sz="1800" kern="1200">
+          <a:solidFill>
+            <a:schemeClr val="tx1"/>
+          </a:solidFill>
+          <a:latin typeface="+mn-lt"/>
+          <a:ea typeface="+mn-ea"/>
+          <a:cs typeface="+mn-cs"/>
+        </a:defRPr>
+      </a:lvl1pPr>
+      <a:lvl2pPr marL="457200" algn="l" defTabSz="914400" rtl="0" eaLnBrk="1" latinLnBrk="1" hangingPunct="1">
+        <a:defRPr sz="1800" kern="1200">
+          <a:solidFill>
+            <a:schemeClr val="tx1"/>
+          </a:solidFill>
+          <a:latin typeface="+mn-lt"/>
+          <a:ea typeface="+mn-ea"/>
+          <a:cs typeface="+mn-cs"/>
+        </a:defRPr>
+      </a:lvl2pPr>
+      <a:lvl3pPr marL="914400" algn="l" defTabSz="914400" rtl="0" eaLnBrk="1" latinLnBrk="1" hangingPunct="1">
+        <a:defRPr sz="1800" kern="1200">
+          <a:solidFill>
+            <a:schemeClr val="tx1"/>
+          </a:solidFill>
+          <a:latin typeface="+mn-lt"/>
+          <a:ea typeface="+mn-ea"/>
+          <a:cs typeface="+mn-cs"/>
+        </a:defRPr>
+      </a:lvl3pPr>
+      <a:lvl4pPr marL="1371600" algn="l" defTabSz="914400" rtl="0" eaLnBrk="1" latinLnBrk="1" hangingPunct="1">
+        <a:defRPr sz="1800" kern="1200">
+          <a:solidFill>
+            <a:schemeClr val="tx1"/>
+          </a:solidFill>
+          <a:latin typeface="+mn-lt"/>
+          <a:ea typeface="+mn-ea"/>
+          <a:cs typeface="+mn-cs"/>
+        </a:defRPr>
+      </a:lvl4pPr>
+      <a:lvl5pPr marL="1828800" algn="l" defTabSz="914400" rtl="0" eaLnBrk="1" latinLnBrk="1" hangingPunct="1">
+        <a:defRPr sz="1800" kern="1200">
+          <a:solidFill>
+            <a:schemeClr val="tx1"/>
+          </a:solidFill>
+          <a:latin typeface="+mn-lt"/>
+          <a:ea typeface="+mn-ea"/>
+          <a:cs typeface="+mn-cs"/>
+        </a:defRPr>
+      </a:lvl5pPr>
+      <a:lvl6pPr marL="2286000" algn="l" defTabSz="914400" rtl="0" eaLnBrk="1" latinLnBrk="1" hangingPunct="1">
+        <a:defRPr sz="1800" kern="1200">
+          <a:solidFill>
+            <a:schemeClr val="tx1"/>
+          </a:solidFill>
+          <a:latin typeface="+mn-lt"/>
+          <a:ea typeface="+mn-ea"/>
+          <a:cs typeface="+mn-cs"/>
+        </a:defRPr>
+      </a:lvl6pPr>
+      <a:lvl7pPr marL="2743200" algn="l" defTabSz="914400" rtl="0" eaLnBrk="1" latinLnBrk="1" hangingPunct="1">
+        <a:defRPr sz="1800" kern="1200">
+          <a:solidFill>
+            <a:schemeClr val="tx1"/>
+          </a:solidFill>
+          <a:latin typeface="+mn-lt"/>
+          <a:ea typeface="+mn-ea"/>
+          <a:cs typeface="+mn-cs"/>
+        </a:defRPr>
+      </a:lvl7pPr>
+      <a:lvl8pPr marL="3200400" algn="l" defTabSz="914400" rtl="0" eaLnBrk="1" latinLnBrk="1" hangingPunct="1">
+        <a:defRPr sz="1800" kern="1200">
+          <a:solidFill>
+            <a:schemeClr val="tx1"/>
+          </a:solidFill>
+          <a:latin typeface="+mn-lt"/>
+          <a:ea typeface="+mn-ea"/>
+          <a:cs typeface="+mn-cs"/>
+        </a:defRPr>
+      </a:lvl8pPr>
+      <a:lvl9pPr marL="3657600" algn="l" defTabSz="914400" rtl="0" eaLnBrk="1" latinLnBrk="1" hangingPunct="1">
+        <a:defRPr sz="1800" kern="1200">
+          <a:solidFill>
+            <a:schemeClr val="tx1"/>
+          </a:solidFill>
+          <a:latin typeface="+mn-lt"/>
+          <a:ea typeface="+mn-ea"/>
+          <a:cs typeface="+mn-cs"/>
+        </a:defRPr>
+      </a:lvl9pPr>
+    </p:otherStyle>
+  </p:txStyles>
 </p:sldMaster>
 </file>
 
 <file path=ppt/slideMasters/slideMaster2.xml><?xml version="1.0" encoding="utf-8"?>
-<p:sldMaster xmlns:a="http://schemas.openxmlformats.org/drawingml/2006/main" xmlns:p="http://schemas.openxmlformats.org/presentationml/2006/main" xmlns:r="http://schemas.openxmlformats.org/officeDocument/2006/relationships" xmlns:p14="http://schemas.microsoft.com/office/powerpoint/2010/main" xmlns:p15="http://schemas.microsoft.com/office/powerpoint/2012/main" xmlns:mc="http://schemas.openxmlformats.org/markup-compatibility/2006">
+<p:sldMaster xmlns:a="http://schemas.openxmlformats.org/drawingml/2006/main" xmlns:r="http://schemas.openxmlformats.org/officeDocument/2006/relationships" xmlns:p="http://schemas.openxmlformats.org/presentationml/2006/main">
   <p:cSld>
     <p:bg>
       <p:bgPr>
         <a:solidFill>
-          <a:srgbClr val="10243e"/>
+          <a:srgbClr val="10243E"/>
         </a:solidFill>
+        <a:effectLst/>
       </p:bgPr>
     </p:bg>
     <p:spTree>
@@ -3843,6 +4450,7 @@
           <a:bodyPr anchor="ctr">
             <a:noAutofit/>
           </a:bodyPr>
+          <a:lstStyle/>
           <a:p>
             <a:pPr algn="ctr">
               <a:lnSpc>
@@ -3850,24 +4458,15 @@
               </a:lnSpc>
             </a:pPr>
             <a:r>
-              <a:rPr b="0" lang="ko-KR" sz="4400" spc="-1" strike="noStrike">
+              <a:rPr lang="ko-KR" sz="4400" b="0" strike="noStrike" spc="-1">
                 <a:solidFill>
                   <a:srgbClr val="000000"/>
                 </a:solidFill>
                 <a:latin typeface="맑은 고딕"/>
               </a:rPr>
-              <a:t>마스터 제목 스타일 </a:t>
-            </a:r>
-            <a:r>
-              <a:rPr b="0" lang="ko-KR" sz="4400" spc="-1" strike="noStrike">
-                <a:solidFill>
-                  <a:srgbClr val="000000"/>
-                </a:solidFill>
-                <a:latin typeface="맑은 고딕"/>
-              </a:rPr>
-              <a:t>편집</a:t>
-            </a:r>
-            <a:endParaRPr b="0" lang="en-US" sz="4400" spc="-1" strike="noStrike">
+              <a:t>마스터 제목 스타일 편집</a:t>
+            </a:r>
+            <a:endParaRPr lang="en-US" sz="4400" b="0" strike="noStrike" spc="-1">
               <a:solidFill>
                 <a:srgbClr val="000000"/>
               </a:solidFill>
@@ -3899,6 +4498,7 @@
           <a:bodyPr>
             <a:noAutofit/>
           </a:bodyPr>
+          <a:lstStyle/>
           <a:p>
             <a:pPr marL="342720" indent="-342360">
               <a:lnSpc>
@@ -3914,7 +4514,7 @@
               <a:buChar char="•"/>
             </a:pPr>
             <a:r>
-              <a:rPr b="0" lang="ko-KR" sz="3200" spc="-1" strike="noStrike">
+              <a:rPr lang="ko-KR" sz="3200" b="0" strike="noStrike" spc="-1">
                 <a:solidFill>
                   <a:srgbClr val="000000"/>
                 </a:solidFill>
@@ -3922,7 +4522,7 @@
               </a:rPr>
               <a:t>마스터 텍스트 스타일을 편집합니다</a:t>
             </a:r>
-            <a:endParaRPr b="0" lang="en-US" sz="3200" spc="-1" strike="noStrike">
+            <a:endParaRPr lang="en-US" sz="3200" b="0" strike="noStrike" spc="-1">
               <a:solidFill>
                 <a:srgbClr val="000000"/>
               </a:solidFill>
@@ -3930,7 +4530,7 @@
             </a:endParaRPr>
           </a:p>
           <a:p>
-            <a:pPr lvl="1" marL="743040" indent="-285480">
+            <a:pPr marL="743040" lvl="1" indent="-285480">
               <a:lnSpc>
                 <a:spcPct val="100000"/>
               </a:lnSpc>
@@ -3944,7 +4544,7 @@
               <a:buChar char="–"/>
             </a:pPr>
             <a:r>
-              <a:rPr b="0" lang="ko-KR" sz="2800" spc="-1" strike="noStrike">
+              <a:rPr lang="ko-KR" sz="2800" b="0" strike="noStrike" spc="-1">
                 <a:solidFill>
                   <a:srgbClr val="000000"/>
                 </a:solidFill>
@@ -3952,7 +4552,7 @@
               </a:rPr>
               <a:t>둘째 수준</a:t>
             </a:r>
-            <a:endParaRPr b="0" lang="en-US" sz="2800" spc="-1" strike="noStrike">
+            <a:endParaRPr lang="en-US" sz="2800" b="0" strike="noStrike" spc="-1">
               <a:solidFill>
                 <a:srgbClr val="000000"/>
               </a:solidFill>
@@ -3960,7 +4560,7 @@
             </a:endParaRPr>
           </a:p>
           <a:p>
-            <a:pPr lvl="2" marL="1143000" indent="-228240">
+            <a:pPr marL="1143000" lvl="2" indent="-228240">
               <a:lnSpc>
                 <a:spcPct val="100000"/>
               </a:lnSpc>
@@ -3974,7 +4574,7 @@
               <a:buChar char="•"/>
             </a:pPr>
             <a:r>
-              <a:rPr b="0" lang="ko-KR" sz="2400" spc="-1" strike="noStrike">
+              <a:rPr lang="ko-KR" sz="2400" b="0" strike="noStrike" spc="-1">
                 <a:solidFill>
                   <a:srgbClr val="000000"/>
                 </a:solidFill>
@@ -3982,7 +4582,7 @@
               </a:rPr>
               <a:t>셋째 수준</a:t>
             </a:r>
-            <a:endParaRPr b="0" lang="en-US" sz="2400" spc="-1" strike="noStrike">
+            <a:endParaRPr lang="en-US" sz="2400" b="0" strike="noStrike" spc="-1">
               <a:solidFill>
                 <a:srgbClr val="000000"/>
               </a:solidFill>
@@ -3990,7 +4590,7 @@
             </a:endParaRPr>
           </a:p>
           <a:p>
-            <a:pPr lvl="3" marL="1600200" indent="-228240">
+            <a:pPr marL="1600200" lvl="3" indent="-228240">
               <a:lnSpc>
                 <a:spcPct val="100000"/>
               </a:lnSpc>
@@ -4004,7 +4604,7 @@
               <a:buChar char="–"/>
             </a:pPr>
             <a:r>
-              <a:rPr b="0" lang="ko-KR" sz="2000" spc="-1" strike="noStrike">
+              <a:rPr lang="ko-KR" sz="2000" b="0" strike="noStrike" spc="-1">
                 <a:solidFill>
                   <a:srgbClr val="000000"/>
                 </a:solidFill>
@@ -4012,7 +4612,7 @@
               </a:rPr>
               <a:t>넷째 수준</a:t>
             </a:r>
-            <a:endParaRPr b="0" lang="en-US" sz="2000" spc="-1" strike="noStrike">
+            <a:endParaRPr lang="en-US" sz="2000" b="0" strike="noStrike" spc="-1">
               <a:solidFill>
                 <a:srgbClr val="000000"/>
               </a:solidFill>
@@ -4020,7 +4620,7 @@
             </a:endParaRPr>
           </a:p>
           <a:p>
-            <a:pPr lvl="4" marL="2057400" indent="-228240">
+            <a:pPr marL="2057400" lvl="4" indent="-228240">
               <a:lnSpc>
                 <a:spcPct val="100000"/>
               </a:lnSpc>
@@ -4034,7 +4634,7 @@
               <a:buChar char="»"/>
             </a:pPr>
             <a:r>
-              <a:rPr b="0" lang="ko-KR" sz="2000" spc="-1" strike="noStrike">
+              <a:rPr lang="ko-KR" sz="2000" b="0" strike="noStrike" spc="-1">
                 <a:solidFill>
                   <a:srgbClr val="000000"/>
                 </a:solidFill>
@@ -4042,7 +4642,7 @@
               </a:rPr>
               <a:t>다섯째 수준</a:t>
             </a:r>
-            <a:endParaRPr b="0" lang="en-US" sz="2000" spc="-1" strike="noStrike">
+            <a:endParaRPr lang="en-US" sz="2000" b="0" strike="noStrike" spc="-1">
               <a:solidFill>
                 <a:srgbClr val="000000"/>
               </a:solidFill>
@@ -4074,6 +4674,7 @@
           <a:bodyPr anchor="ctr">
             <a:noAutofit/>
           </a:bodyPr>
+          <a:lstStyle/>
           <a:p>
             <a:pPr>
               <a:lnSpc>
@@ -4081,15 +4682,15 @@
               </a:lnSpc>
             </a:pPr>
             <a:fld id="{705B366C-EA78-4E60-9BAA-ACAC7EA70565}" type="datetime">
-              <a:rPr b="0" lang="en-US" sz="1200" spc="-1" strike="noStrike">
-                <a:solidFill>
-                  <a:srgbClr val="8b8b8b"/>
+              <a:rPr lang="en-US" sz="1200" b="0" strike="noStrike" spc="-1">
+                <a:solidFill>
+                  <a:srgbClr val="8B8B8B"/>
                 </a:solidFill>
                 <a:latin typeface="맑은 고딕"/>
               </a:rPr>
-              <a:t>12/4/22</a:t>
+              <a:t>12/4/2022</a:t>
             </a:fld>
-            <a:endParaRPr b="0" lang="en-US" sz="1200" spc="-1" strike="noStrike">
+            <a:endParaRPr lang="en-US" sz="1200" b="0" strike="noStrike" spc="-1">
               <a:latin typeface="Noto Serif CJK KR"/>
             </a:endParaRPr>
           </a:p>
@@ -4118,8 +4719,9 @@
           <a:bodyPr anchor="ctr">
             <a:noAutofit/>
           </a:bodyPr>
-          <a:p>
-            <a:endParaRPr b="0" lang="en-US" sz="2400" spc="-1" strike="noStrike">
+          <a:lstStyle/>
+          <a:p>
+            <a:endParaRPr lang="en-US" sz="2400" b="0" strike="noStrike" spc="-1">
               <a:latin typeface="Noto Serif CJK KR"/>
             </a:endParaRPr>
           </a:p>
@@ -4148,6 +4750,7 @@
           <a:bodyPr anchor="ctr">
             <a:noAutofit/>
           </a:bodyPr>
+          <a:lstStyle/>
           <a:p>
             <a:pPr algn="r">
               <a:lnSpc>
@@ -4155,15 +4758,15 @@
               </a:lnSpc>
             </a:pPr>
             <a:fld id="{A9DE8E20-1BF1-43F9-AFDB-E49B5C264AC5}" type="slidenum">
-              <a:rPr b="0" lang="en-US" sz="1200" spc="-1" strike="noStrike">
-                <a:solidFill>
-                  <a:srgbClr val="8b8b8b"/>
+              <a:rPr lang="en-US" sz="1200" b="0" strike="noStrike" spc="-1">
+                <a:solidFill>
+                  <a:srgbClr val="8B8B8B"/>
                 </a:solidFill>
                 <a:latin typeface="맑은 고딕"/>
               </a:rPr>
-              <a:t>&lt;숫자&gt;</a:t>
+              <a:t>‹#›</a:t>
             </a:fld>
-            <a:endParaRPr b="0" lang="en-US" sz="1200" spc="-1" strike="noStrike">
+            <a:endParaRPr lang="en-US" sz="1200" b="0" strike="noStrike" spc="-1">
               <a:latin typeface="Noto Serif CJK KR"/>
             </a:endParaRPr>
           </a:p>
@@ -4171,26 +4774,306 @@
       </p:sp>
     </p:spTree>
   </p:cSld>
-  <p:clrMap bg1="lt1" bg2="lt2" tx1="dk1" tx2="dk2" accent1="accent1" accent2="accent2" accent3="accent3" accent4="accent4" accent5="accent5" accent6="accent6" hlink="hlink" folHlink="folHlink"/>
+  <p:clrMap bg1="lt1" tx1="dk1" bg2="lt2" tx2="dk2" accent1="accent1" accent2="accent2" accent3="accent3" accent4="accent4" accent5="accent5" accent6="accent6" hlink="hlink" folHlink="folHlink"/>
   <p:sldLayoutIdLst>
-    <p:sldLayoutId id="2147483662" r:id="rId2"/>
-    <p:sldLayoutId id="2147483663" r:id="rId3"/>
-    <p:sldLayoutId id="2147483664" r:id="rId4"/>
-    <p:sldLayoutId id="2147483665" r:id="rId5"/>
-    <p:sldLayoutId id="2147483666" r:id="rId6"/>
-    <p:sldLayoutId id="2147483667" r:id="rId7"/>
-    <p:sldLayoutId id="2147483668" r:id="rId8"/>
-    <p:sldLayoutId id="2147483669" r:id="rId9"/>
-    <p:sldLayoutId id="2147483670" r:id="rId10"/>
-    <p:sldLayoutId id="2147483671" r:id="rId11"/>
-    <p:sldLayoutId id="2147483672" r:id="rId12"/>
-    <p:sldLayoutId id="2147483673" r:id="rId13"/>
+    <p:sldLayoutId id="2147483662" r:id="rId1"/>
+    <p:sldLayoutId id="2147483663" r:id="rId2"/>
+    <p:sldLayoutId id="2147483664" r:id="rId3"/>
+    <p:sldLayoutId id="2147483665" r:id="rId4"/>
+    <p:sldLayoutId id="2147483666" r:id="rId5"/>
+    <p:sldLayoutId id="2147483667" r:id="rId6"/>
+    <p:sldLayoutId id="2147483668" r:id="rId7"/>
+    <p:sldLayoutId id="2147483669" r:id="rId8"/>
+    <p:sldLayoutId id="2147483670" r:id="rId9"/>
+    <p:sldLayoutId id="2147483671" r:id="rId10"/>
+    <p:sldLayoutId id="2147483672" r:id="rId11"/>
+    <p:sldLayoutId id="2147483673" r:id="rId12"/>
   </p:sldLayoutIdLst>
+  <p:txStyles>
+    <p:titleStyle>
+      <a:lvl1pPr algn="l" defTabSz="914400" rtl="0" eaLnBrk="1" latinLnBrk="1" hangingPunct="1">
+        <a:lnSpc>
+          <a:spcPct val="90000"/>
+        </a:lnSpc>
+        <a:spcBef>
+          <a:spcPct val="0"/>
+        </a:spcBef>
+        <a:buNone/>
+        <a:defRPr sz="4400" kern="1200">
+          <a:solidFill>
+            <a:schemeClr val="tx1"/>
+          </a:solidFill>
+          <a:latin typeface="+mj-lt"/>
+          <a:ea typeface="+mj-ea"/>
+          <a:cs typeface="+mj-cs"/>
+        </a:defRPr>
+      </a:lvl1pPr>
+    </p:titleStyle>
+    <p:bodyStyle>
+      <a:lvl1pPr marL="228600" indent="-228600" algn="l" defTabSz="914400" rtl="0" eaLnBrk="1" latinLnBrk="1" hangingPunct="1">
+        <a:lnSpc>
+          <a:spcPct val="90000"/>
+        </a:lnSpc>
+        <a:spcBef>
+          <a:spcPts val="1000"/>
+        </a:spcBef>
+        <a:buFont typeface="Arial" panose="020B0604020202020204" pitchFamily="34" charset="0"/>
+        <a:buChar char="•"/>
+        <a:defRPr sz="2800" kern="1200">
+          <a:solidFill>
+            <a:schemeClr val="tx1"/>
+          </a:solidFill>
+          <a:latin typeface="+mn-lt"/>
+          <a:ea typeface="+mn-ea"/>
+          <a:cs typeface="+mn-cs"/>
+        </a:defRPr>
+      </a:lvl1pPr>
+      <a:lvl2pPr marL="685800" indent="-228600" algn="l" defTabSz="914400" rtl="0" eaLnBrk="1" latinLnBrk="1" hangingPunct="1">
+        <a:lnSpc>
+          <a:spcPct val="90000"/>
+        </a:lnSpc>
+        <a:spcBef>
+          <a:spcPts val="500"/>
+        </a:spcBef>
+        <a:buFont typeface="Arial" panose="020B0604020202020204" pitchFamily="34" charset="0"/>
+        <a:buChar char="•"/>
+        <a:defRPr sz="2400" kern="1200">
+          <a:solidFill>
+            <a:schemeClr val="tx1"/>
+          </a:solidFill>
+          <a:latin typeface="+mn-lt"/>
+          <a:ea typeface="+mn-ea"/>
+          <a:cs typeface="+mn-cs"/>
+        </a:defRPr>
+      </a:lvl2pPr>
+      <a:lvl3pPr marL="1143000" indent="-228600" algn="l" defTabSz="914400" rtl="0" eaLnBrk="1" latinLnBrk="1" hangingPunct="1">
+        <a:lnSpc>
+          <a:spcPct val="90000"/>
+        </a:lnSpc>
+        <a:spcBef>
+          <a:spcPts val="500"/>
+        </a:spcBef>
+        <a:buFont typeface="Arial" panose="020B0604020202020204" pitchFamily="34" charset="0"/>
+        <a:buChar char="•"/>
+        <a:defRPr sz="2000" kern="1200">
+          <a:solidFill>
+            <a:schemeClr val="tx1"/>
+          </a:solidFill>
+          <a:latin typeface="+mn-lt"/>
+          <a:ea typeface="+mn-ea"/>
+          <a:cs typeface="+mn-cs"/>
+        </a:defRPr>
+      </a:lvl3pPr>
+      <a:lvl4pPr marL="1600200" indent="-228600" algn="l" defTabSz="914400" rtl="0" eaLnBrk="1" latinLnBrk="1" hangingPunct="1">
+        <a:lnSpc>
+          <a:spcPct val="90000"/>
+        </a:lnSpc>
+        <a:spcBef>
+          <a:spcPts val="500"/>
+        </a:spcBef>
+        <a:buFont typeface="Arial" panose="020B0604020202020204" pitchFamily="34" charset="0"/>
+        <a:buChar char="•"/>
+        <a:defRPr sz="1800" kern="1200">
+          <a:solidFill>
+            <a:schemeClr val="tx1"/>
+          </a:solidFill>
+          <a:latin typeface="+mn-lt"/>
+          <a:ea typeface="+mn-ea"/>
+          <a:cs typeface="+mn-cs"/>
+        </a:defRPr>
+      </a:lvl4pPr>
+      <a:lvl5pPr marL="2057400" indent="-228600" algn="l" defTabSz="914400" rtl="0" eaLnBrk="1" latinLnBrk="1" hangingPunct="1">
+        <a:lnSpc>
+          <a:spcPct val="90000"/>
+        </a:lnSpc>
+        <a:spcBef>
+          <a:spcPts val="500"/>
+        </a:spcBef>
+        <a:buFont typeface="Arial" panose="020B0604020202020204" pitchFamily="34" charset="0"/>
+        <a:buChar char="•"/>
+        <a:defRPr sz="1800" kern="1200">
+          <a:solidFill>
+            <a:schemeClr val="tx1"/>
+          </a:solidFill>
+          <a:latin typeface="+mn-lt"/>
+          <a:ea typeface="+mn-ea"/>
+          <a:cs typeface="+mn-cs"/>
+        </a:defRPr>
+      </a:lvl5pPr>
+      <a:lvl6pPr marL="2514600" indent="-228600" algn="l" defTabSz="914400" rtl="0" eaLnBrk="1" latinLnBrk="1" hangingPunct="1">
+        <a:lnSpc>
+          <a:spcPct val="90000"/>
+        </a:lnSpc>
+        <a:spcBef>
+          <a:spcPts val="500"/>
+        </a:spcBef>
+        <a:buFont typeface="Arial" panose="020B0604020202020204" pitchFamily="34" charset="0"/>
+        <a:buChar char="•"/>
+        <a:defRPr sz="1800" kern="1200">
+          <a:solidFill>
+            <a:schemeClr val="tx1"/>
+          </a:solidFill>
+          <a:latin typeface="+mn-lt"/>
+          <a:ea typeface="+mn-ea"/>
+          <a:cs typeface="+mn-cs"/>
+        </a:defRPr>
+      </a:lvl6pPr>
+      <a:lvl7pPr marL="2971800" indent="-228600" algn="l" defTabSz="914400" rtl="0" eaLnBrk="1" latinLnBrk="1" hangingPunct="1">
+        <a:lnSpc>
+          <a:spcPct val="90000"/>
+        </a:lnSpc>
+        <a:spcBef>
+          <a:spcPts val="500"/>
+        </a:spcBef>
+        <a:buFont typeface="Arial" panose="020B0604020202020204" pitchFamily="34" charset="0"/>
+        <a:buChar char="•"/>
+        <a:defRPr sz="1800" kern="1200">
+          <a:solidFill>
+            <a:schemeClr val="tx1"/>
+          </a:solidFill>
+          <a:latin typeface="+mn-lt"/>
+          <a:ea typeface="+mn-ea"/>
+          <a:cs typeface="+mn-cs"/>
+        </a:defRPr>
+      </a:lvl7pPr>
+      <a:lvl8pPr marL="3429000" indent="-228600" algn="l" defTabSz="914400" rtl="0" eaLnBrk="1" latinLnBrk="1" hangingPunct="1">
+        <a:lnSpc>
+          <a:spcPct val="90000"/>
+        </a:lnSpc>
+        <a:spcBef>
+          <a:spcPts val="500"/>
+        </a:spcBef>
+        <a:buFont typeface="Arial" panose="020B0604020202020204" pitchFamily="34" charset="0"/>
+        <a:buChar char="•"/>
+        <a:defRPr sz="1800" kern="1200">
+          <a:solidFill>
+            <a:schemeClr val="tx1"/>
+          </a:solidFill>
+          <a:latin typeface="+mn-lt"/>
+          <a:ea typeface="+mn-ea"/>
+          <a:cs typeface="+mn-cs"/>
+        </a:defRPr>
+      </a:lvl8pPr>
+      <a:lvl9pPr marL="3886200" indent="-228600" algn="l" defTabSz="914400" rtl="0" eaLnBrk="1" latinLnBrk="1" hangingPunct="1">
+        <a:lnSpc>
+          <a:spcPct val="90000"/>
+        </a:lnSpc>
+        <a:spcBef>
+          <a:spcPts val="500"/>
+        </a:spcBef>
+        <a:buFont typeface="Arial" panose="020B0604020202020204" pitchFamily="34" charset="0"/>
+        <a:buChar char="•"/>
+        <a:defRPr sz="1800" kern="1200">
+          <a:solidFill>
+            <a:schemeClr val="tx1"/>
+          </a:solidFill>
+          <a:latin typeface="+mn-lt"/>
+          <a:ea typeface="+mn-ea"/>
+          <a:cs typeface="+mn-cs"/>
+        </a:defRPr>
+      </a:lvl9pPr>
+    </p:bodyStyle>
+    <p:otherStyle>
+      <a:defPPr>
+        <a:defRPr lang="ko-KR"/>
+      </a:defPPr>
+      <a:lvl1pPr marL="0" algn="l" defTabSz="914400" rtl="0" eaLnBrk="1" latinLnBrk="1" hangingPunct="1">
+        <a:defRPr sz="1800" kern="1200">
+          <a:solidFill>
+            <a:schemeClr val="tx1"/>
+          </a:solidFill>
+          <a:latin typeface="+mn-lt"/>
+          <a:ea typeface="+mn-ea"/>
+          <a:cs typeface="+mn-cs"/>
+        </a:defRPr>
+      </a:lvl1pPr>
+      <a:lvl2pPr marL="457200" algn="l" defTabSz="914400" rtl="0" eaLnBrk="1" latinLnBrk="1" hangingPunct="1">
+        <a:defRPr sz="1800" kern="1200">
+          <a:solidFill>
+            <a:schemeClr val="tx1"/>
+          </a:solidFill>
+          <a:latin typeface="+mn-lt"/>
+          <a:ea typeface="+mn-ea"/>
+          <a:cs typeface="+mn-cs"/>
+        </a:defRPr>
+      </a:lvl2pPr>
+      <a:lvl3pPr marL="914400" algn="l" defTabSz="914400" rtl="0" eaLnBrk="1" latinLnBrk="1" hangingPunct="1">
+        <a:defRPr sz="1800" kern="1200">
+          <a:solidFill>
+            <a:schemeClr val="tx1"/>
+          </a:solidFill>
+          <a:latin typeface="+mn-lt"/>
+          <a:ea typeface="+mn-ea"/>
+          <a:cs typeface="+mn-cs"/>
+        </a:defRPr>
+      </a:lvl3pPr>
+      <a:lvl4pPr marL="1371600" algn="l" defTabSz="914400" rtl="0" eaLnBrk="1" latinLnBrk="1" hangingPunct="1">
+        <a:defRPr sz="1800" kern="1200">
+          <a:solidFill>
+            <a:schemeClr val="tx1"/>
+          </a:solidFill>
+          <a:latin typeface="+mn-lt"/>
+          <a:ea typeface="+mn-ea"/>
+          <a:cs typeface="+mn-cs"/>
+        </a:defRPr>
+      </a:lvl4pPr>
+      <a:lvl5pPr marL="1828800" algn="l" defTabSz="914400" rtl="0" eaLnBrk="1" latinLnBrk="1" hangingPunct="1">
+        <a:defRPr sz="1800" kern="1200">
+          <a:solidFill>
+            <a:schemeClr val="tx1"/>
+          </a:solidFill>
+          <a:latin typeface="+mn-lt"/>
+          <a:ea typeface="+mn-ea"/>
+          <a:cs typeface="+mn-cs"/>
+        </a:defRPr>
+      </a:lvl5pPr>
+      <a:lvl6pPr marL="2286000" algn="l" defTabSz="914400" rtl="0" eaLnBrk="1" latinLnBrk="1" hangingPunct="1">
+        <a:defRPr sz="1800" kern="1200">
+          <a:solidFill>
+            <a:schemeClr val="tx1"/>
+          </a:solidFill>
+          <a:latin typeface="+mn-lt"/>
+          <a:ea typeface="+mn-ea"/>
+          <a:cs typeface="+mn-cs"/>
+        </a:defRPr>
+      </a:lvl6pPr>
+      <a:lvl7pPr marL="2743200" algn="l" defTabSz="914400" rtl="0" eaLnBrk="1" latinLnBrk="1" hangingPunct="1">
+        <a:defRPr sz="1800" kern="1200">
+          <a:solidFill>
+            <a:schemeClr val="tx1"/>
+          </a:solidFill>
+          <a:latin typeface="+mn-lt"/>
+          <a:ea typeface="+mn-ea"/>
+          <a:cs typeface="+mn-cs"/>
+        </a:defRPr>
+      </a:lvl7pPr>
+      <a:lvl8pPr marL="3200400" algn="l" defTabSz="914400" rtl="0" eaLnBrk="1" latinLnBrk="1" hangingPunct="1">
+        <a:defRPr sz="1800" kern="1200">
+          <a:solidFill>
+            <a:schemeClr val="tx1"/>
+          </a:solidFill>
+          <a:latin typeface="+mn-lt"/>
+          <a:ea typeface="+mn-ea"/>
+          <a:cs typeface="+mn-cs"/>
+        </a:defRPr>
+      </a:lvl8pPr>
+      <a:lvl9pPr marL="3657600" algn="l" defTabSz="914400" rtl="0" eaLnBrk="1" latinLnBrk="1" hangingPunct="1">
+        <a:defRPr sz="1800" kern="1200">
+          <a:solidFill>
+            <a:schemeClr val="tx1"/>
+          </a:solidFill>
+          <a:latin typeface="+mn-lt"/>
+          <a:ea typeface="+mn-ea"/>
+          <a:cs typeface="+mn-cs"/>
+        </a:defRPr>
+      </a:lvl9pPr>
+    </p:otherStyle>
+  </p:txStyles>
 </p:sldMaster>
 </file>
 
 <file path=ppt/slides/slide1.xml><?xml version="1.0" encoding="utf-8"?>
-<p:sld xmlns:a="http://schemas.openxmlformats.org/drawingml/2006/main" xmlns:p="http://schemas.openxmlformats.org/presentationml/2006/main" xmlns:r="http://schemas.openxmlformats.org/officeDocument/2006/relationships" xmlns:p14="http://schemas.microsoft.com/office/powerpoint/2010/main" xmlns:p15="http://schemas.microsoft.com/office/powerpoint/2012/main" xmlns:mc="http://schemas.openxmlformats.org/markup-compatibility/2006">
+<p:sld xmlns:a="http://schemas.openxmlformats.org/drawingml/2006/main" xmlns:r="http://schemas.openxmlformats.org/officeDocument/2006/relationships" xmlns:p="http://schemas.openxmlformats.org/presentationml/2006/main">
   <p:cSld>
     <p:spTree>
       <p:nvGrpSpPr>
@@ -4226,15 +5109,22 @@
           </a:ln>
         </p:spPr>
         <p:style>
-          <a:lnRef idx="0"/>
-          <a:fillRef idx="0"/>
-          <a:effectRef idx="0"/>
+          <a:lnRef idx="0">
+            <a:scrgbClr r="0" g="0" b="0"/>
+          </a:lnRef>
+          <a:fillRef idx="0">
+            <a:scrgbClr r="0" g="0" b="0"/>
+          </a:fillRef>
+          <a:effectRef idx="0">
+            <a:scrgbClr r="0" g="0" b="0"/>
+          </a:effectRef>
           <a:fontRef idx="minor"/>
         </p:style>
         <p:txBody>
-          <a:bodyPr lIns="90000" rIns="90000" tIns="45000" bIns="45000">
+          <a:bodyPr lIns="90000" tIns="45000" rIns="90000" bIns="45000">
             <a:spAutoFit/>
           </a:bodyPr>
+          <a:lstStyle/>
           <a:p>
             <a:pPr>
               <a:lnSpc>
@@ -4242,24 +5132,24 @@
               </a:lnSpc>
             </a:pPr>
             <a:r>
-              <a:rPr b="1" lang="ko-KR" sz="4800" spc="-1" strike="noStrike">
-                <a:solidFill>
-                  <a:srgbClr val="ffffff"/>
+              <a:rPr lang="ko-KR" sz="4800" b="1" strike="noStrike" spc="-1">
+                <a:solidFill>
+                  <a:srgbClr val="FFFFFF"/>
                 </a:solidFill>
                 <a:latin typeface="맑은 고딕"/>
               </a:rPr>
               <a:t>웹 프레임 워크</a:t>
             </a:r>
             <a:r>
-              <a:rPr b="1" lang="en-US" sz="4800" spc="-1" strike="noStrike">
-                <a:solidFill>
-                  <a:srgbClr val="ffffff"/>
+              <a:rPr lang="en-US" sz="4800" b="1" strike="noStrike" spc="-1">
+                <a:solidFill>
+                  <a:srgbClr val="FFFFFF"/>
                 </a:solidFill>
                 <a:latin typeface="맑은 고딕"/>
               </a:rPr>
               <a:t>1</a:t>
             </a:r>
-            <a:endParaRPr b="0" lang="en-US" sz="4800" spc="-1" strike="noStrike">
+            <a:endParaRPr lang="en-US" sz="4800" b="0" strike="noStrike" spc="-1">
               <a:latin typeface="Noto Sans CJK KR"/>
             </a:endParaRPr>
           </a:p>
@@ -4285,15 +5175,22 @@
           </a:ln>
         </p:spPr>
         <p:style>
-          <a:lnRef idx="0"/>
-          <a:fillRef idx="0"/>
-          <a:effectRef idx="0"/>
+          <a:lnRef idx="0">
+            <a:scrgbClr r="0" g="0" b="0"/>
+          </a:lnRef>
+          <a:fillRef idx="0">
+            <a:scrgbClr r="0" g="0" b="0"/>
+          </a:fillRef>
+          <a:effectRef idx="0">
+            <a:scrgbClr r="0" g="0" b="0"/>
+          </a:effectRef>
           <a:fontRef idx="minor"/>
         </p:style>
         <p:txBody>
-          <a:bodyPr lIns="90000" rIns="90000" tIns="45000" bIns="45000">
+          <a:bodyPr lIns="90000" tIns="45000" rIns="90000" bIns="45000">
             <a:spAutoFit/>
           </a:bodyPr>
+          <a:lstStyle/>
           <a:p>
             <a:pPr>
               <a:lnSpc>
@@ -4301,33 +5198,24 @@
               </a:lnSpc>
             </a:pPr>
             <a:r>
-              <a:rPr b="0" lang="en-US" sz="2400" spc="-1" strike="noStrike">
-                <a:solidFill>
-                  <a:srgbClr val="ffffff"/>
+              <a:rPr lang="en-US" sz="2400" b="0" strike="noStrike" spc="-1">
+                <a:solidFill>
+                  <a:srgbClr val="FFFFFF"/>
                 </a:solidFill>
                 <a:latin typeface="맑은 고딕"/>
               </a:rPr>
-              <a:t>REACT</a:t>
-            </a:r>
-            <a:r>
-              <a:rPr b="0" lang="en-US" sz="2400" spc="-1" strike="noStrike">
-                <a:solidFill>
-                  <a:srgbClr val="ffffff"/>
+              <a:t>REACT </a:t>
+            </a:r>
+            <a:r>
+              <a:rPr lang="ko-KR" sz="2400" b="0" strike="noStrike" spc="-1">
+                <a:solidFill>
+                  <a:srgbClr val="FFFFFF"/>
                 </a:solidFill>
                 <a:latin typeface="맑은 고딕"/>
               </a:rPr>
-              <a:t> </a:t>
-            </a:r>
-            <a:r>
-              <a:rPr b="0" lang="ko-KR" sz="2400" spc="-1" strike="noStrike">
-                <a:solidFill>
-                  <a:srgbClr val="ffffff"/>
-                </a:solidFill>
-                <a:latin typeface="맑은 고딕"/>
-              </a:rPr>
               <a:t>프로젝트</a:t>
             </a:r>
-            <a:endParaRPr b="0" lang="en-US" sz="2400" spc="-1" strike="noStrike">
+            <a:endParaRPr lang="en-US" sz="2400" b="0" strike="noStrike" spc="-1">
               <a:latin typeface="Noto Sans CJK KR"/>
             </a:endParaRPr>
           </a:p>
@@ -4390,15 +5278,22 @@
           </a:ln>
         </p:spPr>
         <p:style>
-          <a:lnRef idx="0"/>
-          <a:fillRef idx="0"/>
-          <a:effectRef idx="0"/>
+          <a:lnRef idx="0">
+            <a:scrgbClr r="0" g="0" b="0"/>
+          </a:lnRef>
+          <a:fillRef idx="0">
+            <a:scrgbClr r="0" g="0" b="0"/>
+          </a:fillRef>
+          <a:effectRef idx="0">
+            <a:scrgbClr r="0" g="0" b="0"/>
+          </a:effectRef>
           <a:fontRef idx="minor"/>
         </p:style>
         <p:txBody>
-          <a:bodyPr lIns="90000" rIns="90000" tIns="45000" bIns="45000">
+          <a:bodyPr lIns="90000" tIns="45000" rIns="90000" bIns="45000">
             <a:spAutoFit/>
           </a:bodyPr>
+          <a:lstStyle/>
           <a:p>
             <a:pPr>
               <a:lnSpc>
@@ -4406,33 +5301,33 @@
               </a:lnSpc>
             </a:pPr>
             <a:r>
-              <a:rPr b="0" lang="en-US" sz="2400" spc="-1" strike="noStrike">
-                <a:solidFill>
-                  <a:srgbClr val="ffffff"/>
+              <a:rPr lang="en-US" sz="2400" b="0" strike="noStrike" spc="-1">
+                <a:solidFill>
+                  <a:srgbClr val="FFFFFF"/>
                 </a:solidFill>
                 <a:latin typeface="맑은 고딕"/>
               </a:rPr>
               <a:t>10</a:t>
             </a:r>
             <a:r>
-              <a:rPr b="0" lang="ko-KR" sz="2400" spc="-1" strike="noStrike">
-                <a:solidFill>
-                  <a:srgbClr val="ffffff"/>
+              <a:rPr lang="ko-KR" sz="2400" b="0" strike="noStrike" spc="-1">
+                <a:solidFill>
+                  <a:srgbClr val="FFFFFF"/>
                 </a:solidFill>
                 <a:latin typeface="맑은 고딕"/>
               </a:rPr>
               <a:t>팀 </a:t>
             </a:r>
             <a:r>
-              <a:rPr b="0" lang="en-US" sz="2400" spc="-1" strike="noStrike">
-                <a:solidFill>
-                  <a:srgbClr val="ffffff"/>
+              <a:rPr lang="en-US" sz="2400" b="0" strike="noStrike" spc="-1">
+                <a:solidFill>
+                  <a:srgbClr val="FFFFFF"/>
                 </a:solidFill>
                 <a:latin typeface="맑은 고딕"/>
               </a:rPr>
               <a:t>None-error</a:t>
             </a:r>
-            <a:endParaRPr b="0" lang="en-US" sz="2400" spc="-1" strike="noStrike">
+            <a:endParaRPr lang="en-US" sz="2400" b="0" strike="noStrike" spc="-1">
               <a:latin typeface="Noto Sans CJK KR"/>
             </a:endParaRPr>
           </a:p>
@@ -4458,15 +5353,22 @@
           </a:ln>
         </p:spPr>
         <p:style>
-          <a:lnRef idx="0"/>
-          <a:fillRef idx="0"/>
-          <a:effectRef idx="0"/>
+          <a:lnRef idx="0">
+            <a:scrgbClr r="0" g="0" b="0"/>
+          </a:lnRef>
+          <a:fillRef idx="0">
+            <a:scrgbClr r="0" g="0" b="0"/>
+          </a:fillRef>
+          <a:effectRef idx="0">
+            <a:scrgbClr r="0" g="0" b="0"/>
+          </a:effectRef>
           <a:fontRef idx="minor"/>
         </p:style>
         <p:txBody>
-          <a:bodyPr lIns="90000" rIns="90000" tIns="45000" bIns="45000">
+          <a:bodyPr lIns="90000" tIns="45000" rIns="90000" bIns="45000">
             <a:spAutoFit/>
           </a:bodyPr>
+          <a:lstStyle/>
           <a:p>
             <a:pPr>
               <a:lnSpc>
@@ -4474,33 +5376,33 @@
               </a:lnSpc>
             </a:pPr>
             <a:r>
-              <a:rPr b="0" lang="ko-KR" sz="1600" spc="-1" strike="noStrike">
-                <a:solidFill>
-                  <a:srgbClr val="ffffff"/>
+              <a:rPr lang="ko-KR" sz="1600" b="0" strike="noStrike" spc="-1">
+                <a:solidFill>
+                  <a:srgbClr val="FFFFFF"/>
                 </a:solidFill>
                 <a:latin typeface="맑은 고딕"/>
               </a:rPr>
               <a:t>발표자 </a:t>
             </a:r>
             <a:r>
-              <a:rPr b="0" lang="en-US" sz="1600" spc="-1" strike="noStrike">
-                <a:solidFill>
-                  <a:srgbClr val="ffffff"/>
+              <a:rPr lang="en-US" sz="1600" b="0" strike="noStrike" spc="-1">
+                <a:solidFill>
+                  <a:srgbClr val="FFFFFF"/>
                 </a:solidFill>
                 <a:latin typeface="맑은 고딕"/>
               </a:rPr>
               <a:t>:</a:t>
             </a:r>
             <a:r>
-              <a:rPr b="0" lang="ko-KR" sz="1600" spc="-1" strike="noStrike">
-                <a:solidFill>
-                  <a:srgbClr val="ffffff"/>
+              <a:rPr lang="ko-KR" sz="1600" b="0" strike="noStrike" spc="-1">
+                <a:solidFill>
+                  <a:srgbClr val="FFFFFF"/>
                 </a:solidFill>
                 <a:latin typeface="맑은 고딕"/>
               </a:rPr>
               <a:t>가순원</a:t>
             </a:r>
-            <a:endParaRPr b="0" lang="en-US" sz="1600" spc="-1" strike="noStrike">
+            <a:endParaRPr lang="en-US" sz="1600" b="0" strike="noStrike" spc="-1">
               <a:latin typeface="Noto Sans CJK KR"/>
             </a:endParaRPr>
           </a:p>
@@ -4508,19 +5410,14 @@
       </p:sp>
     </p:spTree>
   </p:cSld>
-  <mc:AlternateContent>
-    <mc:Choice Requires="p14">
-      <p:transition spd="slow" p14:dur="2000"/>
-    </mc:Choice>
-    <mc:Fallback>
-      <p:transition spd="slow"/>
-    </mc:Fallback>
-  </mc:AlternateContent>
+  <p:clrMapOvr>
+    <a:masterClrMapping/>
+  </p:clrMapOvr>
 </p:sld>
 </file>
 
 <file path=ppt/slides/slide10.xml><?xml version="1.0" encoding="utf-8"?>
-<p:sld xmlns:a="http://schemas.openxmlformats.org/drawingml/2006/main" xmlns:p="http://schemas.openxmlformats.org/presentationml/2006/main" xmlns:r="http://schemas.openxmlformats.org/officeDocument/2006/relationships" xmlns:p14="http://schemas.microsoft.com/office/powerpoint/2010/main" xmlns:p15="http://schemas.microsoft.com/office/powerpoint/2012/main" xmlns:mc="http://schemas.openxmlformats.org/markup-compatibility/2006">
+<p:sld xmlns:a="http://schemas.openxmlformats.org/drawingml/2006/main" xmlns:r="http://schemas.openxmlformats.org/officeDocument/2006/relationships" xmlns:p="http://schemas.openxmlformats.org/presentationml/2006/main">
   <p:cSld>
     <p:spTree>
       <p:nvGrpSpPr>
@@ -4608,9 +5505,10 @@
           <a:fontRef idx="minor"/>
         </p:style>
         <p:txBody>
-          <a:bodyPr lIns="90000" rIns="90000" tIns="45000" bIns="45000" anchor="ctr">
+          <a:bodyPr lIns="90000" tIns="45000" rIns="90000" bIns="45000" anchor="ctr">
             <a:noAutofit/>
           </a:bodyPr>
+          <a:lstStyle/>
           <a:p>
             <a:pPr algn="ctr">
               <a:lnSpc>
@@ -4618,15 +5516,15 @@
               </a:lnSpc>
             </a:pPr>
             <a:r>
-              <a:rPr b="1" lang="en-US" sz="1400" spc="-1" strike="noStrike">
-                <a:solidFill>
-                  <a:srgbClr val="fac090"/>
+              <a:rPr lang="en-US" sz="1400" b="1" strike="noStrike" spc="-1">
+                <a:solidFill>
+                  <a:srgbClr val="FAC090"/>
                 </a:solidFill>
                 <a:latin typeface="Noto Sans CJK KR"/>
               </a:rPr>
               <a:t>3</a:t>
             </a:r>
-            <a:endParaRPr b="0" lang="en-US" sz="1400" spc="-1" strike="noStrike">
+            <a:endParaRPr lang="en-US" sz="1400" b="0" strike="noStrike" spc="-1">
               <a:latin typeface="Noto Sans CJK KR"/>
             </a:endParaRPr>
           </a:p>
@@ -4652,15 +5550,22 @@
           </a:ln>
         </p:spPr>
         <p:style>
-          <a:lnRef idx="0"/>
-          <a:fillRef idx="0"/>
-          <a:effectRef idx="0"/>
+          <a:lnRef idx="0">
+            <a:scrgbClr r="0" g="0" b="0"/>
+          </a:lnRef>
+          <a:fillRef idx="0">
+            <a:scrgbClr r="0" g="0" b="0"/>
+          </a:fillRef>
+          <a:effectRef idx="0">
+            <a:scrgbClr r="0" g="0" b="0"/>
+          </a:effectRef>
           <a:fontRef idx="minor"/>
         </p:style>
         <p:txBody>
-          <a:bodyPr lIns="90000" rIns="90000" tIns="45000" bIns="45000">
+          <a:bodyPr lIns="90000" tIns="45000" rIns="90000" bIns="45000">
             <a:spAutoFit/>
           </a:bodyPr>
+          <a:lstStyle/>
           <a:p>
             <a:pPr>
               <a:lnSpc>
@@ -4668,15 +5573,15 @@
               </a:lnSpc>
             </a:pPr>
             <a:r>
-              <a:rPr b="1" lang="ko-KR" sz="2400" spc="-1" strike="noStrike">
-                <a:solidFill>
-                  <a:srgbClr val="ffffff"/>
+              <a:rPr lang="ko-KR" sz="2400" b="1" strike="noStrike" spc="-1">
+                <a:solidFill>
+                  <a:srgbClr val="FFFFFF"/>
                 </a:solidFill>
                 <a:latin typeface="맑은 고딕"/>
               </a:rPr>
               <a:t>활용 라이브러리 소개</a:t>
             </a:r>
-            <a:endParaRPr b="0" lang="en-US" sz="2400" spc="-1" strike="noStrike">
+            <a:endParaRPr lang="en-US" sz="2400" b="0" strike="noStrike" spc="-1">
               <a:latin typeface="Noto Sans CJK KR"/>
             </a:endParaRPr>
           </a:p>
@@ -4702,15 +5607,22 @@
           </a:ln>
         </p:spPr>
         <p:style>
-          <a:lnRef idx="0"/>
-          <a:fillRef idx="0"/>
-          <a:effectRef idx="0"/>
+          <a:lnRef idx="0">
+            <a:scrgbClr r="0" g="0" b="0"/>
+          </a:lnRef>
+          <a:fillRef idx="0">
+            <a:scrgbClr r="0" g="0" b="0"/>
+          </a:fillRef>
+          <a:effectRef idx="0">
+            <a:scrgbClr r="0" g="0" b="0"/>
+          </a:effectRef>
           <a:fontRef idx="minor"/>
         </p:style>
         <p:txBody>
-          <a:bodyPr lIns="90000" rIns="90000" tIns="45000" bIns="45000">
+          <a:bodyPr lIns="90000" tIns="45000" rIns="90000" bIns="45000">
             <a:spAutoFit/>
           </a:bodyPr>
+          <a:lstStyle/>
           <a:p>
             <a:pPr algn="ctr">
               <a:lnSpc>
@@ -4718,7 +5630,7 @@
               </a:lnSpc>
             </a:pPr>
             <a:r>
-              <a:rPr b="0" lang="en-US" sz="1800" spc="-1" strike="noStrike">
+              <a:rPr lang="en-US" sz="1800" b="0" strike="noStrike" spc="-1">
                 <a:solidFill>
                   <a:srgbClr val="000000"/>
                 </a:solidFill>
@@ -4726,7 +5638,7 @@
               </a:rPr>
               <a:t>: React-Calendar</a:t>
             </a:r>
-            <a:endParaRPr b="0" lang="en-US" sz="1800" spc="-1" strike="noStrike">
+            <a:endParaRPr lang="en-US" sz="1800" b="0" strike="noStrike" spc="-1">
               <a:latin typeface="Noto Sans CJK KR"/>
             </a:endParaRPr>
           </a:p>
@@ -4752,15 +5664,22 @@
           </a:ln>
         </p:spPr>
         <p:style>
-          <a:lnRef idx="0"/>
-          <a:fillRef idx="0"/>
-          <a:effectRef idx="0"/>
+          <a:lnRef idx="0">
+            <a:scrgbClr r="0" g="0" b="0"/>
+          </a:lnRef>
+          <a:fillRef idx="0">
+            <a:scrgbClr r="0" g="0" b="0"/>
+          </a:fillRef>
+          <a:effectRef idx="0">
+            <a:scrgbClr r="0" g="0" b="0"/>
+          </a:effectRef>
           <a:fontRef idx="minor"/>
         </p:style>
         <p:txBody>
-          <a:bodyPr lIns="90000" rIns="90000" tIns="45000" bIns="45000">
+          <a:bodyPr lIns="90000" tIns="45000" rIns="90000" bIns="45000">
             <a:spAutoFit/>
           </a:bodyPr>
+          <a:lstStyle/>
           <a:p>
             <a:pPr>
               <a:lnSpc>
@@ -4768,7 +5687,7 @@
               </a:lnSpc>
             </a:pPr>
             <a:r>
-              <a:rPr b="0" lang="en-US" sz="1200" spc="-1" strike="noStrike">
+              <a:rPr lang="en-US" sz="1200" b="0" strike="noStrike" spc="-1">
                 <a:solidFill>
                   <a:srgbClr val="000000"/>
                 </a:solidFill>
@@ -4776,7 +5695,7 @@
               </a:rPr>
               <a:t>https://www.npmjs.com/package/react-calendar</a:t>
             </a:r>
-            <a:endParaRPr b="0" lang="en-US" sz="1200" spc="-1" strike="noStrike">
+            <a:endParaRPr lang="en-US" sz="1200" b="0" strike="noStrike" spc="-1">
               <a:latin typeface="Noto Sans CJK KR"/>
             </a:endParaRPr>
           </a:p>
@@ -4784,12 +5703,12 @@
       </p:sp>
       <p:pic>
         <p:nvPicPr>
-          <p:cNvPr id="171" name="그림 6" descr=""/>
+          <p:cNvPr id="171" name="그림 6"/>
           <p:cNvPicPr/>
           <p:nvPr/>
         </p:nvPicPr>
         <p:blipFill>
-          <a:blip r:embed="rId1"/>
+          <a:blip r:embed="rId2"/>
           <a:stretch/>
         </p:blipFill>
         <p:spPr>
@@ -4807,19 +5726,14 @@
       </p:pic>
     </p:spTree>
   </p:cSld>
-  <mc:AlternateContent>
-    <mc:Choice Requires="p14">
-      <p:transition spd="slow" p14:dur="2000"/>
-    </mc:Choice>
-    <mc:Fallback>
-      <p:transition spd="slow"/>
-    </mc:Fallback>
-  </mc:AlternateContent>
+  <p:clrMapOvr>
+    <a:masterClrMapping/>
+  </p:clrMapOvr>
 </p:sld>
 </file>
 
 <file path=ppt/slides/slide11.xml><?xml version="1.0" encoding="utf-8"?>
-<p:sld xmlns:a="http://schemas.openxmlformats.org/drawingml/2006/main" xmlns:p="http://schemas.openxmlformats.org/presentationml/2006/main" xmlns:r="http://schemas.openxmlformats.org/officeDocument/2006/relationships" xmlns:p14="http://schemas.microsoft.com/office/powerpoint/2010/main" xmlns:p15="http://schemas.microsoft.com/office/powerpoint/2012/main" xmlns:mc="http://schemas.openxmlformats.org/markup-compatibility/2006">
+<p:sld xmlns:a="http://schemas.openxmlformats.org/drawingml/2006/main" xmlns:r="http://schemas.openxmlformats.org/officeDocument/2006/relationships" xmlns:p="http://schemas.openxmlformats.org/presentationml/2006/main">
   <p:cSld>
     <p:spTree>
       <p:nvGrpSpPr>
@@ -4907,9 +5821,10 @@
           <a:fontRef idx="minor"/>
         </p:style>
         <p:txBody>
-          <a:bodyPr lIns="90000" rIns="90000" tIns="45000" bIns="45000" anchor="ctr">
+          <a:bodyPr lIns="90000" tIns="45000" rIns="90000" bIns="45000" anchor="ctr">
             <a:noAutofit/>
           </a:bodyPr>
+          <a:lstStyle/>
           <a:p>
             <a:pPr algn="ctr">
               <a:lnSpc>
@@ -4917,15 +5832,15 @@
               </a:lnSpc>
             </a:pPr>
             <a:r>
-              <a:rPr b="1" lang="en-US" sz="1400" spc="-1" strike="noStrike">
-                <a:solidFill>
-                  <a:srgbClr val="fac090"/>
+              <a:rPr lang="en-US" sz="1400" b="1" strike="noStrike" spc="-1">
+                <a:solidFill>
+                  <a:srgbClr val="FAC090"/>
                 </a:solidFill>
                 <a:latin typeface="Noto Sans CJK KR"/>
               </a:rPr>
               <a:t>3</a:t>
             </a:r>
-            <a:endParaRPr b="0" lang="en-US" sz="1400" spc="-1" strike="noStrike">
+            <a:endParaRPr lang="en-US" sz="1400" b="0" strike="noStrike" spc="-1">
               <a:latin typeface="Noto Sans CJK KR"/>
             </a:endParaRPr>
           </a:p>
@@ -4951,15 +5866,22 @@
           </a:ln>
         </p:spPr>
         <p:style>
-          <a:lnRef idx="0"/>
-          <a:fillRef idx="0"/>
-          <a:effectRef idx="0"/>
+          <a:lnRef idx="0">
+            <a:scrgbClr r="0" g="0" b="0"/>
+          </a:lnRef>
+          <a:fillRef idx="0">
+            <a:scrgbClr r="0" g="0" b="0"/>
+          </a:fillRef>
+          <a:effectRef idx="0">
+            <a:scrgbClr r="0" g="0" b="0"/>
+          </a:effectRef>
           <a:fontRef idx="minor"/>
         </p:style>
         <p:txBody>
-          <a:bodyPr lIns="90000" rIns="90000" tIns="45000" bIns="45000">
+          <a:bodyPr lIns="90000" tIns="45000" rIns="90000" bIns="45000">
             <a:spAutoFit/>
           </a:bodyPr>
+          <a:lstStyle/>
           <a:p>
             <a:pPr>
               <a:lnSpc>
@@ -4967,15 +5889,15 @@
               </a:lnSpc>
             </a:pPr>
             <a:r>
-              <a:rPr b="1" lang="ko-KR" sz="2400" spc="-1" strike="noStrike">
-                <a:solidFill>
-                  <a:srgbClr val="ffffff"/>
+              <a:rPr lang="ko-KR" sz="2400" b="1" strike="noStrike" spc="-1">
+                <a:solidFill>
+                  <a:srgbClr val="FFFFFF"/>
                 </a:solidFill>
                 <a:latin typeface="맑은 고딕"/>
               </a:rPr>
               <a:t>활용 라이브러리 소개</a:t>
             </a:r>
-            <a:endParaRPr b="0" lang="en-US" sz="2400" spc="-1" strike="noStrike">
+            <a:endParaRPr lang="en-US" sz="2400" b="0" strike="noStrike" spc="-1">
               <a:latin typeface="Noto Sans CJK KR"/>
             </a:endParaRPr>
           </a:p>
@@ -5001,15 +5923,22 @@
           </a:ln>
         </p:spPr>
         <p:style>
-          <a:lnRef idx="0"/>
-          <a:fillRef idx="0"/>
-          <a:effectRef idx="0"/>
+          <a:lnRef idx="0">
+            <a:scrgbClr r="0" g="0" b="0"/>
+          </a:lnRef>
+          <a:fillRef idx="0">
+            <a:scrgbClr r="0" g="0" b="0"/>
+          </a:fillRef>
+          <a:effectRef idx="0">
+            <a:scrgbClr r="0" g="0" b="0"/>
+          </a:effectRef>
           <a:fontRef idx="minor"/>
         </p:style>
         <p:txBody>
-          <a:bodyPr lIns="90000" rIns="90000" tIns="45000" bIns="45000">
+          <a:bodyPr lIns="90000" tIns="45000" rIns="90000" bIns="45000">
             <a:spAutoFit/>
           </a:bodyPr>
+          <a:lstStyle/>
           <a:p>
             <a:pPr>
               <a:lnSpc>
@@ -5017,7 +5946,7 @@
               </a:lnSpc>
             </a:pPr>
             <a:r>
-              <a:rPr b="0" lang="en-US" sz="1200" spc="-1" strike="noStrike">
+              <a:rPr lang="en-US" sz="1200" b="0" strike="noStrike" spc="-1">
                 <a:solidFill>
                   <a:srgbClr val="000000"/>
                 </a:solidFill>
@@ -5026,7 +5955,7 @@
               <a:t>https://www.mapbox.com</a:t>
             </a:r>
             <a:r>
-              <a:rPr b="0" lang="en-US" sz="1100" spc="-1" strike="noStrike">
+              <a:rPr lang="en-US" sz="1100" b="0" strike="noStrike" spc="-1">
                 <a:solidFill>
                   <a:srgbClr val="000000"/>
                 </a:solidFill>
@@ -5034,7 +5963,7 @@
               </a:rPr>
               <a:t>/</a:t>
             </a:r>
-            <a:endParaRPr b="0" lang="en-US" sz="1100" spc="-1" strike="noStrike">
+            <a:endParaRPr lang="en-US" sz="1100" b="0" strike="noStrike" spc="-1">
               <a:latin typeface="Noto Sans CJK KR"/>
             </a:endParaRPr>
           </a:p>
@@ -5042,30 +5971,7 @@
       </p:sp>
       <p:pic>
         <p:nvPicPr>
-          <p:cNvPr id="176" name="그림 6" descr=""/>
-          <p:cNvPicPr/>
-          <p:nvPr/>
-        </p:nvPicPr>
-        <p:blipFill>
-          <a:blip r:embed="rId1"/>
-          <a:stretch/>
-        </p:blipFill>
-        <p:spPr>
-          <a:xfrm>
-            <a:off x="1152000" y="1523880"/>
-            <a:ext cx="3456000" cy="1291320"/>
-          </a:xfrm>
-          <a:prstGeom prst="rect">
-            <a:avLst/>
-          </a:prstGeom>
-          <a:ln>
-            <a:noFill/>
-          </a:ln>
-        </p:spPr>
-      </p:pic>
-      <p:pic>
-        <p:nvPicPr>
-          <p:cNvPr id="177" name="그림 5" descr=""/>
+          <p:cNvPr id="176" name="그림 6"/>
           <p:cNvPicPr/>
           <p:nvPr/>
         </p:nvPicPr>
@@ -5075,8 +5981,8 @@
         </p:blipFill>
         <p:spPr>
           <a:xfrm>
-            <a:off x="2674440" y="2952720"/>
-            <a:ext cx="5184360" cy="2858040"/>
+            <a:off x="1152000" y="1523880"/>
+            <a:ext cx="3456000" cy="1291320"/>
           </a:xfrm>
           <a:prstGeom prst="rect">
             <a:avLst/>
@@ -5088,7 +5994,7 @@
       </p:pic>
       <p:pic>
         <p:nvPicPr>
-          <p:cNvPr id="178" name="" descr=""/>
+          <p:cNvPr id="177" name="그림 5"/>
           <p:cNvPicPr/>
           <p:nvPr/>
         </p:nvPicPr>
@@ -5098,6 +6004,29 @@
         </p:blipFill>
         <p:spPr>
           <a:xfrm>
+            <a:off x="2674440" y="2952720"/>
+            <a:ext cx="5184360" cy="2858040"/>
+          </a:xfrm>
+          <a:prstGeom prst="rect">
+            <a:avLst/>
+          </a:prstGeom>
+          <a:ln>
+            <a:noFill/>
+          </a:ln>
+        </p:spPr>
+      </p:pic>
+      <p:pic>
+        <p:nvPicPr>
+          <p:cNvPr id="178" name="그림 177"/>
+          <p:cNvPicPr/>
+          <p:nvPr/>
+        </p:nvPicPr>
+        <p:blipFill>
+          <a:blip r:embed="rId4"/>
+          <a:stretch/>
+        </p:blipFill>
+        <p:spPr>
+          <a:xfrm>
             <a:off x="4824000" y="1955160"/>
             <a:ext cx="1875960" cy="456840"/>
           </a:xfrm>
@@ -5111,19 +6040,14 @@
       </p:pic>
     </p:spTree>
   </p:cSld>
-  <mc:AlternateContent>
-    <mc:Choice Requires="p14">
-      <p:transition spd="slow" p14:dur="2000"/>
-    </mc:Choice>
-    <mc:Fallback>
-      <p:transition spd="slow"/>
-    </mc:Fallback>
-  </mc:AlternateContent>
+  <p:clrMapOvr>
+    <a:masterClrMapping/>
+  </p:clrMapOvr>
 </p:sld>
 </file>
 
 <file path=ppt/slides/slide12.xml><?xml version="1.0" encoding="utf-8"?>
-<p:sld xmlns:a="http://schemas.openxmlformats.org/drawingml/2006/main" xmlns:p="http://schemas.openxmlformats.org/presentationml/2006/main" xmlns:r="http://schemas.openxmlformats.org/officeDocument/2006/relationships" xmlns:p14="http://schemas.microsoft.com/office/powerpoint/2010/main" xmlns:p15="http://schemas.microsoft.com/office/powerpoint/2012/main" xmlns:mc="http://schemas.openxmlformats.org/markup-compatibility/2006">
+<p:sld xmlns:a="http://schemas.openxmlformats.org/drawingml/2006/main" xmlns:r="http://schemas.openxmlformats.org/officeDocument/2006/relationships" xmlns:p="http://schemas.openxmlformats.org/presentationml/2006/main">
   <p:cSld>
     <p:spTree>
       <p:nvGrpSpPr>
@@ -5178,9 +6102,10 @@
           <a:fontRef idx="minor"/>
         </p:style>
         <p:txBody>
-          <a:bodyPr lIns="90000" rIns="90000" tIns="45000" bIns="45000" anchor="ctr">
+          <a:bodyPr lIns="90000" tIns="45000" rIns="90000" bIns="45000" anchor="ctr">
             <a:noAutofit/>
           </a:bodyPr>
+          <a:lstStyle/>
           <a:p>
             <a:pPr algn="ctr">
               <a:lnSpc>
@@ -5188,15 +6113,15 @@
               </a:lnSpc>
             </a:pPr>
             <a:r>
-              <a:rPr b="1" lang="en-US" sz="1400" spc="-1" strike="noStrike">
-                <a:solidFill>
-                  <a:srgbClr val="fac090"/>
+              <a:rPr lang="en-US" sz="1400" b="1" strike="noStrike" spc="-1">
+                <a:solidFill>
+                  <a:srgbClr val="FAC090"/>
                 </a:solidFill>
                 <a:latin typeface="Noto Sans CJK KR"/>
               </a:rPr>
               <a:t>3</a:t>
             </a:r>
-            <a:endParaRPr b="0" lang="en-US" sz="1400" spc="-1" strike="noStrike">
+            <a:endParaRPr lang="en-US" sz="1400" b="0" strike="noStrike" spc="-1">
               <a:latin typeface="Noto Sans CJK KR"/>
             </a:endParaRPr>
           </a:p>
@@ -5222,15 +6147,22 @@
           </a:ln>
         </p:spPr>
         <p:style>
-          <a:lnRef idx="0"/>
-          <a:fillRef idx="0"/>
-          <a:effectRef idx="0"/>
+          <a:lnRef idx="0">
+            <a:scrgbClr r="0" g="0" b="0"/>
+          </a:lnRef>
+          <a:fillRef idx="0">
+            <a:scrgbClr r="0" g="0" b="0"/>
+          </a:fillRef>
+          <a:effectRef idx="0">
+            <a:scrgbClr r="0" g="0" b="0"/>
+          </a:effectRef>
           <a:fontRef idx="minor"/>
         </p:style>
         <p:txBody>
-          <a:bodyPr lIns="90000" rIns="90000" tIns="45000" bIns="45000">
+          <a:bodyPr lIns="90000" tIns="45000" rIns="90000" bIns="45000">
             <a:spAutoFit/>
           </a:bodyPr>
+          <a:lstStyle/>
           <a:p>
             <a:pPr>
               <a:lnSpc>
@@ -5238,15 +6170,15 @@
               </a:lnSpc>
             </a:pPr>
             <a:r>
-              <a:rPr b="1" lang="ko-KR" sz="2400" spc="-1" strike="noStrike">
-                <a:solidFill>
-                  <a:srgbClr val="ffffff"/>
+              <a:rPr lang="ko-KR" sz="2400" b="1" strike="noStrike" spc="-1">
+                <a:solidFill>
+                  <a:srgbClr val="FFFFFF"/>
                 </a:solidFill>
                 <a:latin typeface="맑은 고딕"/>
               </a:rPr>
               <a:t>활용 라이브러리 소개</a:t>
             </a:r>
-            <a:endParaRPr b="0" lang="en-US" sz="2400" spc="-1" strike="noStrike">
+            <a:endParaRPr lang="en-US" sz="2400" b="0" strike="noStrike" spc="-1">
               <a:latin typeface="Noto Sans CJK KR"/>
             </a:endParaRPr>
           </a:p>
@@ -5287,30 +6219,7 @@
       </p:sp>
       <p:pic>
         <p:nvPicPr>
-          <p:cNvPr id="182" name="" descr=""/>
-          <p:cNvPicPr/>
-          <p:nvPr/>
-        </p:nvPicPr>
-        <p:blipFill>
-          <a:blip r:embed="rId1"/>
-          <a:stretch/>
-        </p:blipFill>
-        <p:spPr>
-          <a:xfrm>
-            <a:off x="3708000" y="2952000"/>
-            <a:ext cx="2592000" cy="2592000"/>
-          </a:xfrm>
-          <a:prstGeom prst="rect">
-            <a:avLst/>
-          </a:prstGeom>
-          <a:ln>
-            <a:noFill/>
-          </a:ln>
-        </p:spPr>
-      </p:pic>
-      <p:pic>
-        <p:nvPicPr>
-          <p:cNvPr id="183" name="" descr=""/>
+          <p:cNvPr id="182" name="그림 181"/>
           <p:cNvPicPr/>
           <p:nvPr/>
         </p:nvPicPr>
@@ -5320,6 +6229,29 @@
         </p:blipFill>
         <p:spPr>
           <a:xfrm>
+            <a:off x="3708000" y="2952000"/>
+            <a:ext cx="2592000" cy="2592000"/>
+          </a:xfrm>
+          <a:prstGeom prst="rect">
+            <a:avLst/>
+          </a:prstGeom>
+          <a:ln>
+            <a:noFill/>
+          </a:ln>
+        </p:spPr>
+      </p:pic>
+      <p:pic>
+        <p:nvPicPr>
+          <p:cNvPr id="183" name="그림 182"/>
+          <p:cNvPicPr/>
+          <p:nvPr/>
+        </p:nvPicPr>
+        <p:blipFill>
+          <a:blip r:embed="rId3"/>
+          <a:stretch/>
+        </p:blipFill>
+        <p:spPr>
+          <a:xfrm>
             <a:off x="1445760" y="1788840"/>
             <a:ext cx="2514240" cy="371160"/>
           </a:xfrm>
@@ -5333,19 +6265,14 @@
       </p:pic>
     </p:spTree>
   </p:cSld>
-  <mc:AlternateContent>
-    <mc:Choice Requires="p14">
-      <p:transition spd="slow" p14:dur="2000"/>
-    </mc:Choice>
-    <mc:Fallback>
-      <p:transition spd="slow"/>
-    </mc:Fallback>
-  </mc:AlternateContent>
+  <p:clrMapOvr>
+    <a:masterClrMapping/>
+  </p:clrMapOvr>
 </p:sld>
 </file>
 
 <file path=ppt/slides/slide13.xml><?xml version="1.0" encoding="utf-8"?>
-<p:sld xmlns:a="http://schemas.openxmlformats.org/drawingml/2006/main" xmlns:p="http://schemas.openxmlformats.org/presentationml/2006/main" xmlns:r="http://schemas.openxmlformats.org/officeDocument/2006/relationships" xmlns:p14="http://schemas.microsoft.com/office/powerpoint/2010/main" xmlns:p15="http://schemas.microsoft.com/office/powerpoint/2012/main" xmlns:mc="http://schemas.openxmlformats.org/markup-compatibility/2006">
+<p:sld xmlns:a="http://schemas.openxmlformats.org/drawingml/2006/main" xmlns:r="http://schemas.openxmlformats.org/officeDocument/2006/relationships" xmlns:p="http://schemas.openxmlformats.org/presentationml/2006/main">
   <p:cSld>
     <p:spTree>
       <p:nvGrpSpPr>
@@ -5433,9 +6360,10 @@
           <a:fontRef idx="minor"/>
         </p:style>
         <p:txBody>
-          <a:bodyPr lIns="90000" rIns="90000" tIns="45000" bIns="45000" anchor="ctr">
+          <a:bodyPr lIns="90000" tIns="45000" rIns="90000" bIns="45000" anchor="ctr">
             <a:noAutofit/>
           </a:bodyPr>
+          <a:lstStyle/>
           <a:p>
             <a:pPr algn="ctr">
               <a:lnSpc>
@@ -5443,15 +6371,15 @@
               </a:lnSpc>
             </a:pPr>
             <a:r>
-              <a:rPr b="1" lang="en-US" sz="1400" spc="-1" strike="noStrike">
-                <a:solidFill>
-                  <a:srgbClr val="fac090"/>
+              <a:rPr lang="en-US" sz="1400" b="1" strike="noStrike" spc="-1">
+                <a:solidFill>
+                  <a:srgbClr val="FAC090"/>
                 </a:solidFill>
                 <a:latin typeface="Noto Sans CJK KR"/>
               </a:rPr>
               <a:t>4</a:t>
             </a:r>
-            <a:endParaRPr b="0" lang="en-US" sz="1400" spc="-1" strike="noStrike">
+            <a:endParaRPr lang="en-US" sz="1400" b="0" strike="noStrike" spc="-1">
               <a:latin typeface="Noto Sans CJK KR"/>
             </a:endParaRPr>
           </a:p>
@@ -5477,15 +6405,22 @@
           </a:ln>
         </p:spPr>
         <p:style>
-          <a:lnRef idx="0"/>
-          <a:fillRef idx="0"/>
-          <a:effectRef idx="0"/>
+          <a:lnRef idx="0">
+            <a:scrgbClr r="0" g="0" b="0"/>
+          </a:lnRef>
+          <a:fillRef idx="0">
+            <a:scrgbClr r="0" g="0" b="0"/>
+          </a:fillRef>
+          <a:effectRef idx="0">
+            <a:scrgbClr r="0" g="0" b="0"/>
+          </a:effectRef>
           <a:fontRef idx="minor"/>
         </p:style>
         <p:txBody>
-          <a:bodyPr lIns="90000" rIns="90000" tIns="45000" bIns="45000">
+          <a:bodyPr lIns="90000" tIns="45000" rIns="90000" bIns="45000">
             <a:spAutoFit/>
           </a:bodyPr>
+          <a:lstStyle/>
           <a:p>
             <a:pPr>
               <a:lnSpc>
@@ -5493,15 +6428,15 @@
               </a:lnSpc>
             </a:pPr>
             <a:r>
-              <a:rPr b="1" lang="ko-KR" sz="2400" spc="-1" strike="noStrike">
-                <a:solidFill>
-                  <a:srgbClr val="ffffff"/>
+              <a:rPr lang="ko-KR" sz="2400" b="1" strike="noStrike" spc="-1">
+                <a:solidFill>
+                  <a:srgbClr val="FFFFFF"/>
                 </a:solidFill>
                 <a:latin typeface="맑은 고딕"/>
               </a:rPr>
               <a:t>계획대비 달성도</a:t>
             </a:r>
-            <a:endParaRPr b="0" lang="en-US" sz="2400" spc="-1" strike="noStrike">
+            <a:endParaRPr lang="en-US" sz="2400" b="0" strike="noStrike" spc="-1">
               <a:latin typeface="Noto Sans CJK KR"/>
             </a:endParaRPr>
           </a:p>
@@ -5509,30 +6444,7 @@
       </p:sp>
       <p:pic>
         <p:nvPicPr>
-          <p:cNvPr id="187" name="그림 4" descr=""/>
-          <p:cNvPicPr/>
-          <p:nvPr/>
-        </p:nvPicPr>
-        <p:blipFill>
-          <a:blip r:embed="rId1"/>
-          <a:stretch/>
-        </p:blipFill>
-        <p:spPr>
-          <a:xfrm>
-            <a:off x="4304880" y="3713400"/>
-            <a:ext cx="5081400" cy="2534760"/>
-          </a:xfrm>
-          <a:prstGeom prst="rect">
-            <a:avLst/>
-          </a:prstGeom>
-          <a:ln>
-            <a:noFill/>
-          </a:ln>
-        </p:spPr>
-      </p:pic>
-      <p:pic>
-        <p:nvPicPr>
-          <p:cNvPr id="188" name="그림 8" descr=""/>
+          <p:cNvPr id="187" name="그림 4"/>
           <p:cNvPicPr/>
           <p:nvPr/>
         </p:nvPicPr>
@@ -5542,6 +6454,29 @@
         </p:blipFill>
         <p:spPr>
           <a:xfrm>
+            <a:off x="4304880" y="3713400"/>
+            <a:ext cx="5081400" cy="2534760"/>
+          </a:xfrm>
+          <a:prstGeom prst="rect">
+            <a:avLst/>
+          </a:prstGeom>
+          <a:ln>
+            <a:noFill/>
+          </a:ln>
+        </p:spPr>
+      </p:pic>
+      <p:pic>
+        <p:nvPicPr>
+          <p:cNvPr id="188" name="그림 8"/>
+          <p:cNvPicPr/>
+          <p:nvPr/>
+        </p:nvPicPr>
+        <p:blipFill>
+          <a:blip r:embed="rId3"/>
+          <a:stretch/>
+        </p:blipFill>
+        <p:spPr>
+          <a:xfrm>
             <a:off x="519480" y="1329840"/>
             <a:ext cx="3641040" cy="2561040"/>
           </a:xfrm>
@@ -5573,15 +6508,22 @@
           </a:ln>
         </p:spPr>
         <p:style>
-          <a:lnRef idx="0"/>
-          <a:fillRef idx="0"/>
-          <a:effectRef idx="0"/>
+          <a:lnRef idx="0">
+            <a:scrgbClr r="0" g="0" b="0"/>
+          </a:lnRef>
+          <a:fillRef idx="0">
+            <a:scrgbClr r="0" g="0" b="0"/>
+          </a:fillRef>
+          <a:effectRef idx="0">
+            <a:scrgbClr r="0" g="0" b="0"/>
+          </a:effectRef>
           <a:fontRef idx="minor"/>
         </p:style>
         <p:txBody>
-          <a:bodyPr lIns="90000" rIns="90000" tIns="45000" bIns="45000">
+          <a:bodyPr lIns="90000" tIns="45000" rIns="90000" bIns="45000">
             <a:spAutoFit/>
           </a:bodyPr>
+          <a:lstStyle/>
           <a:p>
             <a:pPr>
               <a:lnSpc>
@@ -5589,7 +6531,7 @@
               </a:lnSpc>
             </a:pPr>
             <a:r>
-              <a:rPr b="1" lang="ko-KR" sz="1100" spc="-1" strike="noStrike">
+              <a:rPr lang="ko-KR" sz="1100" b="1" strike="noStrike" spc="-1">
                 <a:solidFill>
                   <a:srgbClr val="000000"/>
                 </a:solidFill>
@@ -5598,7 +6540,7 @@
               <a:t>예상 </a:t>
             </a:r>
             <a:r>
-              <a:rPr b="1" lang="en-US" sz="1100" spc="-1" strike="noStrike">
+              <a:rPr lang="en-US" sz="1100" b="1" strike="noStrike" spc="-1">
                 <a:solidFill>
                   <a:srgbClr val="000000"/>
                 </a:solidFill>
@@ -5606,7 +6548,7 @@
               </a:rPr>
               <a:t>UI</a:t>
             </a:r>
-            <a:endParaRPr b="0" lang="en-US" sz="1100" spc="-1" strike="noStrike">
+            <a:endParaRPr lang="en-US" sz="1100" b="0" strike="noStrike" spc="-1">
               <a:latin typeface="Noto Sans CJK KR"/>
             </a:endParaRPr>
           </a:p>
@@ -5632,15 +6574,22 @@
           </a:ln>
         </p:spPr>
         <p:style>
-          <a:lnRef idx="0"/>
-          <a:fillRef idx="0"/>
-          <a:effectRef idx="0"/>
+          <a:lnRef idx="0">
+            <a:scrgbClr r="0" g="0" b="0"/>
+          </a:lnRef>
+          <a:fillRef idx="0">
+            <a:scrgbClr r="0" g="0" b="0"/>
+          </a:fillRef>
+          <a:effectRef idx="0">
+            <a:scrgbClr r="0" g="0" b="0"/>
+          </a:effectRef>
           <a:fontRef idx="minor"/>
         </p:style>
         <p:txBody>
-          <a:bodyPr lIns="90000" rIns="90000" tIns="45000" bIns="45000">
+          <a:bodyPr lIns="90000" tIns="45000" rIns="90000" bIns="45000">
             <a:spAutoFit/>
           </a:bodyPr>
+          <a:lstStyle/>
           <a:p>
             <a:pPr>
               <a:lnSpc>
@@ -5648,7 +6597,7 @@
               </a:lnSpc>
             </a:pPr>
             <a:r>
-              <a:rPr b="1" lang="ko-KR" sz="1100" spc="-1" strike="noStrike">
+              <a:rPr lang="ko-KR" sz="1100" b="1" strike="noStrike" spc="-1">
                 <a:solidFill>
                   <a:srgbClr val="000000"/>
                 </a:solidFill>
@@ -5657,7 +6606,7 @@
               <a:t>실제 구현 </a:t>
             </a:r>
             <a:r>
-              <a:rPr b="1" lang="en-US" sz="1100" spc="-1" strike="noStrike">
+              <a:rPr lang="en-US" sz="1100" b="1" strike="noStrike" spc="-1">
                 <a:solidFill>
                   <a:srgbClr val="000000"/>
                 </a:solidFill>
@@ -5665,7 +6614,7 @@
               </a:rPr>
               <a:t>UI</a:t>
             </a:r>
-            <a:endParaRPr b="0" lang="en-US" sz="1100" spc="-1" strike="noStrike">
+            <a:endParaRPr lang="en-US" sz="1100" b="0" strike="noStrike" spc="-1">
               <a:latin typeface="Noto Sans CJK KR"/>
             </a:endParaRPr>
           </a:p>
@@ -5715,19 +6664,14 @@
       </p:sp>
     </p:spTree>
   </p:cSld>
-  <mc:AlternateContent>
-    <mc:Choice Requires="p14">
-      <p:transition spd="slow" p14:dur="2000"/>
-    </mc:Choice>
-    <mc:Fallback>
-      <p:transition spd="slow"/>
-    </mc:Fallback>
-  </mc:AlternateContent>
+  <p:clrMapOvr>
+    <a:masterClrMapping/>
+  </p:clrMapOvr>
 </p:sld>
 </file>
 
 <file path=ppt/slides/slide14.xml><?xml version="1.0" encoding="utf-8"?>
-<p:sld xmlns:a="http://schemas.openxmlformats.org/drawingml/2006/main" xmlns:p="http://schemas.openxmlformats.org/presentationml/2006/main" xmlns:r="http://schemas.openxmlformats.org/officeDocument/2006/relationships" xmlns:p14="http://schemas.microsoft.com/office/powerpoint/2010/main" xmlns:p15="http://schemas.microsoft.com/office/powerpoint/2012/main" xmlns:mc="http://schemas.openxmlformats.org/markup-compatibility/2006">
+<p:sld xmlns:a="http://schemas.openxmlformats.org/drawingml/2006/main" xmlns:r="http://schemas.openxmlformats.org/officeDocument/2006/relationships" xmlns:p="http://schemas.openxmlformats.org/presentationml/2006/main">
   <p:cSld>
     <p:spTree>
       <p:nvGrpSpPr>
@@ -5815,9 +6759,10 @@
           <a:fontRef idx="minor"/>
         </p:style>
         <p:txBody>
-          <a:bodyPr lIns="90000" rIns="90000" tIns="45000" bIns="45000" anchor="ctr">
+          <a:bodyPr lIns="90000" tIns="45000" rIns="90000" bIns="45000" anchor="ctr">
             <a:noAutofit/>
           </a:bodyPr>
+          <a:lstStyle/>
           <a:p>
             <a:pPr algn="ctr">
               <a:lnSpc>
@@ -5825,15 +6770,15 @@
               </a:lnSpc>
             </a:pPr>
             <a:r>
-              <a:rPr b="1" lang="en-US" sz="1400" spc="-1" strike="noStrike">
-                <a:solidFill>
-                  <a:srgbClr val="fac090"/>
+              <a:rPr lang="en-US" sz="1400" b="1" strike="noStrike" spc="-1">
+                <a:solidFill>
+                  <a:srgbClr val="FAC090"/>
                 </a:solidFill>
                 <a:latin typeface="Noto Sans CJK KR"/>
               </a:rPr>
               <a:t>4</a:t>
             </a:r>
-            <a:endParaRPr b="0" lang="en-US" sz="1400" spc="-1" strike="noStrike">
+            <a:endParaRPr lang="en-US" sz="1400" b="0" strike="noStrike" spc="-1">
               <a:latin typeface="Noto Sans CJK KR"/>
             </a:endParaRPr>
           </a:p>
@@ -5859,15 +6804,22 @@
           </a:ln>
         </p:spPr>
         <p:style>
-          <a:lnRef idx="0"/>
-          <a:fillRef idx="0"/>
-          <a:effectRef idx="0"/>
+          <a:lnRef idx="0">
+            <a:scrgbClr r="0" g="0" b="0"/>
+          </a:lnRef>
+          <a:fillRef idx="0">
+            <a:scrgbClr r="0" g="0" b="0"/>
+          </a:fillRef>
+          <a:effectRef idx="0">
+            <a:scrgbClr r="0" g="0" b="0"/>
+          </a:effectRef>
           <a:fontRef idx="minor"/>
         </p:style>
         <p:txBody>
-          <a:bodyPr lIns="90000" rIns="90000" tIns="45000" bIns="45000">
+          <a:bodyPr lIns="90000" tIns="45000" rIns="90000" bIns="45000">
             <a:spAutoFit/>
           </a:bodyPr>
+          <a:lstStyle/>
           <a:p>
             <a:pPr>
               <a:lnSpc>
@@ -5875,15 +6827,15 @@
               </a:lnSpc>
             </a:pPr>
             <a:r>
-              <a:rPr b="1" lang="ko-KR" sz="2400" spc="-1" strike="noStrike">
-                <a:solidFill>
-                  <a:srgbClr val="ffffff"/>
+              <a:rPr lang="ko-KR" sz="2400" b="1" strike="noStrike" spc="-1">
+                <a:solidFill>
+                  <a:srgbClr val="FFFFFF"/>
                 </a:solidFill>
                 <a:latin typeface="맑은 고딕"/>
               </a:rPr>
               <a:t>계획대비 달성도</a:t>
             </a:r>
-            <a:endParaRPr b="0" lang="en-US" sz="2400" spc="-1" strike="noStrike">
+            <a:endParaRPr lang="en-US" sz="2400" b="0" strike="noStrike" spc="-1">
               <a:latin typeface="Noto Sans CJK KR"/>
             </a:endParaRPr>
           </a:p>
@@ -5891,30 +6843,7 @@
       </p:sp>
       <p:pic>
         <p:nvPicPr>
-          <p:cNvPr id="195" name="그림 3" descr=""/>
-          <p:cNvPicPr/>
-          <p:nvPr/>
-        </p:nvPicPr>
-        <p:blipFill>
-          <a:blip r:embed="rId1"/>
-          <a:stretch/>
-        </p:blipFill>
-        <p:spPr>
-          <a:xfrm>
-            <a:off x="3801600" y="3256200"/>
-            <a:ext cx="5474880" cy="3103560"/>
-          </a:xfrm>
-          <a:prstGeom prst="rect">
-            <a:avLst/>
-          </a:prstGeom>
-          <a:ln>
-            <a:noFill/>
-          </a:ln>
-        </p:spPr>
-      </p:pic>
-      <p:pic>
-        <p:nvPicPr>
-          <p:cNvPr id="196" name="그림 6" descr=""/>
+          <p:cNvPr id="195" name="그림 3"/>
           <p:cNvPicPr/>
           <p:nvPr/>
         </p:nvPicPr>
@@ -5924,6 +6853,29 @@
         </p:blipFill>
         <p:spPr>
           <a:xfrm>
+            <a:off x="3801600" y="3256200"/>
+            <a:ext cx="5474880" cy="3103560"/>
+          </a:xfrm>
+          <a:prstGeom prst="rect">
+            <a:avLst/>
+          </a:prstGeom>
+          <a:ln>
+            <a:noFill/>
+          </a:ln>
+        </p:spPr>
+      </p:pic>
+      <p:pic>
+        <p:nvPicPr>
+          <p:cNvPr id="196" name="그림 6"/>
+          <p:cNvPicPr/>
+          <p:nvPr/>
+        </p:nvPicPr>
+        <p:blipFill>
+          <a:blip r:embed="rId3"/>
+          <a:stretch/>
+        </p:blipFill>
+        <p:spPr>
+          <a:xfrm>
             <a:off x="495360" y="1333440"/>
             <a:ext cx="2958840" cy="3103560"/>
           </a:xfrm>
@@ -5955,15 +6907,22 @@
           </a:ln>
         </p:spPr>
         <p:style>
-          <a:lnRef idx="0"/>
-          <a:fillRef idx="0"/>
-          <a:effectRef idx="0"/>
+          <a:lnRef idx="0">
+            <a:scrgbClr r="0" g="0" b="0"/>
+          </a:lnRef>
+          <a:fillRef idx="0">
+            <a:scrgbClr r="0" g="0" b="0"/>
+          </a:fillRef>
+          <a:effectRef idx="0">
+            <a:scrgbClr r="0" g="0" b="0"/>
+          </a:effectRef>
           <a:fontRef idx="minor"/>
         </p:style>
         <p:txBody>
-          <a:bodyPr lIns="90000" rIns="90000" tIns="45000" bIns="45000">
+          <a:bodyPr lIns="90000" tIns="45000" rIns="90000" bIns="45000">
             <a:spAutoFit/>
           </a:bodyPr>
+          <a:lstStyle/>
           <a:p>
             <a:pPr>
               <a:lnSpc>
@@ -5971,7 +6930,7 @@
               </a:lnSpc>
             </a:pPr>
             <a:r>
-              <a:rPr b="1" lang="ko-KR" sz="1100" spc="-1" strike="noStrike">
+              <a:rPr lang="ko-KR" sz="1100" b="1" strike="noStrike" spc="-1">
                 <a:solidFill>
                   <a:srgbClr val="000000"/>
                 </a:solidFill>
@@ -5980,7 +6939,7 @@
               <a:t>예상 </a:t>
             </a:r>
             <a:r>
-              <a:rPr b="1" lang="en-US" sz="1100" spc="-1" strike="noStrike">
+              <a:rPr lang="en-US" sz="1100" b="1" strike="noStrike" spc="-1">
                 <a:solidFill>
                   <a:srgbClr val="000000"/>
                 </a:solidFill>
@@ -5988,7 +6947,7 @@
               </a:rPr>
               <a:t>UI</a:t>
             </a:r>
-            <a:endParaRPr b="0" lang="en-US" sz="1100" spc="-1" strike="noStrike">
+            <a:endParaRPr lang="en-US" sz="1100" b="0" strike="noStrike" spc="-1">
               <a:latin typeface="Noto Sans CJK KR"/>
             </a:endParaRPr>
           </a:p>
@@ -6056,15 +7015,22 @@
           </a:ln>
         </p:spPr>
         <p:style>
-          <a:lnRef idx="0"/>
-          <a:fillRef idx="0"/>
-          <a:effectRef idx="0"/>
+          <a:lnRef idx="0">
+            <a:scrgbClr r="0" g="0" b="0"/>
+          </a:lnRef>
+          <a:fillRef idx="0">
+            <a:scrgbClr r="0" g="0" b="0"/>
+          </a:fillRef>
+          <a:effectRef idx="0">
+            <a:scrgbClr r="0" g="0" b="0"/>
+          </a:effectRef>
           <a:fontRef idx="minor"/>
         </p:style>
         <p:txBody>
-          <a:bodyPr lIns="90000" rIns="90000" tIns="45000" bIns="45000">
+          <a:bodyPr lIns="90000" tIns="45000" rIns="90000" bIns="45000">
             <a:spAutoFit/>
           </a:bodyPr>
+          <a:lstStyle/>
           <a:p>
             <a:pPr>
               <a:lnSpc>
@@ -6072,7 +7038,7 @@
               </a:lnSpc>
             </a:pPr>
             <a:r>
-              <a:rPr b="1" lang="ko-KR" sz="1100" spc="-1" strike="noStrike">
+              <a:rPr lang="ko-KR" sz="1100" b="1" strike="noStrike" spc="-1">
                 <a:solidFill>
                   <a:srgbClr val="000000"/>
                 </a:solidFill>
@@ -6081,7 +7047,7 @@
               <a:t>실제 구현 </a:t>
             </a:r>
             <a:r>
-              <a:rPr b="1" lang="en-US" sz="1100" spc="-1" strike="noStrike">
+              <a:rPr lang="en-US" sz="1100" b="1" strike="noStrike" spc="-1">
                 <a:solidFill>
                   <a:srgbClr val="000000"/>
                 </a:solidFill>
@@ -6089,7 +7055,7 @@
               </a:rPr>
               <a:t>UI</a:t>
             </a:r>
-            <a:endParaRPr b="0" lang="en-US" sz="1100" spc="-1" strike="noStrike">
+            <a:endParaRPr lang="en-US" sz="1100" b="0" strike="noStrike" spc="-1">
               <a:latin typeface="Noto Sans CJK KR"/>
             </a:endParaRPr>
           </a:p>
@@ -6097,19 +7063,14 @@
       </p:sp>
     </p:spTree>
   </p:cSld>
-  <mc:AlternateContent>
-    <mc:Choice Requires="p14">
-      <p:transition spd="slow" p14:dur="2000"/>
-    </mc:Choice>
-    <mc:Fallback>
-      <p:transition spd="slow"/>
-    </mc:Fallback>
-  </mc:AlternateContent>
+  <p:clrMapOvr>
+    <a:masterClrMapping/>
+  </p:clrMapOvr>
 </p:sld>
 </file>
 
 <file path=ppt/slides/slide15.xml><?xml version="1.0" encoding="utf-8"?>
-<p:sld xmlns:a="http://schemas.openxmlformats.org/drawingml/2006/main" xmlns:p="http://schemas.openxmlformats.org/presentationml/2006/main" xmlns:r="http://schemas.openxmlformats.org/officeDocument/2006/relationships" xmlns:p14="http://schemas.microsoft.com/office/powerpoint/2010/main" xmlns:p15="http://schemas.microsoft.com/office/powerpoint/2012/main" xmlns:mc="http://schemas.openxmlformats.org/markup-compatibility/2006">
+<p:sld xmlns:a="http://schemas.openxmlformats.org/drawingml/2006/main" xmlns:r="http://schemas.openxmlformats.org/officeDocument/2006/relationships" xmlns:p="http://schemas.openxmlformats.org/presentationml/2006/main">
   <p:cSld>
     <p:spTree>
       <p:nvGrpSpPr>
@@ -6160,12 +7121,12 @@
       </p:sp>
       <p:pic>
         <p:nvPicPr>
-          <p:cNvPr id="201" name="그림 4" descr=""/>
+          <p:cNvPr id="201" name="그림 4"/>
           <p:cNvPicPr/>
           <p:nvPr/>
         </p:nvPicPr>
         <p:blipFill>
-          <a:blip r:embed="rId1"/>
+          <a:blip r:embed="rId3"/>
           <a:stretch/>
         </p:blipFill>
         <p:spPr>
@@ -6220,9 +7181,10 @@
           <a:fontRef idx="minor"/>
         </p:style>
         <p:txBody>
-          <a:bodyPr lIns="90000" rIns="90000" tIns="45000" bIns="45000" anchor="ctr">
+          <a:bodyPr lIns="90000" tIns="45000" rIns="90000" bIns="45000" anchor="ctr">
             <a:noAutofit/>
           </a:bodyPr>
+          <a:lstStyle/>
           <a:p>
             <a:pPr algn="ctr">
               <a:lnSpc>
@@ -6230,15 +7192,15 @@
               </a:lnSpc>
             </a:pPr>
             <a:r>
-              <a:rPr b="1" lang="en-US" sz="1400" spc="-1" strike="noStrike">
-                <a:solidFill>
-                  <a:srgbClr val="fac090"/>
+              <a:rPr lang="en-US" sz="1400" b="1" strike="noStrike" spc="-1">
+                <a:solidFill>
+                  <a:srgbClr val="FAC090"/>
                 </a:solidFill>
                 <a:latin typeface="Noto Sans CJK KR"/>
               </a:rPr>
               <a:t>4</a:t>
             </a:r>
-            <a:endParaRPr b="0" lang="en-US" sz="1400" spc="-1" strike="noStrike">
+            <a:endParaRPr lang="en-US" sz="1400" b="0" strike="noStrike" spc="-1">
               <a:latin typeface="Noto Sans CJK KR"/>
             </a:endParaRPr>
           </a:p>
@@ -6264,15 +7226,22 @@
           </a:ln>
         </p:spPr>
         <p:style>
-          <a:lnRef idx="0"/>
-          <a:fillRef idx="0"/>
-          <a:effectRef idx="0"/>
+          <a:lnRef idx="0">
+            <a:scrgbClr r="0" g="0" b="0"/>
+          </a:lnRef>
+          <a:fillRef idx="0">
+            <a:scrgbClr r="0" g="0" b="0"/>
+          </a:fillRef>
+          <a:effectRef idx="0">
+            <a:scrgbClr r="0" g="0" b="0"/>
+          </a:effectRef>
           <a:fontRef idx="minor"/>
         </p:style>
         <p:txBody>
-          <a:bodyPr lIns="90000" rIns="90000" tIns="45000" bIns="45000">
+          <a:bodyPr lIns="90000" tIns="45000" rIns="90000" bIns="45000">
             <a:spAutoFit/>
           </a:bodyPr>
+          <a:lstStyle/>
           <a:p>
             <a:pPr>
               <a:lnSpc>
@@ -6280,44 +7249,20 @@
               </a:lnSpc>
             </a:pPr>
             <a:r>
-              <a:rPr b="1" lang="ko-KR" sz="2400" spc="-1" strike="noStrike">
-                <a:solidFill>
-                  <a:srgbClr val="ffffff"/>
+              <a:rPr lang="ko-KR" sz="2400" b="1" strike="noStrike" spc="-1">
+                <a:solidFill>
+                  <a:srgbClr val="FFFFFF"/>
                 </a:solidFill>
                 <a:latin typeface="맑은 고딕"/>
               </a:rPr>
               <a:t>계획대비 달성도</a:t>
             </a:r>
-            <a:endParaRPr b="0" lang="en-US" sz="2400" spc="-1" strike="noStrike">
+            <a:endParaRPr lang="en-US" sz="2400" b="0" strike="noStrike" spc="-1">
               <a:latin typeface="Noto Sans CJK KR"/>
             </a:endParaRPr>
           </a:p>
         </p:txBody>
       </p:sp>
-      <p:pic>
-        <p:nvPicPr>
-          <p:cNvPr id="204" name="그림 5" descr=""/>
-          <p:cNvPicPr/>
-          <p:nvPr/>
-        </p:nvPicPr>
-        <p:blipFill>
-          <a:blip r:embed="rId2"/>
-          <a:srcRect l="8608" t="0" r="26463" b="0"/>
-          <a:stretch/>
-        </p:blipFill>
-        <p:spPr>
-          <a:xfrm>
-            <a:off x="4680360" y="3620520"/>
-            <a:ext cx="3671640" cy="2714040"/>
-          </a:xfrm>
-          <a:prstGeom prst="rect">
-            <a:avLst/>
-          </a:prstGeom>
-          <a:ln>
-            <a:noFill/>
-          </a:ln>
-        </p:spPr>
-      </p:pic>
       <p:sp>
         <p:nvSpPr>
           <p:cNvPr id="205" name="CustomShape 4"/>
@@ -6338,15 +7283,22 @@
           </a:ln>
         </p:spPr>
         <p:style>
-          <a:lnRef idx="0"/>
-          <a:fillRef idx="0"/>
-          <a:effectRef idx="0"/>
+          <a:lnRef idx="0">
+            <a:scrgbClr r="0" g="0" b="0"/>
+          </a:lnRef>
+          <a:fillRef idx="0">
+            <a:scrgbClr r="0" g="0" b="0"/>
+          </a:fillRef>
+          <a:effectRef idx="0">
+            <a:scrgbClr r="0" g="0" b="0"/>
+          </a:effectRef>
           <a:fontRef idx="minor"/>
         </p:style>
         <p:txBody>
-          <a:bodyPr lIns="90000" rIns="90000" tIns="45000" bIns="45000">
+          <a:bodyPr lIns="90000" tIns="45000" rIns="90000" bIns="45000">
             <a:spAutoFit/>
           </a:bodyPr>
+          <a:lstStyle/>
           <a:p>
             <a:pPr>
               <a:lnSpc>
@@ -6354,7 +7306,7 @@
               </a:lnSpc>
             </a:pPr>
             <a:r>
-              <a:rPr b="1" lang="ko-KR" sz="1100" spc="-1" strike="noStrike">
+              <a:rPr lang="ko-KR" sz="1100" b="1" strike="noStrike" spc="-1">
                 <a:solidFill>
                   <a:srgbClr val="000000"/>
                 </a:solidFill>
@@ -6363,7 +7315,7 @@
               <a:t>예상 </a:t>
             </a:r>
             <a:r>
-              <a:rPr b="1" lang="en-US" sz="1100" spc="-1" strike="noStrike">
+              <a:rPr lang="en-US" sz="1100" b="1" strike="noStrike" spc="-1">
                 <a:solidFill>
                   <a:srgbClr val="000000"/>
                 </a:solidFill>
@@ -6371,7 +7323,7 @@
               </a:rPr>
               <a:t>UI</a:t>
             </a:r>
-            <a:endParaRPr b="0" lang="en-US" sz="1100" spc="-1" strike="noStrike">
+            <a:endParaRPr lang="en-US" sz="1100" b="0" strike="noStrike" spc="-1">
               <a:latin typeface="Noto Sans CJK KR"/>
             </a:endParaRPr>
           </a:p>
@@ -6427,7 +7379,7 @@
         </p:nvSpPr>
         <p:spPr>
           <a:xfrm>
-            <a:off x="6033240" y="3298320"/>
+            <a:off x="6361200" y="3300120"/>
             <a:ext cx="1223640" cy="257760"/>
           </a:xfrm>
           <a:prstGeom prst="rect">
@@ -6439,15 +7391,22 @@
           </a:ln>
         </p:spPr>
         <p:style>
-          <a:lnRef idx="0"/>
-          <a:fillRef idx="0"/>
-          <a:effectRef idx="0"/>
+          <a:lnRef idx="0">
+            <a:scrgbClr r="0" g="0" b="0"/>
+          </a:lnRef>
+          <a:fillRef idx="0">
+            <a:scrgbClr r="0" g="0" b="0"/>
+          </a:fillRef>
+          <a:effectRef idx="0">
+            <a:scrgbClr r="0" g="0" b="0"/>
+          </a:effectRef>
           <a:fontRef idx="minor"/>
         </p:style>
         <p:txBody>
-          <a:bodyPr lIns="90000" rIns="90000" tIns="45000" bIns="45000">
+          <a:bodyPr lIns="90000" tIns="45000" rIns="90000" bIns="45000">
             <a:spAutoFit/>
           </a:bodyPr>
+          <a:lstStyle/>
           <a:p>
             <a:pPr>
               <a:lnSpc>
@@ -6455,7 +7414,7 @@
               </a:lnSpc>
             </a:pPr>
             <a:r>
-              <a:rPr b="1" lang="ko-KR" sz="1100" spc="-1" strike="noStrike">
+              <a:rPr lang="ko-KR" sz="1100" b="1" strike="noStrike" spc="-1" dirty="0">
                 <a:solidFill>
                   <a:srgbClr val="000000"/>
                 </a:solidFill>
@@ -6464,7 +7423,7 @@
               <a:t>실제 구현 </a:t>
             </a:r>
             <a:r>
-              <a:rPr b="1" lang="en-US" sz="1100" spc="-1" strike="noStrike">
+              <a:rPr lang="en-US" sz="1100" b="1" strike="noStrike" spc="-1" dirty="0">
                 <a:solidFill>
                   <a:srgbClr val="000000"/>
                 </a:solidFill>
@@ -6472,27 +7431,52 @@
               </a:rPr>
               <a:t>UI</a:t>
             </a:r>
-            <a:endParaRPr b="0" lang="en-US" sz="1100" spc="-1" strike="noStrike">
+            <a:endParaRPr lang="en-US" sz="1100" b="0" strike="noStrike" spc="-1" dirty="0">
               <a:latin typeface="Noto Sans CJK KR"/>
             </a:endParaRPr>
           </a:p>
         </p:txBody>
       </p:sp>
+      <p:pic>
+        <p:nvPicPr>
+          <p:cNvPr id="9" name="그림 8">
+            <a:extLst>
+              <a:ext uri="{FF2B5EF4-FFF2-40B4-BE49-F238E27FC236}">
+                <a16:creationId xmlns:a16="http://schemas.microsoft.com/office/drawing/2014/main" id="{944C699C-CE54-9CF3-D365-7084C6DEF292}"/>
+              </a:ext>
+            </a:extLst>
+          </p:cNvPr>
+          <p:cNvPicPr>
+            <a:picLocks noChangeAspect="1"/>
+          </p:cNvPicPr>
+          <p:nvPr/>
+        </p:nvPicPr>
+        <p:blipFill>
+          <a:blip r:embed="rId4"/>
+          <a:stretch>
+            <a:fillRect/>
+          </a:stretch>
+        </p:blipFill>
+        <p:spPr>
+          <a:xfrm>
+            <a:off x="4869473" y="3625560"/>
+            <a:ext cx="3903335" cy="2668431"/>
+          </a:xfrm>
+          <a:prstGeom prst="rect">
+            <a:avLst/>
+          </a:prstGeom>
+        </p:spPr>
+      </p:pic>
     </p:spTree>
   </p:cSld>
-  <mc:AlternateContent>
-    <mc:Choice Requires="p14">
-      <p:transition spd="slow" p14:dur="2000"/>
-    </mc:Choice>
-    <mc:Fallback>
-      <p:transition spd="slow"/>
-    </mc:Fallback>
-  </mc:AlternateContent>
+  <p:clrMapOvr>
+    <a:masterClrMapping/>
+  </p:clrMapOvr>
 </p:sld>
 </file>
 
 <file path=ppt/slides/slide16.xml><?xml version="1.0" encoding="utf-8"?>
-<p:sld xmlns:a="http://schemas.openxmlformats.org/drawingml/2006/main" xmlns:p="http://schemas.openxmlformats.org/presentationml/2006/main" xmlns:r="http://schemas.openxmlformats.org/officeDocument/2006/relationships" xmlns:p14="http://schemas.microsoft.com/office/powerpoint/2010/main" xmlns:p15="http://schemas.microsoft.com/office/powerpoint/2012/main" xmlns:mc="http://schemas.openxmlformats.org/markup-compatibility/2006">
+<p:sld xmlns:a="http://schemas.openxmlformats.org/drawingml/2006/main" xmlns:r="http://schemas.openxmlformats.org/officeDocument/2006/relationships" xmlns:p="http://schemas.openxmlformats.org/presentationml/2006/main">
   <p:cSld>
     <p:spTree>
       <p:nvGrpSpPr>
@@ -6580,9 +7564,10 @@
           <a:fontRef idx="minor"/>
         </p:style>
         <p:txBody>
-          <a:bodyPr lIns="90000" rIns="90000" tIns="45000" bIns="45000" anchor="ctr">
+          <a:bodyPr lIns="90000" tIns="45000" rIns="90000" bIns="45000" anchor="ctr">
             <a:noAutofit/>
           </a:bodyPr>
+          <a:lstStyle/>
           <a:p>
             <a:pPr algn="ctr">
               <a:lnSpc>
@@ -6590,15 +7575,15 @@
               </a:lnSpc>
             </a:pPr>
             <a:r>
-              <a:rPr b="1" lang="en-US" sz="1400" spc="-1" strike="noStrike">
-                <a:solidFill>
-                  <a:srgbClr val="fac090"/>
+              <a:rPr lang="en-US" sz="1400" b="1" strike="noStrike" spc="-1">
+                <a:solidFill>
+                  <a:srgbClr val="FAC090"/>
                 </a:solidFill>
                 <a:latin typeface="Noto Sans CJK KR"/>
               </a:rPr>
               <a:t>5</a:t>
             </a:r>
-            <a:endParaRPr b="0" lang="en-US" sz="1400" spc="-1" strike="noStrike">
+            <a:endParaRPr lang="en-US" sz="1400" b="0" strike="noStrike" spc="-1">
               <a:latin typeface="Noto Sans CJK KR"/>
             </a:endParaRPr>
           </a:p>
@@ -6624,15 +7609,22 @@
           </a:ln>
         </p:spPr>
         <p:style>
-          <a:lnRef idx="0"/>
-          <a:fillRef idx="0"/>
-          <a:effectRef idx="0"/>
+          <a:lnRef idx="0">
+            <a:scrgbClr r="0" g="0" b="0"/>
+          </a:lnRef>
+          <a:fillRef idx="0">
+            <a:scrgbClr r="0" g="0" b="0"/>
+          </a:fillRef>
+          <a:effectRef idx="0">
+            <a:scrgbClr r="0" g="0" b="0"/>
+          </a:effectRef>
           <a:fontRef idx="minor"/>
         </p:style>
         <p:txBody>
-          <a:bodyPr lIns="90000" rIns="90000" tIns="45000" bIns="45000">
+          <a:bodyPr lIns="90000" tIns="45000" rIns="90000" bIns="45000">
             <a:spAutoFit/>
           </a:bodyPr>
+          <a:lstStyle/>
           <a:p>
             <a:pPr>
               <a:lnSpc>
@@ -6640,33 +7632,33 @@
               </a:lnSpc>
             </a:pPr>
             <a:r>
-              <a:rPr b="1" lang="ko-KR" sz="2400" spc="-1" strike="noStrike">
-                <a:solidFill>
-                  <a:srgbClr val="ffffff"/>
+              <a:rPr lang="ko-KR" sz="2400" b="1" strike="noStrike" spc="-1">
+                <a:solidFill>
+                  <a:srgbClr val="FFFFFF"/>
                 </a:solidFill>
                 <a:latin typeface="맑은 고딕"/>
               </a:rPr>
               <a:t>배운 점 </a:t>
             </a:r>
             <a:r>
-              <a:rPr b="1" lang="en-US" sz="2400" spc="-1" strike="noStrike">
-                <a:solidFill>
-                  <a:srgbClr val="ffffff"/>
+              <a:rPr lang="en-US" sz="2400" b="1" strike="noStrike" spc="-1">
+                <a:solidFill>
+                  <a:srgbClr val="FFFFFF"/>
                 </a:solidFill>
                 <a:latin typeface="맑은 고딕"/>
               </a:rPr>
               <a:t>&amp; </a:t>
             </a:r>
             <a:r>
-              <a:rPr b="1" lang="ko-KR" sz="2400" spc="-1" strike="noStrike">
-                <a:solidFill>
-                  <a:srgbClr val="ffffff"/>
+              <a:rPr lang="ko-KR" sz="2400" b="1" strike="noStrike" spc="-1">
+                <a:solidFill>
+                  <a:srgbClr val="FFFFFF"/>
                 </a:solidFill>
                 <a:latin typeface="맑은 고딕"/>
               </a:rPr>
               <a:t>소감</a:t>
             </a:r>
-            <a:endParaRPr b="0" lang="en-US" sz="2400" spc="-1" strike="noStrike">
+            <a:endParaRPr lang="en-US" sz="2400" b="0" strike="noStrike" spc="-1">
               <a:latin typeface="Noto Sans CJK KR"/>
             </a:endParaRPr>
           </a:p>
@@ -6674,33 +7666,7 @@
       </p:sp>
       <p:pic>
         <p:nvPicPr>
-          <p:cNvPr id="211" name="그림 14" descr=""/>
-          <p:cNvPicPr/>
-          <p:nvPr/>
-        </p:nvPicPr>
-        <p:blipFill>
-          <a:blip r:embed="rId1"/>
-          <a:stretch/>
-        </p:blipFill>
-        <p:spPr>
-          <a:xfrm>
-            <a:off x="608400" y="1706040"/>
-            <a:ext cx="1088280" cy="1088280"/>
-          </a:xfrm>
-          <a:prstGeom prst="rect">
-            <a:avLst/>
-          </a:prstGeom>
-          <a:ln>
-            <a:noFill/>
-          </a:ln>
-          <a:effectLst>
-            <a:reflection algn="bl" dir="5400000" dist="50800" endPos="44000" rotWithShape="0" stA="15000" sy="-100000"/>
-          </a:effectLst>
-        </p:spPr>
-      </p:pic>
-      <p:pic>
-        <p:nvPicPr>
-          <p:cNvPr id="212" name="그림 7" descr=""/>
+          <p:cNvPr id="211" name="그림 14"/>
           <p:cNvPicPr/>
           <p:nvPr/>
         </p:nvPicPr>
@@ -6710,7 +7676,7 @@
         </p:blipFill>
         <p:spPr>
           <a:xfrm>
-            <a:off x="7958160" y="2793960"/>
+            <a:off x="608400" y="1706040"/>
             <a:ext cx="1088280" cy="1088280"/>
           </a:xfrm>
           <a:prstGeom prst="rect">
@@ -6720,23 +7686,23 @@
             <a:noFill/>
           </a:ln>
           <a:effectLst>
-            <a:reflection algn="bl" dir="5400000" dist="50800" endPos="44000" rotWithShape="0" stA="15000" sy="-100000"/>
+            <a:reflection stA="15000" endPos="44000" dist="50800" dir="5400000" sy="-100000" algn="bl" rotWithShape="0"/>
           </a:effectLst>
         </p:spPr>
       </p:pic>
       <p:pic>
         <p:nvPicPr>
-          <p:cNvPr id="213" name="그림 9" descr=""/>
+          <p:cNvPr id="212" name="그림 7"/>
           <p:cNvPicPr/>
           <p:nvPr/>
         </p:nvPicPr>
         <p:blipFill>
-          <a:blip r:embed="rId3"/>
+          <a:blip r:embed="rId2"/>
           <a:stretch/>
         </p:blipFill>
         <p:spPr>
           <a:xfrm>
-            <a:off x="626760" y="4020480"/>
+            <a:off x="7958160" y="2793960"/>
             <a:ext cx="1088280" cy="1088280"/>
           </a:xfrm>
           <a:prstGeom prst="rect">
@@ -6746,22 +7712,48 @@
             <a:noFill/>
           </a:ln>
           <a:effectLst>
-            <a:reflection algn="bl" dir="5400000" dist="50800" endPos="44000" rotWithShape="0" stA="15000" sy="-100000"/>
+            <a:reflection stA="15000" endPos="44000" dist="50800" dir="5400000" sy="-100000" algn="bl" rotWithShape="0"/>
           </a:effectLst>
         </p:spPr>
       </p:pic>
       <p:pic>
         <p:nvPicPr>
-          <p:cNvPr id="214" name="그림 11" descr=""/>
+          <p:cNvPr id="213" name="그림 9"/>
           <p:cNvPicPr/>
           <p:nvPr/>
         </p:nvPicPr>
         <p:blipFill>
-          <a:blip r:embed="rId4"/>
+          <a:blip r:embed="rId2"/>
           <a:stretch/>
         </p:blipFill>
         <p:spPr>
           <a:xfrm>
+            <a:off x="626760" y="4020480"/>
+            <a:ext cx="1088280" cy="1088280"/>
+          </a:xfrm>
+          <a:prstGeom prst="rect">
+            <a:avLst/>
+          </a:prstGeom>
+          <a:ln>
+            <a:noFill/>
+          </a:ln>
+          <a:effectLst>
+            <a:reflection stA="15000" endPos="44000" dist="50800" dir="5400000" sy="-100000" algn="bl" rotWithShape="0"/>
+          </a:effectLst>
+        </p:spPr>
+      </p:pic>
+      <p:pic>
+        <p:nvPicPr>
+          <p:cNvPr id="214" name="그림 11"/>
+          <p:cNvPicPr/>
+          <p:nvPr/>
+        </p:nvPicPr>
+        <p:blipFill>
+          <a:blip r:embed="rId2"/>
+          <a:stretch/>
+        </p:blipFill>
+        <p:spPr>
+          <a:xfrm>
             <a:off x="7945560" y="5108400"/>
             <a:ext cx="1088280" cy="1088280"/>
           </a:xfrm>
@@ -6772,7 +7764,7 @@
             <a:noFill/>
           </a:ln>
           <a:effectLst>
-            <a:reflection algn="bl" dir="5400000" dist="50800" endPos="44000" rotWithShape="0" stA="15000" sy="-100000"/>
+            <a:reflection stA="15000" endPos="44000" dist="50800" dir="5400000" sy="-100000" algn="bl" rotWithShape="0"/>
           </a:effectLst>
         </p:spPr>
       </p:pic>
@@ -7124,15 +8116,22 @@
           </a:ln>
         </p:spPr>
         <p:style>
-          <a:lnRef idx="0"/>
-          <a:fillRef idx="0"/>
-          <a:effectRef idx="0"/>
+          <a:lnRef idx="0">
+            <a:scrgbClr r="0" g="0" b="0"/>
+          </a:lnRef>
+          <a:fillRef idx="0">
+            <a:scrgbClr r="0" g="0" b="0"/>
+          </a:fillRef>
+          <a:effectRef idx="0">
+            <a:scrgbClr r="0" g="0" b="0"/>
+          </a:effectRef>
           <a:fontRef idx="minor"/>
         </p:style>
         <p:txBody>
-          <a:bodyPr lIns="90000" rIns="90000" tIns="45000" bIns="45000">
+          <a:bodyPr lIns="90000" tIns="45000" rIns="90000" bIns="45000">
             <a:spAutoFit/>
           </a:bodyPr>
+          <a:lstStyle/>
           <a:p>
             <a:pPr>
               <a:lnSpc>
@@ -7140,7 +8139,7 @@
               </a:lnSpc>
             </a:pPr>
             <a:r>
-              <a:rPr b="1" lang="ko-KR" sz="1200" spc="-1" strike="noStrike">
+              <a:rPr lang="ko-KR" sz="1200" b="1" strike="noStrike" spc="-1">
                 <a:solidFill>
                   <a:srgbClr val="000000"/>
                 </a:solidFill>
@@ -7148,7 +8147,7 @@
               </a:rPr>
               <a:t>가순원</a:t>
             </a:r>
-            <a:endParaRPr b="0" lang="en-US" sz="1200" spc="-1" strike="noStrike">
+            <a:endParaRPr lang="en-US" sz="1200" b="0" strike="noStrike" spc="-1">
               <a:latin typeface="Noto Sans CJK KR"/>
             </a:endParaRPr>
           </a:p>
@@ -7174,15 +8173,22 @@
           </a:ln>
         </p:spPr>
         <p:style>
-          <a:lnRef idx="0"/>
-          <a:fillRef idx="0"/>
-          <a:effectRef idx="0"/>
+          <a:lnRef idx="0">
+            <a:scrgbClr r="0" g="0" b="0"/>
+          </a:lnRef>
+          <a:fillRef idx="0">
+            <a:scrgbClr r="0" g="0" b="0"/>
+          </a:fillRef>
+          <a:effectRef idx="0">
+            <a:scrgbClr r="0" g="0" b="0"/>
+          </a:effectRef>
           <a:fontRef idx="minor"/>
         </p:style>
         <p:txBody>
-          <a:bodyPr lIns="90000" rIns="90000" tIns="45000" bIns="45000">
+          <a:bodyPr lIns="90000" tIns="45000" rIns="90000" bIns="45000">
             <a:spAutoFit/>
           </a:bodyPr>
+          <a:lstStyle/>
           <a:p>
             <a:pPr>
               <a:lnSpc>
@@ -7190,7 +8196,7 @@
               </a:lnSpc>
             </a:pPr>
             <a:r>
-              <a:rPr b="1" lang="ko-KR" sz="1200" spc="-1" strike="noStrike">
+              <a:rPr lang="ko-KR" sz="1200" b="1" strike="noStrike" spc="-1">
                 <a:solidFill>
                   <a:srgbClr val="000000"/>
                 </a:solidFill>
@@ -7198,7 +8204,7 @@
               </a:rPr>
               <a:t>김은지</a:t>
             </a:r>
-            <a:endParaRPr b="0" lang="en-US" sz="1200" spc="-1" strike="noStrike">
+            <a:endParaRPr lang="en-US" sz="1200" b="0" strike="noStrike" spc="-1">
               <a:latin typeface="Noto Sans CJK KR"/>
             </a:endParaRPr>
           </a:p>
@@ -7224,15 +8230,22 @@
           </a:ln>
         </p:spPr>
         <p:style>
-          <a:lnRef idx="0"/>
-          <a:fillRef idx="0"/>
-          <a:effectRef idx="0"/>
+          <a:lnRef idx="0">
+            <a:scrgbClr r="0" g="0" b="0"/>
+          </a:lnRef>
+          <a:fillRef idx="0">
+            <a:scrgbClr r="0" g="0" b="0"/>
+          </a:fillRef>
+          <a:effectRef idx="0">
+            <a:scrgbClr r="0" g="0" b="0"/>
+          </a:effectRef>
           <a:fontRef idx="minor"/>
         </p:style>
         <p:txBody>
-          <a:bodyPr lIns="90000" rIns="90000" tIns="45000" bIns="45000">
+          <a:bodyPr lIns="90000" tIns="45000" rIns="90000" bIns="45000">
             <a:spAutoFit/>
           </a:bodyPr>
+          <a:lstStyle/>
           <a:p>
             <a:pPr>
               <a:lnSpc>
@@ -7240,7 +8253,7 @@
               </a:lnSpc>
             </a:pPr>
             <a:r>
-              <a:rPr b="1" lang="ko-KR" sz="1200" spc="-1" strike="noStrike">
+              <a:rPr lang="ko-KR" sz="1200" b="1" strike="noStrike" spc="-1">
                 <a:solidFill>
                   <a:srgbClr val="000000"/>
                 </a:solidFill>
@@ -7248,7 +8261,7 @@
               </a:rPr>
               <a:t>김민서</a:t>
             </a:r>
-            <a:endParaRPr b="0" lang="en-US" sz="1200" spc="-1" strike="noStrike">
+            <a:endParaRPr lang="en-US" sz="1200" b="0" strike="noStrike" spc="-1">
               <a:latin typeface="Noto Sans CJK KR"/>
             </a:endParaRPr>
           </a:p>
@@ -7274,15 +8287,22 @@
           </a:ln>
         </p:spPr>
         <p:style>
-          <a:lnRef idx="0"/>
-          <a:fillRef idx="0"/>
-          <a:effectRef idx="0"/>
+          <a:lnRef idx="0">
+            <a:scrgbClr r="0" g="0" b="0"/>
+          </a:lnRef>
+          <a:fillRef idx="0">
+            <a:scrgbClr r="0" g="0" b="0"/>
+          </a:fillRef>
+          <a:effectRef idx="0">
+            <a:scrgbClr r="0" g="0" b="0"/>
+          </a:effectRef>
           <a:fontRef idx="minor"/>
         </p:style>
         <p:txBody>
-          <a:bodyPr lIns="90000" rIns="90000" tIns="45000" bIns="45000">
+          <a:bodyPr lIns="90000" tIns="45000" rIns="90000" bIns="45000">
             <a:spAutoFit/>
           </a:bodyPr>
+          <a:lstStyle/>
           <a:p>
             <a:pPr>
               <a:lnSpc>
@@ -7290,7 +8310,7 @@
               </a:lnSpc>
             </a:pPr>
             <a:r>
-              <a:rPr b="1" lang="ko-KR" sz="1200" spc="-1" strike="noStrike">
+              <a:rPr lang="ko-KR" sz="1200" b="1" strike="noStrike" spc="-1">
                 <a:solidFill>
                   <a:srgbClr val="000000"/>
                 </a:solidFill>
@@ -7298,7 +8318,7 @@
               </a:rPr>
               <a:t>이지원</a:t>
             </a:r>
-            <a:endParaRPr b="0" lang="en-US" sz="1200" spc="-1" strike="noStrike">
+            <a:endParaRPr lang="en-US" sz="1200" b="0" strike="noStrike" spc="-1">
               <a:latin typeface="Noto Sans CJK KR"/>
             </a:endParaRPr>
           </a:p>
@@ -7312,7 +8332,7 @@
         </p:nvSpPr>
         <p:spPr>
           <a:xfrm>
-            <a:off x="1965600" y="1878480"/>
+            <a:off x="1973991" y="1934566"/>
             <a:ext cx="4346640" cy="591840"/>
           </a:xfrm>
           <a:prstGeom prst="rect">
@@ -7324,15 +8344,22 @@
           </a:ln>
         </p:spPr>
         <p:style>
-          <a:lnRef idx="0"/>
-          <a:fillRef idx="0"/>
-          <a:effectRef idx="0"/>
+          <a:lnRef idx="0">
+            <a:scrgbClr r="0" g="0" b="0"/>
+          </a:lnRef>
+          <a:fillRef idx="0">
+            <a:scrgbClr r="0" g="0" b="0"/>
+          </a:fillRef>
+          <a:effectRef idx="0">
+            <a:scrgbClr r="0" g="0" b="0"/>
+          </a:effectRef>
           <a:fontRef idx="minor"/>
         </p:style>
         <p:txBody>
-          <a:bodyPr lIns="90000" rIns="90000" tIns="45000" bIns="45000">
+          <a:bodyPr lIns="90000" tIns="45000" rIns="90000" bIns="45000">
             <a:spAutoFit/>
           </a:bodyPr>
+          <a:lstStyle/>
           <a:p>
             <a:pPr>
               <a:lnSpc>
@@ -7340,7 +8367,7 @@
               </a:lnSpc>
             </a:pPr>
             <a:r>
-              <a:rPr b="0" lang="ko-KR" sz="1100" spc="-1" strike="noStrike">
+              <a:rPr lang="ko-KR" sz="1100" b="0" strike="noStrike" spc="-1" dirty="0">
                 <a:solidFill>
                   <a:srgbClr val="000000"/>
                 </a:solidFill>
@@ -7349,7 +8376,7 @@
               <a:t>팀 내 소통과</a:t>
             </a:r>
             <a:r>
-              <a:rPr b="0" lang="en-US" sz="1100" spc="-1" strike="noStrike">
+              <a:rPr lang="en-US" sz="1100" b="0" strike="noStrike" spc="-1" dirty="0">
                 <a:solidFill>
                   <a:srgbClr val="000000"/>
                 </a:solidFill>
@@ -7358,7 +8385,7 @@
               <a:t>, </a:t>
             </a:r>
             <a:r>
-              <a:rPr b="0" lang="ko-KR" sz="1100" spc="-1" strike="noStrike">
+              <a:rPr lang="ko-KR" sz="1100" b="0" strike="noStrike" spc="-1" dirty="0">
                 <a:solidFill>
                   <a:srgbClr val="000000"/>
                 </a:solidFill>
@@ -7366,7 +8393,7 @@
               </a:rPr>
               <a:t>분위기가 </a:t>
             </a:r>
-            <a:endParaRPr b="0" lang="en-US" sz="1100" spc="-1" strike="noStrike">
+            <a:endParaRPr lang="en-US" sz="1100" b="0" strike="noStrike" spc="-1" dirty="0">
               <a:latin typeface="Noto Sans CJK KR"/>
             </a:endParaRPr>
           </a:p>
@@ -7377,7 +8404,7 @@
               </a:lnSpc>
             </a:pPr>
             <a:r>
-              <a:rPr b="0" lang="ko-KR" sz="1100" spc="-1" strike="noStrike">
+              <a:rPr lang="ko-KR" sz="1100" b="0" strike="noStrike" spc="-1" dirty="0">
                 <a:solidFill>
                   <a:srgbClr val="000000"/>
                 </a:solidFill>
@@ -7386,7 +8413,7 @@
               <a:t>프로젝트의 방향성을 설정하는데 있어</a:t>
             </a:r>
             <a:r>
-              <a:rPr b="0" lang="en-US" sz="1100" spc="-1" strike="noStrike">
+              <a:rPr lang="en-US" sz="1100" b="0" strike="noStrike" spc="-1" dirty="0">
                 <a:solidFill>
                   <a:srgbClr val="000000"/>
                 </a:solidFill>
@@ -7394,7 +8421,7 @@
               </a:rPr>
               <a:t>,</a:t>
             </a:r>
-            <a:endParaRPr b="0" lang="en-US" sz="1100" spc="-1" strike="noStrike">
+            <a:endParaRPr lang="en-US" sz="1100" b="0" strike="noStrike" spc="-1" dirty="0">
               <a:latin typeface="Noto Sans CJK KR"/>
             </a:endParaRPr>
           </a:p>
@@ -7405,7 +8432,7 @@
               </a:lnSpc>
             </a:pPr>
             <a:r>
-              <a:rPr b="0" lang="ko-KR" sz="1100" spc="-1" strike="noStrike">
+              <a:rPr lang="ko-KR" sz="1100" b="0" strike="noStrike" spc="-1" dirty="0">
                 <a:solidFill>
                   <a:srgbClr val="000000"/>
                 </a:solidFill>
@@ -7414,7 +8441,7 @@
               <a:t>중요한 역할을 함을 알게 되었다</a:t>
             </a:r>
             <a:r>
-              <a:rPr b="0" lang="en-US" sz="1100" spc="-1" strike="noStrike">
+              <a:rPr lang="en-US" sz="1100" b="0" strike="noStrike" spc="-1" dirty="0">
                 <a:solidFill>
                   <a:srgbClr val="000000"/>
                 </a:solidFill>
@@ -7422,7 +8449,7 @@
               </a:rPr>
               <a:t>.</a:t>
             </a:r>
-            <a:endParaRPr b="0" lang="en-US" sz="1100" spc="-1" strike="noStrike">
+            <a:endParaRPr lang="en-US" sz="1100" b="0" strike="noStrike" spc="-1" dirty="0">
               <a:latin typeface="Noto Sans CJK KR"/>
             </a:endParaRPr>
           </a:p>
@@ -7448,15 +8475,22 @@
           </a:ln>
         </p:spPr>
         <p:style>
-          <a:lnRef idx="0"/>
-          <a:fillRef idx="0"/>
-          <a:effectRef idx="0"/>
+          <a:lnRef idx="0">
+            <a:scrgbClr r="0" g="0" b="0"/>
+          </a:lnRef>
+          <a:fillRef idx="0">
+            <a:scrgbClr r="0" g="0" b="0"/>
+          </a:fillRef>
+          <a:effectRef idx="0">
+            <a:scrgbClr r="0" g="0" b="0"/>
+          </a:effectRef>
           <a:fontRef idx="minor"/>
         </p:style>
         <p:txBody>
-          <a:bodyPr lIns="90000" rIns="90000" tIns="45000" bIns="45000">
+          <a:bodyPr lIns="90000" tIns="45000" rIns="90000" bIns="45000">
             <a:spAutoFit/>
           </a:bodyPr>
+          <a:lstStyle/>
           <a:p>
             <a:pPr>
               <a:lnSpc>
@@ -7464,7 +8498,7 @@
               </a:lnSpc>
             </a:pPr>
             <a:r>
-              <a:rPr b="0" lang="ko-KR" sz="1100" spc="-1" strike="noStrike">
+              <a:rPr lang="ko-KR" sz="1100" b="0" strike="noStrike" spc="-1">
                 <a:solidFill>
                   <a:srgbClr val="000000"/>
                 </a:solidFill>
@@ -7472,7 +8506,7 @@
               </a:rPr>
               <a:t>프로젝트를 진행하며</a:t>
             </a:r>
-            <a:endParaRPr b="0" lang="en-US" sz="1100" spc="-1" strike="noStrike">
+            <a:endParaRPr lang="en-US" sz="1100" b="0" strike="noStrike" spc="-1">
               <a:latin typeface="Noto Sans CJK KR"/>
             </a:endParaRPr>
           </a:p>
@@ -7498,15 +8532,22 @@
           </a:ln>
         </p:spPr>
         <p:style>
-          <a:lnRef idx="0"/>
-          <a:fillRef idx="0"/>
-          <a:effectRef idx="0"/>
+          <a:lnRef idx="0">
+            <a:scrgbClr r="0" g="0" b="0"/>
+          </a:lnRef>
+          <a:fillRef idx="0">
+            <a:scrgbClr r="0" g="0" b="0"/>
+          </a:fillRef>
+          <a:effectRef idx="0">
+            <a:scrgbClr r="0" g="0" b="0"/>
+          </a:effectRef>
           <a:fontRef idx="minor"/>
         </p:style>
         <p:txBody>
-          <a:bodyPr lIns="90000" rIns="90000" tIns="45000" bIns="45000">
+          <a:bodyPr lIns="90000" tIns="45000" rIns="90000" bIns="45000">
             <a:spAutoFit/>
           </a:bodyPr>
+          <a:lstStyle/>
           <a:p>
             <a:pPr>
               <a:lnSpc>
@@ -7514,7 +8555,7 @@
               </a:lnSpc>
             </a:pPr>
             <a:r>
-              <a:rPr b="0" lang="ko-KR" sz="1100" spc="-1" strike="noStrike">
+              <a:rPr lang="ko-KR" sz="1100" b="0" strike="noStrike" spc="-1">
                 <a:solidFill>
                   <a:srgbClr val="000000"/>
                 </a:solidFill>
@@ -7522,7 +8563,7 @@
               </a:rPr>
               <a:t>프로젝트를 진행하며</a:t>
             </a:r>
-            <a:endParaRPr b="0" lang="en-US" sz="1100" spc="-1" strike="noStrike">
+            <a:endParaRPr lang="en-US" sz="1100" b="0" strike="noStrike" spc="-1">
               <a:latin typeface="Noto Sans CJK KR"/>
             </a:endParaRPr>
           </a:p>
@@ -7536,8 +8577,8 @@
         </p:nvSpPr>
         <p:spPr>
           <a:xfrm>
-            <a:off x="3356280" y="5379840"/>
-            <a:ext cx="4346640" cy="257760"/>
+            <a:off x="3350931" y="5510327"/>
+            <a:ext cx="4346640" cy="429433"/>
           </a:xfrm>
           <a:prstGeom prst="rect">
             <a:avLst/>
@@ -7548,15 +8589,22 @@
           </a:ln>
         </p:spPr>
         <p:style>
-          <a:lnRef idx="0"/>
-          <a:fillRef idx="0"/>
-          <a:effectRef idx="0"/>
+          <a:lnRef idx="0">
+            <a:scrgbClr r="0" g="0" b="0"/>
+          </a:lnRef>
+          <a:fillRef idx="0">
+            <a:scrgbClr r="0" g="0" b="0"/>
+          </a:fillRef>
+          <a:effectRef idx="0">
+            <a:scrgbClr r="0" g="0" b="0"/>
+          </a:effectRef>
           <a:fontRef idx="minor"/>
         </p:style>
         <p:txBody>
-          <a:bodyPr lIns="90000" rIns="90000" tIns="45000" bIns="45000">
+          <a:bodyPr lIns="90000" tIns="45000" rIns="90000" bIns="45000">
             <a:spAutoFit/>
           </a:bodyPr>
+          <a:lstStyle/>
           <a:p>
             <a:pPr>
               <a:lnSpc>
@@ -7564,7 +8612,7 @@
               </a:lnSpc>
             </a:pPr>
             <a:r>
-              <a:rPr b="0" lang="ko-KR" sz="1100" spc="-1" strike="noStrike">
+              <a:rPr lang="ko-KR" sz="1100" b="0" strike="noStrike" spc="-1" dirty="0">
                 <a:solidFill>
                   <a:srgbClr val="000000"/>
                 </a:solidFill>
@@ -7572,7 +8620,65 @@
               </a:rPr>
               <a:t>프로젝트를 진행하며</a:t>
             </a:r>
-            <a:endParaRPr b="0" lang="en-US" sz="1100" spc="-1" strike="noStrike">
+            <a:r>
+              <a:rPr lang="en-US" altLang="ko-KR" sz="1100" b="0" strike="noStrike" spc="-1" dirty="0">
+                <a:solidFill>
+                  <a:srgbClr val="000000"/>
+                </a:solidFill>
+                <a:latin typeface="맑은 고딕"/>
+              </a:rPr>
+              <a:t> </a:t>
+            </a:r>
+            <a:r>
+              <a:rPr lang="ko-KR" altLang="en-US" sz="1100" b="0" strike="noStrike" spc="-1" dirty="0" err="1">
+                <a:solidFill>
+                  <a:srgbClr val="000000"/>
+                </a:solidFill>
+                <a:latin typeface="맑은 고딕"/>
+              </a:rPr>
+              <a:t>리액트에</a:t>
+            </a:r>
+            <a:r>
+              <a:rPr lang="ko-KR" altLang="en-US" sz="1100" b="0" strike="noStrike" spc="-1" dirty="0">
+                <a:solidFill>
+                  <a:srgbClr val="000000"/>
+                </a:solidFill>
+                <a:latin typeface="맑은 고딕"/>
+              </a:rPr>
+              <a:t> 대한 이해도가 높아졌고</a:t>
+            </a:r>
+            <a:endParaRPr lang="en-US" altLang="ko-KR" sz="1100" b="0" strike="noStrike" spc="-1" dirty="0">
+              <a:solidFill>
+                <a:srgbClr val="000000"/>
+              </a:solidFill>
+              <a:latin typeface="맑은 고딕"/>
+            </a:endParaRPr>
+          </a:p>
+          <a:p>
+            <a:pPr>
+              <a:lnSpc>
+                <a:spcPct val="100000"/>
+              </a:lnSpc>
+            </a:pPr>
+            <a:r>
+              <a:rPr lang="ko-KR" altLang="en-US" sz="1100" spc="-1" dirty="0">
+                <a:solidFill>
+                  <a:srgbClr val="000000"/>
+                </a:solidFill>
+                <a:latin typeface="맑은 고딕"/>
+              </a:rPr>
+              <a:t>팀원과 소통하는 방법을 배우게 되었다</a:t>
+            </a:r>
+            <a:r>
+              <a:rPr lang="en-US" altLang="ko-KR" sz="1100" spc="-1" dirty="0">
+                <a:solidFill>
+                  <a:srgbClr val="000000"/>
+                </a:solidFill>
+                <a:latin typeface="맑은 고딕"/>
+              </a:rPr>
+              <a:t>.</a:t>
+            </a:r>
+            <a:endParaRPr lang="en-US" sz="1100" b="0" strike="noStrike" spc="-1" dirty="0">
               <a:latin typeface="Noto Sans CJK KR"/>
             </a:endParaRPr>
           </a:p>
@@ -7580,19 +8686,14 @@
       </p:sp>
     </p:spTree>
   </p:cSld>
-  <mc:AlternateContent>
-    <mc:Choice Requires="p14">
-      <p:transition spd="slow" p14:dur="2000"/>
-    </mc:Choice>
-    <mc:Fallback>
-      <p:transition spd="slow"/>
-    </mc:Fallback>
-  </mc:AlternateContent>
+  <p:clrMapOvr>
+    <a:masterClrMapping/>
+  </p:clrMapOvr>
 </p:sld>
 </file>
 
 <file path=ppt/slides/slide17.xml><?xml version="1.0" encoding="utf-8"?>
-<p:sld xmlns:a="http://schemas.openxmlformats.org/drawingml/2006/main" xmlns:p="http://schemas.openxmlformats.org/presentationml/2006/main" xmlns:r="http://schemas.openxmlformats.org/officeDocument/2006/relationships" xmlns:p14="http://schemas.microsoft.com/office/powerpoint/2010/main" xmlns:p15="http://schemas.microsoft.com/office/powerpoint/2012/main" xmlns:mc="http://schemas.openxmlformats.org/markup-compatibility/2006">
+<p:sld xmlns:a="http://schemas.openxmlformats.org/drawingml/2006/main" xmlns:r="http://schemas.openxmlformats.org/officeDocument/2006/relationships" xmlns:p="http://schemas.openxmlformats.org/presentationml/2006/main">
   <p:cSld>
     <p:spTree>
       <p:nvGrpSpPr>
@@ -7628,15 +8729,22 @@
           </a:ln>
         </p:spPr>
         <p:style>
-          <a:lnRef idx="0"/>
-          <a:fillRef idx="0"/>
-          <a:effectRef idx="0"/>
+          <a:lnRef idx="0">
+            <a:scrgbClr r="0" g="0" b="0"/>
+          </a:lnRef>
+          <a:fillRef idx="0">
+            <a:scrgbClr r="0" g="0" b="0"/>
+          </a:fillRef>
+          <a:effectRef idx="0">
+            <a:scrgbClr r="0" g="0" b="0"/>
+          </a:effectRef>
           <a:fontRef idx="minor"/>
         </p:style>
         <p:txBody>
-          <a:bodyPr lIns="90000" rIns="90000" tIns="45000" bIns="45000">
+          <a:bodyPr lIns="90000" tIns="45000" rIns="90000" bIns="45000">
             <a:spAutoFit/>
           </a:bodyPr>
+          <a:lstStyle/>
           <a:p>
             <a:pPr>
               <a:lnSpc>
@@ -7644,24 +8752,24 @@
               </a:lnSpc>
             </a:pPr>
             <a:r>
-              <a:rPr b="1" lang="en-US" sz="2400" spc="-1" strike="noStrike">
-                <a:solidFill>
-                  <a:srgbClr val="fac090"/>
+              <a:rPr lang="en-US" sz="2400" b="1" strike="noStrike" spc="-1">
+                <a:solidFill>
+                  <a:srgbClr val="FAC090"/>
                 </a:solidFill>
                 <a:latin typeface="맑은 고딕"/>
               </a:rPr>
               <a:t>T</a:t>
             </a:r>
             <a:r>
-              <a:rPr b="1" lang="en-US" sz="2400" spc="-1" strike="noStrike">
-                <a:solidFill>
-                  <a:srgbClr val="1f497d"/>
+              <a:rPr lang="en-US" sz="2400" b="1" strike="noStrike" spc="-1">
+                <a:solidFill>
+                  <a:srgbClr val="1F497D"/>
                 </a:solidFill>
                 <a:latin typeface="맑은 고딕"/>
               </a:rPr>
               <a:t>HEEND</a:t>
             </a:r>
-            <a:endParaRPr b="0" lang="en-US" sz="2400" spc="-1" strike="noStrike">
+            <a:endParaRPr lang="en-US" sz="2400" b="0" strike="noStrike" spc="-1">
               <a:latin typeface="Noto Sans CJK KR"/>
             </a:endParaRPr>
           </a:p>
@@ -7687,15 +8795,22 @@
           </a:ln>
         </p:spPr>
         <p:style>
-          <a:lnRef idx="0"/>
-          <a:fillRef idx="0"/>
-          <a:effectRef idx="0"/>
+          <a:lnRef idx="0">
+            <a:scrgbClr r="0" g="0" b="0"/>
+          </a:lnRef>
+          <a:fillRef idx="0">
+            <a:scrgbClr r="0" g="0" b="0"/>
+          </a:fillRef>
+          <a:effectRef idx="0">
+            <a:scrgbClr r="0" g="0" b="0"/>
+          </a:effectRef>
           <a:fontRef idx="minor"/>
         </p:style>
         <p:txBody>
-          <a:bodyPr lIns="90000" rIns="90000" tIns="45000" bIns="45000">
+          <a:bodyPr lIns="90000" tIns="45000" rIns="90000" bIns="45000">
             <a:spAutoFit/>
           </a:bodyPr>
+          <a:lstStyle/>
           <a:p>
             <a:pPr>
               <a:lnSpc>
@@ -7703,15 +8818,15 @@
               </a:lnSpc>
             </a:pPr>
             <a:r>
-              <a:rPr b="1" lang="ko-KR" sz="1400" spc="-1" strike="noStrike">
-                <a:solidFill>
-                  <a:srgbClr val="ffffff"/>
+              <a:rPr lang="ko-KR" sz="1400" b="1" strike="noStrike" spc="-1">
+                <a:solidFill>
+                  <a:srgbClr val="FFFFFF"/>
                 </a:solidFill>
                 <a:latin typeface="맑은 고딕"/>
               </a:rPr>
               <a:t>감사합니다</a:t>
             </a:r>
-            <a:endParaRPr b="0" lang="en-US" sz="1400" spc="-1" strike="noStrike">
+            <a:endParaRPr lang="en-US" sz="1400" b="0" strike="noStrike" spc="-1">
               <a:latin typeface="Noto Sans CJK KR"/>
             </a:endParaRPr>
           </a:p>
@@ -7756,19 +8871,14 @@
       </p:sp>
     </p:spTree>
   </p:cSld>
-  <mc:AlternateContent>
-    <mc:Choice Requires="p14">
-      <p:transition spd="slow" p14:dur="2000"/>
-    </mc:Choice>
-    <mc:Fallback>
-      <p:transition spd="slow"/>
-    </mc:Fallback>
-  </mc:AlternateContent>
+  <p:clrMapOvr>
+    <a:masterClrMapping/>
+  </p:clrMapOvr>
 </p:sld>
 </file>
 
 <file path=ppt/slides/slide2.xml><?xml version="1.0" encoding="utf-8"?>
-<p:sld xmlns:a="http://schemas.openxmlformats.org/drawingml/2006/main" xmlns:p="http://schemas.openxmlformats.org/presentationml/2006/main" xmlns:r="http://schemas.openxmlformats.org/officeDocument/2006/relationships" xmlns:p14="http://schemas.microsoft.com/office/powerpoint/2010/main" xmlns:p15="http://schemas.microsoft.com/office/powerpoint/2012/main" xmlns:mc="http://schemas.openxmlformats.org/markup-compatibility/2006">
+<p:sld xmlns:a="http://schemas.openxmlformats.org/drawingml/2006/main" xmlns:r="http://schemas.openxmlformats.org/officeDocument/2006/relationships" xmlns:p="http://schemas.openxmlformats.org/presentationml/2006/main">
   <p:cSld>
     <p:spTree>
       <p:nvGrpSpPr>
@@ -7856,9 +8966,10 @@
           <a:fontRef idx="minor"/>
         </p:style>
         <p:txBody>
-          <a:bodyPr lIns="90000" rIns="90000" tIns="45000" bIns="45000" anchor="ctr">
+          <a:bodyPr lIns="90000" tIns="45000" rIns="90000" bIns="45000" anchor="ctr">
             <a:noAutofit/>
           </a:bodyPr>
+          <a:lstStyle/>
           <a:p>
             <a:pPr algn="ctr">
               <a:lnSpc>
@@ -7866,15 +8977,15 @@
               </a:lnSpc>
             </a:pPr>
             <a:r>
-              <a:rPr b="1" lang="en-US" sz="1400" spc="-1" strike="noStrike">
-                <a:solidFill>
-                  <a:srgbClr val="fac090"/>
+              <a:rPr lang="en-US" sz="1400" b="1" strike="noStrike" spc="-1">
+                <a:solidFill>
+                  <a:srgbClr val="FAC090"/>
                 </a:solidFill>
                 <a:latin typeface="Noto Sans CJK KR"/>
               </a:rPr>
               <a:t>0</a:t>
             </a:r>
-            <a:endParaRPr b="0" lang="en-US" sz="1400" spc="-1" strike="noStrike">
+            <a:endParaRPr lang="en-US" sz="1400" b="0" strike="noStrike" spc="-1">
               <a:latin typeface="Noto Sans CJK KR"/>
             </a:endParaRPr>
           </a:p>
@@ -7900,15 +9011,22 @@
           </a:ln>
         </p:spPr>
         <p:style>
-          <a:lnRef idx="0"/>
-          <a:fillRef idx="0"/>
-          <a:effectRef idx="0"/>
+          <a:lnRef idx="0">
+            <a:scrgbClr r="0" g="0" b="0"/>
+          </a:lnRef>
+          <a:fillRef idx="0">
+            <a:scrgbClr r="0" g="0" b="0"/>
+          </a:fillRef>
+          <a:effectRef idx="0">
+            <a:scrgbClr r="0" g="0" b="0"/>
+          </a:effectRef>
           <a:fontRef idx="minor"/>
         </p:style>
         <p:txBody>
-          <a:bodyPr lIns="90000" rIns="90000" tIns="45000" bIns="45000">
+          <a:bodyPr lIns="90000" tIns="45000" rIns="90000" bIns="45000">
             <a:spAutoFit/>
           </a:bodyPr>
+          <a:lstStyle/>
           <a:p>
             <a:pPr>
               <a:lnSpc>
@@ -7916,24 +9034,24 @@
               </a:lnSpc>
             </a:pPr>
             <a:r>
-              <a:rPr b="1" lang="en-US" sz="2800" spc="-1" strike="noStrike">
-                <a:solidFill>
-                  <a:srgbClr val="ffffff"/>
+              <a:rPr lang="en-US" sz="2800" b="1" strike="noStrike" spc="-1">
+                <a:solidFill>
+                  <a:srgbClr val="FFFFFF"/>
                 </a:solidFill>
                 <a:latin typeface="맑은 고딕"/>
               </a:rPr>
               <a:t>10</a:t>
             </a:r>
             <a:r>
-              <a:rPr b="1" lang="ko-KR" sz="2800" spc="-1" strike="noStrike">
-                <a:solidFill>
-                  <a:srgbClr val="ffffff"/>
+              <a:rPr lang="ko-KR" sz="2800" b="1" strike="noStrike" spc="-1">
+                <a:solidFill>
+                  <a:srgbClr val="FFFFFF"/>
                 </a:solidFill>
                 <a:latin typeface="맑은 고딕"/>
               </a:rPr>
               <a:t>팀 소개</a:t>
             </a:r>
-            <a:endParaRPr b="0" lang="en-US" sz="2800" spc="-1" strike="noStrike">
+            <a:endParaRPr lang="en-US" sz="2800" b="0" strike="noStrike" spc="-1">
               <a:latin typeface="Noto Sans CJK KR"/>
             </a:endParaRPr>
           </a:p>
@@ -7959,15 +9077,22 @@
           </a:ln>
         </p:spPr>
         <p:style>
-          <a:lnRef idx="0"/>
-          <a:fillRef idx="0"/>
-          <a:effectRef idx="0"/>
+          <a:lnRef idx="0">
+            <a:scrgbClr r="0" g="0" b="0"/>
+          </a:lnRef>
+          <a:fillRef idx="0">
+            <a:scrgbClr r="0" g="0" b="0"/>
+          </a:fillRef>
+          <a:effectRef idx="0">
+            <a:scrgbClr r="0" g="0" b="0"/>
+          </a:effectRef>
           <a:fontRef idx="minor"/>
         </p:style>
         <p:txBody>
-          <a:bodyPr lIns="90000" rIns="90000" tIns="45000" bIns="45000">
+          <a:bodyPr lIns="90000" tIns="45000" rIns="90000" bIns="45000">
             <a:spAutoFit/>
           </a:bodyPr>
+          <a:lstStyle/>
           <a:p>
             <a:pPr algn="ctr">
               <a:lnSpc>
@@ -7975,7 +9100,7 @@
               </a:lnSpc>
             </a:pPr>
             <a:r>
-              <a:rPr b="1" lang="ko-KR" sz="1600" spc="-1" strike="noStrike">
+              <a:rPr lang="ko-KR" sz="1600" b="1" strike="noStrike" spc="-1">
                 <a:solidFill>
                   <a:srgbClr val="000000"/>
                 </a:solidFill>
@@ -7983,7 +9108,7 @@
               </a:rPr>
               <a:t>가순원</a:t>
             </a:r>
-            <a:endParaRPr b="0" lang="en-US" sz="1600" spc="-1" strike="noStrike">
+            <a:endParaRPr lang="en-US" sz="1600" b="0" strike="noStrike" spc="-1">
               <a:latin typeface="Noto Sans CJK KR"/>
             </a:endParaRPr>
           </a:p>
@@ -8045,15 +9170,22 @@
           </a:ln>
         </p:spPr>
         <p:style>
-          <a:lnRef idx="0"/>
-          <a:fillRef idx="0"/>
-          <a:effectRef idx="0"/>
+          <a:lnRef idx="0">
+            <a:scrgbClr r="0" g="0" b="0"/>
+          </a:lnRef>
+          <a:fillRef idx="0">
+            <a:scrgbClr r="0" g="0" b="0"/>
+          </a:fillRef>
+          <a:effectRef idx="0">
+            <a:scrgbClr r="0" g="0" b="0"/>
+          </a:effectRef>
           <a:fontRef idx="minor"/>
         </p:style>
         <p:txBody>
-          <a:bodyPr lIns="90000" rIns="90000" tIns="45000" bIns="45000">
+          <a:bodyPr lIns="90000" tIns="45000" rIns="90000" bIns="45000">
             <a:spAutoFit/>
           </a:bodyPr>
+          <a:lstStyle/>
           <a:p>
             <a:pPr algn="ctr">
               <a:lnSpc>
@@ -8061,7 +9193,7 @@
               </a:lnSpc>
             </a:pPr>
             <a:r>
-              <a:rPr b="1" lang="ko-KR" sz="1600" spc="-1" strike="noStrike">
+              <a:rPr lang="ko-KR" sz="1600" b="1" strike="noStrike" spc="-1">
                 <a:solidFill>
                   <a:srgbClr val="000000"/>
                 </a:solidFill>
@@ -8069,7 +9201,7 @@
               </a:rPr>
               <a:t>김은지</a:t>
             </a:r>
-            <a:endParaRPr b="0" lang="en-US" sz="1600" spc="-1" strike="noStrike">
+            <a:endParaRPr lang="en-US" sz="1600" b="0" strike="noStrike" spc="-1">
               <a:latin typeface="Noto Sans CJK KR"/>
             </a:endParaRPr>
           </a:p>
@@ -8131,15 +9263,22 @@
           </a:ln>
         </p:spPr>
         <p:style>
-          <a:lnRef idx="0"/>
-          <a:fillRef idx="0"/>
-          <a:effectRef idx="0"/>
+          <a:lnRef idx="0">
+            <a:scrgbClr r="0" g="0" b="0"/>
+          </a:lnRef>
+          <a:fillRef idx="0">
+            <a:scrgbClr r="0" g="0" b="0"/>
+          </a:fillRef>
+          <a:effectRef idx="0">
+            <a:scrgbClr r="0" g="0" b="0"/>
+          </a:effectRef>
           <a:fontRef idx="minor"/>
         </p:style>
         <p:txBody>
-          <a:bodyPr lIns="90000" rIns="90000" tIns="45000" bIns="45000">
+          <a:bodyPr lIns="90000" tIns="45000" rIns="90000" bIns="45000">
             <a:spAutoFit/>
           </a:bodyPr>
+          <a:lstStyle/>
           <a:p>
             <a:pPr algn="ctr">
               <a:lnSpc>
@@ -8147,7 +9286,7 @@
               </a:lnSpc>
             </a:pPr>
             <a:r>
-              <a:rPr b="1" lang="ko-KR" sz="1600" spc="-1" strike="noStrike">
+              <a:rPr lang="ko-KR" sz="1600" b="1" strike="noStrike" spc="-1">
                 <a:solidFill>
                   <a:srgbClr val="000000"/>
                 </a:solidFill>
@@ -8155,7 +9294,7 @@
               </a:rPr>
               <a:t>김민서</a:t>
             </a:r>
-            <a:endParaRPr b="0" lang="en-US" sz="1600" spc="-1" strike="noStrike">
+            <a:endParaRPr lang="en-US" sz="1600" b="0" strike="noStrike" spc="-1">
               <a:latin typeface="Noto Sans CJK KR"/>
             </a:endParaRPr>
           </a:p>
@@ -8217,15 +9356,22 @@
           </a:ln>
         </p:spPr>
         <p:style>
-          <a:lnRef idx="0"/>
-          <a:fillRef idx="0"/>
-          <a:effectRef idx="0"/>
+          <a:lnRef idx="0">
+            <a:scrgbClr r="0" g="0" b="0"/>
+          </a:lnRef>
+          <a:fillRef idx="0">
+            <a:scrgbClr r="0" g="0" b="0"/>
+          </a:fillRef>
+          <a:effectRef idx="0">
+            <a:scrgbClr r="0" g="0" b="0"/>
+          </a:effectRef>
           <a:fontRef idx="minor"/>
         </p:style>
         <p:txBody>
-          <a:bodyPr lIns="90000" rIns="90000" tIns="45000" bIns="45000">
+          <a:bodyPr lIns="90000" tIns="45000" rIns="90000" bIns="45000">
             <a:spAutoFit/>
           </a:bodyPr>
+          <a:lstStyle/>
           <a:p>
             <a:pPr algn="ctr">
               <a:lnSpc>
@@ -8233,7 +9379,7 @@
               </a:lnSpc>
             </a:pPr>
             <a:r>
-              <a:rPr b="1" lang="ko-KR" sz="1600" spc="-1" strike="noStrike">
+              <a:rPr lang="ko-KR" sz="1600" b="1" strike="noStrike" spc="-1">
                 <a:solidFill>
                   <a:srgbClr val="000000"/>
                 </a:solidFill>
@@ -8241,7 +9387,7 @@
               </a:rPr>
               <a:t>이지원</a:t>
             </a:r>
-            <a:endParaRPr b="0" lang="en-US" sz="1600" spc="-1" strike="noStrike">
+            <a:endParaRPr lang="en-US" sz="1600" b="0" strike="noStrike" spc="-1">
               <a:latin typeface="Noto Sans CJK KR"/>
             </a:endParaRPr>
           </a:p>
@@ -8285,33 +9431,7 @@
       </p:sp>
       <p:pic>
         <p:nvPicPr>
-          <p:cNvPr id="104" name="그림 10" descr=""/>
-          <p:cNvPicPr/>
-          <p:nvPr/>
-        </p:nvPicPr>
-        <p:blipFill>
-          <a:blip r:embed="rId1"/>
-          <a:stretch/>
-        </p:blipFill>
-        <p:spPr>
-          <a:xfrm>
-            <a:off x="1592280" y="1997640"/>
-            <a:ext cx="1671480" cy="1671480"/>
-          </a:xfrm>
-          <a:prstGeom prst="rect">
-            <a:avLst/>
-          </a:prstGeom>
-          <a:ln>
-            <a:noFill/>
-          </a:ln>
-          <a:effectLst>
-            <a:reflection algn="bl" dir="5400000" dist="50800" endPos="44000" rotWithShape="0" stA="15000" sy="-100000"/>
-          </a:effectLst>
-        </p:spPr>
-      </p:pic>
-      <p:pic>
-        <p:nvPicPr>
-          <p:cNvPr id="105" name="그림 11" descr=""/>
+          <p:cNvPr id="104" name="그림 10"/>
           <p:cNvPicPr/>
           <p:nvPr/>
         </p:nvPicPr>
@@ -8321,7 +9441,7 @@
         </p:blipFill>
         <p:spPr>
           <a:xfrm>
-            <a:off x="3165120" y="2017440"/>
+            <a:off x="1592280" y="1997640"/>
             <a:ext cx="1671480" cy="1671480"/>
           </a:xfrm>
           <a:prstGeom prst="rect">
@@ -8331,23 +9451,23 @@
             <a:noFill/>
           </a:ln>
           <a:effectLst>
-            <a:reflection algn="bl" dir="5400000" dist="50800" endPos="44000" rotWithShape="0" stA="15000" sy="-100000"/>
+            <a:reflection stA="15000" endPos="44000" dist="50800" dir="5400000" sy="-100000" algn="bl" rotWithShape="0"/>
           </a:effectLst>
         </p:spPr>
       </p:pic>
       <p:pic>
         <p:nvPicPr>
-          <p:cNvPr id="106" name="그림 15" descr=""/>
+          <p:cNvPr id="105" name="그림 11"/>
           <p:cNvPicPr/>
           <p:nvPr/>
         </p:nvPicPr>
         <p:blipFill>
-          <a:blip r:embed="rId3"/>
+          <a:blip r:embed="rId2"/>
           <a:stretch/>
         </p:blipFill>
         <p:spPr>
           <a:xfrm>
-            <a:off x="4704840" y="2014200"/>
+            <a:off x="3165120" y="2017440"/>
             <a:ext cx="1671480" cy="1671480"/>
           </a:xfrm>
           <a:prstGeom prst="rect">
@@ -8357,22 +9477,48 @@
             <a:noFill/>
           </a:ln>
           <a:effectLst>
-            <a:reflection algn="bl" dir="5400000" dist="50800" endPos="44000" rotWithShape="0" stA="15000" sy="-100000"/>
+            <a:reflection stA="15000" endPos="44000" dist="50800" dir="5400000" sy="-100000" algn="bl" rotWithShape="0"/>
           </a:effectLst>
         </p:spPr>
       </p:pic>
       <p:pic>
         <p:nvPicPr>
-          <p:cNvPr id="107" name="그림 18" descr=""/>
+          <p:cNvPr id="106" name="그림 15"/>
           <p:cNvPicPr/>
           <p:nvPr/>
         </p:nvPicPr>
         <p:blipFill>
-          <a:blip r:embed="rId4"/>
+          <a:blip r:embed="rId2"/>
           <a:stretch/>
         </p:blipFill>
         <p:spPr>
           <a:xfrm>
+            <a:off x="4704840" y="2014200"/>
+            <a:ext cx="1671480" cy="1671480"/>
+          </a:xfrm>
+          <a:prstGeom prst="rect">
+            <a:avLst/>
+          </a:prstGeom>
+          <a:ln>
+            <a:noFill/>
+          </a:ln>
+          <a:effectLst>
+            <a:reflection stA="15000" endPos="44000" dist="50800" dir="5400000" sy="-100000" algn="bl" rotWithShape="0"/>
+          </a:effectLst>
+        </p:spPr>
+      </p:pic>
+      <p:pic>
+        <p:nvPicPr>
+          <p:cNvPr id="107" name="그림 18"/>
+          <p:cNvPicPr/>
+          <p:nvPr/>
+        </p:nvPicPr>
+        <p:blipFill>
+          <a:blip r:embed="rId2"/>
+          <a:stretch/>
+        </p:blipFill>
+        <p:spPr>
+          <a:xfrm>
             <a:off x="6244920" y="2017440"/>
             <a:ext cx="1671480" cy="1671480"/>
           </a:xfrm>
@@ -8383,7 +9529,7 @@
             <a:noFill/>
           </a:ln>
           <a:effectLst>
-            <a:reflection algn="bl" dir="5400000" dist="50800" endPos="44000" rotWithShape="0" stA="15000" sy="-100000"/>
+            <a:reflection stA="15000" endPos="44000" dist="50800" dir="5400000" sy="-100000" algn="bl" rotWithShape="0"/>
           </a:effectLst>
         </p:spPr>
       </p:pic>
@@ -8395,7 +9541,7 @@
         </p:nvSpPr>
         <p:spPr>
           <a:xfrm>
-            <a:off x="5060520" y="4169520"/>
+            <a:off x="5015255" y="4169520"/>
             <a:ext cx="1059480" cy="639000"/>
           </a:xfrm>
           <a:prstGeom prst="rect">
@@ -8407,15 +9553,22 @@
           </a:ln>
         </p:spPr>
         <p:style>
-          <a:lnRef idx="0"/>
-          <a:fillRef idx="0"/>
-          <a:effectRef idx="0"/>
+          <a:lnRef idx="0">
+            <a:scrgbClr r="0" g="0" b="0"/>
+          </a:lnRef>
+          <a:fillRef idx="0">
+            <a:scrgbClr r="0" g="0" b="0"/>
+          </a:fillRef>
+          <a:effectRef idx="0">
+            <a:scrgbClr r="0" g="0" b="0"/>
+          </a:effectRef>
           <a:fontRef idx="minor"/>
         </p:style>
         <p:txBody>
-          <a:bodyPr lIns="90000" rIns="90000" tIns="45000" bIns="45000">
+          <a:bodyPr lIns="90000" tIns="45000" rIns="90000" bIns="45000">
             <a:spAutoFit/>
           </a:bodyPr>
+          <a:lstStyle/>
           <a:p>
             <a:pPr algn="ctr">
               <a:lnSpc>
@@ -8423,7 +9576,7 @@
               </a:lnSpc>
             </a:pPr>
             <a:r>
-              <a:rPr b="1" lang="ko-KR" sz="900" spc="-1" strike="noStrike">
+              <a:rPr lang="ko-KR" sz="900" b="1" strike="noStrike" spc="-1" dirty="0">
                 <a:solidFill>
                   <a:srgbClr val="000000"/>
                 </a:solidFill>
@@ -8431,7 +9584,7 @@
               </a:rPr>
               <a:t>팀원</a:t>
             </a:r>
-            <a:endParaRPr b="0" lang="en-US" sz="900" spc="-1" strike="noStrike">
+            <a:endParaRPr lang="en-US" sz="900" b="0" strike="noStrike" spc="-1" dirty="0">
               <a:latin typeface="Noto Sans CJK KR"/>
             </a:endParaRPr>
           </a:p>
@@ -8441,7 +9594,7 @@
                 <a:spcPct val="100000"/>
               </a:lnSpc>
             </a:pPr>
-            <a:endParaRPr b="0" lang="en-US" sz="900" spc="-1" strike="noStrike">
+            <a:endParaRPr lang="en-US" sz="900" b="0" strike="noStrike" spc="-1" dirty="0">
               <a:latin typeface="Noto Sans CJK KR"/>
             </a:endParaRPr>
           </a:p>
@@ -8452,7 +9605,7 @@
               </a:lnSpc>
             </a:pPr>
             <a:r>
-              <a:rPr b="1" lang="ko-KR" sz="900" spc="-1" strike="noStrike">
+              <a:rPr lang="ko-KR" sz="900" b="1" strike="noStrike" spc="-1" dirty="0">
                 <a:solidFill>
                   <a:srgbClr val="000000"/>
                 </a:solidFill>
@@ -8460,7 +9613,7 @@
               </a:rPr>
               <a:t>페이지 디자인</a:t>
             </a:r>
-            <a:endParaRPr b="0" lang="en-US" sz="900" spc="-1" strike="noStrike">
+            <a:endParaRPr lang="en-US" sz="900" b="0" strike="noStrike" spc="-1" dirty="0">
               <a:latin typeface="Noto Sans CJK KR"/>
             </a:endParaRPr>
           </a:p>
@@ -8471,7 +9624,7 @@
               </a:lnSpc>
             </a:pPr>
             <a:r>
-              <a:rPr b="1" lang="ko-KR" sz="900" spc="-1" strike="noStrike">
+              <a:rPr lang="ko-KR" sz="900" b="1" strike="noStrike" spc="-1" dirty="0">
                 <a:solidFill>
                   <a:srgbClr val="000000"/>
                 </a:solidFill>
@@ -8479,7 +9632,7 @@
               </a:rPr>
               <a:t>컴포넌트 배치 </a:t>
             </a:r>
-            <a:endParaRPr b="0" lang="en-US" sz="900" spc="-1" strike="noStrike">
+            <a:endParaRPr lang="en-US" sz="900" b="0" strike="noStrike" spc="-1" dirty="0">
               <a:latin typeface="Noto Sans CJK KR"/>
             </a:endParaRPr>
           </a:p>
@@ -8493,7 +9646,7 @@
         </p:nvSpPr>
         <p:spPr>
           <a:xfrm>
-            <a:off x="6653880" y="4181760"/>
+            <a:off x="6635774" y="4172707"/>
             <a:ext cx="896040" cy="639000"/>
           </a:xfrm>
           <a:prstGeom prst="rect">
@@ -8505,15 +9658,22 @@
           </a:ln>
         </p:spPr>
         <p:style>
-          <a:lnRef idx="0"/>
-          <a:fillRef idx="0"/>
-          <a:effectRef idx="0"/>
+          <a:lnRef idx="0">
+            <a:scrgbClr r="0" g="0" b="0"/>
+          </a:lnRef>
+          <a:fillRef idx="0">
+            <a:scrgbClr r="0" g="0" b="0"/>
+          </a:fillRef>
+          <a:effectRef idx="0">
+            <a:scrgbClr r="0" g="0" b="0"/>
+          </a:effectRef>
           <a:fontRef idx="minor"/>
         </p:style>
         <p:txBody>
-          <a:bodyPr lIns="90000" rIns="90000" tIns="45000" bIns="45000">
+          <a:bodyPr lIns="90000" tIns="45000" rIns="90000" bIns="45000">
             <a:spAutoFit/>
           </a:bodyPr>
+          <a:lstStyle/>
           <a:p>
             <a:pPr algn="ctr">
               <a:lnSpc>
@@ -8521,7 +9681,7 @@
               </a:lnSpc>
             </a:pPr>
             <a:r>
-              <a:rPr b="1" lang="ko-KR" sz="900" spc="-1" strike="noStrike">
+              <a:rPr lang="ko-KR" sz="900" b="1" strike="noStrike" spc="-1" dirty="0">
                 <a:solidFill>
                   <a:srgbClr val="000000"/>
                 </a:solidFill>
@@ -8529,7 +9689,7 @@
               </a:rPr>
               <a:t>팀원</a:t>
             </a:r>
-            <a:endParaRPr b="0" lang="en-US" sz="900" spc="-1" strike="noStrike">
+            <a:endParaRPr lang="en-US" sz="900" b="0" strike="noStrike" spc="-1" dirty="0">
               <a:latin typeface="Noto Sans CJK KR"/>
             </a:endParaRPr>
           </a:p>
@@ -8539,7 +9699,7 @@
                 <a:spcPct val="100000"/>
               </a:lnSpc>
             </a:pPr>
-            <a:endParaRPr b="0" lang="en-US" sz="900" spc="-1" strike="noStrike">
+            <a:endParaRPr lang="en-US" sz="900" b="0" strike="noStrike" spc="-1" dirty="0">
               <a:latin typeface="Noto Sans CJK KR"/>
             </a:endParaRPr>
           </a:p>
@@ -8550,7 +9710,7 @@
               </a:lnSpc>
             </a:pPr>
             <a:r>
-              <a:rPr b="1" lang="en-US" sz="900" spc="-1" strike="noStrike">
+              <a:rPr lang="en-US" sz="900" b="1" strike="noStrike" spc="-1" dirty="0">
                 <a:solidFill>
                   <a:srgbClr val="000000"/>
                 </a:solidFill>
@@ -8559,7 +9719,7 @@
               <a:t>To-do list CRUD </a:t>
             </a:r>
             <a:r>
-              <a:rPr b="1" lang="ko-KR" sz="900" spc="-1" strike="noStrike">
+              <a:rPr lang="ko-KR" sz="900" b="1" strike="noStrike" spc="-1" dirty="0">
                 <a:solidFill>
                   <a:srgbClr val="000000"/>
                 </a:solidFill>
@@ -8567,7 +9727,7 @@
               </a:rPr>
               <a:t>구현</a:t>
             </a:r>
-            <a:endParaRPr b="0" lang="en-US" sz="900" spc="-1" strike="noStrike">
+            <a:endParaRPr lang="en-US" sz="900" b="0" strike="noStrike" spc="-1" dirty="0">
               <a:latin typeface="Noto Sans CJK KR"/>
             </a:endParaRPr>
           </a:p>
@@ -8581,7 +9741,7 @@
         </p:nvSpPr>
         <p:spPr>
           <a:xfrm>
-            <a:off x="3604320" y="4181760"/>
+            <a:off x="3595267" y="4163654"/>
             <a:ext cx="773280" cy="639000"/>
           </a:xfrm>
           <a:prstGeom prst="rect">
@@ -8593,15 +9753,22 @@
           </a:ln>
         </p:spPr>
         <p:style>
-          <a:lnRef idx="0"/>
-          <a:fillRef idx="0"/>
-          <a:effectRef idx="0"/>
+          <a:lnRef idx="0">
+            <a:scrgbClr r="0" g="0" b="0"/>
+          </a:lnRef>
+          <a:fillRef idx="0">
+            <a:scrgbClr r="0" g="0" b="0"/>
+          </a:fillRef>
+          <a:effectRef idx="0">
+            <a:scrgbClr r="0" g="0" b="0"/>
+          </a:effectRef>
           <a:fontRef idx="minor"/>
         </p:style>
         <p:txBody>
-          <a:bodyPr lIns="90000" rIns="90000" tIns="45000" bIns="45000">
+          <a:bodyPr lIns="90000" tIns="45000" rIns="90000" bIns="45000">
             <a:spAutoFit/>
           </a:bodyPr>
+          <a:lstStyle/>
           <a:p>
             <a:pPr algn="ctr">
               <a:lnSpc>
@@ -8609,7 +9776,7 @@
               </a:lnSpc>
             </a:pPr>
             <a:r>
-              <a:rPr b="1" lang="ko-KR" sz="900" spc="-1" strike="noStrike">
+              <a:rPr lang="ko-KR" sz="900" b="1" strike="noStrike" spc="-1" dirty="0">
                 <a:solidFill>
                   <a:srgbClr val="000000"/>
                 </a:solidFill>
@@ -8617,7 +9784,7 @@
               </a:rPr>
               <a:t>팀원</a:t>
             </a:r>
-            <a:endParaRPr b="0" lang="en-US" sz="900" spc="-1" strike="noStrike">
+            <a:endParaRPr lang="en-US" sz="900" b="0" strike="noStrike" spc="-1" dirty="0">
               <a:latin typeface="Noto Sans CJK KR"/>
             </a:endParaRPr>
           </a:p>
@@ -8627,7 +9794,7 @@
                 <a:spcPct val="100000"/>
               </a:lnSpc>
             </a:pPr>
-            <a:endParaRPr b="0" lang="en-US" sz="900" spc="-1" strike="noStrike">
+            <a:endParaRPr lang="en-US" sz="900" b="0" strike="noStrike" spc="-1" dirty="0">
               <a:latin typeface="Noto Sans CJK KR"/>
             </a:endParaRPr>
           </a:p>
@@ -8638,7 +9805,7 @@
               </a:lnSpc>
             </a:pPr>
             <a:r>
-              <a:rPr b="1" lang="en-US" sz="900" spc="-1" strike="noStrike">
+              <a:rPr lang="en-US" sz="900" b="1" strike="noStrike" spc="-1" dirty="0">
                 <a:solidFill>
                   <a:srgbClr val="000000"/>
                 </a:solidFill>
@@ -8647,7 +9814,7 @@
               <a:t>API </a:t>
             </a:r>
             <a:r>
-              <a:rPr b="1" lang="ko-KR" sz="900" spc="-1" strike="noStrike">
+              <a:rPr lang="ko-KR" sz="900" b="1" strike="noStrike" spc="-1" dirty="0">
                 <a:solidFill>
                   <a:srgbClr val="000000"/>
                 </a:solidFill>
@@ -8655,7 +9822,7 @@
               </a:rPr>
               <a:t>기반 기능 구현</a:t>
             </a:r>
-            <a:endParaRPr b="0" lang="en-US" sz="900" spc="-1" strike="noStrike">
+            <a:endParaRPr lang="en-US" sz="900" b="0" strike="noStrike" spc="-1" dirty="0">
               <a:latin typeface="Noto Sans CJK KR"/>
             </a:endParaRPr>
           </a:p>
@@ -8669,7 +9836,7 @@
         </p:nvSpPr>
         <p:spPr>
           <a:xfrm>
-            <a:off x="2084400" y="4142160"/>
+            <a:off x="2030082" y="4151213"/>
             <a:ext cx="773280" cy="775440"/>
           </a:xfrm>
           <a:prstGeom prst="rect">
@@ -8681,15 +9848,22 @@
           </a:ln>
         </p:spPr>
         <p:style>
-          <a:lnRef idx="0"/>
-          <a:fillRef idx="0"/>
-          <a:effectRef idx="0"/>
+          <a:lnRef idx="0">
+            <a:scrgbClr r="0" g="0" b="0"/>
+          </a:lnRef>
+          <a:fillRef idx="0">
+            <a:scrgbClr r="0" g="0" b="0"/>
+          </a:fillRef>
+          <a:effectRef idx="0">
+            <a:scrgbClr r="0" g="0" b="0"/>
+          </a:effectRef>
           <a:fontRef idx="minor"/>
         </p:style>
         <p:txBody>
-          <a:bodyPr lIns="90000" rIns="90000" tIns="45000" bIns="45000">
+          <a:bodyPr lIns="90000" tIns="45000" rIns="90000" bIns="45000">
             <a:spAutoFit/>
           </a:bodyPr>
+          <a:lstStyle/>
           <a:p>
             <a:pPr algn="ctr">
               <a:lnSpc>
@@ -8697,7 +9871,7 @@
               </a:lnSpc>
             </a:pPr>
             <a:r>
-              <a:rPr b="1" lang="ko-KR" sz="900" spc="-1" strike="noStrike">
+              <a:rPr lang="ko-KR" sz="900" b="1" strike="noStrike" spc="-1" dirty="0">
                 <a:solidFill>
                   <a:srgbClr val="000000"/>
                 </a:solidFill>
@@ -8705,7 +9879,7 @@
               </a:rPr>
               <a:t>팀장</a:t>
             </a:r>
-            <a:endParaRPr b="0" lang="en-US" sz="900" spc="-1" strike="noStrike">
+            <a:endParaRPr lang="en-US" sz="900" b="0" strike="noStrike" spc="-1" dirty="0">
               <a:latin typeface="Noto Sans CJK KR"/>
             </a:endParaRPr>
           </a:p>
@@ -8715,7 +9889,7 @@
                 <a:spcPct val="100000"/>
               </a:lnSpc>
             </a:pPr>
-            <a:endParaRPr b="0" lang="en-US" sz="900" spc="-1" strike="noStrike">
+            <a:endParaRPr lang="en-US" sz="900" b="0" strike="noStrike" spc="-1" dirty="0">
               <a:latin typeface="Noto Sans CJK KR"/>
             </a:endParaRPr>
           </a:p>
@@ -8726,7 +9900,7 @@
               </a:lnSpc>
             </a:pPr>
             <a:r>
-              <a:rPr b="1" lang="ko-KR" sz="900" spc="-1" strike="noStrike">
+              <a:rPr lang="ko-KR" sz="900" b="1" strike="noStrike" spc="-1" dirty="0">
                 <a:solidFill>
                   <a:srgbClr val="000000"/>
                 </a:solidFill>
@@ -8734,7 +9908,7 @@
               </a:rPr>
               <a:t>로직 통합인원 관리 </a:t>
             </a:r>
-            <a:endParaRPr b="0" lang="en-US" sz="900" spc="-1" strike="noStrike">
+            <a:endParaRPr lang="en-US" sz="900" b="0" strike="noStrike" spc="-1" dirty="0">
               <a:latin typeface="Noto Sans CJK KR"/>
             </a:endParaRPr>
           </a:p>
@@ -8742,19 +9916,14 @@
       </p:sp>
     </p:spTree>
   </p:cSld>
-  <mc:AlternateContent>
-    <mc:Choice Requires="p14">
-      <p:transition spd="slow" p14:dur="2000"/>
-    </mc:Choice>
-    <mc:Fallback>
-      <p:transition spd="slow"/>
-    </mc:Fallback>
-  </mc:AlternateContent>
+  <p:clrMapOvr>
+    <a:masterClrMapping/>
+  </p:clrMapOvr>
 </p:sld>
 </file>
 
 <file path=ppt/slides/slide3.xml><?xml version="1.0" encoding="utf-8"?>
-<p:sld xmlns:a="http://schemas.openxmlformats.org/drawingml/2006/main" xmlns:p="http://schemas.openxmlformats.org/presentationml/2006/main" xmlns:r="http://schemas.openxmlformats.org/officeDocument/2006/relationships" xmlns:p14="http://schemas.microsoft.com/office/powerpoint/2010/main" xmlns:p15="http://schemas.microsoft.com/office/powerpoint/2012/main" xmlns:mc="http://schemas.openxmlformats.org/markup-compatibility/2006">
+<p:sld xmlns:a="http://schemas.openxmlformats.org/drawingml/2006/main" xmlns:r="http://schemas.openxmlformats.org/officeDocument/2006/relationships" xmlns:p="http://schemas.openxmlformats.org/presentationml/2006/main">
   <p:cSld>
     <p:spTree>
       <p:nvGrpSpPr>
@@ -8790,15 +9959,22 @@
           </a:ln>
         </p:spPr>
         <p:style>
-          <a:lnRef idx="0"/>
-          <a:fillRef idx="0"/>
-          <a:effectRef idx="0"/>
+          <a:lnRef idx="0">
+            <a:scrgbClr r="0" g="0" b="0"/>
+          </a:lnRef>
+          <a:fillRef idx="0">
+            <a:scrgbClr r="0" g="0" b="0"/>
+          </a:fillRef>
+          <a:effectRef idx="0">
+            <a:scrgbClr r="0" g="0" b="0"/>
+          </a:effectRef>
           <a:fontRef idx="minor"/>
         </p:style>
         <p:txBody>
-          <a:bodyPr lIns="90000" rIns="90000" tIns="45000" bIns="45000">
+          <a:bodyPr lIns="90000" tIns="45000" rIns="90000" bIns="45000">
             <a:spAutoFit/>
           </a:bodyPr>
+          <a:lstStyle/>
           <a:p>
             <a:pPr>
               <a:lnSpc>
@@ -8806,15 +9982,15 @@
               </a:lnSpc>
             </a:pPr>
             <a:r>
-              <a:rPr b="1" lang="ko-KR" sz="3200" spc="-1" strike="noStrike">
-                <a:solidFill>
-                  <a:srgbClr val="ffffff"/>
+              <a:rPr lang="ko-KR" sz="3200" b="1" strike="noStrike" spc="-1">
+                <a:solidFill>
+                  <a:srgbClr val="FFFFFF"/>
                 </a:solidFill>
                 <a:latin typeface="맑은 고딕"/>
               </a:rPr>
               <a:t>목차</a:t>
             </a:r>
-            <a:endParaRPr b="0" lang="en-US" sz="3200" spc="-1" strike="noStrike">
+            <a:endParaRPr lang="en-US" sz="3200" b="0" strike="noStrike" spc="-1">
               <a:latin typeface="Noto Sans CJK KR"/>
             </a:endParaRPr>
           </a:p>
@@ -8840,15 +10016,22 @@
           </a:ln>
         </p:spPr>
         <p:style>
-          <a:lnRef idx="0"/>
-          <a:fillRef idx="0"/>
-          <a:effectRef idx="0"/>
+          <a:lnRef idx="0">
+            <a:scrgbClr r="0" g="0" b="0"/>
+          </a:lnRef>
+          <a:fillRef idx="0">
+            <a:scrgbClr r="0" g="0" b="0"/>
+          </a:fillRef>
+          <a:effectRef idx="0">
+            <a:scrgbClr r="0" g="0" b="0"/>
+          </a:effectRef>
           <a:fontRef idx="minor"/>
         </p:style>
         <p:txBody>
-          <a:bodyPr lIns="90000" rIns="90000" tIns="45000" bIns="45000">
+          <a:bodyPr lIns="90000" tIns="45000" rIns="90000" bIns="45000">
             <a:spAutoFit/>
           </a:bodyPr>
+          <a:lstStyle/>
           <a:p>
             <a:pPr>
               <a:lnSpc>
@@ -8856,9 +10039,9 @@
               </a:lnSpc>
             </a:pPr>
             <a:r>
-              <a:rPr b="0" lang="ko-KR" sz="1000" spc="-1" strike="noStrike">
-                <a:solidFill>
-                  <a:srgbClr val="ffffff"/>
+              <a:rPr lang="ko-KR" sz="1000" b="0" strike="noStrike" spc="-1">
+                <a:solidFill>
+                  <a:srgbClr val="FFFFFF"/>
                 </a:solidFill>
                 <a:latin typeface="맑은 고딕"/>
                 <a:ea typeface="NanumGothic"/>
@@ -8866,16 +10049,16 @@
               <a:t>주요 기능 및  장점</a:t>
             </a:r>
             <a:r>
-              <a:rPr b="1" lang="en-US" sz="1000" spc="-1" strike="noStrike">
-                <a:solidFill>
-                  <a:srgbClr val="ffffff"/>
+              <a:rPr lang="en-US" sz="1000" b="1" strike="noStrike" spc="-1">
+                <a:solidFill>
+                  <a:srgbClr val="FFFFFF"/>
                 </a:solidFill>
                 <a:latin typeface="맑은 고딕"/>
                 <a:ea typeface="NanumGothic"/>
               </a:rPr>
               <a:t>  </a:t>
             </a:r>
-            <a:endParaRPr b="0" lang="en-US" sz="1000" spc="-1" strike="noStrike">
+            <a:endParaRPr lang="en-US" sz="1000" b="0" strike="noStrike" spc="-1">
               <a:latin typeface="Noto Sans CJK KR"/>
             </a:endParaRPr>
           </a:p>
@@ -8957,16 +10140,17 @@
           <a:fontRef idx="minor"/>
         </p:style>
         <p:txBody>
-          <a:bodyPr lIns="90000" rIns="90000" tIns="45000" bIns="45000" anchor="ctr">
+          <a:bodyPr lIns="90000" tIns="45000" rIns="90000" bIns="45000" anchor="ctr">
             <a:noAutofit/>
           </a:bodyPr>
+          <a:lstStyle/>
           <a:p>
             <a:pPr algn="ctr">
               <a:lnSpc>
                 <a:spcPct val="100000"/>
               </a:lnSpc>
             </a:pPr>
-            <a:endParaRPr b="0" lang="en-US" sz="1800" spc="-1" strike="noStrike">
+            <a:endParaRPr lang="en-US" sz="1800" b="0" strike="noStrike" spc="-1">
               <a:latin typeface="Noto Sans CJK KR"/>
             </a:endParaRPr>
           </a:p>
@@ -8977,15 +10161,15 @@
               </a:lnSpc>
             </a:pPr>
             <a:r>
-              <a:rPr b="1" lang="en-US" sz="1400" spc="-1" strike="noStrike">
-                <a:solidFill>
-                  <a:srgbClr val="ffffff"/>
+              <a:rPr lang="en-US" sz="1400" b="1" strike="noStrike" spc="-1">
+                <a:solidFill>
+                  <a:srgbClr val="FFFFFF"/>
                 </a:solidFill>
                 <a:latin typeface="맑은 고딕"/>
               </a:rPr>
               <a:t>1</a:t>
             </a:r>
-            <a:endParaRPr b="0" lang="en-US" sz="1400" spc="-1" strike="noStrike">
+            <a:endParaRPr lang="en-US" sz="1400" b="0" strike="noStrike" spc="-1">
               <a:latin typeface="Noto Sans CJK KR"/>
             </a:endParaRPr>
           </a:p>
@@ -8995,7 +10179,7 @@
                 <a:spcPct val="100000"/>
               </a:lnSpc>
             </a:pPr>
-            <a:endParaRPr b="0" lang="en-US" sz="1400" spc="-1" strike="noStrike">
+            <a:endParaRPr lang="en-US" sz="1400" b="0" strike="noStrike" spc="-1">
               <a:latin typeface="Noto Sans CJK KR"/>
             </a:endParaRPr>
           </a:p>
@@ -9005,7 +10189,7 @@
                 <a:spcPct val="100000"/>
               </a:lnSpc>
             </a:pPr>
-            <a:endParaRPr b="0" lang="en-US" sz="1400" spc="-1" strike="noStrike">
+            <a:endParaRPr lang="en-US" sz="1400" b="0" strike="noStrike" spc="-1">
               <a:latin typeface="Noto Sans CJK KR"/>
             </a:endParaRPr>
           </a:p>
@@ -9016,15 +10200,15 @@
               </a:lnSpc>
             </a:pPr>
             <a:r>
-              <a:rPr b="1" lang="en-US" sz="1400" spc="-1" strike="noStrike">
-                <a:solidFill>
-                  <a:srgbClr val="ffffff"/>
+              <a:rPr lang="en-US" sz="1400" b="1" strike="noStrike" spc="-1">
+                <a:solidFill>
+                  <a:srgbClr val="FFFFFF"/>
                 </a:solidFill>
                 <a:latin typeface="맑은 고딕"/>
               </a:rPr>
               <a:t>2</a:t>
             </a:r>
-            <a:endParaRPr b="0" lang="en-US" sz="1400" spc="-1" strike="noStrike">
+            <a:endParaRPr lang="en-US" sz="1400" b="0" strike="noStrike" spc="-1">
               <a:latin typeface="Noto Sans CJK KR"/>
             </a:endParaRPr>
           </a:p>
@@ -9034,7 +10218,7 @@
                 <a:spcPct val="100000"/>
               </a:lnSpc>
             </a:pPr>
-            <a:endParaRPr b="0" lang="en-US" sz="1400" spc="-1" strike="noStrike">
+            <a:endParaRPr lang="en-US" sz="1400" b="0" strike="noStrike" spc="-1">
               <a:latin typeface="Noto Sans CJK KR"/>
             </a:endParaRPr>
           </a:p>
@@ -9044,7 +10228,7 @@
                 <a:spcPct val="100000"/>
               </a:lnSpc>
             </a:pPr>
-            <a:endParaRPr b="0" lang="en-US" sz="1400" spc="-1" strike="noStrike">
+            <a:endParaRPr lang="en-US" sz="1400" b="0" strike="noStrike" spc="-1">
               <a:latin typeface="Noto Sans CJK KR"/>
             </a:endParaRPr>
           </a:p>
@@ -9055,15 +10239,15 @@
               </a:lnSpc>
             </a:pPr>
             <a:r>
-              <a:rPr b="1" lang="en-US" sz="1400" spc="-1" strike="noStrike">
-                <a:solidFill>
-                  <a:srgbClr val="ffffff"/>
+              <a:rPr lang="en-US" sz="1400" b="1" strike="noStrike" spc="-1">
+                <a:solidFill>
+                  <a:srgbClr val="FFFFFF"/>
                 </a:solidFill>
                 <a:latin typeface="맑은 고딕"/>
               </a:rPr>
               <a:t>3</a:t>
             </a:r>
-            <a:endParaRPr b="0" lang="en-US" sz="1400" spc="-1" strike="noStrike">
+            <a:endParaRPr lang="en-US" sz="1400" b="0" strike="noStrike" spc="-1">
               <a:latin typeface="Noto Sans CJK KR"/>
             </a:endParaRPr>
           </a:p>
@@ -9073,7 +10257,7 @@
                 <a:spcPct val="100000"/>
               </a:lnSpc>
             </a:pPr>
-            <a:endParaRPr b="0" lang="en-US" sz="1400" spc="-1" strike="noStrike">
+            <a:endParaRPr lang="en-US" sz="1400" b="0" strike="noStrike" spc="-1">
               <a:latin typeface="Noto Sans CJK KR"/>
             </a:endParaRPr>
           </a:p>
@@ -9083,7 +10267,7 @@
                 <a:spcPct val="100000"/>
               </a:lnSpc>
             </a:pPr>
-            <a:endParaRPr b="0" lang="en-US" sz="1400" spc="-1" strike="noStrike">
+            <a:endParaRPr lang="en-US" sz="1400" b="0" strike="noStrike" spc="-1">
               <a:latin typeface="Noto Sans CJK KR"/>
             </a:endParaRPr>
           </a:p>
@@ -9094,15 +10278,15 @@
               </a:lnSpc>
             </a:pPr>
             <a:r>
-              <a:rPr b="1" lang="en-US" sz="1400" spc="-1" strike="noStrike">
-                <a:solidFill>
-                  <a:srgbClr val="ffffff"/>
+              <a:rPr lang="en-US" sz="1400" b="1" strike="noStrike" spc="-1">
+                <a:solidFill>
+                  <a:srgbClr val="FFFFFF"/>
                 </a:solidFill>
                 <a:latin typeface="맑은 고딕"/>
               </a:rPr>
               <a:t>4</a:t>
             </a:r>
-            <a:endParaRPr b="0" lang="en-US" sz="1400" spc="-1" strike="noStrike">
+            <a:endParaRPr lang="en-US" sz="1400" b="0" strike="noStrike" spc="-1">
               <a:latin typeface="Noto Sans CJK KR"/>
             </a:endParaRPr>
           </a:p>
@@ -9112,7 +10296,7 @@
                 <a:spcPct val="100000"/>
               </a:lnSpc>
             </a:pPr>
-            <a:endParaRPr b="0" lang="en-US" sz="1400" spc="-1" strike="noStrike">
+            <a:endParaRPr lang="en-US" sz="1400" b="0" strike="noStrike" spc="-1">
               <a:latin typeface="Noto Sans CJK KR"/>
             </a:endParaRPr>
           </a:p>
@@ -9122,7 +10306,7 @@
                 <a:spcPct val="100000"/>
               </a:lnSpc>
             </a:pPr>
-            <a:endParaRPr b="0" lang="en-US" sz="1400" spc="-1" strike="noStrike">
+            <a:endParaRPr lang="en-US" sz="1400" b="0" strike="noStrike" spc="-1">
               <a:latin typeface="Noto Sans CJK KR"/>
             </a:endParaRPr>
           </a:p>
@@ -9133,15 +10317,15 @@
               </a:lnSpc>
             </a:pPr>
             <a:r>
-              <a:rPr b="1" lang="en-US" sz="1400" spc="-1" strike="noStrike">
-                <a:solidFill>
-                  <a:srgbClr val="ffffff"/>
+              <a:rPr lang="en-US" sz="1400" b="1" strike="noStrike" spc="-1">
+                <a:solidFill>
+                  <a:srgbClr val="FFFFFF"/>
                 </a:solidFill>
                 <a:latin typeface="맑은 고딕"/>
               </a:rPr>
               <a:t>5</a:t>
             </a:r>
-            <a:endParaRPr b="0" lang="en-US" sz="1400" spc="-1" strike="noStrike">
+            <a:endParaRPr lang="en-US" sz="1400" b="0" strike="noStrike" spc="-1">
               <a:latin typeface="Noto Sans CJK KR"/>
             </a:endParaRPr>
           </a:p>
@@ -9151,7 +10335,7 @@
                 <a:spcPct val="100000"/>
               </a:lnSpc>
             </a:pPr>
-            <a:endParaRPr b="0" lang="en-US" sz="1400" spc="-1" strike="noStrike">
+            <a:endParaRPr lang="en-US" sz="1400" b="0" strike="noStrike" spc="-1">
               <a:latin typeface="Noto Sans CJK KR"/>
             </a:endParaRPr>
           </a:p>
@@ -9177,15 +10361,22 @@
           </a:ln>
         </p:spPr>
         <p:style>
-          <a:lnRef idx="0"/>
-          <a:fillRef idx="0"/>
-          <a:effectRef idx="0"/>
+          <a:lnRef idx="0">
+            <a:scrgbClr r="0" g="0" b="0"/>
+          </a:lnRef>
+          <a:fillRef idx="0">
+            <a:scrgbClr r="0" g="0" b="0"/>
+          </a:fillRef>
+          <a:effectRef idx="0">
+            <a:scrgbClr r="0" g="0" b="0"/>
+          </a:effectRef>
           <a:fontRef idx="minor"/>
         </p:style>
         <p:txBody>
-          <a:bodyPr lIns="90000" rIns="90000" tIns="45000" bIns="45000">
+          <a:bodyPr lIns="90000" tIns="45000" rIns="90000" bIns="45000">
             <a:spAutoFit/>
           </a:bodyPr>
+          <a:lstStyle/>
           <a:p>
             <a:pPr>
               <a:lnSpc>
@@ -9193,16 +10384,16 @@
               </a:lnSpc>
             </a:pPr>
             <a:r>
-              <a:rPr b="0" lang="ko-KR" sz="1000" spc="-1" strike="noStrike">
-                <a:solidFill>
-                  <a:srgbClr val="ffffff"/>
+              <a:rPr lang="ko-KR" sz="1000" b="0" strike="noStrike" spc="-1">
+                <a:solidFill>
+                  <a:srgbClr val="FFFFFF"/>
                 </a:solidFill>
                 <a:latin typeface="맑은 고딕"/>
                 <a:ea typeface="NanumGothic"/>
               </a:rPr>
               <a:t>활용 라이브러리 소개</a:t>
             </a:r>
-            <a:endParaRPr b="0" lang="en-US" sz="1000" spc="-1" strike="noStrike">
+            <a:endParaRPr lang="en-US" sz="1000" b="0" strike="noStrike" spc="-1">
               <a:latin typeface="Noto Sans CJK KR"/>
             </a:endParaRPr>
           </a:p>
@@ -9228,15 +10419,22 @@
           </a:ln>
         </p:spPr>
         <p:style>
-          <a:lnRef idx="0"/>
-          <a:fillRef idx="0"/>
-          <a:effectRef idx="0"/>
+          <a:lnRef idx="0">
+            <a:scrgbClr r="0" g="0" b="0"/>
+          </a:lnRef>
+          <a:fillRef idx="0">
+            <a:scrgbClr r="0" g="0" b="0"/>
+          </a:fillRef>
+          <a:effectRef idx="0">
+            <a:scrgbClr r="0" g="0" b="0"/>
+          </a:effectRef>
           <a:fontRef idx="minor"/>
         </p:style>
         <p:txBody>
-          <a:bodyPr lIns="90000" rIns="90000" tIns="45000" bIns="45000">
+          <a:bodyPr lIns="90000" tIns="45000" rIns="90000" bIns="45000">
             <a:spAutoFit/>
           </a:bodyPr>
+          <a:lstStyle/>
           <a:p>
             <a:pPr>
               <a:lnSpc>
@@ -9244,15 +10442,15 @@
               </a:lnSpc>
             </a:pPr>
             <a:r>
-              <a:rPr b="0" lang="ko-KR" sz="1000" spc="-1" strike="noStrike">
-                <a:solidFill>
-                  <a:srgbClr val="ffffff"/>
+              <a:rPr lang="ko-KR" sz="1000" b="0" strike="noStrike" spc="-1">
+                <a:solidFill>
+                  <a:srgbClr val="FFFFFF"/>
                 </a:solidFill>
                 <a:latin typeface="맑은 고딕"/>
               </a:rPr>
               <a:t>주요 화면 설명</a:t>
             </a:r>
-            <a:endParaRPr b="0" lang="en-US" sz="1000" spc="-1" strike="noStrike">
+            <a:endParaRPr lang="en-US" sz="1000" b="0" strike="noStrike" spc="-1">
               <a:latin typeface="Noto Sans CJK KR"/>
             </a:endParaRPr>
           </a:p>
@@ -9278,15 +10476,22 @@
           </a:ln>
         </p:spPr>
         <p:style>
-          <a:lnRef idx="0"/>
-          <a:fillRef idx="0"/>
-          <a:effectRef idx="0"/>
+          <a:lnRef idx="0">
+            <a:scrgbClr r="0" g="0" b="0"/>
+          </a:lnRef>
+          <a:fillRef idx="0">
+            <a:scrgbClr r="0" g="0" b="0"/>
+          </a:fillRef>
+          <a:effectRef idx="0">
+            <a:scrgbClr r="0" g="0" b="0"/>
+          </a:effectRef>
           <a:fontRef idx="minor"/>
         </p:style>
         <p:txBody>
-          <a:bodyPr lIns="90000" rIns="90000" tIns="45000" bIns="45000">
+          <a:bodyPr lIns="90000" tIns="45000" rIns="90000" bIns="45000">
             <a:spAutoFit/>
           </a:bodyPr>
+          <a:lstStyle/>
           <a:p>
             <a:pPr>
               <a:lnSpc>
@@ -9294,16 +10499,16 @@
               </a:lnSpc>
             </a:pPr>
             <a:r>
-              <a:rPr b="0" lang="ko-KR" sz="1000" spc="-1" strike="noStrike">
-                <a:solidFill>
-                  <a:srgbClr val="ffffff"/>
+              <a:rPr lang="ko-KR" sz="1000" b="0" strike="noStrike" spc="-1">
+                <a:solidFill>
+                  <a:srgbClr val="FFFFFF"/>
                 </a:solidFill>
                 <a:latin typeface="맑은 고딕"/>
                 <a:ea typeface="NanumGothic"/>
               </a:rPr>
               <a:t>계획대비 달성도</a:t>
             </a:r>
-            <a:endParaRPr b="0" lang="en-US" sz="1000" spc="-1" strike="noStrike">
+            <a:endParaRPr lang="en-US" sz="1000" b="0" strike="noStrike" spc="-1">
               <a:latin typeface="Noto Sans CJK KR"/>
             </a:endParaRPr>
           </a:p>
@@ -9329,15 +10534,22 @@
           </a:ln>
         </p:spPr>
         <p:style>
-          <a:lnRef idx="0"/>
-          <a:fillRef idx="0"/>
-          <a:effectRef idx="0"/>
+          <a:lnRef idx="0">
+            <a:scrgbClr r="0" g="0" b="0"/>
+          </a:lnRef>
+          <a:fillRef idx="0">
+            <a:scrgbClr r="0" g="0" b="0"/>
+          </a:fillRef>
+          <a:effectRef idx="0">
+            <a:scrgbClr r="0" g="0" b="0"/>
+          </a:effectRef>
           <a:fontRef idx="minor"/>
         </p:style>
         <p:txBody>
-          <a:bodyPr lIns="90000" rIns="90000" tIns="45000" bIns="45000">
+          <a:bodyPr lIns="90000" tIns="45000" rIns="90000" bIns="45000">
             <a:spAutoFit/>
           </a:bodyPr>
+          <a:lstStyle/>
           <a:p>
             <a:pPr>
               <a:lnSpc>
@@ -9345,9 +10557,9 @@
               </a:lnSpc>
             </a:pPr>
             <a:r>
-              <a:rPr b="0" lang="ko-KR" sz="1000" spc="-1" strike="noStrike">
-                <a:solidFill>
-                  <a:srgbClr val="ffffff"/>
+              <a:rPr lang="ko-KR" sz="1000" b="0" strike="noStrike" spc="-1">
+                <a:solidFill>
+                  <a:srgbClr val="FFFFFF"/>
                 </a:solidFill>
                 <a:latin typeface="맑은 고딕"/>
                 <a:ea typeface="NanumGothic"/>
@@ -9355,9 +10567,9 @@
               <a:t>배운 점 </a:t>
             </a:r>
             <a:r>
-              <a:rPr b="0" lang="en-US" sz="1000" spc="-1" strike="noStrike">
-                <a:solidFill>
-                  <a:srgbClr val="ffffff"/>
+              <a:rPr lang="en-US" sz="1000" b="0" strike="noStrike" spc="-1">
+                <a:solidFill>
+                  <a:srgbClr val="FFFFFF"/>
                 </a:solidFill>
                 <a:latin typeface="맑은 고딕"/>
                 <a:ea typeface="NanumGothic"/>
@@ -9365,16 +10577,16 @@
               <a:t>&amp;</a:t>
             </a:r>
             <a:r>
-              <a:rPr b="0" lang="ko-KR" sz="1000" spc="-1" strike="noStrike">
-                <a:solidFill>
-                  <a:srgbClr val="ffffff"/>
+              <a:rPr lang="ko-KR" sz="1000" b="0" strike="noStrike" spc="-1">
+                <a:solidFill>
+                  <a:srgbClr val="FFFFFF"/>
                 </a:solidFill>
                 <a:latin typeface="맑은 고딕"/>
                 <a:ea typeface="NanumGothic"/>
               </a:rPr>
               <a:t>소감</a:t>
             </a:r>
-            <a:endParaRPr b="0" lang="en-US" sz="1000" spc="-1" strike="noStrike">
+            <a:endParaRPr lang="en-US" sz="1000" b="0" strike="noStrike" spc="-1">
               <a:latin typeface="Noto Sans CJK KR"/>
             </a:endParaRPr>
           </a:p>
@@ -9382,19 +10594,14 @@
       </p:sp>
     </p:spTree>
   </p:cSld>
-  <mc:AlternateContent>
-    <mc:Choice Requires="p14">
-      <p:transition spd="slow" p14:dur="2000"/>
-    </mc:Choice>
-    <mc:Fallback>
-      <p:transition spd="slow"/>
-    </mc:Fallback>
-  </mc:AlternateContent>
+  <p:clrMapOvr>
+    <a:masterClrMapping/>
+  </p:clrMapOvr>
 </p:sld>
 </file>
 
 <file path=ppt/slides/slide4.xml><?xml version="1.0" encoding="utf-8"?>
-<p:sld xmlns:a="http://schemas.openxmlformats.org/drawingml/2006/main" xmlns:p="http://schemas.openxmlformats.org/presentationml/2006/main" xmlns:r="http://schemas.openxmlformats.org/officeDocument/2006/relationships" xmlns:p14="http://schemas.microsoft.com/office/powerpoint/2010/main" xmlns:p15="http://schemas.microsoft.com/office/powerpoint/2012/main" xmlns:mc="http://schemas.openxmlformats.org/markup-compatibility/2006">
+<p:sld xmlns:a="http://schemas.openxmlformats.org/drawingml/2006/main" xmlns:r="http://schemas.openxmlformats.org/officeDocument/2006/relationships" xmlns:p="http://schemas.openxmlformats.org/presentationml/2006/main">
   <p:cSld>
     <p:spTree>
       <p:nvGrpSpPr>
@@ -9482,9 +10689,10 @@
           <a:fontRef idx="minor"/>
         </p:style>
         <p:txBody>
-          <a:bodyPr lIns="90000" rIns="90000" tIns="45000" bIns="45000" anchor="ctr">
+          <a:bodyPr lIns="90000" tIns="45000" rIns="90000" bIns="45000" anchor="ctr">
             <a:noAutofit/>
           </a:bodyPr>
+          <a:lstStyle/>
           <a:p>
             <a:pPr algn="ctr">
               <a:lnSpc>
@@ -9492,15 +10700,15 @@
               </a:lnSpc>
             </a:pPr>
             <a:r>
-              <a:rPr b="1" lang="en-US" sz="1400" spc="-1" strike="noStrike">
-                <a:solidFill>
-                  <a:srgbClr val="fac090"/>
+              <a:rPr lang="en-US" sz="1400" b="1" strike="noStrike" spc="-1">
+                <a:solidFill>
+                  <a:srgbClr val="FAC090"/>
                 </a:solidFill>
                 <a:latin typeface="Noto Sans CJK KR"/>
               </a:rPr>
               <a:t>1</a:t>
             </a:r>
-            <a:endParaRPr b="0" lang="en-US" sz="1400" spc="-1" strike="noStrike">
+            <a:endParaRPr lang="en-US" sz="1400" b="0" strike="noStrike" spc="-1">
               <a:latin typeface="Noto Sans CJK KR"/>
             </a:endParaRPr>
           </a:p>
@@ -9526,15 +10734,22 @@
           </a:ln>
         </p:spPr>
         <p:style>
-          <a:lnRef idx="0"/>
-          <a:fillRef idx="0"/>
-          <a:effectRef idx="0"/>
+          <a:lnRef idx="0">
+            <a:scrgbClr r="0" g="0" b="0"/>
+          </a:lnRef>
+          <a:fillRef idx="0">
+            <a:scrgbClr r="0" g="0" b="0"/>
+          </a:fillRef>
+          <a:effectRef idx="0">
+            <a:scrgbClr r="0" g="0" b="0"/>
+          </a:effectRef>
           <a:fontRef idx="minor"/>
         </p:style>
         <p:txBody>
-          <a:bodyPr lIns="90000" rIns="90000" tIns="45000" bIns="45000">
+          <a:bodyPr lIns="90000" tIns="45000" rIns="90000" bIns="45000">
             <a:spAutoFit/>
           </a:bodyPr>
+          <a:lstStyle/>
           <a:p>
             <a:pPr>
               <a:lnSpc>
@@ -9542,15 +10757,15 @@
               </a:lnSpc>
             </a:pPr>
             <a:r>
-              <a:rPr b="1" lang="ko-KR" sz="2400" spc="-1" strike="noStrike">
-                <a:solidFill>
-                  <a:srgbClr val="ffffff"/>
+              <a:rPr lang="ko-KR" sz="2400" b="1" strike="noStrike" spc="-1">
+                <a:solidFill>
+                  <a:srgbClr val="FFFFFF"/>
                 </a:solidFill>
                 <a:latin typeface="맑은 고딕"/>
               </a:rPr>
               <a:t>주요 기능</a:t>
             </a:r>
-            <a:endParaRPr b="0" lang="en-US" sz="2400" spc="-1" strike="noStrike">
+            <a:endParaRPr lang="en-US" sz="2400" b="0" strike="noStrike" spc="-1">
               <a:latin typeface="Noto Sans CJK KR"/>
             </a:endParaRPr>
           </a:p>
@@ -9576,15 +10791,22 @@
           </a:ln>
         </p:spPr>
         <p:style>
-          <a:lnRef idx="0"/>
-          <a:fillRef idx="0"/>
-          <a:effectRef idx="0"/>
+          <a:lnRef idx="0">
+            <a:scrgbClr r="0" g="0" b="0"/>
+          </a:lnRef>
+          <a:fillRef idx="0">
+            <a:scrgbClr r="0" g="0" b="0"/>
+          </a:fillRef>
+          <a:effectRef idx="0">
+            <a:scrgbClr r="0" g="0" b="0"/>
+          </a:effectRef>
           <a:fontRef idx="minor"/>
         </p:style>
         <p:txBody>
-          <a:bodyPr lIns="90000" rIns="90000" tIns="45000" bIns="45000">
+          <a:bodyPr lIns="90000" tIns="45000" rIns="90000" bIns="45000">
             <a:spAutoFit/>
           </a:bodyPr>
+          <a:lstStyle/>
           <a:p>
             <a:pPr algn="ctr">
               <a:lnSpc>
@@ -9592,7 +10814,7 @@
               </a:lnSpc>
             </a:pPr>
             <a:r>
-              <a:rPr b="0" lang="en-US" sz="1800" spc="-1" strike="noStrike">
+              <a:rPr lang="en-US" sz="1800" b="0" strike="noStrike" spc="-1">
                 <a:solidFill>
                   <a:srgbClr val="000000"/>
                 </a:solidFill>
@@ -9601,7 +10823,7 @@
               <a:t>1. React-calendar</a:t>
             </a:r>
             <a:r>
-              <a:rPr b="0" lang="ko-KR" sz="1800" spc="-1" strike="noStrike">
+              <a:rPr lang="ko-KR" sz="1800" b="0" strike="noStrike" spc="-1">
                 <a:solidFill>
                   <a:srgbClr val="000000"/>
                 </a:solidFill>
@@ -9609,7 +10831,7 @@
               </a:rPr>
               <a:t>로 달력 구현</a:t>
             </a:r>
-            <a:endParaRPr b="0" lang="en-US" sz="1800" spc="-1" strike="noStrike">
+            <a:endParaRPr lang="en-US" sz="1800" b="0" strike="noStrike" spc="-1">
               <a:latin typeface="Noto Sans CJK KR"/>
             </a:endParaRPr>
           </a:p>
@@ -9620,7 +10842,7 @@
               </a:lnSpc>
             </a:pPr>
             <a:r>
-              <a:rPr b="0" lang="en-US" sz="1800" spc="-1" strike="noStrike">
+              <a:rPr lang="en-US" sz="1800" b="0" strike="noStrike" spc="-1">
                 <a:solidFill>
                   <a:srgbClr val="000000"/>
                 </a:solidFill>
@@ -9629,7 +10851,7 @@
               <a:t>2. To do list </a:t>
             </a:r>
             <a:r>
-              <a:rPr b="0" lang="ko-KR" sz="1800" spc="-1" strike="noStrike">
+              <a:rPr lang="ko-KR" sz="1800" b="0" strike="noStrike" spc="-1">
                 <a:solidFill>
                   <a:srgbClr val="000000"/>
                 </a:solidFill>
@@ -9638,7 +10860,7 @@
               <a:t>체크박스와 </a:t>
             </a:r>
             <a:r>
-              <a:rPr b="0" lang="en-US" sz="1800" spc="-1" strike="noStrike">
+              <a:rPr lang="en-US" sz="1800" b="0" strike="noStrike" spc="-1">
                 <a:solidFill>
                   <a:srgbClr val="000000"/>
                 </a:solidFill>
@@ -9647,7 +10869,7 @@
               <a:t>plant</a:t>
             </a:r>
             <a:r>
-              <a:rPr b="0" lang="ko-KR" sz="1800" spc="-1" strike="noStrike">
+              <a:rPr lang="ko-KR" sz="1800" b="0" strike="noStrike" spc="-1">
                 <a:solidFill>
                   <a:srgbClr val="000000"/>
                 </a:solidFill>
@@ -9655,7 +10877,7 @@
               </a:rPr>
               <a:t>를 통해 달성률 표시</a:t>
             </a:r>
-            <a:endParaRPr b="0" lang="en-US" sz="1800" spc="-1" strike="noStrike">
+            <a:endParaRPr lang="en-US" sz="1800" b="0" strike="noStrike" spc="-1">
               <a:latin typeface="Noto Sans CJK KR"/>
             </a:endParaRPr>
           </a:p>
@@ -9666,7 +10888,7 @@
               </a:lnSpc>
             </a:pPr>
             <a:r>
-              <a:rPr b="0" lang="en-US" sz="1800" spc="-1" strike="noStrike">
+              <a:rPr lang="en-US" sz="1800" b="0" strike="noStrike" spc="-1">
                 <a:solidFill>
                   <a:srgbClr val="000000"/>
                 </a:solidFill>
@@ -9675,7 +10897,7 @@
               <a:t>3. Map-box</a:t>
             </a:r>
             <a:r>
-              <a:rPr b="0" lang="ko-KR" sz="1800" spc="-1" strike="noStrike">
+              <a:rPr lang="ko-KR" sz="1800" b="0" strike="noStrike" spc="-1">
                 <a:solidFill>
                   <a:srgbClr val="000000"/>
                 </a:solidFill>
@@ -9683,7 +10905,7 @@
               </a:rPr>
               <a:t>를 통해 위치 표시 가능</a:t>
             </a:r>
-            <a:endParaRPr b="0" lang="en-US" sz="1800" spc="-1" strike="noStrike">
+            <a:endParaRPr lang="en-US" sz="1800" b="0" strike="noStrike" spc="-1">
               <a:latin typeface="Noto Sans CJK KR"/>
             </a:endParaRPr>
           </a:p>
@@ -9706,7 +10928,7 @@
             </a:avLst>
           </a:prstGeom>
           <a:solidFill>
-            <a:srgbClr val="d3c2da"/>
+            <a:srgbClr val="D3C2DA"/>
           </a:solidFill>
           <a:ln>
             <a:noFill/>
@@ -9747,15 +10969,22 @@
           </a:ln>
         </p:spPr>
         <p:style>
-          <a:lnRef idx="0"/>
-          <a:fillRef idx="0"/>
-          <a:effectRef idx="0"/>
+          <a:lnRef idx="0">
+            <a:scrgbClr r="0" g="0" b="0"/>
+          </a:lnRef>
+          <a:fillRef idx="0">
+            <a:scrgbClr r="0" g="0" b="0"/>
+          </a:fillRef>
+          <a:effectRef idx="0">
+            <a:scrgbClr r="0" g="0" b="0"/>
+          </a:effectRef>
           <a:fontRef idx="minor"/>
         </p:style>
         <p:txBody>
-          <a:bodyPr lIns="90000" rIns="90000" tIns="45000" bIns="45000">
+          <a:bodyPr lIns="90000" tIns="45000" rIns="90000" bIns="45000">
             <a:spAutoFit/>
           </a:bodyPr>
+          <a:lstStyle/>
           <a:p>
             <a:pPr>
               <a:lnSpc>
@@ -9763,7 +10992,7 @@
               </a:lnSpc>
             </a:pPr>
             <a:r>
-              <a:rPr b="1" lang="en-US" sz="2000" spc="-1" strike="noStrike">
+              <a:rPr lang="en-US" sz="2000" b="1" strike="noStrike" spc="-1">
                 <a:solidFill>
                   <a:srgbClr val="000000"/>
                 </a:solidFill>
@@ -9771,7 +11000,7 @@
               </a:rPr>
               <a:t>: Calendar + to do list</a:t>
             </a:r>
-            <a:endParaRPr b="0" lang="en-US" sz="2000" spc="-1" strike="noStrike">
+            <a:endParaRPr lang="en-US" sz="2000" b="0" strike="noStrike" spc="-1">
               <a:latin typeface="Noto Sans CJK KR"/>
             </a:endParaRPr>
           </a:p>
@@ -9779,19 +11008,14 @@
       </p:sp>
     </p:spTree>
   </p:cSld>
-  <mc:AlternateContent>
-    <mc:Choice Requires="p14">
-      <p:transition spd="slow" p14:dur="2000"/>
-    </mc:Choice>
-    <mc:Fallback>
-      <p:transition spd="slow"/>
-    </mc:Fallback>
-  </mc:AlternateContent>
+  <p:clrMapOvr>
+    <a:masterClrMapping/>
+  </p:clrMapOvr>
 </p:sld>
 </file>
 
 <file path=ppt/slides/slide5.xml><?xml version="1.0" encoding="utf-8"?>
-<p:sld xmlns:a="http://schemas.openxmlformats.org/drawingml/2006/main" xmlns:p="http://schemas.openxmlformats.org/presentationml/2006/main" xmlns:r="http://schemas.openxmlformats.org/officeDocument/2006/relationships" xmlns:p14="http://schemas.microsoft.com/office/powerpoint/2010/main" xmlns:p15="http://schemas.microsoft.com/office/powerpoint/2012/main" xmlns:mc="http://schemas.openxmlformats.org/markup-compatibility/2006">
+<p:sld xmlns:a="http://schemas.openxmlformats.org/drawingml/2006/main" xmlns:r="http://schemas.openxmlformats.org/officeDocument/2006/relationships" xmlns:p="http://schemas.openxmlformats.org/presentationml/2006/main">
   <p:cSld>
     <p:spTree>
       <p:nvGrpSpPr>
@@ -9879,9 +11103,10 @@
           <a:fontRef idx="minor"/>
         </p:style>
         <p:txBody>
-          <a:bodyPr lIns="90000" rIns="90000" tIns="45000" bIns="45000" anchor="ctr">
+          <a:bodyPr lIns="90000" tIns="45000" rIns="90000" bIns="45000" anchor="ctr">
             <a:noAutofit/>
           </a:bodyPr>
+          <a:lstStyle/>
           <a:p>
             <a:pPr algn="ctr">
               <a:lnSpc>
@@ -9889,15 +11114,15 @@
               </a:lnSpc>
             </a:pPr>
             <a:r>
-              <a:rPr b="1" lang="en-US" sz="1400" spc="-1" strike="noStrike">
-                <a:solidFill>
-                  <a:srgbClr val="fac090"/>
+              <a:rPr lang="en-US" sz="1400" b="1" strike="noStrike" spc="-1">
+                <a:solidFill>
+                  <a:srgbClr val="FAC090"/>
                 </a:solidFill>
                 <a:latin typeface="Noto Sans CJK KR"/>
               </a:rPr>
               <a:t>2</a:t>
             </a:r>
-            <a:endParaRPr b="0" lang="en-US" sz="1400" spc="-1" strike="noStrike">
+            <a:endParaRPr lang="en-US" sz="1400" b="0" strike="noStrike" spc="-1">
               <a:latin typeface="Noto Sans CJK KR"/>
             </a:endParaRPr>
           </a:p>
@@ -9923,15 +11148,22 @@
           </a:ln>
         </p:spPr>
         <p:style>
-          <a:lnRef idx="0"/>
-          <a:fillRef idx="0"/>
-          <a:effectRef idx="0"/>
+          <a:lnRef idx="0">
+            <a:scrgbClr r="0" g="0" b="0"/>
+          </a:lnRef>
+          <a:fillRef idx="0">
+            <a:scrgbClr r="0" g="0" b="0"/>
+          </a:fillRef>
+          <a:effectRef idx="0">
+            <a:scrgbClr r="0" g="0" b="0"/>
+          </a:effectRef>
           <a:fontRef idx="minor"/>
         </p:style>
         <p:txBody>
-          <a:bodyPr lIns="90000" rIns="90000" tIns="45000" bIns="45000">
+          <a:bodyPr lIns="90000" tIns="45000" rIns="90000" bIns="45000">
             <a:spAutoFit/>
           </a:bodyPr>
+          <a:lstStyle/>
           <a:p>
             <a:pPr>
               <a:lnSpc>
@@ -9939,15 +11171,15 @@
               </a:lnSpc>
             </a:pPr>
             <a:r>
-              <a:rPr b="1" lang="ko-KR" sz="2400" spc="-1" strike="noStrike">
-                <a:solidFill>
-                  <a:srgbClr val="ffffff"/>
+              <a:rPr lang="ko-KR" sz="2400" b="1" strike="noStrike" spc="-1">
+                <a:solidFill>
+                  <a:srgbClr val="FFFFFF"/>
                 </a:solidFill>
                 <a:latin typeface="맑은 고딕"/>
               </a:rPr>
               <a:t>주요 화면 설명</a:t>
             </a:r>
-            <a:endParaRPr b="0" lang="en-US" sz="2400" spc="-1" strike="noStrike">
+            <a:endParaRPr lang="en-US" sz="2400" b="0" strike="noStrike" spc="-1">
               <a:latin typeface="Noto Sans CJK KR"/>
             </a:endParaRPr>
           </a:p>
@@ -9955,12 +11187,12 @@
       </p:sp>
       <p:pic>
         <p:nvPicPr>
-          <p:cNvPr id="129" name="그림 5" descr=""/>
+          <p:cNvPr id="129" name="그림 5"/>
           <p:cNvPicPr/>
           <p:nvPr/>
         </p:nvPicPr>
         <p:blipFill>
-          <a:blip r:embed="rId1"/>
+          <a:blip r:embed="rId2"/>
           <a:stretch/>
         </p:blipFill>
         <p:spPr>
@@ -10020,19 +11252,14 @@
       </p:sp>
     </p:spTree>
   </p:cSld>
-  <mc:AlternateContent>
-    <mc:Choice Requires="p14">
-      <p:transition spd="slow" p14:dur="2000"/>
-    </mc:Choice>
-    <mc:Fallback>
-      <p:transition spd="slow"/>
-    </mc:Fallback>
-  </mc:AlternateContent>
+  <p:clrMapOvr>
+    <a:masterClrMapping/>
+  </p:clrMapOvr>
 </p:sld>
 </file>
 
 <file path=ppt/slides/slide6.xml><?xml version="1.0" encoding="utf-8"?>
-<p:sld xmlns:a="http://schemas.openxmlformats.org/drawingml/2006/main" xmlns:p="http://schemas.openxmlformats.org/presentationml/2006/main" xmlns:r="http://schemas.openxmlformats.org/officeDocument/2006/relationships" xmlns:p14="http://schemas.microsoft.com/office/powerpoint/2010/main" xmlns:p15="http://schemas.microsoft.com/office/powerpoint/2012/main" xmlns:mc="http://schemas.openxmlformats.org/markup-compatibility/2006">
+<p:sld xmlns:a="http://schemas.openxmlformats.org/drawingml/2006/main" xmlns:r="http://schemas.openxmlformats.org/officeDocument/2006/relationships" xmlns:p="http://schemas.openxmlformats.org/presentationml/2006/main">
   <p:cSld>
     <p:spTree>
       <p:nvGrpSpPr>
@@ -10120,9 +11347,10 @@
           <a:fontRef idx="minor"/>
         </p:style>
         <p:txBody>
-          <a:bodyPr lIns="90000" rIns="90000" tIns="45000" bIns="45000" anchor="ctr">
+          <a:bodyPr lIns="90000" tIns="45000" rIns="90000" bIns="45000" anchor="ctr">
             <a:noAutofit/>
           </a:bodyPr>
+          <a:lstStyle/>
           <a:p>
             <a:pPr algn="ctr">
               <a:lnSpc>
@@ -10130,15 +11358,15 @@
               </a:lnSpc>
             </a:pPr>
             <a:r>
-              <a:rPr b="1" lang="en-US" sz="1400" spc="-1" strike="noStrike">
-                <a:solidFill>
-                  <a:srgbClr val="fac090"/>
+              <a:rPr lang="en-US" sz="1400" b="1" strike="noStrike" spc="-1">
+                <a:solidFill>
+                  <a:srgbClr val="FAC090"/>
                 </a:solidFill>
                 <a:latin typeface="Noto Sans CJK KR"/>
               </a:rPr>
               <a:t>2</a:t>
             </a:r>
-            <a:endParaRPr b="0" lang="en-US" sz="1400" spc="-1" strike="noStrike">
+            <a:endParaRPr lang="en-US" sz="1400" b="0" strike="noStrike" spc="-1">
               <a:latin typeface="Noto Sans CJK KR"/>
             </a:endParaRPr>
           </a:p>
@@ -10164,15 +11392,22 @@
           </a:ln>
         </p:spPr>
         <p:style>
-          <a:lnRef idx="0"/>
-          <a:fillRef idx="0"/>
-          <a:effectRef idx="0"/>
+          <a:lnRef idx="0">
+            <a:scrgbClr r="0" g="0" b="0"/>
+          </a:lnRef>
+          <a:fillRef idx="0">
+            <a:scrgbClr r="0" g="0" b="0"/>
+          </a:fillRef>
+          <a:effectRef idx="0">
+            <a:scrgbClr r="0" g="0" b="0"/>
+          </a:effectRef>
           <a:fontRef idx="minor"/>
         </p:style>
         <p:txBody>
-          <a:bodyPr lIns="90000" rIns="90000" tIns="45000" bIns="45000">
+          <a:bodyPr lIns="90000" tIns="45000" rIns="90000" bIns="45000">
             <a:spAutoFit/>
           </a:bodyPr>
+          <a:lstStyle/>
           <a:p>
             <a:pPr>
               <a:lnSpc>
@@ -10180,15 +11415,15 @@
               </a:lnSpc>
             </a:pPr>
             <a:r>
-              <a:rPr b="1" lang="ko-KR" sz="2400" spc="-1" strike="noStrike">
-                <a:solidFill>
-                  <a:srgbClr val="ffffff"/>
+              <a:rPr lang="ko-KR" sz="2400" b="1" strike="noStrike" spc="-1">
+                <a:solidFill>
+                  <a:srgbClr val="FFFFFF"/>
                 </a:solidFill>
                 <a:latin typeface="맑은 고딕"/>
               </a:rPr>
               <a:t>주요 화면 설명</a:t>
             </a:r>
-            <a:endParaRPr b="0" lang="en-US" sz="2400" spc="-1" strike="noStrike">
+            <a:endParaRPr lang="en-US" sz="2400" b="0" strike="noStrike" spc="-1">
               <a:latin typeface="Noto Sans CJK KR"/>
             </a:endParaRPr>
           </a:p>
@@ -10196,12 +11431,12 @@
       </p:sp>
       <p:pic>
         <p:nvPicPr>
-          <p:cNvPr id="134" name="그림 3" descr=""/>
+          <p:cNvPr id="134" name="그림 3"/>
           <p:cNvPicPr/>
           <p:nvPr/>
         </p:nvPicPr>
         <p:blipFill>
-          <a:blip r:embed="rId1"/>
+          <a:blip r:embed="rId2"/>
           <a:stretch/>
         </p:blipFill>
         <p:spPr>
@@ -10219,19 +11454,14 @@
       </p:pic>
     </p:spTree>
   </p:cSld>
-  <mc:AlternateContent>
-    <mc:Choice Requires="p14">
-      <p:transition spd="slow" p14:dur="2000"/>
-    </mc:Choice>
-    <mc:Fallback>
-      <p:transition spd="slow"/>
-    </mc:Fallback>
-  </mc:AlternateContent>
+  <p:clrMapOvr>
+    <a:masterClrMapping/>
+  </p:clrMapOvr>
 </p:sld>
 </file>
 
 <file path=ppt/slides/slide7.xml><?xml version="1.0" encoding="utf-8"?>
-<p:sld xmlns:a="http://schemas.openxmlformats.org/drawingml/2006/main" xmlns:p="http://schemas.openxmlformats.org/presentationml/2006/main" xmlns:r="http://schemas.openxmlformats.org/officeDocument/2006/relationships" xmlns:p14="http://schemas.microsoft.com/office/powerpoint/2010/main" xmlns:p15="http://schemas.microsoft.com/office/powerpoint/2012/main" xmlns:mc="http://schemas.openxmlformats.org/markup-compatibility/2006">
+<p:sld xmlns:a="http://schemas.openxmlformats.org/drawingml/2006/main" xmlns:r="http://schemas.openxmlformats.org/officeDocument/2006/relationships" xmlns:p="http://schemas.openxmlformats.org/presentationml/2006/main">
   <p:cSld>
     <p:spTree>
       <p:nvGrpSpPr>
@@ -10352,9 +11582,10 @@
           <a:fontRef idx="minor"/>
         </p:style>
         <p:txBody>
-          <a:bodyPr lIns="90000" rIns="90000" tIns="45000" bIns="45000" anchor="ctr">
+          <a:bodyPr lIns="90000" tIns="45000" rIns="90000" bIns="45000" anchor="ctr">
             <a:noAutofit/>
           </a:bodyPr>
+          <a:lstStyle/>
           <a:p>
             <a:pPr algn="ctr">
               <a:lnSpc>
@@ -10362,15 +11593,15 @@
               </a:lnSpc>
             </a:pPr>
             <a:r>
-              <a:rPr b="1" lang="en-US" sz="1400" spc="-1" strike="noStrike">
-                <a:solidFill>
-                  <a:srgbClr val="fac090"/>
+              <a:rPr lang="en-US" sz="1400" b="1" strike="noStrike" spc="-1">
+                <a:solidFill>
+                  <a:srgbClr val="FAC090"/>
                 </a:solidFill>
                 <a:latin typeface="Noto Sans CJK KR"/>
               </a:rPr>
               <a:t>2</a:t>
             </a:r>
-            <a:endParaRPr b="0" lang="en-US" sz="1400" spc="-1" strike="noStrike">
+            <a:endParaRPr lang="en-US" sz="1400" b="0" strike="noStrike" spc="-1">
               <a:latin typeface="Noto Sans CJK KR"/>
             </a:endParaRPr>
           </a:p>
@@ -10396,15 +11627,22 @@
           </a:ln>
         </p:spPr>
         <p:style>
-          <a:lnRef idx="0"/>
-          <a:fillRef idx="0"/>
-          <a:effectRef idx="0"/>
+          <a:lnRef idx="0">
+            <a:scrgbClr r="0" g="0" b="0"/>
+          </a:lnRef>
+          <a:fillRef idx="0">
+            <a:scrgbClr r="0" g="0" b="0"/>
+          </a:fillRef>
+          <a:effectRef idx="0">
+            <a:scrgbClr r="0" g="0" b="0"/>
+          </a:effectRef>
           <a:fontRef idx="minor"/>
         </p:style>
         <p:txBody>
-          <a:bodyPr lIns="90000" rIns="90000" tIns="45000" bIns="45000">
+          <a:bodyPr lIns="90000" tIns="45000" rIns="90000" bIns="45000">
             <a:spAutoFit/>
           </a:bodyPr>
+          <a:lstStyle/>
           <a:p>
             <a:pPr>
               <a:lnSpc>
@@ -10412,15 +11650,15 @@
               </a:lnSpc>
             </a:pPr>
             <a:r>
-              <a:rPr b="1" lang="ko-KR" sz="2400" spc="-1" strike="noStrike">
-                <a:solidFill>
-                  <a:srgbClr val="ffffff"/>
+              <a:rPr lang="ko-KR" sz="2400" b="1" strike="noStrike" spc="-1">
+                <a:solidFill>
+                  <a:srgbClr val="FFFFFF"/>
                 </a:solidFill>
                 <a:latin typeface="맑은 고딕"/>
               </a:rPr>
               <a:t>주요 화면 설명</a:t>
             </a:r>
-            <a:endParaRPr b="0" lang="en-US" sz="2400" spc="-1" strike="noStrike">
+            <a:endParaRPr lang="en-US" sz="2400" b="0" strike="noStrike" spc="-1">
               <a:latin typeface="Noto Sans CJK KR"/>
             </a:endParaRPr>
           </a:p>
@@ -10428,30 +11666,7 @@
       </p:sp>
       <p:pic>
         <p:nvPicPr>
-          <p:cNvPr id="139" name="그림 3" descr=""/>
-          <p:cNvPicPr/>
-          <p:nvPr/>
-        </p:nvPicPr>
-        <p:blipFill>
-          <a:blip r:embed="rId1"/>
-          <a:stretch/>
-        </p:blipFill>
-        <p:spPr>
-          <a:xfrm>
-            <a:off x="595800" y="5040000"/>
-            <a:ext cx="3418920" cy="1428480"/>
-          </a:xfrm>
-          <a:prstGeom prst="rect">
-            <a:avLst/>
-          </a:prstGeom>
-          <a:ln>
-            <a:noFill/>
-          </a:ln>
-        </p:spPr>
-      </p:pic>
-      <p:pic>
-        <p:nvPicPr>
-          <p:cNvPr id="140" name="그림 7" descr=""/>
+          <p:cNvPr id="139" name="그림 3"/>
           <p:cNvPicPr/>
           <p:nvPr/>
         </p:nvPicPr>
@@ -10461,8 +11676,8 @@
         </p:blipFill>
         <p:spPr>
           <a:xfrm>
-            <a:off x="626760" y="1273320"/>
-            <a:ext cx="3396960" cy="1957680"/>
+            <a:off x="595800" y="5040000"/>
+            <a:ext cx="3418920" cy="1428480"/>
           </a:xfrm>
           <a:prstGeom prst="rect">
             <a:avLst/>
@@ -10474,7 +11689,7 @@
       </p:pic>
       <p:pic>
         <p:nvPicPr>
-          <p:cNvPr id="141" name="그림 10" descr=""/>
+          <p:cNvPr id="140" name="그림 7"/>
           <p:cNvPicPr/>
           <p:nvPr/>
         </p:nvPicPr>
@@ -10484,8 +11699,8 @@
         </p:blipFill>
         <p:spPr>
           <a:xfrm>
-            <a:off x="617760" y="3418200"/>
-            <a:ext cx="3396960" cy="1339560"/>
+            <a:off x="626760" y="1273320"/>
+            <a:ext cx="3396960" cy="1957680"/>
           </a:xfrm>
           <a:prstGeom prst="rect">
             <a:avLst/>
@@ -10497,7 +11712,7 @@
       </p:pic>
       <p:pic>
         <p:nvPicPr>
-          <p:cNvPr id="142" name="그림 15" descr=""/>
+          <p:cNvPr id="141" name="그림 10"/>
           <p:cNvPicPr/>
           <p:nvPr/>
         </p:nvPicPr>
@@ -10507,8 +11722,8 @@
         </p:blipFill>
         <p:spPr>
           <a:xfrm>
-            <a:off x="5601240" y="574920"/>
-            <a:ext cx="3511440" cy="1758600"/>
+            <a:off x="617760" y="3418200"/>
+            <a:ext cx="3396960" cy="1339560"/>
           </a:xfrm>
           <a:prstGeom prst="rect">
             <a:avLst/>
@@ -10520,7 +11735,7 @@
       </p:pic>
       <p:pic>
         <p:nvPicPr>
-          <p:cNvPr id="143" name="그림 17" descr=""/>
+          <p:cNvPr id="142" name="그림 15"/>
           <p:cNvPicPr/>
           <p:nvPr/>
         </p:nvPicPr>
@@ -10530,8 +11745,8 @@
         </p:blipFill>
         <p:spPr>
           <a:xfrm>
-            <a:off x="5601240" y="2635560"/>
-            <a:ext cx="3511440" cy="2108880"/>
+            <a:off x="5601240" y="574920"/>
+            <a:ext cx="3511440" cy="1758600"/>
           </a:xfrm>
           <a:prstGeom prst="rect">
             <a:avLst/>
@@ -10543,12 +11758,35 @@
       </p:pic>
       <p:pic>
         <p:nvPicPr>
-          <p:cNvPr id="144" name="그림 19" descr=""/>
+          <p:cNvPr id="143" name="그림 17"/>
           <p:cNvPicPr/>
           <p:nvPr/>
         </p:nvPicPr>
         <p:blipFill>
           <a:blip r:embed="rId6"/>
+          <a:stretch/>
+        </p:blipFill>
+        <p:spPr>
+          <a:xfrm>
+            <a:off x="5601240" y="2635560"/>
+            <a:ext cx="3511440" cy="2108880"/>
+          </a:xfrm>
+          <a:prstGeom prst="rect">
+            <a:avLst/>
+          </a:prstGeom>
+          <a:ln>
+            <a:noFill/>
+          </a:ln>
+        </p:spPr>
+      </p:pic>
+      <p:pic>
+        <p:nvPicPr>
+          <p:cNvPr id="144" name="그림 19"/>
+          <p:cNvPicPr/>
+          <p:nvPr/>
+        </p:nvPicPr>
+        <p:blipFill>
+          <a:blip r:embed="rId7"/>
           <a:stretch/>
         </p:blipFill>
         <p:spPr>
@@ -10734,19 +11972,14 @@
       </p:sp>
     </p:spTree>
   </p:cSld>
-  <mc:AlternateContent>
-    <mc:Choice Requires="p14">
-      <p:transition spd="slow" p14:dur="2000"/>
-    </mc:Choice>
-    <mc:Fallback>
-      <p:transition spd="slow"/>
-    </mc:Fallback>
-  </mc:AlternateContent>
+  <p:clrMapOvr>
+    <a:masterClrMapping/>
+  </p:clrMapOvr>
 </p:sld>
 </file>
 
 <file path=ppt/slides/slide8.xml><?xml version="1.0" encoding="utf-8"?>
-<p:sld xmlns:a="http://schemas.openxmlformats.org/drawingml/2006/main" xmlns:p="http://schemas.openxmlformats.org/presentationml/2006/main" xmlns:r="http://schemas.openxmlformats.org/officeDocument/2006/relationships" xmlns:p14="http://schemas.microsoft.com/office/powerpoint/2010/main" xmlns:p15="http://schemas.microsoft.com/office/powerpoint/2012/main" xmlns:mc="http://schemas.openxmlformats.org/markup-compatibility/2006">
+<p:sld xmlns:a="http://schemas.openxmlformats.org/drawingml/2006/main" xmlns:r="http://schemas.openxmlformats.org/officeDocument/2006/relationships" xmlns:p="http://schemas.openxmlformats.org/presentationml/2006/main">
   <p:cSld>
     <p:spTree>
       <p:nvGrpSpPr>
@@ -10834,9 +12067,10 @@
           <a:fontRef idx="minor"/>
         </p:style>
         <p:txBody>
-          <a:bodyPr lIns="90000" rIns="90000" tIns="45000" bIns="45000" anchor="ctr">
+          <a:bodyPr lIns="90000" tIns="45000" rIns="90000" bIns="45000" anchor="ctr">
             <a:noAutofit/>
           </a:bodyPr>
+          <a:lstStyle/>
           <a:p>
             <a:pPr algn="ctr">
               <a:lnSpc>
@@ -10844,15 +12078,15 @@
               </a:lnSpc>
             </a:pPr>
             <a:r>
-              <a:rPr b="1" lang="en-US" sz="1400" spc="-1" strike="noStrike">
-                <a:solidFill>
-                  <a:srgbClr val="fac090"/>
+              <a:rPr lang="en-US" sz="1400" b="1" strike="noStrike" spc="-1">
+                <a:solidFill>
+                  <a:srgbClr val="FAC090"/>
                 </a:solidFill>
                 <a:latin typeface="Noto Sans CJK KR"/>
               </a:rPr>
               <a:t>2</a:t>
             </a:r>
-            <a:endParaRPr b="0" lang="en-US" sz="1400" spc="-1" strike="noStrike">
+            <a:endParaRPr lang="en-US" sz="1400" b="0" strike="noStrike" spc="-1">
               <a:latin typeface="Noto Sans CJK KR"/>
             </a:endParaRPr>
           </a:p>
@@ -10878,15 +12112,22 @@
           </a:ln>
         </p:spPr>
         <p:style>
-          <a:lnRef idx="0"/>
-          <a:fillRef idx="0"/>
-          <a:effectRef idx="0"/>
+          <a:lnRef idx="0">
+            <a:scrgbClr r="0" g="0" b="0"/>
+          </a:lnRef>
+          <a:fillRef idx="0">
+            <a:scrgbClr r="0" g="0" b="0"/>
+          </a:fillRef>
+          <a:effectRef idx="0">
+            <a:scrgbClr r="0" g="0" b="0"/>
+          </a:effectRef>
           <a:fontRef idx="minor"/>
         </p:style>
         <p:txBody>
-          <a:bodyPr lIns="90000" rIns="90000" tIns="45000" bIns="45000">
+          <a:bodyPr lIns="90000" tIns="45000" rIns="90000" bIns="45000">
             <a:spAutoFit/>
           </a:bodyPr>
+          <a:lstStyle/>
           <a:p>
             <a:pPr>
               <a:lnSpc>
@@ -10894,15 +12135,15 @@
               </a:lnSpc>
             </a:pPr>
             <a:r>
-              <a:rPr b="1" lang="ko-KR" sz="2400" spc="-1" strike="noStrike">
-                <a:solidFill>
-                  <a:srgbClr val="ffffff"/>
+              <a:rPr lang="ko-KR" sz="2400" b="1" strike="noStrike" spc="-1">
+                <a:solidFill>
+                  <a:srgbClr val="FFFFFF"/>
                 </a:solidFill>
                 <a:latin typeface="맑은 고딕"/>
               </a:rPr>
               <a:t>주요 화면 설명</a:t>
             </a:r>
-            <a:endParaRPr b="0" lang="en-US" sz="2400" spc="-1" strike="noStrike">
+            <a:endParaRPr lang="en-US" sz="2400" b="0" strike="noStrike" spc="-1">
               <a:latin typeface="Noto Sans CJK KR"/>
             </a:endParaRPr>
           </a:p>
@@ -10910,12 +12151,12 @@
       </p:sp>
       <p:pic>
         <p:nvPicPr>
-          <p:cNvPr id="152" name="그림 7" descr=""/>
+          <p:cNvPr id="152" name="그림 7"/>
           <p:cNvPicPr/>
           <p:nvPr/>
         </p:nvPicPr>
         <p:blipFill>
-          <a:blip r:embed="rId1"/>
+          <a:blip r:embed="rId2"/>
           <a:stretch/>
         </p:blipFill>
         <p:spPr>
@@ -10933,12 +12174,12 @@
       </p:pic>
       <p:pic>
         <p:nvPicPr>
-          <p:cNvPr id="153" name="그림 9" descr=""/>
+          <p:cNvPr id="153" name="그림 9"/>
           <p:cNvPicPr/>
           <p:nvPr/>
         </p:nvPicPr>
         <p:blipFill>
-          <a:blip r:embed="rId2"/>
+          <a:blip r:embed="rId3"/>
           <a:stretch/>
         </p:blipFill>
         <p:spPr>
@@ -11040,19 +12281,14 @@
       </p:sp>
     </p:spTree>
   </p:cSld>
-  <mc:AlternateContent>
-    <mc:Choice Requires="p14">
-      <p:transition spd="slow" p14:dur="2000"/>
-    </mc:Choice>
-    <mc:Fallback>
-      <p:transition spd="slow"/>
-    </mc:Fallback>
-  </mc:AlternateContent>
+  <p:clrMapOvr>
+    <a:masterClrMapping/>
+  </p:clrMapOvr>
 </p:sld>
 </file>
 
 <file path=ppt/slides/slide9.xml><?xml version="1.0" encoding="utf-8"?>
-<p:sld xmlns:a="http://schemas.openxmlformats.org/drawingml/2006/main" xmlns:p="http://schemas.openxmlformats.org/presentationml/2006/main" xmlns:r="http://schemas.openxmlformats.org/officeDocument/2006/relationships" xmlns:p14="http://schemas.microsoft.com/office/powerpoint/2010/main" xmlns:p15="http://schemas.microsoft.com/office/powerpoint/2012/main" xmlns:mc="http://schemas.openxmlformats.org/markup-compatibility/2006">
+<p:sld xmlns:a="http://schemas.openxmlformats.org/drawingml/2006/main" xmlns:r="http://schemas.openxmlformats.org/officeDocument/2006/relationships" xmlns:p="http://schemas.openxmlformats.org/presentationml/2006/main">
   <p:cSld>
     <p:spTree>
       <p:nvGrpSpPr>
@@ -11173,9 +12409,10 @@
           <a:fontRef idx="minor"/>
         </p:style>
         <p:txBody>
-          <a:bodyPr lIns="90000" rIns="90000" tIns="45000" bIns="45000" anchor="ctr">
+          <a:bodyPr lIns="90000" tIns="45000" rIns="90000" bIns="45000" anchor="ctr">
             <a:noAutofit/>
           </a:bodyPr>
+          <a:lstStyle/>
           <a:p>
             <a:pPr algn="ctr">
               <a:lnSpc>
@@ -11183,15 +12420,15 @@
               </a:lnSpc>
             </a:pPr>
             <a:r>
-              <a:rPr b="1" lang="en-US" sz="1400" spc="-1" strike="noStrike">
-                <a:solidFill>
-                  <a:srgbClr val="fac090"/>
+              <a:rPr lang="en-US" sz="1400" b="1" strike="noStrike" spc="-1">
+                <a:solidFill>
+                  <a:srgbClr val="FAC090"/>
                 </a:solidFill>
                 <a:latin typeface="Noto Sans CJK KR"/>
               </a:rPr>
               <a:t>2</a:t>
             </a:r>
-            <a:endParaRPr b="0" lang="en-US" sz="1400" spc="-1" strike="noStrike">
+            <a:endParaRPr lang="en-US" sz="1400" b="0" strike="noStrike" spc="-1">
               <a:latin typeface="Noto Sans CJK KR"/>
             </a:endParaRPr>
           </a:p>
@@ -11217,15 +12454,22 @@
           </a:ln>
         </p:spPr>
         <p:style>
-          <a:lnRef idx="0"/>
-          <a:fillRef idx="0"/>
-          <a:effectRef idx="0"/>
+          <a:lnRef idx="0">
+            <a:scrgbClr r="0" g="0" b="0"/>
+          </a:lnRef>
+          <a:fillRef idx="0">
+            <a:scrgbClr r="0" g="0" b="0"/>
+          </a:fillRef>
+          <a:effectRef idx="0">
+            <a:scrgbClr r="0" g="0" b="0"/>
+          </a:effectRef>
           <a:fontRef idx="minor"/>
         </p:style>
         <p:txBody>
-          <a:bodyPr lIns="90000" rIns="90000" tIns="45000" bIns="45000">
+          <a:bodyPr lIns="90000" tIns="45000" rIns="90000" bIns="45000">
             <a:spAutoFit/>
           </a:bodyPr>
+          <a:lstStyle/>
           <a:p>
             <a:pPr>
               <a:lnSpc>
@@ -11233,15 +12477,15 @@
               </a:lnSpc>
             </a:pPr>
             <a:r>
-              <a:rPr b="1" lang="ko-KR" sz="2400" spc="-1" strike="noStrike">
-                <a:solidFill>
-                  <a:srgbClr val="ffffff"/>
+              <a:rPr lang="ko-KR" sz="2400" b="1" strike="noStrike" spc="-1">
+                <a:solidFill>
+                  <a:srgbClr val="FFFFFF"/>
                 </a:solidFill>
                 <a:latin typeface="맑은 고딕"/>
               </a:rPr>
               <a:t>주요 화면 설명</a:t>
             </a:r>
-            <a:endParaRPr b="0" lang="en-US" sz="2400" spc="-1" strike="noStrike">
+            <a:endParaRPr lang="en-US" sz="2400" b="0" strike="noStrike" spc="-1">
               <a:latin typeface="Noto Sans CJK KR"/>
             </a:endParaRPr>
           </a:p>
@@ -11249,30 +12493,7 @@
       </p:sp>
       <p:pic>
         <p:nvPicPr>
-          <p:cNvPr id="160" name="그림 5" descr=""/>
-          <p:cNvPicPr/>
-          <p:nvPr/>
-        </p:nvPicPr>
-        <p:blipFill>
-          <a:blip r:embed="rId1"/>
-          <a:stretch/>
-        </p:blipFill>
-        <p:spPr>
-          <a:xfrm>
-            <a:off x="624240" y="1553400"/>
-            <a:ext cx="3895920" cy="2111760"/>
-          </a:xfrm>
-          <a:prstGeom prst="rect">
-            <a:avLst/>
-          </a:prstGeom>
-          <a:ln>
-            <a:noFill/>
-          </a:ln>
-        </p:spPr>
-      </p:pic>
-      <p:pic>
-        <p:nvPicPr>
-          <p:cNvPr id="161" name="그림 7" descr=""/>
+          <p:cNvPr id="160" name="그림 5"/>
           <p:cNvPicPr/>
           <p:nvPr/>
         </p:nvPicPr>
@@ -11282,8 +12503,8 @@
         </p:blipFill>
         <p:spPr>
           <a:xfrm>
-            <a:off x="635760" y="3883680"/>
-            <a:ext cx="3928680" cy="2134800"/>
+            <a:off x="624240" y="1553400"/>
+            <a:ext cx="3895920" cy="2111760"/>
           </a:xfrm>
           <a:prstGeom prst="rect">
             <a:avLst/>
@@ -11295,7 +12516,7 @@
       </p:pic>
       <p:pic>
         <p:nvPicPr>
-          <p:cNvPr id="162" name="그림 9" descr=""/>
+          <p:cNvPr id="161" name="그림 7"/>
           <p:cNvPicPr/>
           <p:nvPr/>
         </p:nvPicPr>
@@ -11305,8 +12526,8 @@
         </p:blipFill>
         <p:spPr>
           <a:xfrm>
-            <a:off x="5306400" y="1549800"/>
-            <a:ext cx="4060440" cy="2111760"/>
+            <a:off x="635760" y="3883680"/>
+            <a:ext cx="3928680" cy="2134800"/>
           </a:xfrm>
           <a:prstGeom prst="rect">
             <a:avLst/>
@@ -11318,12 +12539,35 @@
       </p:pic>
       <p:pic>
         <p:nvPicPr>
-          <p:cNvPr id="163" name="그림 11" descr=""/>
+          <p:cNvPr id="162" name="그림 9"/>
           <p:cNvPicPr/>
           <p:nvPr/>
         </p:nvPicPr>
         <p:blipFill>
           <a:blip r:embed="rId4"/>
+          <a:stretch/>
+        </p:blipFill>
+        <p:spPr>
+          <a:xfrm>
+            <a:off x="5306400" y="1549800"/>
+            <a:ext cx="4060440" cy="2111760"/>
+          </a:xfrm>
+          <a:prstGeom prst="rect">
+            <a:avLst/>
+          </a:prstGeom>
+          <a:ln>
+            <a:noFill/>
+          </a:ln>
+        </p:spPr>
+      </p:pic>
+      <p:pic>
+        <p:nvPicPr>
+          <p:cNvPr id="163" name="그림 11"/>
+          <p:cNvPicPr/>
+          <p:nvPr/>
+        </p:nvPicPr>
+        <p:blipFill>
+          <a:blip r:embed="rId5"/>
           <a:stretch/>
         </p:blipFill>
         <p:spPr>
@@ -11422,14 +12666,9 @@
       </p:sp>
     </p:spTree>
   </p:cSld>
-  <mc:AlternateContent>
-    <mc:Choice Requires="p14">
-      <p:transition spd="slow" p14:dur="2000"/>
-    </mc:Choice>
-    <mc:Fallback>
-      <p:transition spd="slow"/>
-    </mc:Fallback>
-  </mc:AlternateContent>
+  <p:clrMapOvr>
+    <a:masterClrMapping/>
+  </p:clrMapOvr>
 </p:sld>
 </file>
 
@@ -11444,31 +12683,31 @@
         <a:sysClr val="window" lastClr="FFFFFF"/>
       </a:lt1>
       <a:dk2>
-        <a:srgbClr val="1f497d"/>
+        <a:srgbClr val="1F497D"/>
       </a:dk2>
       <a:lt2>
-        <a:srgbClr val="eeece1"/>
+        <a:srgbClr val="EEECE1"/>
       </a:lt2>
       <a:accent1>
-        <a:srgbClr val="4f81bd"/>
+        <a:srgbClr val="4F81BD"/>
       </a:accent1>
       <a:accent2>
-        <a:srgbClr val="c0504d"/>
+        <a:srgbClr val="C0504D"/>
       </a:accent2>
       <a:accent3>
-        <a:srgbClr val="9bbb59"/>
+        <a:srgbClr val="9BBB59"/>
       </a:accent3>
       <a:accent4>
-        <a:srgbClr val="8064a2"/>
+        <a:srgbClr val="8064A2"/>
       </a:accent4>
       <a:accent5>
-        <a:srgbClr val="4bacc6"/>
+        <a:srgbClr val="4BACC6"/>
       </a:accent5>
       <a:accent6>
-        <a:srgbClr val="f79646"/>
+        <a:srgbClr val="F79646"/>
       </a:accent6>
       <a:hlink>
-        <a:srgbClr val="0000ff"/>
+        <a:srgbClr val="0000FF"/>
       </a:hlink>
       <a:folHlink>
         <a:srgbClr val="800080"/>
@@ -11656,6 +12895,8 @@
       </a:bgFillStyleLst>
     </a:fmtScheme>
   </a:themeElements>
+  <a:objectDefaults/>
+  <a:extraClrSchemeLst/>
 </a:theme>
 </file>
 
@@ -11670,31 +12911,31 @@
         <a:sysClr val="window" lastClr="FFFFFF"/>
       </a:lt1>
       <a:dk2>
-        <a:srgbClr val="1f497d"/>
+        <a:srgbClr val="1F497D"/>
       </a:dk2>
       <a:lt2>
-        <a:srgbClr val="eeece1"/>
+        <a:srgbClr val="EEECE1"/>
       </a:lt2>
       <a:accent1>
-        <a:srgbClr val="4f81bd"/>
+        <a:srgbClr val="4F81BD"/>
       </a:accent1>
       <a:accent2>
-        <a:srgbClr val="c0504d"/>
+        <a:srgbClr val="C0504D"/>
       </a:accent2>
       <a:accent3>
-        <a:srgbClr val="9bbb59"/>
+        <a:srgbClr val="9BBB59"/>
       </a:accent3>
       <a:accent4>
-        <a:srgbClr val="8064a2"/>
+        <a:srgbClr val="8064A2"/>
       </a:accent4>
       <a:accent5>
-        <a:srgbClr val="4bacc6"/>
+        <a:srgbClr val="4BACC6"/>
       </a:accent5>
       <a:accent6>
-        <a:srgbClr val="f79646"/>
+        <a:srgbClr val="F79646"/>
       </a:accent6>
       <a:hlink>
-        <a:srgbClr val="0000ff"/>
+        <a:srgbClr val="0000FF"/>
       </a:hlink>
       <a:folHlink>
         <a:srgbClr val="800080"/>
@@ -11882,6 +13123,8 @@
       </a:bgFillStyleLst>
     </a:fmtScheme>
   </a:themeElements>
+  <a:objectDefaults/>
+  <a:extraClrSchemeLst/>
 </a:theme>
 </file>
 
@@ -11896,31 +13139,31 @@
         <a:sysClr val="window" lastClr="FFFFFF"/>
       </a:lt1>
       <a:dk2>
-        <a:srgbClr val="1f497d"/>
+        <a:srgbClr val="1F497D"/>
       </a:dk2>
       <a:lt2>
-        <a:srgbClr val="eeece1"/>
+        <a:srgbClr val="EEECE1"/>
       </a:lt2>
       <a:accent1>
-        <a:srgbClr val="4f81bd"/>
+        <a:srgbClr val="4F81BD"/>
       </a:accent1>
       <a:accent2>
-        <a:srgbClr val="c0504d"/>
+        <a:srgbClr val="C0504D"/>
       </a:accent2>
       <a:accent3>
-        <a:srgbClr val="9bbb59"/>
+        <a:srgbClr val="9BBB59"/>
       </a:accent3>
       <a:accent4>
-        <a:srgbClr val="8064a2"/>
+        <a:srgbClr val="8064A2"/>
       </a:accent4>
       <a:accent5>
-        <a:srgbClr val="4bacc6"/>
+        <a:srgbClr val="4BACC6"/>
       </a:accent5>
       <a:accent6>
-        <a:srgbClr val="f79646"/>
+        <a:srgbClr val="F79646"/>
       </a:accent6>
       <a:hlink>
-        <a:srgbClr val="0000ff"/>
+        <a:srgbClr val="0000FF"/>
       </a:hlink>
       <a:folHlink>
         <a:srgbClr val="800080"/>
@@ -12108,5 +13351,7 @@
       </a:bgFillStyleLst>
     </a:fmtScheme>
   </a:themeElements>
+  <a:objectDefaults/>
+  <a:extraClrSchemeLst/>
 </a:theme>
 </file>